--- a/수업/8. JavaScript (4)/PPT/JavaScript(4).pptx
+++ b/수업/8. JavaScript (4)/PPT/JavaScript(4).pptx
@@ -8,7 +8,31 @@
     <p:sldId id="257" r:id="rId2"/>
     <p:sldId id="258" r:id="rId3"/>
     <p:sldId id="259" r:id="rId4"/>
-    <p:sldId id="260" r:id="rId5"/>
+    <p:sldId id="261" r:id="rId5"/>
+    <p:sldId id="262" r:id="rId6"/>
+    <p:sldId id="263" r:id="rId7"/>
+    <p:sldId id="260" r:id="rId8"/>
+    <p:sldId id="265" r:id="rId9"/>
+    <p:sldId id="267" r:id="rId10"/>
+    <p:sldId id="268" r:id="rId11"/>
+    <p:sldId id="269" r:id="rId12"/>
+    <p:sldId id="266" r:id="rId13"/>
+    <p:sldId id="272" r:id="rId14"/>
+    <p:sldId id="273" r:id="rId15"/>
+    <p:sldId id="274" r:id="rId16"/>
+    <p:sldId id="276" r:id="rId17"/>
+    <p:sldId id="277" r:id="rId18"/>
+    <p:sldId id="279" r:id="rId19"/>
+    <p:sldId id="280" r:id="rId20"/>
+    <p:sldId id="281" r:id="rId21"/>
+    <p:sldId id="282" r:id="rId22"/>
+    <p:sldId id="283" r:id="rId23"/>
+    <p:sldId id="284" r:id="rId24"/>
+    <p:sldId id="275" r:id="rId25"/>
+    <p:sldId id="278" r:id="rId26"/>
+    <p:sldId id="285" r:id="rId27"/>
+    <p:sldId id="286" r:id="rId28"/>
+    <p:sldId id="287" r:id="rId29"/>
   </p:sldIdLst>
   <p:sldSz cx="12192000" cy="6858000"/>
   <p:notesSz cx="6858000" cy="9144000"/>
@@ -107,6 +131,11 @@
       </a:defRPr>
     </a:lvl9pPr>
   </p:defaultTextStyle>
+  <p:extLst>
+    <p:ext uri="{EFAFB233-063F-42B5-8137-9DF3F51BA10A}">
+      <p15:sldGuideLst xmlns:p15="http://schemas.microsoft.com/office/powerpoint/2012/main"/>
+    </p:ext>
+  </p:extLst>
 </p:presentation>
 </file>
 
@@ -257,7 +286,7 @@
           <a:p>
             <a:fld id="{FEE42A0A-E5B9-4C1F-82E3-47D4DF1CA831}" type="datetimeFigureOut">
               <a:rPr lang="ko-KR" altLang="en-US" smtClean="0"/>
-              <a:t>2021-10-12</a:t>
+              <a:t>2021-10-21</a:t>
             </a:fld>
             <a:endParaRPr lang="ko-KR" altLang="en-US"/>
           </a:p>
@@ -455,7 +484,7 @@
           <a:p>
             <a:fld id="{FEE42A0A-E5B9-4C1F-82E3-47D4DF1CA831}" type="datetimeFigureOut">
               <a:rPr lang="ko-KR" altLang="en-US" smtClean="0"/>
-              <a:t>2021-10-12</a:t>
+              <a:t>2021-10-21</a:t>
             </a:fld>
             <a:endParaRPr lang="ko-KR" altLang="en-US"/>
           </a:p>
@@ -663,7 +692,7 @@
           <a:p>
             <a:fld id="{FEE42A0A-E5B9-4C1F-82E3-47D4DF1CA831}" type="datetimeFigureOut">
               <a:rPr lang="ko-KR" altLang="en-US" smtClean="0"/>
-              <a:t>2021-10-12</a:t>
+              <a:t>2021-10-21</a:t>
             </a:fld>
             <a:endParaRPr lang="ko-KR" altLang="en-US"/>
           </a:p>
@@ -861,7 +890,7 @@
           <a:p>
             <a:fld id="{FEE42A0A-E5B9-4C1F-82E3-47D4DF1CA831}" type="datetimeFigureOut">
               <a:rPr lang="ko-KR" altLang="en-US" smtClean="0"/>
-              <a:t>2021-10-12</a:t>
+              <a:t>2021-10-21</a:t>
             </a:fld>
             <a:endParaRPr lang="ko-KR" altLang="en-US"/>
           </a:p>
@@ -1136,7 +1165,7 @@
           <a:p>
             <a:fld id="{FEE42A0A-E5B9-4C1F-82E3-47D4DF1CA831}" type="datetimeFigureOut">
               <a:rPr lang="ko-KR" altLang="en-US" smtClean="0"/>
-              <a:t>2021-10-12</a:t>
+              <a:t>2021-10-21</a:t>
             </a:fld>
             <a:endParaRPr lang="ko-KR" altLang="en-US"/>
           </a:p>
@@ -1401,7 +1430,7 @@
           <a:p>
             <a:fld id="{FEE42A0A-E5B9-4C1F-82E3-47D4DF1CA831}" type="datetimeFigureOut">
               <a:rPr lang="ko-KR" altLang="en-US" smtClean="0"/>
-              <a:t>2021-10-12</a:t>
+              <a:t>2021-10-21</a:t>
             </a:fld>
             <a:endParaRPr lang="ko-KR" altLang="en-US"/>
           </a:p>
@@ -1813,7 +1842,7 @@
           <a:p>
             <a:fld id="{FEE42A0A-E5B9-4C1F-82E3-47D4DF1CA831}" type="datetimeFigureOut">
               <a:rPr lang="ko-KR" altLang="en-US" smtClean="0"/>
-              <a:t>2021-10-12</a:t>
+              <a:t>2021-10-21</a:t>
             </a:fld>
             <a:endParaRPr lang="ko-KR" altLang="en-US"/>
           </a:p>
@@ -1954,7 +1983,7 @@
           <a:p>
             <a:fld id="{FEE42A0A-E5B9-4C1F-82E3-47D4DF1CA831}" type="datetimeFigureOut">
               <a:rPr lang="ko-KR" altLang="en-US" smtClean="0"/>
-              <a:t>2021-10-12</a:t>
+              <a:t>2021-10-21</a:t>
             </a:fld>
             <a:endParaRPr lang="ko-KR" altLang="en-US"/>
           </a:p>
@@ -2067,7 +2096,7 @@
           <a:p>
             <a:fld id="{FEE42A0A-E5B9-4C1F-82E3-47D4DF1CA831}" type="datetimeFigureOut">
               <a:rPr lang="ko-KR" altLang="en-US" smtClean="0"/>
-              <a:t>2021-10-12</a:t>
+              <a:t>2021-10-21</a:t>
             </a:fld>
             <a:endParaRPr lang="ko-KR" altLang="en-US"/>
           </a:p>
@@ -2378,7 +2407,7 @@
           <a:p>
             <a:fld id="{FEE42A0A-E5B9-4C1F-82E3-47D4DF1CA831}" type="datetimeFigureOut">
               <a:rPr lang="ko-KR" altLang="en-US" smtClean="0"/>
-              <a:t>2021-10-12</a:t>
+              <a:t>2021-10-21</a:t>
             </a:fld>
             <a:endParaRPr lang="ko-KR" altLang="en-US"/>
           </a:p>
@@ -2666,7 +2695,7 @@
           <a:p>
             <a:fld id="{FEE42A0A-E5B9-4C1F-82E3-47D4DF1CA831}" type="datetimeFigureOut">
               <a:rPr lang="ko-KR" altLang="en-US" smtClean="0"/>
-              <a:t>2021-10-12</a:t>
+              <a:t>2021-10-21</a:t>
             </a:fld>
             <a:endParaRPr lang="ko-KR" altLang="en-US"/>
           </a:p>
@@ -2907,7 +2936,7 @@
           <a:p>
             <a:fld id="{FEE42A0A-E5B9-4C1F-82E3-47D4DF1CA831}" type="datetimeFigureOut">
               <a:rPr lang="ko-KR" altLang="en-US" smtClean="0"/>
-              <a:t>2021-10-12</a:t>
+              <a:t>2021-10-21</a:t>
             </a:fld>
             <a:endParaRPr lang="ko-KR" altLang="en-US"/>
           </a:p>
@@ -3349,6 +3378,11 @@
               <a:rPr lang="ko-KR" altLang="en-US"/>
               <a:t>반복</a:t>
             </a:r>
+            <a:r>
+              <a:rPr lang="en-US" altLang="ko-KR"/>
+              <a:t>( loop )</a:t>
+            </a:r>
+            <a:endParaRPr lang="ko-KR" altLang="en-US"/>
           </a:p>
         </p:txBody>
       </p:sp>
@@ -3399,6 +3433,2193 @@
     <p:extLst>
       <p:ext uri="{BB962C8B-B14F-4D97-AF65-F5344CB8AC3E}">
         <p14:creationId xmlns:p14="http://schemas.microsoft.com/office/powerpoint/2010/main" val="3089930869"/>
+      </p:ext>
+    </p:extLst>
+  </p:cSld>
+  <p:clrMapOvr>
+    <a:masterClrMapping/>
+  </p:clrMapOvr>
+</p:sld>
+</file>
+
+<file path=ppt/slides/slide10.xml><?xml version="1.0" encoding="utf-8"?>
+<p:sld xmlns:a="http://schemas.openxmlformats.org/drawingml/2006/main" xmlns:r="http://schemas.openxmlformats.org/officeDocument/2006/relationships" xmlns:p="http://schemas.openxmlformats.org/presentationml/2006/main">
+  <p:cSld>
+    <p:spTree>
+      <p:nvGrpSpPr>
+        <p:cNvPr id="1" name=""/>
+        <p:cNvGrpSpPr/>
+        <p:nvPr/>
+      </p:nvGrpSpPr>
+      <p:grpSpPr>
+        <a:xfrm>
+          <a:off x="0" y="0"/>
+          <a:ext cx="0" cy="0"/>
+          <a:chOff x="0" y="0"/>
+          <a:chExt cx="0" cy="0"/>
+        </a:xfrm>
+      </p:grpSpPr>
+      <p:sp>
+        <p:nvSpPr>
+          <p:cNvPr id="2" name="제목 1">
+            <a:extLst>
+              <a:ext uri="{FF2B5EF4-FFF2-40B4-BE49-F238E27FC236}">
+                <a16:creationId xmlns:a16="http://schemas.microsoft.com/office/drawing/2014/main" id="{D9117982-4DC4-4B0C-ACC8-3B5138458EFF}"/>
+              </a:ext>
+            </a:extLst>
+          </p:cNvPr>
+          <p:cNvSpPr>
+            <a:spLocks noGrp="1"/>
+          </p:cNvSpPr>
+          <p:nvPr>
+            <p:ph type="title"/>
+          </p:nvPr>
+        </p:nvSpPr>
+        <p:spPr/>
+        <p:txBody>
+          <a:bodyPr/>
+          <a:lstStyle/>
+          <a:p>
+            <a:r>
+              <a:rPr lang="en-US" altLang="ko-KR"/>
+              <a:t>filter( )</a:t>
+            </a:r>
+            <a:endParaRPr lang="ko-KR" altLang="en-US"/>
+          </a:p>
+        </p:txBody>
+      </p:sp>
+      <p:sp>
+        <p:nvSpPr>
+          <p:cNvPr id="3" name="내용 개체 틀 2">
+            <a:extLst>
+              <a:ext uri="{FF2B5EF4-FFF2-40B4-BE49-F238E27FC236}">
+                <a16:creationId xmlns:a16="http://schemas.microsoft.com/office/drawing/2014/main" id="{E299737B-453C-45C3-90B6-7DA8EFE82148}"/>
+              </a:ext>
+            </a:extLst>
+          </p:cNvPr>
+          <p:cNvSpPr>
+            <a:spLocks noGrp="1"/>
+          </p:cNvSpPr>
+          <p:nvPr>
+            <p:ph idx="1"/>
+          </p:nvPr>
+        </p:nvSpPr>
+        <p:spPr/>
+        <p:txBody>
+          <a:bodyPr/>
+          <a:lstStyle/>
+          <a:p>
+            <a:r>
+              <a:rPr lang="ko-KR" altLang="en-US"/>
+              <a:t>배열을 받아</a:t>
+            </a:r>
+            <a:r>
+              <a:rPr lang="en-US" altLang="ko-KR"/>
+              <a:t>, </a:t>
+            </a:r>
+            <a:r>
+              <a:rPr lang="ko-KR" altLang="en-US"/>
+              <a:t>조건에 맞는 요소만 모아 새 배열로 만든다</a:t>
+            </a:r>
+            <a:r>
+              <a:rPr lang="en-US" altLang="ko-KR"/>
+              <a:t>.</a:t>
+            </a:r>
+            <a:r>
+              <a:rPr lang="ko-KR" altLang="en-US"/>
+              <a:t> </a:t>
+            </a:r>
+          </a:p>
+        </p:txBody>
+      </p:sp>
+    </p:spTree>
+    <p:extLst>
+      <p:ext uri="{BB962C8B-B14F-4D97-AF65-F5344CB8AC3E}">
+        <p14:creationId xmlns:p14="http://schemas.microsoft.com/office/powerpoint/2010/main" val="2683519101"/>
+      </p:ext>
+    </p:extLst>
+  </p:cSld>
+  <p:clrMapOvr>
+    <a:masterClrMapping/>
+  </p:clrMapOvr>
+</p:sld>
+</file>
+
+<file path=ppt/slides/slide11.xml><?xml version="1.0" encoding="utf-8"?>
+<p:sld xmlns:a="http://schemas.openxmlformats.org/drawingml/2006/main" xmlns:r="http://schemas.openxmlformats.org/officeDocument/2006/relationships" xmlns:p="http://schemas.openxmlformats.org/presentationml/2006/main">
+  <p:cSld>
+    <p:spTree>
+      <p:nvGrpSpPr>
+        <p:cNvPr id="1" name=""/>
+        <p:cNvGrpSpPr/>
+        <p:nvPr/>
+      </p:nvGrpSpPr>
+      <p:grpSpPr>
+        <a:xfrm>
+          <a:off x="0" y="0"/>
+          <a:ext cx="0" cy="0"/>
+          <a:chOff x="0" y="0"/>
+          <a:chExt cx="0" cy="0"/>
+        </a:xfrm>
+      </p:grpSpPr>
+      <p:pic>
+        <p:nvPicPr>
+          <p:cNvPr id="7" name="그림 6">
+            <a:extLst>
+              <a:ext uri="{FF2B5EF4-FFF2-40B4-BE49-F238E27FC236}">
+                <a16:creationId xmlns:a16="http://schemas.microsoft.com/office/drawing/2014/main" id="{B80C4D5D-7012-46F7-BE57-1DF39015E0D0}"/>
+              </a:ext>
+            </a:extLst>
+          </p:cNvPr>
+          <p:cNvPicPr>
+            <a:picLocks noChangeAspect="1"/>
+          </p:cNvPicPr>
+          <p:nvPr/>
+        </p:nvPicPr>
+        <p:blipFill>
+          <a:blip r:embed="rId2"/>
+          <a:stretch>
+            <a:fillRect/>
+          </a:stretch>
+        </p:blipFill>
+        <p:spPr>
+          <a:xfrm>
+            <a:off x="377504" y="427645"/>
+            <a:ext cx="10628852" cy="1912799"/>
+          </a:xfrm>
+          <a:prstGeom prst="rect">
+            <a:avLst/>
+          </a:prstGeom>
+        </p:spPr>
+      </p:pic>
+      <p:cxnSp>
+        <p:nvCxnSpPr>
+          <p:cNvPr id="8" name="직선 연결선 7">
+            <a:extLst>
+              <a:ext uri="{FF2B5EF4-FFF2-40B4-BE49-F238E27FC236}">
+                <a16:creationId xmlns:a16="http://schemas.microsoft.com/office/drawing/2014/main" id="{A7BA0118-951D-4959-AACA-E778D97A0BEC}"/>
+              </a:ext>
+            </a:extLst>
+          </p:cNvPr>
+          <p:cNvCxnSpPr>
+            <a:cxnSpLocks/>
+          </p:cNvCxnSpPr>
+          <p:nvPr/>
+        </p:nvCxnSpPr>
+        <p:spPr>
+          <a:xfrm>
+            <a:off x="7793373" y="1586618"/>
+            <a:ext cx="2885812" cy="0"/>
+          </a:xfrm>
+          <a:prstGeom prst="line">
+            <a:avLst/>
+          </a:prstGeom>
+          <a:ln w="57150"/>
+        </p:spPr>
+        <p:style>
+          <a:lnRef idx="1">
+            <a:schemeClr val="accent1"/>
+          </a:lnRef>
+          <a:fillRef idx="0">
+            <a:schemeClr val="accent1"/>
+          </a:fillRef>
+          <a:effectRef idx="0">
+            <a:schemeClr val="accent1"/>
+          </a:effectRef>
+          <a:fontRef idx="minor">
+            <a:schemeClr val="tx1"/>
+          </a:fontRef>
+        </p:style>
+      </p:cxnSp>
+      <p:sp>
+        <p:nvSpPr>
+          <p:cNvPr id="13" name="TextBox 12">
+            <a:extLst>
+              <a:ext uri="{FF2B5EF4-FFF2-40B4-BE49-F238E27FC236}">
+                <a16:creationId xmlns:a16="http://schemas.microsoft.com/office/drawing/2014/main" id="{04B61AE5-1822-4B66-B98F-B81B590ED35D}"/>
+              </a:ext>
+            </a:extLst>
+          </p:cNvPr>
+          <p:cNvSpPr txBox="1"/>
+          <p:nvPr/>
+        </p:nvSpPr>
+        <p:spPr>
+          <a:xfrm>
+            <a:off x="377504" y="2745592"/>
+            <a:ext cx="5133136" cy="2308324"/>
+          </a:xfrm>
+          <a:prstGeom prst="rect">
+            <a:avLst/>
+          </a:prstGeom>
+          <a:noFill/>
+        </p:spPr>
+        <p:txBody>
+          <a:bodyPr wrap="none" rtlCol="0">
+            <a:spAutoFit/>
+          </a:bodyPr>
+          <a:lstStyle/>
+          <a:p>
+            <a:r>
+              <a:rPr lang="en-US" altLang="ko-KR"/>
+              <a:t>filter( ) </a:t>
+            </a:r>
+            <a:r>
+              <a:rPr lang="ko-KR" altLang="en-US"/>
+              <a:t>역시</a:t>
+            </a:r>
+            <a:r>
+              <a:rPr lang="en-US" altLang="ko-KR"/>
+              <a:t> </a:t>
+            </a:r>
+            <a:r>
+              <a:rPr lang="ko-KR" altLang="en-US"/>
+              <a:t>배열에서 사용 가능한 내장함수다</a:t>
+            </a:r>
+            <a:r>
+              <a:rPr lang="en-US" altLang="ko-KR"/>
+              <a:t>.</a:t>
+            </a:r>
+          </a:p>
+          <a:p>
+            <a:r>
+              <a:rPr lang="ko-KR" altLang="en-US"/>
+              <a:t>파라미터는 하나다</a:t>
+            </a:r>
+            <a:r>
+              <a:rPr lang="en-US" altLang="ko-KR"/>
+              <a:t>.</a:t>
+            </a:r>
+          </a:p>
+          <a:p>
+            <a:r>
+              <a:rPr lang="ko-KR" altLang="en-US"/>
+              <a:t>함수 전체가 파라미터로 들어간다</a:t>
+            </a:r>
+            <a:r>
+              <a:rPr lang="en-US" altLang="ko-KR"/>
+              <a:t>. </a:t>
+            </a:r>
+            <a:r>
+              <a:rPr lang="ko-KR" altLang="en-US"/>
+              <a:t>즉</a:t>
+            </a:r>
+            <a:r>
+              <a:rPr lang="en-US" altLang="ko-KR"/>
+              <a:t>, </a:t>
+            </a:r>
+            <a:r>
+              <a:rPr lang="ko-KR" altLang="en-US"/>
+              <a:t>콜백이다</a:t>
+            </a:r>
+            <a:r>
+              <a:rPr lang="en-US" altLang="ko-KR"/>
+              <a:t>.</a:t>
+            </a:r>
+          </a:p>
+          <a:p>
+            <a:r>
+              <a:rPr lang="en-US" altLang="ko-KR"/>
+              <a:t>menus (</a:t>
+            </a:r>
+            <a:r>
+              <a:rPr lang="ko-KR" altLang="en-US"/>
+              <a:t>복수</a:t>
+            </a:r>
+            <a:r>
+              <a:rPr lang="en-US" altLang="ko-KR"/>
+              <a:t>)</a:t>
+            </a:r>
+            <a:r>
+              <a:rPr lang="ko-KR" altLang="en-US"/>
+              <a:t>의 각각의 요소는 </a:t>
+            </a:r>
+            <a:r>
+              <a:rPr lang="en-US" altLang="ko-KR"/>
+              <a:t>menu (</a:t>
+            </a:r>
+            <a:r>
+              <a:rPr lang="ko-KR" altLang="en-US"/>
+              <a:t>단수</a:t>
+            </a:r>
+            <a:r>
+              <a:rPr lang="en-US" altLang="ko-KR"/>
+              <a:t>)</a:t>
+            </a:r>
+            <a:r>
+              <a:rPr lang="ko-KR" altLang="en-US"/>
+              <a:t>다</a:t>
+            </a:r>
+            <a:r>
+              <a:rPr lang="en-US" altLang="ko-KR"/>
+              <a:t>.</a:t>
+            </a:r>
+          </a:p>
+          <a:p>
+            <a:endParaRPr lang="en-US" altLang="ko-KR"/>
+          </a:p>
+          <a:p>
+            <a:endParaRPr lang="en-US" altLang="ko-KR"/>
+          </a:p>
+          <a:p>
+            <a:r>
+              <a:rPr lang="ko-KR" altLang="en-US"/>
+              <a:t>밑줄 친 콜백함수의 리턴값은 조건이다</a:t>
+            </a:r>
+            <a:r>
+              <a:rPr lang="en-US" altLang="ko-KR"/>
+              <a:t>. </a:t>
+            </a:r>
+          </a:p>
+          <a:p>
+            <a:r>
+              <a:rPr lang="ko-KR" altLang="en-US"/>
+              <a:t>조건에 맞는것만</a:t>
+            </a:r>
+            <a:r>
+              <a:rPr lang="en-US" altLang="ko-KR"/>
+              <a:t> </a:t>
+            </a:r>
+            <a:r>
+              <a:rPr lang="ko-KR" altLang="en-US"/>
+              <a:t>새로운 배열로 만든다</a:t>
+            </a:r>
+          </a:p>
+        </p:txBody>
+      </p:sp>
+      <p:sp>
+        <p:nvSpPr>
+          <p:cNvPr id="14" name="TextBox 13">
+            <a:extLst>
+              <a:ext uri="{FF2B5EF4-FFF2-40B4-BE49-F238E27FC236}">
+                <a16:creationId xmlns:a16="http://schemas.microsoft.com/office/drawing/2014/main" id="{A60714E8-0CC0-4B20-BE2F-40EBAF475DED}"/>
+              </a:ext>
+            </a:extLst>
+          </p:cNvPr>
+          <p:cNvSpPr txBox="1"/>
+          <p:nvPr/>
+        </p:nvSpPr>
+        <p:spPr>
+          <a:xfrm>
+            <a:off x="5788004" y="3325103"/>
+            <a:ext cx="5742213" cy="369332"/>
+          </a:xfrm>
+          <a:prstGeom prst="rect">
+            <a:avLst/>
+          </a:prstGeom>
+          <a:noFill/>
+        </p:spPr>
+        <p:txBody>
+          <a:bodyPr wrap="none" rtlCol="0">
+            <a:spAutoFit/>
+          </a:bodyPr>
+          <a:lstStyle/>
+          <a:p>
+            <a:r>
+              <a:rPr lang="en-US" altLang="ko-KR"/>
+              <a:t>students  [“</a:t>
+            </a:r>
+            <a:r>
+              <a:rPr lang="ko-KR" altLang="en-US"/>
+              <a:t>조교행님</a:t>
+            </a:r>
+            <a:r>
+              <a:rPr lang="en-US" altLang="ko-KR"/>
+              <a:t>“, “</a:t>
+            </a:r>
+            <a:r>
+              <a:rPr lang="ko-KR" altLang="en-US"/>
+              <a:t>지연이</a:t>
+            </a:r>
+            <a:r>
+              <a:rPr lang="en-US" altLang="ko-KR"/>
+              <a:t>”, “</a:t>
+            </a:r>
+            <a:r>
+              <a:rPr lang="ko-KR" altLang="en-US"/>
+              <a:t>혁주</a:t>
+            </a:r>
+            <a:r>
+              <a:rPr lang="en-US" altLang="ko-KR"/>
+              <a:t>”, “</a:t>
+            </a:r>
+            <a:r>
+              <a:rPr lang="ko-KR" altLang="en-US"/>
+              <a:t>민지</a:t>
+            </a:r>
+            <a:r>
+              <a:rPr lang="en-US" altLang="ko-KR"/>
+              <a:t>”, “</a:t>
+            </a:r>
+            <a:r>
+              <a:rPr lang="ko-KR" altLang="en-US"/>
+              <a:t>은혁</a:t>
+            </a:r>
+            <a:r>
+              <a:rPr lang="en-US" altLang="ko-KR"/>
+              <a:t>”]</a:t>
+            </a:r>
+            <a:endParaRPr lang="ko-KR" altLang="en-US"/>
+          </a:p>
+        </p:txBody>
+      </p:sp>
+      <p:sp>
+        <p:nvSpPr>
+          <p:cNvPr id="15" name="화살표: 아래쪽 14">
+            <a:extLst>
+              <a:ext uri="{FF2B5EF4-FFF2-40B4-BE49-F238E27FC236}">
+                <a16:creationId xmlns:a16="http://schemas.microsoft.com/office/drawing/2014/main" id="{08309160-DDC6-4927-97A3-EA2C3A488E71}"/>
+              </a:ext>
+            </a:extLst>
+          </p:cNvPr>
+          <p:cNvSpPr/>
+          <p:nvPr/>
+        </p:nvSpPr>
+        <p:spPr>
+          <a:xfrm>
+            <a:off x="8187655" y="3904294"/>
+            <a:ext cx="343949" cy="687897"/>
+          </a:xfrm>
+          <a:prstGeom prst="downArrow">
+            <a:avLst/>
+          </a:prstGeom>
+        </p:spPr>
+        <p:style>
+          <a:lnRef idx="2">
+            <a:schemeClr val="accent1">
+              <a:shade val="50000"/>
+            </a:schemeClr>
+          </a:lnRef>
+          <a:fillRef idx="1">
+            <a:schemeClr val="accent1"/>
+          </a:fillRef>
+          <a:effectRef idx="0">
+            <a:schemeClr val="accent1"/>
+          </a:effectRef>
+          <a:fontRef idx="minor">
+            <a:schemeClr val="lt1"/>
+          </a:fontRef>
+        </p:style>
+        <p:txBody>
+          <a:bodyPr rtlCol="0" anchor="ctr"/>
+          <a:lstStyle/>
+          <a:p>
+            <a:pPr algn="ctr"/>
+            <a:endParaRPr lang="ko-KR" altLang="en-US"/>
+          </a:p>
+        </p:txBody>
+      </p:sp>
+      <p:sp>
+        <p:nvSpPr>
+          <p:cNvPr id="16" name="TextBox 15">
+            <a:extLst>
+              <a:ext uri="{FF2B5EF4-FFF2-40B4-BE49-F238E27FC236}">
+                <a16:creationId xmlns:a16="http://schemas.microsoft.com/office/drawing/2014/main" id="{D9CBC561-3F8E-462D-86BF-4DC8B012A344}"/>
+              </a:ext>
+            </a:extLst>
+          </p:cNvPr>
+          <p:cNvSpPr txBox="1"/>
+          <p:nvPr/>
+        </p:nvSpPr>
+        <p:spPr>
+          <a:xfrm>
+            <a:off x="8659110" y="3997571"/>
+            <a:ext cx="1934825" cy="369332"/>
+          </a:xfrm>
+          <a:prstGeom prst="rect">
+            <a:avLst/>
+          </a:prstGeom>
+          <a:noFill/>
+        </p:spPr>
+        <p:txBody>
+          <a:bodyPr wrap="none" rtlCol="0">
+            <a:spAutoFit/>
+          </a:bodyPr>
+          <a:lstStyle/>
+          <a:p>
+            <a:r>
+              <a:rPr lang="en-US" altLang="ko-KR"/>
+              <a:t>filter  length &gt; 2</a:t>
+            </a:r>
+            <a:endParaRPr lang="ko-KR" altLang="en-US"/>
+          </a:p>
+        </p:txBody>
+      </p:sp>
+      <p:sp>
+        <p:nvSpPr>
+          <p:cNvPr id="17" name="TextBox 16">
+            <a:extLst>
+              <a:ext uri="{FF2B5EF4-FFF2-40B4-BE49-F238E27FC236}">
+                <a16:creationId xmlns:a16="http://schemas.microsoft.com/office/drawing/2014/main" id="{7E956D4E-BBBC-4E2C-800C-C86229406506}"/>
+              </a:ext>
+            </a:extLst>
+          </p:cNvPr>
+          <p:cNvSpPr txBox="1"/>
+          <p:nvPr/>
+        </p:nvSpPr>
+        <p:spPr>
+          <a:xfrm>
+            <a:off x="6385050" y="4802050"/>
+            <a:ext cx="3949158" cy="369332"/>
+          </a:xfrm>
+          <a:prstGeom prst="rect">
+            <a:avLst/>
+          </a:prstGeom>
+          <a:noFill/>
+        </p:spPr>
+        <p:txBody>
+          <a:bodyPr wrap="none" rtlCol="0">
+            <a:spAutoFit/>
+          </a:bodyPr>
+          <a:lstStyle/>
+          <a:p>
+            <a:r>
+              <a:rPr lang="en-US" altLang="ko-KR"/>
+              <a:t>newStudents  [“</a:t>
+            </a:r>
+            <a:r>
+              <a:rPr lang="ko-KR" altLang="en-US"/>
+              <a:t>조교행님</a:t>
+            </a:r>
+            <a:r>
+              <a:rPr lang="en-US" altLang="ko-KR"/>
+              <a:t>“, “</a:t>
+            </a:r>
+            <a:r>
+              <a:rPr lang="ko-KR" altLang="en-US"/>
+              <a:t>지연이</a:t>
+            </a:r>
+            <a:r>
+              <a:rPr lang="en-US" altLang="ko-KR"/>
+              <a:t>”]</a:t>
+            </a:r>
+            <a:endParaRPr lang="ko-KR" altLang="en-US"/>
+          </a:p>
+        </p:txBody>
+      </p:sp>
+    </p:spTree>
+    <p:extLst>
+      <p:ext uri="{BB962C8B-B14F-4D97-AF65-F5344CB8AC3E}">
+        <p14:creationId xmlns:p14="http://schemas.microsoft.com/office/powerpoint/2010/main" val="134968830"/>
+      </p:ext>
+    </p:extLst>
+  </p:cSld>
+  <p:clrMapOvr>
+    <a:masterClrMapping/>
+  </p:clrMapOvr>
+</p:sld>
+</file>
+
+<file path=ppt/slides/slide12.xml><?xml version="1.0" encoding="utf-8"?>
+<p:sld xmlns:a="http://schemas.openxmlformats.org/drawingml/2006/main" xmlns:r="http://schemas.openxmlformats.org/officeDocument/2006/relationships" xmlns:p="http://schemas.openxmlformats.org/presentationml/2006/main">
+  <p:cSld>
+    <p:spTree>
+      <p:nvGrpSpPr>
+        <p:cNvPr id="1" name=""/>
+        <p:cNvGrpSpPr/>
+        <p:nvPr/>
+      </p:nvGrpSpPr>
+      <p:grpSpPr>
+        <a:xfrm>
+          <a:off x="0" y="0"/>
+          <a:ext cx="0" cy="0"/>
+          <a:chOff x="0" y="0"/>
+          <a:chExt cx="0" cy="0"/>
+        </a:xfrm>
+      </p:grpSpPr>
+      <p:sp>
+        <p:nvSpPr>
+          <p:cNvPr id="2" name="제목 1">
+            <a:extLst>
+              <a:ext uri="{FF2B5EF4-FFF2-40B4-BE49-F238E27FC236}">
+                <a16:creationId xmlns:a16="http://schemas.microsoft.com/office/drawing/2014/main" id="{7F4FFDE1-C629-4818-9230-50B0F798B4C8}"/>
+              </a:ext>
+            </a:extLst>
+          </p:cNvPr>
+          <p:cNvSpPr>
+            <a:spLocks noGrp="1"/>
+          </p:cNvSpPr>
+          <p:nvPr>
+            <p:ph type="title"/>
+          </p:nvPr>
+        </p:nvSpPr>
+        <p:spPr>
+          <a:xfrm>
+            <a:off x="838199" y="365125"/>
+            <a:ext cx="11174835" cy="1325563"/>
+          </a:xfrm>
+        </p:spPr>
+        <p:txBody>
+          <a:bodyPr/>
+          <a:lstStyle/>
+          <a:p>
+            <a:r>
+              <a:rPr lang="en-US" altLang="ko-KR"/>
+              <a:t>map(</a:t>
+            </a:r>
+            <a:r>
+              <a:rPr lang="ko-KR" altLang="en-US"/>
+              <a:t> </a:t>
+            </a:r>
+            <a:r>
+              <a:rPr lang="en-US" altLang="ko-KR"/>
+              <a:t>),</a:t>
+            </a:r>
+            <a:r>
+              <a:rPr lang="ko-KR" altLang="en-US"/>
+              <a:t> </a:t>
+            </a:r>
+            <a:r>
+              <a:rPr lang="en-US" altLang="ko-KR"/>
+              <a:t>filter(</a:t>
+            </a:r>
+            <a:r>
+              <a:rPr lang="ko-KR" altLang="en-US"/>
+              <a:t> </a:t>
+            </a:r>
+            <a:r>
+              <a:rPr lang="en-US" altLang="ko-KR"/>
+              <a:t>)</a:t>
+            </a:r>
+            <a:r>
+              <a:rPr lang="ko-KR" altLang="en-US"/>
+              <a:t> </a:t>
+            </a:r>
+            <a:r>
+              <a:rPr lang="en-US" altLang="ko-KR"/>
+              <a:t>	vs</a:t>
+            </a:r>
+            <a:r>
+              <a:rPr lang="ko-KR" altLang="en-US"/>
+              <a:t> </a:t>
+            </a:r>
+            <a:r>
+              <a:rPr lang="en-US" altLang="ko-KR"/>
+              <a:t>		for, while loop</a:t>
+            </a:r>
+            <a:endParaRPr lang="ko-KR" altLang="en-US"/>
+          </a:p>
+        </p:txBody>
+      </p:sp>
+      <p:sp>
+        <p:nvSpPr>
+          <p:cNvPr id="3" name="내용 개체 틀 2">
+            <a:extLst>
+              <a:ext uri="{FF2B5EF4-FFF2-40B4-BE49-F238E27FC236}">
+                <a16:creationId xmlns:a16="http://schemas.microsoft.com/office/drawing/2014/main" id="{14F864FB-4F71-458C-8E7F-5B8AC5A6AA84}"/>
+              </a:ext>
+            </a:extLst>
+          </p:cNvPr>
+          <p:cNvSpPr>
+            <a:spLocks noGrp="1"/>
+          </p:cNvSpPr>
+          <p:nvPr>
+            <p:ph idx="1"/>
+          </p:nvPr>
+        </p:nvSpPr>
+        <p:spPr/>
+        <p:txBody>
+          <a:bodyPr>
+            <a:normAutofit lnSpcReduction="10000"/>
+          </a:bodyPr>
+          <a:lstStyle/>
+          <a:p>
+            <a:r>
+              <a:rPr lang="ko-KR" altLang="en-US"/>
+              <a:t>성능은 별 차이없다</a:t>
+            </a:r>
+            <a:r>
+              <a:rPr lang="en-US" altLang="ko-KR"/>
+              <a:t>.</a:t>
+            </a:r>
+          </a:p>
+          <a:p>
+            <a:r>
+              <a:rPr lang="en-US" altLang="ko-KR"/>
+              <a:t>map(), filter() </a:t>
+            </a:r>
+            <a:r>
+              <a:rPr lang="ko-KR" altLang="en-US"/>
+              <a:t>가 더 좋은 이유</a:t>
+            </a:r>
+            <a:endParaRPr lang="en-US" altLang="ko-KR"/>
+          </a:p>
+          <a:p>
+            <a:pPr lvl="1"/>
+            <a:r>
+              <a:rPr lang="ko-KR" altLang="en-US"/>
+              <a:t>시작조건</a:t>
+            </a:r>
+            <a:r>
+              <a:rPr lang="en-US" altLang="ko-KR"/>
+              <a:t>,</a:t>
+            </a:r>
+            <a:r>
+              <a:rPr lang="ko-KR" altLang="en-US"/>
+              <a:t> 종료조건</a:t>
+            </a:r>
+            <a:r>
+              <a:rPr lang="en-US" altLang="ko-KR"/>
+              <a:t>, </a:t>
+            </a:r>
+            <a:r>
+              <a:rPr lang="ko-KR" altLang="en-US"/>
+              <a:t>증감식등을 생각하지 않아도 됨</a:t>
+            </a:r>
+            <a:endParaRPr lang="en-US" altLang="ko-KR"/>
+          </a:p>
+          <a:p>
+            <a:pPr lvl="1"/>
+            <a:r>
+              <a:rPr lang="ko-KR" altLang="en-US"/>
+              <a:t>원래 데이터의 불변성</a:t>
+            </a:r>
+            <a:r>
+              <a:rPr lang="en-US" altLang="ko-KR"/>
+              <a:t>(immutability) </a:t>
+            </a:r>
+            <a:r>
+              <a:rPr lang="ko-KR" altLang="en-US"/>
+              <a:t>보장</a:t>
+            </a:r>
+            <a:endParaRPr lang="en-US" altLang="ko-KR"/>
+          </a:p>
+          <a:p>
+            <a:pPr lvl="1"/>
+            <a:r>
+              <a:rPr lang="ko-KR" altLang="en-US"/>
+              <a:t>반복을 사용하기 위한 훨씬 더 깔끔한 코드 </a:t>
+            </a:r>
+            <a:r>
+              <a:rPr lang="en-US" altLang="ko-KR"/>
+              <a:t>-&gt; </a:t>
+            </a:r>
+            <a:r>
+              <a:rPr lang="ko-KR" altLang="en-US"/>
+              <a:t>읽기 쉬움</a:t>
+            </a:r>
+            <a:endParaRPr lang="en-US" altLang="ko-KR"/>
+          </a:p>
+          <a:p>
+            <a:pPr lvl="1"/>
+            <a:r>
+              <a:rPr lang="en-US" altLang="ko-KR"/>
+              <a:t>JavaScript</a:t>
+            </a:r>
+            <a:r>
+              <a:rPr lang="ko-KR" altLang="en-US"/>
+              <a:t> 에서 </a:t>
+            </a:r>
+            <a:r>
+              <a:rPr lang="en-US" altLang="ko-KR"/>
+              <a:t>99% </a:t>
+            </a:r>
+            <a:r>
+              <a:rPr lang="ko-KR" altLang="en-US"/>
+              <a:t>의 반복작업은</a:t>
+            </a:r>
+            <a:r>
+              <a:rPr lang="en-US" altLang="ko-KR"/>
+              <a:t>, </a:t>
+            </a:r>
+            <a:r>
+              <a:rPr lang="ko-KR" altLang="en-US"/>
+              <a:t>서버로부터 받는 데이터 처리</a:t>
+            </a:r>
+            <a:endParaRPr lang="en-US" altLang="ko-KR"/>
+          </a:p>
+          <a:p>
+            <a:pPr lvl="2"/>
+            <a:r>
+              <a:rPr lang="ko-KR" altLang="en-US"/>
+              <a:t>즉</a:t>
+            </a:r>
+            <a:r>
+              <a:rPr lang="en-US" altLang="ko-KR"/>
+              <a:t>, </a:t>
+            </a:r>
+            <a:r>
+              <a:rPr lang="ko-KR" altLang="en-US"/>
+              <a:t>서버로부터 데이터를 배열로만 받으면 </a:t>
+            </a:r>
+            <a:r>
+              <a:rPr lang="en-US" altLang="ko-KR"/>
+              <a:t>for</a:t>
+            </a:r>
+            <a:r>
+              <a:rPr lang="ko-KR" altLang="en-US"/>
+              <a:t>와 </a:t>
+            </a:r>
+            <a:r>
+              <a:rPr lang="en-US" altLang="ko-KR"/>
+              <a:t>while </a:t>
+            </a:r>
+            <a:r>
+              <a:rPr lang="ko-KR" altLang="en-US"/>
+              <a:t>보다 훨씬 유리하게 작업 </a:t>
+            </a:r>
+            <a:endParaRPr lang="en-US" altLang="ko-KR"/>
+          </a:p>
+          <a:p>
+            <a:r>
+              <a:rPr lang="ko-KR" altLang="en-US"/>
+              <a:t>그러나</a:t>
+            </a:r>
+            <a:r>
+              <a:rPr lang="en-US" altLang="ko-KR"/>
+              <a:t>, map( ) </a:t>
+            </a:r>
+            <a:r>
+              <a:rPr lang="ko-KR" altLang="en-US"/>
+              <a:t>과 </a:t>
+            </a:r>
+            <a:r>
+              <a:rPr lang="en-US" altLang="ko-KR"/>
+              <a:t>filter( ) </a:t>
+            </a:r>
+            <a:r>
+              <a:rPr lang="ko-KR" altLang="en-US"/>
+              <a:t>는 배열이 존재해야만 사용가능</a:t>
+            </a:r>
+            <a:endParaRPr lang="en-US" altLang="ko-KR"/>
+          </a:p>
+          <a:p>
+            <a:pPr lvl="1"/>
+            <a:r>
+              <a:rPr lang="ko-KR" altLang="en-US"/>
+              <a:t>배열 이외의 연산에선 기존 반복문이 낫다</a:t>
+            </a:r>
+            <a:r>
+              <a:rPr lang="en-US" altLang="ko-KR"/>
+              <a:t>. (</a:t>
+            </a:r>
+            <a:r>
+              <a:rPr lang="ko-KR" altLang="en-US"/>
+              <a:t>구구단</a:t>
+            </a:r>
+            <a:r>
+              <a:rPr lang="en-US" altLang="ko-KR"/>
+              <a:t>, </a:t>
+            </a:r>
+            <a:r>
+              <a:rPr lang="ko-KR" altLang="en-US"/>
+              <a:t>별찍기 등등</a:t>
+            </a:r>
+            <a:r>
+              <a:rPr lang="en-US" altLang="ko-KR"/>
+              <a:t>)</a:t>
+            </a:r>
+          </a:p>
+          <a:p>
+            <a:pPr lvl="1"/>
+            <a:r>
+              <a:rPr lang="ko-KR" altLang="en-US"/>
+              <a:t>조금 있다가 배울 </a:t>
+            </a:r>
+            <a:r>
+              <a:rPr lang="en-US" altLang="ko-KR"/>
+              <a:t>querySelectorAll() </a:t>
+            </a:r>
+            <a:r>
+              <a:rPr lang="ko-KR" altLang="en-US"/>
+              <a:t>에서도 </a:t>
+            </a:r>
+            <a:r>
+              <a:rPr lang="en-US" altLang="ko-KR"/>
+              <a:t>map</a:t>
+            </a:r>
+            <a:r>
+              <a:rPr lang="ko-KR" altLang="en-US"/>
+              <a:t>을 쓰기 힘들다</a:t>
+            </a:r>
+            <a:r>
+              <a:rPr lang="en-US" altLang="ko-KR"/>
+              <a:t>.</a:t>
+            </a:r>
+          </a:p>
+          <a:p>
+            <a:r>
+              <a:rPr lang="en-US" altLang="ko-KR"/>
+              <a:t>reduce() </a:t>
+            </a:r>
+            <a:r>
+              <a:rPr lang="ko-KR" altLang="en-US"/>
+              <a:t>도</a:t>
+            </a:r>
+            <a:r>
+              <a:rPr lang="en-US" altLang="ko-KR"/>
+              <a:t> </a:t>
+            </a:r>
+            <a:r>
+              <a:rPr lang="ko-KR" altLang="en-US"/>
+              <a:t>배워보길 추천</a:t>
+            </a:r>
+            <a:endParaRPr lang="en-US" altLang="ko-KR"/>
+          </a:p>
+        </p:txBody>
+      </p:sp>
+    </p:spTree>
+    <p:extLst>
+      <p:ext uri="{BB962C8B-B14F-4D97-AF65-F5344CB8AC3E}">
+        <p14:creationId xmlns:p14="http://schemas.microsoft.com/office/powerpoint/2010/main" val="2648039515"/>
+      </p:ext>
+    </p:extLst>
+  </p:cSld>
+  <p:clrMapOvr>
+    <a:masterClrMapping/>
+  </p:clrMapOvr>
+</p:sld>
+</file>
+
+<file path=ppt/slides/slide13.xml><?xml version="1.0" encoding="utf-8"?>
+<p:sld xmlns:a="http://schemas.openxmlformats.org/drawingml/2006/main" xmlns:r="http://schemas.openxmlformats.org/officeDocument/2006/relationships" xmlns:p="http://schemas.openxmlformats.org/presentationml/2006/main">
+  <p:cSld>
+    <p:spTree>
+      <p:nvGrpSpPr>
+        <p:cNvPr id="1" name=""/>
+        <p:cNvGrpSpPr/>
+        <p:nvPr/>
+      </p:nvGrpSpPr>
+      <p:grpSpPr>
+        <a:xfrm>
+          <a:off x="0" y="0"/>
+          <a:ext cx="0" cy="0"/>
+          <a:chOff x="0" y="0"/>
+          <a:chExt cx="0" cy="0"/>
+        </a:xfrm>
+      </p:grpSpPr>
+      <p:sp>
+        <p:nvSpPr>
+          <p:cNvPr id="2" name="제목 1">
+            <a:extLst>
+              <a:ext uri="{FF2B5EF4-FFF2-40B4-BE49-F238E27FC236}">
+                <a16:creationId xmlns:a16="http://schemas.microsoft.com/office/drawing/2014/main" id="{1AB84142-CBBD-46DD-987E-C95A8AA90AC3}"/>
+              </a:ext>
+            </a:extLst>
+          </p:cNvPr>
+          <p:cNvSpPr>
+            <a:spLocks noGrp="1"/>
+          </p:cNvSpPr>
+          <p:nvPr>
+            <p:ph type="ctrTitle"/>
+          </p:nvPr>
+        </p:nvSpPr>
+        <p:spPr/>
+        <p:txBody>
+          <a:bodyPr/>
+          <a:lstStyle/>
+          <a:p>
+            <a:r>
+              <a:rPr lang="en-US" altLang="ko-KR"/>
+              <a:t>event </a:t>
+            </a:r>
+            <a:r>
+              <a:rPr lang="ko-KR" altLang="en-US"/>
+              <a:t>와 </a:t>
+            </a:r>
+            <a:r>
+              <a:rPr lang="en-US" altLang="ko-KR"/>
+              <a:t>DOM </a:t>
+            </a:r>
+            <a:r>
+              <a:rPr lang="ko-KR" altLang="en-US"/>
+              <a:t>조작</a:t>
+            </a:r>
+          </a:p>
+        </p:txBody>
+      </p:sp>
+    </p:spTree>
+    <p:extLst>
+      <p:ext uri="{BB962C8B-B14F-4D97-AF65-F5344CB8AC3E}">
+        <p14:creationId xmlns:p14="http://schemas.microsoft.com/office/powerpoint/2010/main" val="2511106675"/>
+      </p:ext>
+    </p:extLst>
+  </p:cSld>
+  <p:clrMapOvr>
+    <a:masterClrMapping/>
+  </p:clrMapOvr>
+</p:sld>
+</file>
+
+<file path=ppt/slides/slide14.xml><?xml version="1.0" encoding="utf-8"?>
+<p:sld xmlns:a="http://schemas.openxmlformats.org/drawingml/2006/main" xmlns:r="http://schemas.openxmlformats.org/officeDocument/2006/relationships" xmlns:p="http://schemas.openxmlformats.org/presentationml/2006/main">
+  <p:cSld>
+    <p:spTree>
+      <p:nvGrpSpPr>
+        <p:cNvPr id="1" name=""/>
+        <p:cNvGrpSpPr/>
+        <p:nvPr/>
+      </p:nvGrpSpPr>
+      <p:grpSpPr>
+        <a:xfrm>
+          <a:off x="0" y="0"/>
+          <a:ext cx="0" cy="0"/>
+          <a:chOff x="0" y="0"/>
+          <a:chExt cx="0" cy="0"/>
+        </a:xfrm>
+      </p:grpSpPr>
+      <p:sp>
+        <p:nvSpPr>
+          <p:cNvPr id="2" name="제목 1">
+            <a:extLst>
+              <a:ext uri="{FF2B5EF4-FFF2-40B4-BE49-F238E27FC236}">
+                <a16:creationId xmlns:a16="http://schemas.microsoft.com/office/drawing/2014/main" id="{4B4B586B-AE2D-451C-8A58-99F1C804B357}"/>
+              </a:ext>
+            </a:extLst>
+          </p:cNvPr>
+          <p:cNvSpPr>
+            <a:spLocks noGrp="1"/>
+          </p:cNvSpPr>
+          <p:nvPr>
+            <p:ph type="title"/>
+          </p:nvPr>
+        </p:nvSpPr>
+        <p:spPr>
+          <a:xfrm>
+            <a:off x="838200" y="365125"/>
+            <a:ext cx="10515600" cy="1325563"/>
+          </a:xfrm>
+        </p:spPr>
+        <p:txBody>
+          <a:bodyPr>
+            <a:normAutofit/>
+          </a:bodyPr>
+          <a:lstStyle/>
+          <a:p>
+            <a:r>
+              <a:rPr lang="en-US" altLang="ko-KR" sz="3600"/>
+              <a:t>JavaScript </a:t>
+            </a:r>
+            <a:r>
+              <a:rPr lang="ko-KR" altLang="en-US" sz="3600"/>
+              <a:t>는 브라우저를 </a:t>
+            </a:r>
+            <a:r>
+              <a:rPr lang="en-US" altLang="ko-KR" sz="3600"/>
+              <a:t>“</a:t>
+            </a:r>
+            <a:r>
+              <a:rPr lang="ko-KR" altLang="en-US" sz="3600"/>
+              <a:t>조작</a:t>
+            </a:r>
+            <a:r>
+              <a:rPr lang="en-US" altLang="ko-KR" sz="3600"/>
+              <a:t>”</a:t>
+            </a:r>
+            <a:r>
+              <a:rPr lang="ko-KR" altLang="en-US" sz="3600"/>
+              <a:t>하기 위한 언어</a:t>
+            </a:r>
+          </a:p>
+        </p:txBody>
+      </p:sp>
+      <p:sp>
+        <p:nvSpPr>
+          <p:cNvPr id="3" name="내용 개체 틀 2">
+            <a:extLst>
+              <a:ext uri="{FF2B5EF4-FFF2-40B4-BE49-F238E27FC236}">
+                <a16:creationId xmlns:a16="http://schemas.microsoft.com/office/drawing/2014/main" id="{98C1996C-9214-4297-A21B-5F7870A577A0}"/>
+              </a:ext>
+            </a:extLst>
+          </p:cNvPr>
+          <p:cNvSpPr>
+            <a:spLocks noGrp="1"/>
+          </p:cNvSpPr>
+          <p:nvPr>
+            <p:ph idx="1"/>
+          </p:nvPr>
+        </p:nvSpPr>
+        <p:spPr/>
+        <p:txBody>
+          <a:bodyPr/>
+          <a:lstStyle/>
+          <a:p>
+            <a:r>
+              <a:rPr lang="ko-KR" altLang="en-US"/>
+              <a:t>요즘 기준에선 틀린말이다</a:t>
+            </a:r>
+            <a:r>
+              <a:rPr lang="en-US" altLang="ko-KR"/>
+              <a:t>.   node.js </a:t>
+            </a:r>
+            <a:r>
+              <a:rPr lang="ko-KR" altLang="en-US"/>
+              <a:t>탄생 이후 브라우저 바깥에서도 쓰이기 때문</a:t>
+            </a:r>
+            <a:endParaRPr lang="en-US" altLang="ko-KR"/>
+          </a:p>
+          <a:p>
+            <a:r>
+              <a:rPr lang="ko-KR" altLang="en-US"/>
+              <a:t>그러나</a:t>
+            </a:r>
+            <a:r>
+              <a:rPr lang="en-US" altLang="ko-KR"/>
+              <a:t>, JavaScript </a:t>
+            </a:r>
+            <a:r>
+              <a:rPr lang="ko-KR" altLang="en-US"/>
+              <a:t>는 브라우저 조작을 위해 태어난 언어다</a:t>
+            </a:r>
+            <a:r>
+              <a:rPr lang="en-US" altLang="ko-KR"/>
+              <a:t>.</a:t>
+            </a:r>
+          </a:p>
+        </p:txBody>
+      </p:sp>
+    </p:spTree>
+    <p:extLst>
+      <p:ext uri="{BB962C8B-B14F-4D97-AF65-F5344CB8AC3E}">
+        <p14:creationId xmlns:p14="http://schemas.microsoft.com/office/powerpoint/2010/main" val="2519967476"/>
+      </p:ext>
+    </p:extLst>
+  </p:cSld>
+  <p:clrMapOvr>
+    <a:masterClrMapping/>
+  </p:clrMapOvr>
+</p:sld>
+</file>
+
+<file path=ppt/slides/slide15.xml><?xml version="1.0" encoding="utf-8"?>
+<p:sld xmlns:a="http://schemas.openxmlformats.org/drawingml/2006/main" xmlns:r="http://schemas.openxmlformats.org/officeDocument/2006/relationships" xmlns:p="http://schemas.openxmlformats.org/presentationml/2006/main">
+  <p:cSld>
+    <p:spTree>
+      <p:nvGrpSpPr>
+        <p:cNvPr id="1" name=""/>
+        <p:cNvGrpSpPr/>
+        <p:nvPr/>
+      </p:nvGrpSpPr>
+      <p:grpSpPr>
+        <a:xfrm>
+          <a:off x="0" y="0"/>
+          <a:ext cx="0" cy="0"/>
+          <a:chOff x="0" y="0"/>
+          <a:chExt cx="0" cy="0"/>
+        </a:xfrm>
+      </p:grpSpPr>
+      <p:sp>
+        <p:nvSpPr>
+          <p:cNvPr id="2" name="제목 1">
+            <a:extLst>
+              <a:ext uri="{FF2B5EF4-FFF2-40B4-BE49-F238E27FC236}">
+                <a16:creationId xmlns:a16="http://schemas.microsoft.com/office/drawing/2014/main" id="{11E06F2D-382E-450D-AF18-42117F3B0095}"/>
+              </a:ext>
+            </a:extLst>
+          </p:cNvPr>
+          <p:cNvSpPr>
+            <a:spLocks noGrp="1"/>
+          </p:cNvSpPr>
+          <p:nvPr>
+            <p:ph type="title"/>
+          </p:nvPr>
+        </p:nvSpPr>
+        <p:spPr/>
+        <p:txBody>
+          <a:bodyPr/>
+          <a:lstStyle/>
+          <a:p>
+            <a:r>
+              <a:rPr lang="en-US" altLang="ko-KR"/>
+              <a:t>event </a:t>
+            </a:r>
+            <a:r>
+              <a:rPr lang="ko-KR" altLang="en-US"/>
+              <a:t>와 </a:t>
+            </a:r>
+            <a:r>
+              <a:rPr lang="en-US" altLang="ko-KR"/>
+              <a:t>event handler</a:t>
+            </a:r>
+            <a:endParaRPr lang="ko-KR" altLang="en-US"/>
+          </a:p>
+        </p:txBody>
+      </p:sp>
+      <p:sp>
+        <p:nvSpPr>
+          <p:cNvPr id="3" name="내용 개체 틀 2">
+            <a:extLst>
+              <a:ext uri="{FF2B5EF4-FFF2-40B4-BE49-F238E27FC236}">
+                <a16:creationId xmlns:a16="http://schemas.microsoft.com/office/drawing/2014/main" id="{AC19D1F2-994C-4441-BB60-8D349F5CABBF}"/>
+              </a:ext>
+            </a:extLst>
+          </p:cNvPr>
+          <p:cNvSpPr>
+            <a:spLocks noGrp="1"/>
+          </p:cNvSpPr>
+          <p:nvPr>
+            <p:ph idx="1"/>
+          </p:nvPr>
+        </p:nvSpPr>
+        <p:spPr/>
+        <p:txBody>
+          <a:bodyPr/>
+          <a:lstStyle/>
+          <a:p>
+            <a:r>
+              <a:rPr lang="ko-KR" altLang="en-US"/>
+              <a:t>브라우저에서 일어나는 </a:t>
+            </a:r>
+            <a:r>
+              <a:rPr lang="en-US" altLang="ko-KR"/>
+              <a:t>“</a:t>
+            </a:r>
+            <a:r>
+              <a:rPr lang="ko-KR" altLang="en-US"/>
+              <a:t>사건</a:t>
+            </a:r>
+            <a:r>
+              <a:rPr lang="en-US" altLang="ko-KR"/>
+              <a:t>” </a:t>
+            </a:r>
+            <a:r>
+              <a:rPr lang="ko-KR" altLang="en-US"/>
+              <a:t>을 말한다</a:t>
+            </a:r>
+            <a:r>
+              <a:rPr lang="en-US" altLang="ko-KR"/>
+              <a:t>.</a:t>
+            </a:r>
+          </a:p>
+          <a:p>
+            <a:pPr lvl="1"/>
+            <a:r>
+              <a:rPr lang="ko-KR" altLang="en-US"/>
+              <a:t>클릭</a:t>
+            </a:r>
+            <a:r>
+              <a:rPr lang="en-US" altLang="ko-KR"/>
+              <a:t>, </a:t>
+            </a:r>
+            <a:r>
+              <a:rPr lang="ko-KR" altLang="en-US"/>
+              <a:t>데이터 변화</a:t>
+            </a:r>
+            <a:r>
+              <a:rPr lang="en-US" altLang="ko-KR"/>
+              <a:t>, </a:t>
+            </a:r>
+            <a:r>
+              <a:rPr lang="ko-KR" altLang="en-US"/>
+              <a:t>마우스 올리기</a:t>
+            </a:r>
+            <a:r>
+              <a:rPr lang="en-US" altLang="ko-KR"/>
+              <a:t>, </a:t>
+            </a:r>
+            <a:r>
+              <a:rPr lang="ko-KR" altLang="en-US"/>
+              <a:t>키</a:t>
+            </a:r>
+            <a:r>
+              <a:rPr lang="en-US" altLang="ko-KR"/>
+              <a:t> </a:t>
+            </a:r>
+            <a:r>
+              <a:rPr lang="ko-KR" altLang="en-US"/>
+              <a:t>입력</a:t>
+            </a:r>
+            <a:r>
+              <a:rPr lang="en-US" altLang="ko-KR"/>
+              <a:t>, </a:t>
+            </a:r>
+            <a:r>
+              <a:rPr lang="ko-KR" altLang="en-US"/>
+              <a:t>스크롤 등등</a:t>
+            </a:r>
+            <a:r>
+              <a:rPr lang="en-US" altLang="ko-KR"/>
+              <a:t>… </a:t>
+            </a:r>
+          </a:p>
+          <a:p>
+            <a:pPr lvl="1"/>
+            <a:r>
+              <a:rPr lang="ko-KR" altLang="en-US"/>
+              <a:t>이벤트를 다루려면 이벤트 핸들러를 사용한다</a:t>
+            </a:r>
+            <a:r>
+              <a:rPr lang="en-US" altLang="ko-KR"/>
+              <a:t>. </a:t>
+            </a:r>
+          </a:p>
+          <a:p>
+            <a:pPr lvl="2"/>
+            <a:r>
+              <a:rPr lang="en-US" altLang="ko-KR"/>
+              <a:t>on </a:t>
+            </a:r>
+            <a:r>
+              <a:rPr lang="ko-KR" altLang="en-US"/>
+              <a:t>으로 시작하며</a:t>
+            </a:r>
+            <a:r>
+              <a:rPr lang="en-US" altLang="ko-KR"/>
+              <a:t>, </a:t>
+            </a:r>
+            <a:r>
+              <a:rPr lang="ko-KR" altLang="en-US"/>
+              <a:t>종류는 엄청나게 많다</a:t>
+            </a:r>
+            <a:r>
+              <a:rPr lang="en-US" altLang="ko-KR"/>
+              <a:t>.</a:t>
+            </a:r>
+          </a:p>
+          <a:p>
+            <a:pPr lvl="2"/>
+            <a:r>
+              <a:rPr lang="en-US" altLang="ko-KR"/>
+              <a:t>html </a:t>
+            </a:r>
+            <a:r>
+              <a:rPr lang="ko-KR" altLang="en-US"/>
+              <a:t>태그 안에서 </a:t>
+            </a:r>
+            <a:r>
+              <a:rPr lang="en-US" altLang="ko-KR"/>
+              <a:t>attribute </a:t>
+            </a:r>
+            <a:r>
+              <a:rPr lang="ko-KR" altLang="en-US"/>
+              <a:t>로 사용하면 된다</a:t>
+            </a:r>
+            <a:r>
+              <a:rPr lang="en-US" altLang="ko-KR"/>
+              <a:t>.</a:t>
+            </a:r>
+          </a:p>
+          <a:p>
+            <a:pPr lvl="2"/>
+            <a:r>
+              <a:rPr lang="ko-KR" altLang="en-US"/>
+              <a:t>우린 자주 쓰이는 것 두가지만 다뤄보자</a:t>
+            </a:r>
+            <a:r>
+              <a:rPr lang="en-US" altLang="ko-KR"/>
+              <a:t>.</a:t>
+            </a:r>
+          </a:p>
+          <a:p>
+            <a:pPr lvl="3"/>
+            <a:r>
+              <a:rPr lang="en-US" altLang="ko-KR"/>
+              <a:t>onclick		</a:t>
+            </a:r>
+            <a:r>
+              <a:rPr lang="ko-KR" altLang="en-US"/>
+              <a:t>마우스 클릭</a:t>
+            </a:r>
+            <a:endParaRPr lang="en-US" altLang="ko-KR"/>
+          </a:p>
+          <a:p>
+            <a:pPr lvl="3"/>
+            <a:r>
+              <a:rPr lang="en-US" altLang="ko-KR"/>
+              <a:t>onchange		</a:t>
+            </a:r>
+            <a:r>
+              <a:rPr lang="ko-KR" altLang="en-US"/>
+              <a:t>데이터 변화</a:t>
+            </a:r>
+          </a:p>
+        </p:txBody>
+      </p:sp>
+    </p:spTree>
+    <p:extLst>
+      <p:ext uri="{BB962C8B-B14F-4D97-AF65-F5344CB8AC3E}">
+        <p14:creationId xmlns:p14="http://schemas.microsoft.com/office/powerpoint/2010/main" val="3272413437"/>
+      </p:ext>
+    </p:extLst>
+  </p:cSld>
+  <p:clrMapOvr>
+    <a:masterClrMapping/>
+  </p:clrMapOvr>
+</p:sld>
+</file>
+
+<file path=ppt/slides/slide16.xml><?xml version="1.0" encoding="utf-8"?>
+<p:sld xmlns:a="http://schemas.openxmlformats.org/drawingml/2006/main" xmlns:r="http://schemas.openxmlformats.org/officeDocument/2006/relationships" xmlns:p="http://schemas.openxmlformats.org/presentationml/2006/main">
+  <p:cSld>
+    <p:spTree>
+      <p:nvGrpSpPr>
+        <p:cNvPr id="1" name=""/>
+        <p:cNvGrpSpPr/>
+        <p:nvPr/>
+      </p:nvGrpSpPr>
+      <p:grpSpPr>
+        <a:xfrm>
+          <a:off x="0" y="0"/>
+          <a:ext cx="0" cy="0"/>
+          <a:chOff x="0" y="0"/>
+          <a:chExt cx="0" cy="0"/>
+        </a:xfrm>
+      </p:grpSpPr>
+      <p:pic>
+        <p:nvPicPr>
+          <p:cNvPr id="5" name="그림 4">
+            <a:extLst>
+              <a:ext uri="{FF2B5EF4-FFF2-40B4-BE49-F238E27FC236}">
+                <a16:creationId xmlns:a16="http://schemas.microsoft.com/office/drawing/2014/main" id="{BC7089D3-CBB8-4774-A6E0-26E20C9631F5}"/>
+              </a:ext>
+            </a:extLst>
+          </p:cNvPr>
+          <p:cNvPicPr>
+            <a:picLocks noChangeAspect="1"/>
+          </p:cNvPicPr>
+          <p:nvPr/>
+        </p:nvPicPr>
+        <p:blipFill>
+          <a:blip r:embed="rId2"/>
+          <a:stretch>
+            <a:fillRect/>
+          </a:stretch>
+        </p:blipFill>
+        <p:spPr>
+          <a:xfrm>
+            <a:off x="652420" y="419448"/>
+            <a:ext cx="5724302" cy="3691156"/>
+          </a:xfrm>
+          <a:prstGeom prst="rect">
+            <a:avLst/>
+          </a:prstGeom>
+        </p:spPr>
+      </p:pic>
+      <p:pic>
+        <p:nvPicPr>
+          <p:cNvPr id="7" name="그림 6">
+            <a:extLst>
+              <a:ext uri="{FF2B5EF4-FFF2-40B4-BE49-F238E27FC236}">
+                <a16:creationId xmlns:a16="http://schemas.microsoft.com/office/drawing/2014/main" id="{B523B181-F873-475A-B78B-8D6F019BB02A}"/>
+              </a:ext>
+            </a:extLst>
+          </p:cNvPr>
+          <p:cNvPicPr>
+            <a:picLocks noChangeAspect="1"/>
+          </p:cNvPicPr>
+          <p:nvPr/>
+        </p:nvPicPr>
+        <p:blipFill>
+          <a:blip r:embed="rId3"/>
+          <a:stretch>
+            <a:fillRect/>
+          </a:stretch>
+        </p:blipFill>
+        <p:spPr>
+          <a:xfrm>
+            <a:off x="4395832" y="4372321"/>
+            <a:ext cx="4323126" cy="1104032"/>
+          </a:xfrm>
+          <a:prstGeom prst="rect">
+            <a:avLst/>
+          </a:prstGeom>
+        </p:spPr>
+      </p:pic>
+      <p:cxnSp>
+        <p:nvCxnSpPr>
+          <p:cNvPr id="9" name="연결선: 꺾임 8">
+            <a:extLst>
+              <a:ext uri="{FF2B5EF4-FFF2-40B4-BE49-F238E27FC236}">
+                <a16:creationId xmlns:a16="http://schemas.microsoft.com/office/drawing/2014/main" id="{F97098D0-7945-4928-B7F3-29FFA5745D25}"/>
+              </a:ext>
+            </a:extLst>
+          </p:cNvPr>
+          <p:cNvCxnSpPr>
+            <a:cxnSpLocks/>
+          </p:cNvCxnSpPr>
+          <p:nvPr/>
+        </p:nvCxnSpPr>
+        <p:spPr>
+          <a:xfrm>
+            <a:off x="2743200" y="3649210"/>
+            <a:ext cx="1333850" cy="1275127"/>
+          </a:xfrm>
+          <a:prstGeom prst="bentConnector3">
+            <a:avLst/>
+          </a:prstGeom>
+          <a:ln>
+            <a:tailEnd type="triangle"/>
+          </a:ln>
+        </p:spPr>
+        <p:style>
+          <a:lnRef idx="1">
+            <a:schemeClr val="accent1"/>
+          </a:lnRef>
+          <a:fillRef idx="0">
+            <a:schemeClr val="accent1"/>
+          </a:fillRef>
+          <a:effectRef idx="0">
+            <a:schemeClr val="accent1"/>
+          </a:effectRef>
+          <a:fontRef idx="minor">
+            <a:schemeClr val="tx1"/>
+          </a:fontRef>
+        </p:style>
+      </p:cxnSp>
+      <p:sp>
+        <p:nvSpPr>
+          <p:cNvPr id="11" name="직사각형 10">
+            <a:extLst>
+              <a:ext uri="{FF2B5EF4-FFF2-40B4-BE49-F238E27FC236}">
+                <a16:creationId xmlns:a16="http://schemas.microsoft.com/office/drawing/2014/main" id="{1E840909-5406-40F4-8512-2715C40F0226}"/>
+              </a:ext>
+            </a:extLst>
+          </p:cNvPr>
+          <p:cNvSpPr/>
+          <p:nvPr/>
+        </p:nvSpPr>
+        <p:spPr>
+          <a:xfrm>
+            <a:off x="1031846" y="2248250"/>
+            <a:ext cx="3431097" cy="251670"/>
+          </a:xfrm>
+          <a:prstGeom prst="rect">
+            <a:avLst/>
+          </a:prstGeom>
+          <a:noFill/>
+        </p:spPr>
+        <p:style>
+          <a:lnRef idx="2">
+            <a:schemeClr val="accent1">
+              <a:shade val="50000"/>
+            </a:schemeClr>
+          </a:lnRef>
+          <a:fillRef idx="1">
+            <a:schemeClr val="accent1"/>
+          </a:fillRef>
+          <a:effectRef idx="0">
+            <a:schemeClr val="accent1"/>
+          </a:effectRef>
+          <a:fontRef idx="minor">
+            <a:schemeClr val="lt1"/>
+          </a:fontRef>
+        </p:style>
+        <p:txBody>
+          <a:bodyPr rtlCol="0" anchor="ctr"/>
+          <a:lstStyle/>
+          <a:p>
+            <a:pPr algn="ctr"/>
+            <a:endParaRPr lang="ko-KR" altLang="en-US"/>
+          </a:p>
+        </p:txBody>
+      </p:sp>
+      <p:sp>
+        <p:nvSpPr>
+          <p:cNvPr id="12" name="TextBox 11">
+            <a:extLst>
+              <a:ext uri="{FF2B5EF4-FFF2-40B4-BE49-F238E27FC236}">
+                <a16:creationId xmlns:a16="http://schemas.microsoft.com/office/drawing/2014/main" id="{4EEDAA43-9690-4F32-9CD8-9DF308939706}"/>
+              </a:ext>
+            </a:extLst>
+          </p:cNvPr>
+          <p:cNvSpPr txBox="1"/>
+          <p:nvPr/>
+        </p:nvSpPr>
+        <p:spPr>
+          <a:xfrm>
+            <a:off x="5241379" y="2639644"/>
+            <a:ext cx="6950621" cy="1200329"/>
+          </a:xfrm>
+          <a:prstGeom prst="rect">
+            <a:avLst/>
+          </a:prstGeom>
+          <a:noFill/>
+        </p:spPr>
+        <p:txBody>
+          <a:bodyPr wrap="none" rtlCol="0">
+            <a:spAutoFit/>
+          </a:bodyPr>
+          <a:lstStyle/>
+          <a:p>
+            <a:r>
+              <a:rPr lang="ko-KR" altLang="en-US"/>
+              <a:t>태그 안에 </a:t>
+            </a:r>
+            <a:r>
+              <a:rPr lang="en-US" altLang="ko-KR"/>
+              <a:t>Attribute </a:t>
+            </a:r>
+            <a:r>
+              <a:rPr lang="ko-KR" altLang="en-US"/>
+              <a:t>로 쓴다</a:t>
+            </a:r>
+            <a:r>
+              <a:rPr lang="en-US" altLang="ko-KR"/>
+              <a:t>.</a:t>
+            </a:r>
+          </a:p>
+          <a:p>
+            <a:r>
+              <a:rPr lang="en-US" altLang="ko-KR"/>
+              <a:t>onclick=“</a:t>
+            </a:r>
+            <a:r>
+              <a:rPr lang="ko-KR" altLang="en-US"/>
+              <a:t>클릭하면실행할함수</a:t>
+            </a:r>
+            <a:r>
+              <a:rPr lang="en-US" altLang="ko-KR"/>
+              <a:t>()”</a:t>
+            </a:r>
+          </a:p>
+          <a:p>
+            <a:r>
+              <a:rPr lang="ko-KR" altLang="en-US"/>
+              <a:t>클릭 하면 대표적인게 버튼이니깐</a:t>
+            </a:r>
+            <a:r>
+              <a:rPr lang="en-US" altLang="ko-KR"/>
+              <a:t>, button </a:t>
+            </a:r>
+            <a:r>
+              <a:rPr lang="ko-KR" altLang="en-US"/>
+              <a:t>태그를 쓴 것일 뿐이다</a:t>
+            </a:r>
+            <a:r>
+              <a:rPr lang="en-US" altLang="ko-KR"/>
+              <a:t>.</a:t>
+            </a:r>
+          </a:p>
+          <a:p>
+            <a:r>
+              <a:rPr lang="ko-KR" altLang="en-US"/>
+              <a:t>즉</a:t>
+            </a:r>
+            <a:r>
+              <a:rPr lang="en-US" altLang="ko-KR"/>
+              <a:t>, h1 </a:t>
+            </a:r>
+            <a:r>
+              <a:rPr lang="ko-KR" altLang="en-US"/>
+              <a:t>이든 </a:t>
+            </a:r>
+            <a:r>
+              <a:rPr lang="en-US" altLang="ko-KR"/>
+              <a:t>div </a:t>
+            </a:r>
+            <a:r>
+              <a:rPr lang="ko-KR" altLang="en-US"/>
+              <a:t>든 </a:t>
+            </a:r>
+            <a:r>
+              <a:rPr lang="en-US" altLang="ko-KR"/>
+              <a:t>span </a:t>
+            </a:r>
+            <a:r>
+              <a:rPr lang="ko-KR" altLang="en-US"/>
+              <a:t>이든</a:t>
+            </a:r>
+            <a:r>
+              <a:rPr lang="en-US" altLang="ko-KR"/>
+              <a:t>, </a:t>
+            </a:r>
+            <a:r>
+              <a:rPr lang="ko-KR" altLang="en-US"/>
+              <a:t>다른 태그에서도 </a:t>
+            </a:r>
+            <a:r>
+              <a:rPr lang="en-US" altLang="ko-KR"/>
+              <a:t>onclick </a:t>
+            </a:r>
+            <a:r>
+              <a:rPr lang="ko-KR" altLang="en-US"/>
+              <a:t>사용 가능</a:t>
+            </a:r>
+          </a:p>
+        </p:txBody>
+      </p:sp>
+    </p:spTree>
+    <p:extLst>
+      <p:ext uri="{BB962C8B-B14F-4D97-AF65-F5344CB8AC3E}">
+        <p14:creationId xmlns:p14="http://schemas.microsoft.com/office/powerpoint/2010/main" val="4247573462"/>
+      </p:ext>
+    </p:extLst>
+  </p:cSld>
+  <p:clrMapOvr>
+    <a:masterClrMapping/>
+  </p:clrMapOvr>
+</p:sld>
+</file>
+
+<file path=ppt/slides/slide17.xml><?xml version="1.0" encoding="utf-8"?>
+<p:sld xmlns:a="http://schemas.openxmlformats.org/drawingml/2006/main" xmlns:r="http://schemas.openxmlformats.org/officeDocument/2006/relationships" xmlns:p="http://schemas.openxmlformats.org/presentationml/2006/main">
+  <p:cSld>
+    <p:spTree>
+      <p:nvGrpSpPr>
+        <p:cNvPr id="1" name=""/>
+        <p:cNvGrpSpPr/>
+        <p:nvPr/>
+      </p:nvGrpSpPr>
+      <p:grpSpPr>
+        <a:xfrm>
+          <a:off x="0" y="0"/>
+          <a:ext cx="0" cy="0"/>
+          <a:chOff x="0" y="0"/>
+          <a:chExt cx="0" cy="0"/>
+        </a:xfrm>
+      </p:grpSpPr>
+      <p:pic>
+        <p:nvPicPr>
+          <p:cNvPr id="9" name="그림 8">
+            <a:extLst>
+              <a:ext uri="{FF2B5EF4-FFF2-40B4-BE49-F238E27FC236}">
+                <a16:creationId xmlns:a16="http://schemas.microsoft.com/office/drawing/2014/main" id="{10A4EAA4-D2D0-488B-A208-D104157AA5DE}"/>
+              </a:ext>
+            </a:extLst>
+          </p:cNvPr>
+          <p:cNvPicPr>
+            <a:picLocks noChangeAspect="1"/>
+          </p:cNvPicPr>
+          <p:nvPr/>
+        </p:nvPicPr>
+        <p:blipFill>
+          <a:blip r:embed="rId2"/>
+          <a:stretch>
+            <a:fillRect/>
+          </a:stretch>
+        </p:blipFill>
+        <p:spPr>
+          <a:xfrm>
+            <a:off x="612396" y="528432"/>
+            <a:ext cx="7860484" cy="1695689"/>
+          </a:xfrm>
+          <a:prstGeom prst="rect">
+            <a:avLst/>
+          </a:prstGeom>
+        </p:spPr>
+      </p:pic>
+      <p:pic>
+        <p:nvPicPr>
+          <p:cNvPr id="11" name="그림 10">
+            <a:extLst>
+              <a:ext uri="{FF2B5EF4-FFF2-40B4-BE49-F238E27FC236}">
+                <a16:creationId xmlns:a16="http://schemas.microsoft.com/office/drawing/2014/main" id="{CE0F7080-AAAE-4A8A-9F47-5EF3750B3D1B}"/>
+              </a:ext>
+            </a:extLst>
+          </p:cNvPr>
+          <p:cNvPicPr>
+            <a:picLocks noChangeAspect="1"/>
+          </p:cNvPicPr>
+          <p:nvPr/>
+        </p:nvPicPr>
+        <p:blipFill>
+          <a:blip r:embed="rId3"/>
+          <a:stretch>
+            <a:fillRect/>
+          </a:stretch>
+        </p:blipFill>
+        <p:spPr>
+          <a:xfrm>
+            <a:off x="612396" y="2953603"/>
+            <a:ext cx="5863905" cy="1411830"/>
+          </a:xfrm>
+          <a:prstGeom prst="rect">
+            <a:avLst/>
+          </a:prstGeom>
+        </p:spPr>
+      </p:pic>
+      <p:pic>
+        <p:nvPicPr>
+          <p:cNvPr id="13" name="그림 12">
+            <a:extLst>
+              <a:ext uri="{FF2B5EF4-FFF2-40B4-BE49-F238E27FC236}">
+                <a16:creationId xmlns:a16="http://schemas.microsoft.com/office/drawing/2014/main" id="{51A8C558-6632-4ECA-8CF5-4D0231BC5797}"/>
+              </a:ext>
+            </a:extLst>
+          </p:cNvPr>
+          <p:cNvPicPr>
+            <a:picLocks noChangeAspect="1"/>
+          </p:cNvPicPr>
+          <p:nvPr/>
+        </p:nvPicPr>
+        <p:blipFill>
+          <a:blip r:embed="rId4"/>
+          <a:stretch>
+            <a:fillRect/>
+          </a:stretch>
+        </p:blipFill>
+        <p:spPr>
+          <a:xfrm>
+            <a:off x="3084308" y="4532327"/>
+            <a:ext cx="5838825" cy="1333500"/>
+          </a:xfrm>
+          <a:prstGeom prst="rect">
+            <a:avLst/>
+          </a:prstGeom>
+        </p:spPr>
+      </p:pic>
+      <p:pic>
+        <p:nvPicPr>
+          <p:cNvPr id="15" name="그림 14">
+            <a:extLst>
+              <a:ext uri="{FF2B5EF4-FFF2-40B4-BE49-F238E27FC236}">
+                <a16:creationId xmlns:a16="http://schemas.microsoft.com/office/drawing/2014/main" id="{24CAC9F5-4360-411E-9C15-19E0CFEA6D71}"/>
+              </a:ext>
+            </a:extLst>
+          </p:cNvPr>
+          <p:cNvPicPr>
+            <a:picLocks noChangeAspect="1"/>
+          </p:cNvPicPr>
+          <p:nvPr/>
+        </p:nvPicPr>
+        <p:blipFill>
+          <a:blip r:embed="rId5"/>
+          <a:stretch>
+            <a:fillRect/>
+          </a:stretch>
+        </p:blipFill>
+        <p:spPr>
+          <a:xfrm>
+            <a:off x="5593272" y="5827389"/>
+            <a:ext cx="2381250" cy="552450"/>
+          </a:xfrm>
+          <a:prstGeom prst="rect">
+            <a:avLst/>
+          </a:prstGeom>
+        </p:spPr>
+      </p:pic>
+    </p:spTree>
+    <p:extLst>
+      <p:ext uri="{BB962C8B-B14F-4D97-AF65-F5344CB8AC3E}">
+        <p14:creationId xmlns:p14="http://schemas.microsoft.com/office/powerpoint/2010/main" val="1320690606"/>
+      </p:ext>
+    </p:extLst>
+  </p:cSld>
+  <p:clrMapOvr>
+    <a:masterClrMapping/>
+  </p:clrMapOvr>
+</p:sld>
+</file>
+
+<file path=ppt/slides/slide18.xml><?xml version="1.0" encoding="utf-8"?>
+<p:sld xmlns:a="http://schemas.openxmlformats.org/drawingml/2006/main" xmlns:r="http://schemas.openxmlformats.org/officeDocument/2006/relationships" xmlns:p="http://schemas.openxmlformats.org/presentationml/2006/main">
+  <p:cSld>
+    <p:spTree>
+      <p:nvGrpSpPr>
+        <p:cNvPr id="1" name=""/>
+        <p:cNvGrpSpPr/>
+        <p:nvPr/>
+      </p:nvGrpSpPr>
+      <p:grpSpPr>
+        <a:xfrm>
+          <a:off x="0" y="0"/>
+          <a:ext cx="0" cy="0"/>
+          <a:chOff x="0" y="0"/>
+          <a:chExt cx="0" cy="0"/>
+        </a:xfrm>
+      </p:grpSpPr>
+      <p:sp>
+        <p:nvSpPr>
+          <p:cNvPr id="2" name="제목 1">
+            <a:extLst>
+              <a:ext uri="{FF2B5EF4-FFF2-40B4-BE49-F238E27FC236}">
+                <a16:creationId xmlns:a16="http://schemas.microsoft.com/office/drawing/2014/main" id="{6D6CC1C0-DDD5-4401-8D10-00CE18B400E9}"/>
+              </a:ext>
+            </a:extLst>
+          </p:cNvPr>
+          <p:cNvSpPr>
+            <a:spLocks noGrp="1"/>
+          </p:cNvSpPr>
+          <p:nvPr>
+            <p:ph type="title"/>
+          </p:nvPr>
+        </p:nvSpPr>
+        <p:spPr/>
+        <p:txBody>
+          <a:bodyPr/>
+          <a:lstStyle/>
+          <a:p>
+            <a:r>
+              <a:rPr lang="en-US" altLang="ko-KR"/>
+              <a:t>DOM (Document Object Model)</a:t>
+            </a:r>
+            <a:endParaRPr lang="ko-KR" altLang="en-US"/>
+          </a:p>
+        </p:txBody>
+      </p:sp>
+      <p:sp>
+        <p:nvSpPr>
+          <p:cNvPr id="3" name="내용 개체 틀 2">
+            <a:extLst>
+              <a:ext uri="{FF2B5EF4-FFF2-40B4-BE49-F238E27FC236}">
+                <a16:creationId xmlns:a16="http://schemas.microsoft.com/office/drawing/2014/main" id="{6443416A-B9E9-4159-AF06-CABE972762B1}"/>
+              </a:ext>
+            </a:extLst>
+          </p:cNvPr>
+          <p:cNvSpPr>
+            <a:spLocks noGrp="1"/>
+          </p:cNvSpPr>
+          <p:nvPr>
+            <p:ph idx="1"/>
+          </p:nvPr>
+        </p:nvSpPr>
+        <p:spPr/>
+        <p:txBody>
+          <a:bodyPr/>
+          <a:lstStyle/>
+          <a:p>
+            <a:r>
+              <a:rPr lang="ko-KR" altLang="en-US"/>
+              <a:t>하나의 </a:t>
+            </a:r>
+            <a:r>
+              <a:rPr lang="en-US" altLang="ko-KR"/>
+              <a:t>html </a:t>
+            </a:r>
+            <a:r>
+              <a:rPr lang="ko-KR" altLang="en-US"/>
+              <a:t>파일은 </a:t>
+            </a:r>
+            <a:r>
+              <a:rPr lang="en-US" altLang="ko-KR"/>
+              <a:t>“</a:t>
+            </a:r>
+            <a:r>
+              <a:rPr lang="ko-KR" altLang="en-US"/>
+              <a:t>문서</a:t>
+            </a:r>
+            <a:r>
+              <a:rPr lang="en-US" altLang="ko-KR"/>
+              <a:t>(document)” </a:t>
+            </a:r>
+            <a:r>
+              <a:rPr lang="ko-KR" altLang="en-US"/>
+              <a:t>라고도 한다</a:t>
+            </a:r>
+            <a:r>
+              <a:rPr lang="en-US" altLang="ko-KR"/>
+              <a:t>.</a:t>
+            </a:r>
+          </a:p>
+          <a:p>
+            <a:r>
+              <a:rPr lang="ko-KR" altLang="en-US"/>
+              <a:t>하나의 </a:t>
+            </a:r>
+            <a:r>
+              <a:rPr lang="en-US" altLang="ko-KR"/>
+              <a:t>html </a:t>
+            </a:r>
+            <a:r>
+              <a:rPr lang="ko-KR" altLang="en-US"/>
+              <a:t>파일 전체를</a:t>
+            </a:r>
+            <a:r>
+              <a:rPr lang="en-US" altLang="ko-KR"/>
+              <a:t>, </a:t>
+            </a:r>
+            <a:r>
+              <a:rPr lang="ko-KR" altLang="en-US"/>
+              <a:t>하나의 </a:t>
+            </a:r>
+            <a:r>
+              <a:rPr lang="en-US" altLang="ko-KR"/>
+              <a:t>“</a:t>
+            </a:r>
+            <a:r>
+              <a:rPr lang="ko-KR" altLang="en-US"/>
+              <a:t>객체</a:t>
+            </a:r>
+            <a:r>
+              <a:rPr lang="en-US" altLang="ko-KR"/>
+              <a:t>” </a:t>
+            </a:r>
+            <a:r>
+              <a:rPr lang="ko-KR" altLang="en-US"/>
+              <a:t>로 만든 것</a:t>
+            </a:r>
+            <a:r>
+              <a:rPr lang="en-US" altLang="ko-KR"/>
+              <a:t>!</a:t>
+            </a:r>
+          </a:p>
+        </p:txBody>
+      </p:sp>
+    </p:spTree>
+    <p:extLst>
+      <p:ext uri="{BB962C8B-B14F-4D97-AF65-F5344CB8AC3E}">
+        <p14:creationId xmlns:p14="http://schemas.microsoft.com/office/powerpoint/2010/main" val="1824494264"/>
+      </p:ext>
+    </p:extLst>
+  </p:cSld>
+  <p:clrMapOvr>
+    <a:masterClrMapping/>
+  </p:clrMapOvr>
+</p:sld>
+</file>
+
+<file path=ppt/slides/slide19.xml><?xml version="1.0" encoding="utf-8"?>
+<p:sld xmlns:a="http://schemas.openxmlformats.org/drawingml/2006/main" xmlns:r="http://schemas.openxmlformats.org/officeDocument/2006/relationships" xmlns:p="http://schemas.openxmlformats.org/presentationml/2006/main">
+  <p:cSld>
+    <p:spTree>
+      <p:nvGrpSpPr>
+        <p:cNvPr id="1" name=""/>
+        <p:cNvGrpSpPr/>
+        <p:nvPr/>
+      </p:nvGrpSpPr>
+      <p:grpSpPr>
+        <a:xfrm>
+          <a:off x="0" y="0"/>
+          <a:ext cx="0" cy="0"/>
+          <a:chOff x="0" y="0"/>
+          <a:chExt cx="0" cy="0"/>
+        </a:xfrm>
+      </p:grpSpPr>
+      <p:pic>
+        <p:nvPicPr>
+          <p:cNvPr id="5" name="그림 4">
+            <a:extLst>
+              <a:ext uri="{FF2B5EF4-FFF2-40B4-BE49-F238E27FC236}">
+                <a16:creationId xmlns:a16="http://schemas.microsoft.com/office/drawing/2014/main" id="{91D83F7A-56E4-4BAF-AE80-C2114EDD97B1}"/>
+              </a:ext>
+            </a:extLst>
+          </p:cNvPr>
+          <p:cNvPicPr>
+            <a:picLocks noChangeAspect="1"/>
+          </p:cNvPicPr>
+          <p:nvPr/>
+        </p:nvPicPr>
+        <p:blipFill>
+          <a:blip r:embed="rId2"/>
+          <a:stretch>
+            <a:fillRect/>
+          </a:stretch>
+        </p:blipFill>
+        <p:spPr>
+          <a:xfrm>
+            <a:off x="453006" y="391737"/>
+            <a:ext cx="8648120" cy="4356433"/>
+          </a:xfrm>
+          <a:prstGeom prst="rect">
+            <a:avLst/>
+          </a:prstGeom>
+        </p:spPr>
+      </p:pic>
+      <p:sp>
+        <p:nvSpPr>
+          <p:cNvPr id="6" name="TextBox 5">
+            <a:extLst>
+              <a:ext uri="{FF2B5EF4-FFF2-40B4-BE49-F238E27FC236}">
+                <a16:creationId xmlns:a16="http://schemas.microsoft.com/office/drawing/2014/main" id="{4C2C61CC-562B-4E77-A215-41AE47D629F8}"/>
+              </a:ext>
+            </a:extLst>
+          </p:cNvPr>
+          <p:cNvSpPr txBox="1"/>
+          <p:nvPr/>
+        </p:nvSpPr>
+        <p:spPr>
+          <a:xfrm>
+            <a:off x="1853967" y="5020811"/>
+            <a:ext cx="6233020" cy="1754326"/>
+          </a:xfrm>
+          <a:prstGeom prst="rect">
+            <a:avLst/>
+          </a:prstGeom>
+          <a:noFill/>
+        </p:spPr>
+        <p:txBody>
+          <a:bodyPr wrap="square" rtlCol="0">
+            <a:spAutoFit/>
+          </a:bodyPr>
+          <a:lstStyle/>
+          <a:p>
+            <a:r>
+              <a:rPr lang="en-US" altLang="ko-KR"/>
+              <a:t>Instagram </a:t>
+            </a:r>
+            <a:r>
+              <a:rPr lang="ko-KR" altLang="en-US"/>
+              <a:t>에서</a:t>
+            </a:r>
+            <a:r>
+              <a:rPr lang="en-US" altLang="ko-KR"/>
+              <a:t>, </a:t>
+            </a:r>
+          </a:p>
+          <a:p>
+            <a:r>
+              <a:rPr lang="en-US" altLang="ko-KR"/>
+              <a:t>console.log(document);</a:t>
+            </a:r>
+          </a:p>
+          <a:p>
+            <a:r>
+              <a:rPr lang="ko-KR" altLang="en-US"/>
+              <a:t>를 입력했을때의 결과</a:t>
+            </a:r>
+            <a:r>
+              <a:rPr lang="en-US" altLang="ko-KR"/>
+              <a:t>.</a:t>
+            </a:r>
+          </a:p>
+          <a:p>
+            <a:r>
+              <a:rPr lang="ko-KR" altLang="en-US"/>
+              <a:t>하지만</a:t>
+            </a:r>
+            <a:r>
+              <a:rPr lang="en-US" altLang="ko-KR"/>
+              <a:t>, </a:t>
+            </a:r>
+            <a:r>
+              <a:rPr lang="ko-KR" altLang="en-US"/>
+              <a:t>이런식으로 보면 객체라는게 와닿지 않는다</a:t>
+            </a:r>
+            <a:r>
+              <a:rPr lang="en-US" altLang="ko-KR"/>
+              <a:t>.</a:t>
+            </a:r>
+          </a:p>
+          <a:p>
+            <a:r>
+              <a:rPr lang="ko-KR" altLang="en-US"/>
+              <a:t>이런식으로</a:t>
+            </a:r>
+            <a:r>
+              <a:rPr lang="en-US" altLang="ko-KR"/>
+              <a:t>, </a:t>
+            </a:r>
+            <a:r>
+              <a:rPr lang="ko-KR" altLang="en-US"/>
+              <a:t>태그의 형태로 나오는것을 객체로 보고싶을땐</a:t>
+            </a:r>
+            <a:r>
+              <a:rPr lang="en-US" altLang="ko-KR"/>
+              <a:t>,</a:t>
+            </a:r>
+          </a:p>
+          <a:p>
+            <a:r>
+              <a:rPr lang="en-US" altLang="ko-KR"/>
+              <a:t>console.log() </a:t>
+            </a:r>
+            <a:r>
+              <a:rPr lang="ko-KR" altLang="en-US"/>
+              <a:t>대신 </a:t>
+            </a:r>
+            <a:r>
+              <a:rPr lang="en-US" altLang="ko-KR">
+                <a:solidFill>
+                  <a:srgbClr val="FF0000"/>
+                </a:solidFill>
+              </a:rPr>
+              <a:t>console.dir() </a:t>
+            </a:r>
+            <a:r>
+              <a:rPr lang="ko-KR" altLang="en-US"/>
+              <a:t>을 사용한다</a:t>
+            </a:r>
+            <a:r>
+              <a:rPr lang="en-US" altLang="ko-KR"/>
+              <a:t>.	</a:t>
+            </a:r>
+            <a:endParaRPr lang="ko-KR" altLang="en-US"/>
+          </a:p>
+        </p:txBody>
+      </p:sp>
+    </p:spTree>
+    <p:extLst>
+      <p:ext uri="{BB962C8B-B14F-4D97-AF65-F5344CB8AC3E}">
+        <p14:creationId xmlns:p14="http://schemas.microsoft.com/office/powerpoint/2010/main" val="1099905011"/>
       </p:ext>
     </p:extLst>
   </p:cSld>
@@ -3591,6 +5812,1828 @@
     <p:extLst>
       <p:ext uri="{BB962C8B-B14F-4D97-AF65-F5344CB8AC3E}">
         <p14:creationId xmlns:p14="http://schemas.microsoft.com/office/powerpoint/2010/main" val="2873736862"/>
+      </p:ext>
+    </p:extLst>
+  </p:cSld>
+  <p:clrMapOvr>
+    <a:masterClrMapping/>
+  </p:clrMapOvr>
+</p:sld>
+</file>
+
+<file path=ppt/slides/slide20.xml><?xml version="1.0" encoding="utf-8"?>
+<p:sld xmlns:a="http://schemas.openxmlformats.org/drawingml/2006/main" xmlns:r="http://schemas.openxmlformats.org/officeDocument/2006/relationships" xmlns:p="http://schemas.openxmlformats.org/presentationml/2006/main">
+  <p:cSld>
+    <p:spTree>
+      <p:nvGrpSpPr>
+        <p:cNvPr id="1" name=""/>
+        <p:cNvGrpSpPr/>
+        <p:nvPr/>
+      </p:nvGrpSpPr>
+      <p:grpSpPr>
+        <a:xfrm>
+          <a:off x="0" y="0"/>
+          <a:ext cx="0" cy="0"/>
+          <a:chOff x="0" y="0"/>
+          <a:chExt cx="0" cy="0"/>
+        </a:xfrm>
+      </p:grpSpPr>
+      <p:pic>
+        <p:nvPicPr>
+          <p:cNvPr id="5" name="그림 4">
+            <a:extLst>
+              <a:ext uri="{FF2B5EF4-FFF2-40B4-BE49-F238E27FC236}">
+                <a16:creationId xmlns:a16="http://schemas.microsoft.com/office/drawing/2014/main" id="{8EBB0C3D-3EA4-4207-A5A9-6D0DAF9FC8AA}"/>
+              </a:ext>
+            </a:extLst>
+          </p:cNvPr>
+          <p:cNvPicPr>
+            <a:picLocks noChangeAspect="1"/>
+          </p:cNvPicPr>
+          <p:nvPr/>
+        </p:nvPicPr>
+        <p:blipFill>
+          <a:blip r:embed="rId2"/>
+          <a:stretch>
+            <a:fillRect/>
+          </a:stretch>
+        </p:blipFill>
+        <p:spPr>
+          <a:xfrm>
+            <a:off x="478172" y="312624"/>
+            <a:ext cx="7309411" cy="5991701"/>
+          </a:xfrm>
+          <a:prstGeom prst="rect">
+            <a:avLst/>
+          </a:prstGeom>
+        </p:spPr>
+      </p:pic>
+      <p:sp>
+        <p:nvSpPr>
+          <p:cNvPr id="6" name="TextBox 5">
+            <a:extLst>
+              <a:ext uri="{FF2B5EF4-FFF2-40B4-BE49-F238E27FC236}">
+                <a16:creationId xmlns:a16="http://schemas.microsoft.com/office/drawing/2014/main" id="{DEB52C03-9F1D-4D0E-8713-590BABCCE793}"/>
+              </a:ext>
+            </a:extLst>
+          </p:cNvPr>
+          <p:cNvSpPr txBox="1"/>
+          <p:nvPr/>
+        </p:nvSpPr>
+        <p:spPr>
+          <a:xfrm>
+            <a:off x="8229599" y="2197915"/>
+            <a:ext cx="3845925" cy="2308324"/>
+          </a:xfrm>
+          <a:prstGeom prst="rect">
+            <a:avLst/>
+          </a:prstGeom>
+          <a:noFill/>
+        </p:spPr>
+        <p:txBody>
+          <a:bodyPr wrap="none" rtlCol="0">
+            <a:spAutoFit/>
+          </a:bodyPr>
+          <a:lstStyle/>
+          <a:p>
+            <a:r>
+              <a:rPr lang="ko-KR" altLang="en-US"/>
+              <a:t>인스타그램에서 </a:t>
+            </a:r>
+            <a:endParaRPr lang="en-US" altLang="ko-KR"/>
+          </a:p>
+          <a:p>
+            <a:endParaRPr lang="en-US" altLang="ko-KR"/>
+          </a:p>
+          <a:p>
+            <a:r>
+              <a:rPr lang="en-US" altLang="ko-KR"/>
+              <a:t>console.dir(document);</a:t>
+            </a:r>
+          </a:p>
+          <a:p>
+            <a:endParaRPr lang="en-US" altLang="ko-KR"/>
+          </a:p>
+          <a:p>
+            <a:r>
+              <a:rPr lang="ko-KR" altLang="en-US"/>
+              <a:t>입력 시 나오는 결과의 </a:t>
+            </a:r>
+            <a:r>
+              <a:rPr lang="en-US" altLang="ko-KR"/>
+              <a:t>“</a:t>
+            </a:r>
+            <a:r>
+              <a:rPr lang="ko-KR" altLang="en-US"/>
+              <a:t>일부</a:t>
+            </a:r>
+            <a:r>
+              <a:rPr lang="en-US" altLang="ko-KR"/>
+              <a:t>”</a:t>
+            </a:r>
+          </a:p>
+          <a:p>
+            <a:endParaRPr lang="en-US" altLang="ko-KR"/>
+          </a:p>
+          <a:p>
+            <a:endParaRPr lang="en-US" altLang="ko-KR"/>
+          </a:p>
+          <a:p>
+            <a:r>
+              <a:rPr lang="ko-KR" altLang="en-US"/>
+              <a:t>즉</a:t>
+            </a:r>
+            <a:r>
+              <a:rPr lang="en-US" altLang="ko-KR"/>
+              <a:t>, </a:t>
+            </a:r>
+            <a:r>
+              <a:rPr lang="ko-KR" altLang="en-US"/>
+              <a:t>하나의 페이지는 거대한 객체다</a:t>
+            </a:r>
+            <a:r>
+              <a:rPr lang="en-US" altLang="ko-KR"/>
+              <a:t>.</a:t>
+            </a:r>
+          </a:p>
+        </p:txBody>
+      </p:sp>
+    </p:spTree>
+    <p:extLst>
+      <p:ext uri="{BB962C8B-B14F-4D97-AF65-F5344CB8AC3E}">
+        <p14:creationId xmlns:p14="http://schemas.microsoft.com/office/powerpoint/2010/main" val="1843563663"/>
+      </p:ext>
+    </p:extLst>
+  </p:cSld>
+  <p:clrMapOvr>
+    <a:masterClrMapping/>
+  </p:clrMapOvr>
+</p:sld>
+</file>
+
+<file path=ppt/slides/slide21.xml><?xml version="1.0" encoding="utf-8"?>
+<p:sld xmlns:a="http://schemas.openxmlformats.org/drawingml/2006/main" xmlns:r="http://schemas.openxmlformats.org/officeDocument/2006/relationships" xmlns:p="http://schemas.openxmlformats.org/presentationml/2006/main">
+  <p:cSld>
+    <p:spTree>
+      <p:nvGrpSpPr>
+        <p:cNvPr id="1" name=""/>
+        <p:cNvGrpSpPr/>
+        <p:nvPr/>
+      </p:nvGrpSpPr>
+      <p:grpSpPr>
+        <a:xfrm>
+          <a:off x="0" y="0"/>
+          <a:ext cx="0" cy="0"/>
+          <a:chOff x="0" y="0"/>
+          <a:chExt cx="0" cy="0"/>
+        </a:xfrm>
+      </p:grpSpPr>
+      <p:sp>
+        <p:nvSpPr>
+          <p:cNvPr id="2" name="제목 1">
+            <a:extLst>
+              <a:ext uri="{FF2B5EF4-FFF2-40B4-BE49-F238E27FC236}">
+                <a16:creationId xmlns:a16="http://schemas.microsoft.com/office/drawing/2014/main" id="{4148C7C0-E78B-4CEB-80D7-CA273807B0A0}"/>
+              </a:ext>
+            </a:extLst>
+          </p:cNvPr>
+          <p:cNvSpPr>
+            <a:spLocks noGrp="1"/>
+          </p:cNvSpPr>
+          <p:nvPr>
+            <p:ph type="title"/>
+          </p:nvPr>
+        </p:nvSpPr>
+        <p:spPr/>
+        <p:txBody>
+          <a:bodyPr/>
+          <a:lstStyle/>
+          <a:p>
+            <a:r>
+              <a:rPr lang="ko-KR" altLang="en-US"/>
+              <a:t>그렇다면</a:t>
+            </a:r>
+            <a:r>
+              <a:rPr lang="en-US" altLang="ko-KR"/>
+              <a:t>, </a:t>
+            </a:r>
+            <a:r>
+              <a:rPr lang="ko-KR" altLang="en-US"/>
+              <a:t>이렇게 생각할 수 있다</a:t>
+            </a:r>
+            <a:r>
+              <a:rPr lang="en-US" altLang="ko-KR"/>
+              <a:t>.</a:t>
+            </a:r>
+            <a:endParaRPr lang="ko-KR" altLang="en-US"/>
+          </a:p>
+        </p:txBody>
+      </p:sp>
+      <p:sp>
+        <p:nvSpPr>
+          <p:cNvPr id="3" name="내용 개체 틀 2">
+            <a:extLst>
+              <a:ext uri="{FF2B5EF4-FFF2-40B4-BE49-F238E27FC236}">
+                <a16:creationId xmlns:a16="http://schemas.microsoft.com/office/drawing/2014/main" id="{9555A9EC-4292-488D-8AEA-0F6FA7B675C7}"/>
+              </a:ext>
+            </a:extLst>
+          </p:cNvPr>
+          <p:cNvSpPr>
+            <a:spLocks noGrp="1"/>
+          </p:cNvSpPr>
+          <p:nvPr>
+            <p:ph idx="1"/>
+          </p:nvPr>
+        </p:nvSpPr>
+        <p:spPr/>
+        <p:txBody>
+          <a:bodyPr/>
+          <a:lstStyle/>
+          <a:p>
+            <a:r>
+              <a:rPr lang="ko-KR" altLang="en-US"/>
+              <a:t>하나의 </a:t>
+            </a:r>
+            <a:r>
+              <a:rPr lang="en-US" altLang="ko-KR"/>
+              <a:t>html </a:t>
+            </a:r>
+            <a:r>
+              <a:rPr lang="ko-KR" altLang="en-US"/>
+              <a:t>파일이 하나의 거대한 객체라면</a:t>
+            </a:r>
+            <a:r>
+              <a:rPr lang="en-US" altLang="ko-KR"/>
+              <a:t>,</a:t>
+            </a:r>
+          </a:p>
+          <a:p>
+            <a:r>
+              <a:rPr lang="ko-KR" altLang="en-US"/>
+              <a:t>이벤트가 발생했을 때</a:t>
+            </a:r>
+            <a:r>
+              <a:rPr lang="en-US" altLang="ko-KR"/>
+              <a:t>,</a:t>
+            </a:r>
+          </a:p>
+          <a:p>
+            <a:r>
+              <a:rPr lang="ko-KR" altLang="en-US"/>
+              <a:t>바꾸고 싶은 부분을 </a:t>
+            </a:r>
+            <a:r>
+              <a:rPr lang="en-US" altLang="ko-KR"/>
+              <a:t>“</a:t>
+            </a:r>
+            <a:r>
+              <a:rPr lang="ko-KR" altLang="en-US"/>
+              <a:t>선택</a:t>
+            </a:r>
+            <a:r>
+              <a:rPr lang="en-US" altLang="ko-KR"/>
+              <a:t>” </a:t>
+            </a:r>
+            <a:r>
+              <a:rPr lang="ko-KR" altLang="en-US"/>
+              <a:t>해서</a:t>
+            </a:r>
+            <a:r>
+              <a:rPr lang="en-US" altLang="ko-KR"/>
+              <a:t>, </a:t>
+            </a:r>
+            <a:r>
+              <a:rPr lang="ko-KR" altLang="en-US"/>
+              <a:t>원하는 값으로 바꾸면</a:t>
+            </a:r>
+            <a:r>
+              <a:rPr lang="en-US" altLang="ko-KR"/>
+              <a:t>,</a:t>
+            </a:r>
+          </a:p>
+          <a:p>
+            <a:r>
+              <a:rPr lang="en-US" altLang="ko-KR"/>
+              <a:t>html</a:t>
+            </a:r>
+            <a:r>
+              <a:rPr lang="ko-KR" altLang="en-US"/>
+              <a:t> 을 바꿀 수 있지 않을까</a:t>
+            </a:r>
+            <a:r>
+              <a:rPr lang="en-US" altLang="ko-KR"/>
+              <a:t>?</a:t>
+            </a:r>
+          </a:p>
+          <a:p>
+            <a:endParaRPr lang="en-US" altLang="ko-KR"/>
+          </a:p>
+          <a:p>
+            <a:r>
+              <a:rPr lang="ko-KR" altLang="en-US"/>
+              <a:t>그걸 </a:t>
+            </a:r>
+            <a:r>
+              <a:rPr lang="en-US" altLang="ko-KR"/>
+              <a:t>DOM Manipulation, </a:t>
+            </a:r>
+            <a:r>
+              <a:rPr lang="ko-KR" altLang="en-US"/>
+              <a:t>한국어로 </a:t>
+            </a:r>
+            <a:r>
+              <a:rPr lang="en-US" altLang="ko-KR"/>
+              <a:t>“</a:t>
+            </a:r>
+            <a:r>
+              <a:rPr lang="ko-KR" altLang="en-US"/>
+              <a:t>돔 조작</a:t>
+            </a:r>
+            <a:r>
+              <a:rPr lang="en-US" altLang="ko-KR"/>
+              <a:t>”</a:t>
+            </a:r>
+            <a:r>
+              <a:rPr lang="ko-KR" altLang="en-US"/>
+              <a:t>이라고 한다</a:t>
+            </a:r>
+            <a:r>
+              <a:rPr lang="en-US" altLang="ko-KR"/>
+              <a:t>.</a:t>
+            </a:r>
+          </a:p>
+        </p:txBody>
+      </p:sp>
+    </p:spTree>
+    <p:extLst>
+      <p:ext uri="{BB962C8B-B14F-4D97-AF65-F5344CB8AC3E}">
+        <p14:creationId xmlns:p14="http://schemas.microsoft.com/office/powerpoint/2010/main" val="364442152"/>
+      </p:ext>
+    </p:extLst>
+  </p:cSld>
+  <p:clrMapOvr>
+    <a:masterClrMapping/>
+  </p:clrMapOvr>
+</p:sld>
+</file>
+
+<file path=ppt/slides/slide22.xml><?xml version="1.0" encoding="utf-8"?>
+<p:sld xmlns:a="http://schemas.openxmlformats.org/drawingml/2006/main" xmlns:r="http://schemas.openxmlformats.org/officeDocument/2006/relationships" xmlns:p="http://schemas.openxmlformats.org/presentationml/2006/main">
+  <p:cSld>
+    <p:spTree>
+      <p:nvGrpSpPr>
+        <p:cNvPr id="1" name=""/>
+        <p:cNvGrpSpPr/>
+        <p:nvPr/>
+      </p:nvGrpSpPr>
+      <p:grpSpPr>
+        <a:xfrm>
+          <a:off x="0" y="0"/>
+          <a:ext cx="0" cy="0"/>
+          <a:chOff x="0" y="0"/>
+          <a:chExt cx="0" cy="0"/>
+        </a:xfrm>
+      </p:grpSpPr>
+      <p:sp>
+        <p:nvSpPr>
+          <p:cNvPr id="2" name="제목 1">
+            <a:extLst>
+              <a:ext uri="{FF2B5EF4-FFF2-40B4-BE49-F238E27FC236}">
+                <a16:creationId xmlns:a16="http://schemas.microsoft.com/office/drawing/2014/main" id="{B25AB3A1-F3FE-4DB6-973E-8D82558272A8}"/>
+              </a:ext>
+            </a:extLst>
+          </p:cNvPr>
+          <p:cNvSpPr>
+            <a:spLocks noGrp="1"/>
+          </p:cNvSpPr>
+          <p:nvPr>
+            <p:ph type="title"/>
+          </p:nvPr>
+        </p:nvSpPr>
+        <p:spPr/>
+        <p:txBody>
+          <a:bodyPr/>
+          <a:lstStyle/>
+          <a:p>
+            <a:r>
+              <a:rPr lang="ko-KR" altLang="en-US"/>
+              <a:t>여러가지 </a:t>
+            </a:r>
+            <a:r>
+              <a:rPr lang="en-US" altLang="ko-KR"/>
+              <a:t>“</a:t>
+            </a:r>
+            <a:r>
+              <a:rPr lang="ko-KR" altLang="en-US"/>
+              <a:t>옛</a:t>
+            </a:r>
+            <a:r>
+              <a:rPr lang="en-US" altLang="ko-KR"/>
+              <a:t>”</a:t>
+            </a:r>
+            <a:r>
+              <a:rPr lang="ko-KR" altLang="en-US"/>
+              <a:t> 방법</a:t>
+            </a:r>
+          </a:p>
+        </p:txBody>
+      </p:sp>
+      <p:sp>
+        <p:nvSpPr>
+          <p:cNvPr id="3" name="내용 개체 틀 2">
+            <a:extLst>
+              <a:ext uri="{FF2B5EF4-FFF2-40B4-BE49-F238E27FC236}">
+                <a16:creationId xmlns:a16="http://schemas.microsoft.com/office/drawing/2014/main" id="{49DA78D8-1EC6-479E-8314-BD74FF37517A}"/>
+              </a:ext>
+            </a:extLst>
+          </p:cNvPr>
+          <p:cNvSpPr>
+            <a:spLocks noGrp="1"/>
+          </p:cNvSpPr>
+          <p:nvPr>
+            <p:ph idx="1"/>
+          </p:nvPr>
+        </p:nvSpPr>
+        <p:spPr/>
+        <p:txBody>
+          <a:bodyPr>
+            <a:normAutofit/>
+          </a:bodyPr>
+          <a:lstStyle/>
+          <a:p>
+            <a:r>
+              <a:rPr lang="en-US" altLang="ko-KR"/>
+              <a:t>document.getElementsByTagName(“div“)</a:t>
+            </a:r>
+          </a:p>
+          <a:p>
+            <a:pPr lvl="1"/>
+            <a:r>
+              <a:rPr lang="ko-KR" altLang="en-US"/>
+              <a:t>문서의 </a:t>
+            </a:r>
+            <a:r>
+              <a:rPr lang="en-US" altLang="ko-KR"/>
+              <a:t>div </a:t>
+            </a:r>
+            <a:r>
+              <a:rPr lang="ko-KR" altLang="en-US"/>
+              <a:t>태그들을 선택</a:t>
+            </a:r>
+            <a:endParaRPr lang="en-US" altLang="ko-KR"/>
+          </a:p>
+          <a:p>
+            <a:r>
+              <a:rPr lang="en-US" altLang="ko-KR"/>
+              <a:t>document.getElementById(“idName”)</a:t>
+            </a:r>
+          </a:p>
+          <a:p>
+            <a:pPr lvl="1"/>
+            <a:r>
+              <a:rPr lang="ko-KR" altLang="en-US"/>
+              <a:t>문서의 </a:t>
+            </a:r>
+            <a:r>
+              <a:rPr lang="en-US" altLang="ko-KR"/>
+              <a:t>idName </a:t>
+            </a:r>
+            <a:r>
+              <a:rPr lang="ko-KR" altLang="en-US"/>
+              <a:t>이라는 아이디</a:t>
+            </a:r>
+            <a:r>
+              <a:rPr lang="en-US" altLang="ko-KR"/>
+              <a:t>(#) </a:t>
+            </a:r>
+            <a:r>
+              <a:rPr lang="ko-KR" altLang="en-US"/>
+              <a:t>로 지정된 태그 선택</a:t>
+            </a:r>
+            <a:endParaRPr lang="en-US" altLang="ko-KR"/>
+          </a:p>
+          <a:p>
+            <a:r>
+              <a:rPr lang="en-US" altLang="ko-KR"/>
+              <a:t>document.getElementsByClassName(“myClass”)</a:t>
+            </a:r>
+          </a:p>
+          <a:p>
+            <a:pPr lvl="1"/>
+            <a:r>
+              <a:rPr lang="ko-KR" altLang="en-US"/>
+              <a:t>문서의 </a:t>
+            </a:r>
+            <a:r>
+              <a:rPr lang="en-US" altLang="ko-KR"/>
+              <a:t>myClass </a:t>
+            </a:r>
+            <a:r>
+              <a:rPr lang="ko-KR" altLang="en-US"/>
+              <a:t>라는 클래스</a:t>
+            </a:r>
+            <a:r>
+              <a:rPr lang="en-US" altLang="ko-KR"/>
+              <a:t>( . ) </a:t>
+            </a:r>
+            <a:r>
+              <a:rPr lang="ko-KR" altLang="en-US"/>
+              <a:t>로</a:t>
+            </a:r>
+            <a:r>
+              <a:rPr lang="en-US" altLang="ko-KR"/>
+              <a:t> </a:t>
+            </a:r>
+            <a:r>
+              <a:rPr lang="ko-KR" altLang="en-US"/>
+              <a:t>지정된 태그들을 선택</a:t>
+            </a:r>
+            <a:endParaRPr lang="en-US" altLang="ko-KR"/>
+          </a:p>
+          <a:p>
+            <a:endParaRPr lang="en-US" altLang="ko-KR"/>
+          </a:p>
+          <a:p>
+            <a:r>
+              <a:rPr lang="ko-KR" altLang="en-US"/>
+              <a:t>위 세가지는</a:t>
+            </a:r>
+            <a:r>
+              <a:rPr lang="en-US" altLang="ko-KR"/>
+              <a:t>, </a:t>
+            </a:r>
+            <a:r>
+              <a:rPr lang="ko-KR" altLang="en-US"/>
+              <a:t>개발자들에게 불편해서</a:t>
+            </a:r>
+            <a:r>
+              <a:rPr lang="en-US" altLang="ko-KR"/>
+              <a:t>, </a:t>
+            </a:r>
+          </a:p>
+          <a:p>
+            <a:pPr marL="0" indent="0">
+              <a:buNone/>
+            </a:pPr>
+            <a:r>
+              <a:rPr lang="en-US" altLang="ko-KR"/>
+              <a:t>    </a:t>
+            </a:r>
+            <a:r>
+              <a:rPr lang="ko-KR" altLang="en-US"/>
+              <a:t>선배 개발자들은 </a:t>
+            </a:r>
+            <a:r>
+              <a:rPr lang="en-US" altLang="ko-KR"/>
+              <a:t>jQuery </a:t>
+            </a:r>
+            <a:r>
+              <a:rPr lang="ko-KR" altLang="en-US"/>
+              <a:t>라는 기술을 따로 배워서 사용했다</a:t>
+            </a:r>
+            <a:r>
+              <a:rPr lang="en-US" altLang="ko-KR"/>
+              <a:t>.</a:t>
+            </a:r>
+            <a:endParaRPr lang="ko-KR" altLang="en-US"/>
+          </a:p>
+        </p:txBody>
+      </p:sp>
+    </p:spTree>
+    <p:extLst>
+      <p:ext uri="{BB962C8B-B14F-4D97-AF65-F5344CB8AC3E}">
+        <p14:creationId xmlns:p14="http://schemas.microsoft.com/office/powerpoint/2010/main" val="1575111648"/>
+      </p:ext>
+    </p:extLst>
+  </p:cSld>
+  <p:clrMapOvr>
+    <a:masterClrMapping/>
+  </p:clrMapOvr>
+</p:sld>
+</file>
+
+<file path=ppt/slides/slide23.xml><?xml version="1.0" encoding="utf-8"?>
+<p:sld xmlns:a="http://schemas.openxmlformats.org/drawingml/2006/main" xmlns:r="http://schemas.openxmlformats.org/officeDocument/2006/relationships" xmlns:p="http://schemas.openxmlformats.org/presentationml/2006/main">
+  <p:cSld>
+    <p:spTree>
+      <p:nvGrpSpPr>
+        <p:cNvPr id="1" name=""/>
+        <p:cNvGrpSpPr/>
+        <p:nvPr/>
+      </p:nvGrpSpPr>
+      <p:grpSpPr>
+        <a:xfrm>
+          <a:off x="0" y="0"/>
+          <a:ext cx="0" cy="0"/>
+          <a:chOff x="0" y="0"/>
+          <a:chExt cx="0" cy="0"/>
+        </a:xfrm>
+      </p:grpSpPr>
+      <p:sp>
+        <p:nvSpPr>
+          <p:cNvPr id="2" name="제목 1">
+            <a:extLst>
+              <a:ext uri="{FF2B5EF4-FFF2-40B4-BE49-F238E27FC236}">
+                <a16:creationId xmlns:a16="http://schemas.microsoft.com/office/drawing/2014/main" id="{0978315A-55F7-42BE-A21F-D3E97B24184A}"/>
+              </a:ext>
+            </a:extLst>
+          </p:cNvPr>
+          <p:cNvSpPr>
+            <a:spLocks noGrp="1"/>
+          </p:cNvSpPr>
+          <p:nvPr>
+            <p:ph type="title"/>
+          </p:nvPr>
+        </p:nvSpPr>
+        <p:spPr/>
+        <p:txBody>
+          <a:bodyPr/>
+          <a:lstStyle/>
+          <a:p>
+            <a:r>
+              <a:rPr lang="ko-KR" altLang="en-US"/>
+              <a:t>다음 두 가지만 알면</a:t>
+            </a:r>
+            <a:r>
+              <a:rPr lang="en-US" altLang="ko-KR"/>
+              <a:t>, </a:t>
+            </a:r>
+            <a:r>
+              <a:rPr lang="ko-KR" altLang="en-US"/>
+              <a:t>모든 걸 할 수 있다</a:t>
+            </a:r>
+          </a:p>
+        </p:txBody>
+      </p:sp>
+      <p:sp>
+        <p:nvSpPr>
+          <p:cNvPr id="3" name="내용 개체 틀 2">
+            <a:extLst>
+              <a:ext uri="{FF2B5EF4-FFF2-40B4-BE49-F238E27FC236}">
+                <a16:creationId xmlns:a16="http://schemas.microsoft.com/office/drawing/2014/main" id="{047BB978-F13B-46AF-A60A-8559A4C3F57C}"/>
+              </a:ext>
+            </a:extLst>
+          </p:cNvPr>
+          <p:cNvSpPr>
+            <a:spLocks noGrp="1"/>
+          </p:cNvSpPr>
+          <p:nvPr>
+            <p:ph idx="1"/>
+          </p:nvPr>
+        </p:nvSpPr>
+        <p:spPr/>
+        <p:txBody>
+          <a:bodyPr/>
+          <a:lstStyle/>
+          <a:p>
+            <a:r>
+              <a:rPr lang="en-US" altLang="ko-KR"/>
+              <a:t>document.querySelector( )</a:t>
+            </a:r>
+          </a:p>
+          <a:p>
+            <a:r>
+              <a:rPr lang="en-US" altLang="ko-KR"/>
+              <a:t>document.querySelectorAll( )</a:t>
+            </a:r>
+          </a:p>
+          <a:p>
+            <a:endParaRPr lang="en-US" altLang="ko-KR"/>
+          </a:p>
+          <a:p>
+            <a:r>
+              <a:rPr lang="ko-KR" altLang="en-US"/>
+              <a:t>파라미터로</a:t>
+            </a:r>
+            <a:r>
+              <a:rPr lang="en-US" altLang="ko-KR"/>
+              <a:t>, css</a:t>
+            </a:r>
+            <a:r>
+              <a:rPr lang="ko-KR" altLang="en-US"/>
+              <a:t> 선택자를 쓰면 된다</a:t>
+            </a:r>
+            <a:r>
+              <a:rPr lang="en-US" altLang="ko-KR"/>
+              <a:t>. </a:t>
+            </a:r>
+          </a:p>
+        </p:txBody>
+      </p:sp>
+    </p:spTree>
+    <p:extLst>
+      <p:ext uri="{BB962C8B-B14F-4D97-AF65-F5344CB8AC3E}">
+        <p14:creationId xmlns:p14="http://schemas.microsoft.com/office/powerpoint/2010/main" val="1110429632"/>
+      </p:ext>
+    </p:extLst>
+  </p:cSld>
+  <p:clrMapOvr>
+    <a:masterClrMapping/>
+  </p:clrMapOvr>
+</p:sld>
+</file>
+
+<file path=ppt/slides/slide24.xml><?xml version="1.0" encoding="utf-8"?>
+<p:sld xmlns:a="http://schemas.openxmlformats.org/drawingml/2006/main" xmlns:r="http://schemas.openxmlformats.org/officeDocument/2006/relationships" xmlns:p="http://schemas.openxmlformats.org/presentationml/2006/main">
+  <p:cSld>
+    <p:spTree>
+      <p:nvGrpSpPr>
+        <p:cNvPr id="1" name=""/>
+        <p:cNvGrpSpPr/>
+        <p:nvPr/>
+      </p:nvGrpSpPr>
+      <p:grpSpPr>
+        <a:xfrm>
+          <a:off x="0" y="0"/>
+          <a:ext cx="0" cy="0"/>
+          <a:chOff x="0" y="0"/>
+          <a:chExt cx="0" cy="0"/>
+        </a:xfrm>
+      </p:grpSpPr>
+      <p:pic>
+        <p:nvPicPr>
+          <p:cNvPr id="9" name="그림 8">
+            <a:extLst>
+              <a:ext uri="{FF2B5EF4-FFF2-40B4-BE49-F238E27FC236}">
+                <a16:creationId xmlns:a16="http://schemas.microsoft.com/office/drawing/2014/main" id="{C1A26549-66EA-401A-8B3E-9F5F797A47BD}"/>
+              </a:ext>
+            </a:extLst>
+          </p:cNvPr>
+          <p:cNvPicPr>
+            <a:picLocks noChangeAspect="1"/>
+          </p:cNvPicPr>
+          <p:nvPr/>
+        </p:nvPicPr>
+        <p:blipFill>
+          <a:blip r:embed="rId2"/>
+          <a:stretch>
+            <a:fillRect/>
+          </a:stretch>
+        </p:blipFill>
+        <p:spPr>
+          <a:xfrm>
+            <a:off x="305684" y="4154964"/>
+            <a:ext cx="3862722" cy="1978902"/>
+          </a:xfrm>
+          <a:prstGeom prst="rect">
+            <a:avLst/>
+          </a:prstGeom>
+        </p:spPr>
+      </p:pic>
+      <p:pic>
+        <p:nvPicPr>
+          <p:cNvPr id="13" name="그림 12">
+            <a:extLst>
+              <a:ext uri="{FF2B5EF4-FFF2-40B4-BE49-F238E27FC236}">
+                <a16:creationId xmlns:a16="http://schemas.microsoft.com/office/drawing/2014/main" id="{E463194E-91C0-4082-A157-7E3BD72A8DA7}"/>
+              </a:ext>
+            </a:extLst>
+          </p:cNvPr>
+          <p:cNvPicPr>
+            <a:picLocks noChangeAspect="1"/>
+          </p:cNvPicPr>
+          <p:nvPr/>
+        </p:nvPicPr>
+        <p:blipFill>
+          <a:blip r:embed="rId3"/>
+          <a:stretch>
+            <a:fillRect/>
+          </a:stretch>
+        </p:blipFill>
+        <p:spPr>
+          <a:xfrm>
+            <a:off x="6023296" y="3545660"/>
+            <a:ext cx="2189526" cy="2841578"/>
+          </a:xfrm>
+          <a:prstGeom prst="rect">
+            <a:avLst/>
+          </a:prstGeom>
+        </p:spPr>
+      </p:pic>
+      <p:sp>
+        <p:nvSpPr>
+          <p:cNvPr id="14" name="화살표: 오른쪽 13">
+            <a:extLst>
+              <a:ext uri="{FF2B5EF4-FFF2-40B4-BE49-F238E27FC236}">
+                <a16:creationId xmlns:a16="http://schemas.microsoft.com/office/drawing/2014/main" id="{0B2A9BB1-ECFD-4C3B-9D10-0D887316FDE0}"/>
+              </a:ext>
+            </a:extLst>
+          </p:cNvPr>
+          <p:cNvSpPr/>
+          <p:nvPr/>
+        </p:nvSpPr>
+        <p:spPr>
+          <a:xfrm>
+            <a:off x="8406693" y="4756724"/>
+            <a:ext cx="681969" cy="419449"/>
+          </a:xfrm>
+          <a:prstGeom prst="rightArrow">
+            <a:avLst/>
+          </a:prstGeom>
+        </p:spPr>
+        <p:style>
+          <a:lnRef idx="2">
+            <a:schemeClr val="accent1">
+              <a:shade val="50000"/>
+            </a:schemeClr>
+          </a:lnRef>
+          <a:fillRef idx="1">
+            <a:schemeClr val="accent1"/>
+          </a:fillRef>
+          <a:effectRef idx="0">
+            <a:schemeClr val="accent1"/>
+          </a:effectRef>
+          <a:fontRef idx="minor">
+            <a:schemeClr val="lt1"/>
+          </a:fontRef>
+        </p:style>
+        <p:txBody>
+          <a:bodyPr rtlCol="0" anchor="ctr"/>
+          <a:lstStyle/>
+          <a:p>
+            <a:pPr algn="ctr"/>
+            <a:endParaRPr lang="ko-KR" altLang="en-US"/>
+          </a:p>
+        </p:txBody>
+      </p:sp>
+      <p:pic>
+        <p:nvPicPr>
+          <p:cNvPr id="16" name="그림 15">
+            <a:extLst>
+              <a:ext uri="{FF2B5EF4-FFF2-40B4-BE49-F238E27FC236}">
+                <a16:creationId xmlns:a16="http://schemas.microsoft.com/office/drawing/2014/main" id="{D7F9BE05-63E6-47D8-A6D8-0E6D5B34CC8C}"/>
+              </a:ext>
+            </a:extLst>
+          </p:cNvPr>
+          <p:cNvPicPr>
+            <a:picLocks noChangeAspect="1"/>
+          </p:cNvPicPr>
+          <p:nvPr/>
+        </p:nvPicPr>
+        <p:blipFill>
+          <a:blip r:embed="rId4"/>
+          <a:stretch>
+            <a:fillRect/>
+          </a:stretch>
+        </p:blipFill>
+        <p:spPr>
+          <a:xfrm>
+            <a:off x="9393631" y="3651342"/>
+            <a:ext cx="2160274" cy="2735896"/>
+          </a:xfrm>
+          <a:prstGeom prst="rect">
+            <a:avLst/>
+          </a:prstGeom>
+        </p:spPr>
+      </p:pic>
+      <p:pic>
+        <p:nvPicPr>
+          <p:cNvPr id="21" name="그림 20">
+            <a:extLst>
+              <a:ext uri="{FF2B5EF4-FFF2-40B4-BE49-F238E27FC236}">
+                <a16:creationId xmlns:a16="http://schemas.microsoft.com/office/drawing/2014/main" id="{BA6BFF09-6BAF-48F3-8048-81BB37346849}"/>
+              </a:ext>
+            </a:extLst>
+          </p:cNvPr>
+          <p:cNvPicPr>
+            <a:picLocks noChangeAspect="1"/>
+          </p:cNvPicPr>
+          <p:nvPr/>
+        </p:nvPicPr>
+        <p:blipFill>
+          <a:blip r:embed="rId5"/>
+          <a:stretch>
+            <a:fillRect/>
+          </a:stretch>
+        </p:blipFill>
+        <p:spPr>
+          <a:xfrm>
+            <a:off x="305684" y="531391"/>
+            <a:ext cx="8051587" cy="1666526"/>
+          </a:xfrm>
+          <a:prstGeom prst="rect">
+            <a:avLst/>
+          </a:prstGeom>
+        </p:spPr>
+      </p:pic>
+      <p:cxnSp>
+        <p:nvCxnSpPr>
+          <p:cNvPr id="23" name="직선 연결선 22">
+            <a:extLst>
+              <a:ext uri="{FF2B5EF4-FFF2-40B4-BE49-F238E27FC236}">
+                <a16:creationId xmlns:a16="http://schemas.microsoft.com/office/drawing/2014/main" id="{3D05D2A9-CA41-4033-AB4B-7FCD6A046341}"/>
+              </a:ext>
+            </a:extLst>
+          </p:cNvPr>
+          <p:cNvCxnSpPr/>
+          <p:nvPr/>
+        </p:nvCxnSpPr>
+        <p:spPr>
+          <a:xfrm>
+            <a:off x="3305262" y="1879134"/>
+            <a:ext cx="2919369" cy="0"/>
+          </a:xfrm>
+          <a:prstGeom prst="line">
+            <a:avLst/>
+          </a:prstGeom>
+          <a:ln w="76200"/>
+        </p:spPr>
+        <p:style>
+          <a:lnRef idx="1">
+            <a:schemeClr val="accent1"/>
+          </a:lnRef>
+          <a:fillRef idx="0">
+            <a:schemeClr val="accent1"/>
+          </a:fillRef>
+          <a:effectRef idx="0">
+            <a:schemeClr val="accent1"/>
+          </a:effectRef>
+          <a:fontRef idx="minor">
+            <a:schemeClr val="tx1"/>
+          </a:fontRef>
+        </p:style>
+      </p:cxnSp>
+      <p:sp>
+        <p:nvSpPr>
+          <p:cNvPr id="24" name="TextBox 23">
+            <a:extLst>
+              <a:ext uri="{FF2B5EF4-FFF2-40B4-BE49-F238E27FC236}">
+                <a16:creationId xmlns:a16="http://schemas.microsoft.com/office/drawing/2014/main" id="{C02E9D61-245A-4AFD-AABE-A094CC6E8B80}"/>
+              </a:ext>
+            </a:extLst>
+          </p:cNvPr>
+          <p:cNvSpPr txBox="1"/>
+          <p:nvPr/>
+        </p:nvSpPr>
+        <p:spPr>
+          <a:xfrm>
+            <a:off x="4530747" y="1879134"/>
+            <a:ext cx="468398" cy="830997"/>
+          </a:xfrm>
+          <a:prstGeom prst="rect">
+            <a:avLst/>
+          </a:prstGeom>
+          <a:noFill/>
+        </p:spPr>
+        <p:txBody>
+          <a:bodyPr wrap="none" rtlCol="0">
+            <a:spAutoFit/>
+          </a:bodyPr>
+          <a:lstStyle/>
+          <a:p>
+            <a:r>
+              <a:rPr lang="en-US" altLang="ko-KR" sz="4800"/>
+              <a:t>?</a:t>
+            </a:r>
+            <a:endParaRPr lang="ko-KR" altLang="en-US" sz="4800"/>
+          </a:p>
+        </p:txBody>
+      </p:sp>
+    </p:spTree>
+    <p:extLst>
+      <p:ext uri="{BB962C8B-B14F-4D97-AF65-F5344CB8AC3E}">
+        <p14:creationId xmlns:p14="http://schemas.microsoft.com/office/powerpoint/2010/main" val="977529768"/>
+      </p:ext>
+    </p:extLst>
+  </p:cSld>
+  <p:clrMapOvr>
+    <a:masterClrMapping/>
+  </p:clrMapOvr>
+</p:sld>
+</file>
+
+<file path=ppt/slides/slide25.xml><?xml version="1.0" encoding="utf-8"?>
+<p:sld xmlns:a="http://schemas.openxmlformats.org/drawingml/2006/main" xmlns:r="http://schemas.openxmlformats.org/officeDocument/2006/relationships" xmlns:p="http://schemas.openxmlformats.org/presentationml/2006/main">
+  <p:cSld>
+    <p:spTree>
+      <p:nvGrpSpPr>
+        <p:cNvPr id="1" name=""/>
+        <p:cNvGrpSpPr/>
+        <p:nvPr/>
+      </p:nvGrpSpPr>
+      <p:grpSpPr>
+        <a:xfrm>
+          <a:off x="0" y="0"/>
+          <a:ext cx="0" cy="0"/>
+          <a:chOff x="0" y="0"/>
+          <a:chExt cx="0" cy="0"/>
+        </a:xfrm>
+      </p:grpSpPr>
+      <p:pic>
+        <p:nvPicPr>
+          <p:cNvPr id="5" name="그림 4">
+            <a:extLst>
+              <a:ext uri="{FF2B5EF4-FFF2-40B4-BE49-F238E27FC236}">
+                <a16:creationId xmlns:a16="http://schemas.microsoft.com/office/drawing/2014/main" id="{AB153DC5-31B3-43CA-AFA1-45ABD05E7D18}"/>
+              </a:ext>
+            </a:extLst>
+          </p:cNvPr>
+          <p:cNvPicPr>
+            <a:picLocks noChangeAspect="1"/>
+          </p:cNvPicPr>
+          <p:nvPr/>
+        </p:nvPicPr>
+        <p:blipFill>
+          <a:blip r:embed="rId2"/>
+          <a:stretch>
+            <a:fillRect/>
+          </a:stretch>
+        </p:blipFill>
+        <p:spPr>
+          <a:xfrm>
+            <a:off x="869658" y="2886252"/>
+            <a:ext cx="10452683" cy="1085496"/>
+          </a:xfrm>
+          <a:prstGeom prst="rect">
+            <a:avLst/>
+          </a:prstGeom>
+        </p:spPr>
+      </p:pic>
+      <p:cxnSp>
+        <p:nvCxnSpPr>
+          <p:cNvPr id="7" name="직선 연결선 6">
+            <a:extLst>
+              <a:ext uri="{FF2B5EF4-FFF2-40B4-BE49-F238E27FC236}">
+                <a16:creationId xmlns:a16="http://schemas.microsoft.com/office/drawing/2014/main" id="{CA5F4F95-2DF9-457D-99D0-50B439457389}"/>
+              </a:ext>
+            </a:extLst>
+          </p:cNvPr>
+          <p:cNvCxnSpPr/>
+          <p:nvPr/>
+        </p:nvCxnSpPr>
+        <p:spPr>
+          <a:xfrm>
+            <a:off x="5016617" y="3682767"/>
+            <a:ext cx="1400961" cy="0"/>
+          </a:xfrm>
+          <a:prstGeom prst="line">
+            <a:avLst/>
+          </a:prstGeom>
+          <a:ln w="76200"/>
+        </p:spPr>
+        <p:style>
+          <a:lnRef idx="1">
+            <a:schemeClr val="accent1"/>
+          </a:lnRef>
+          <a:fillRef idx="0">
+            <a:schemeClr val="accent1"/>
+          </a:fillRef>
+          <a:effectRef idx="0">
+            <a:schemeClr val="accent1"/>
+          </a:effectRef>
+          <a:fontRef idx="minor">
+            <a:schemeClr val="tx1"/>
+          </a:fontRef>
+        </p:style>
+      </p:cxnSp>
+      <p:sp>
+        <p:nvSpPr>
+          <p:cNvPr id="8" name="TextBox 7">
+            <a:extLst>
+              <a:ext uri="{FF2B5EF4-FFF2-40B4-BE49-F238E27FC236}">
+                <a16:creationId xmlns:a16="http://schemas.microsoft.com/office/drawing/2014/main" id="{034F96C5-8477-4267-8769-4AA567801B65}"/>
+              </a:ext>
+            </a:extLst>
+          </p:cNvPr>
+          <p:cNvSpPr txBox="1"/>
+          <p:nvPr/>
+        </p:nvSpPr>
+        <p:spPr>
+          <a:xfrm>
+            <a:off x="5117284" y="3971748"/>
+            <a:ext cx="5447325" cy="2339102"/>
+          </a:xfrm>
+          <a:prstGeom prst="rect">
+            <a:avLst/>
+          </a:prstGeom>
+          <a:noFill/>
+        </p:spPr>
+        <p:txBody>
+          <a:bodyPr wrap="none" rtlCol="0">
+            <a:spAutoFit/>
+          </a:bodyPr>
+          <a:lstStyle/>
+          <a:p>
+            <a:r>
+              <a:rPr lang="ko-KR" altLang="en-US"/>
+              <a:t>쓰고자 하는 선택자</a:t>
+            </a:r>
+            <a:r>
+              <a:rPr lang="en-US" altLang="ko-KR"/>
+              <a:t>.</a:t>
+            </a:r>
+          </a:p>
+          <a:p>
+            <a:r>
+              <a:rPr lang="ko-KR" altLang="en-US"/>
+              <a:t>여기선</a:t>
+            </a:r>
+            <a:r>
+              <a:rPr lang="en-US" altLang="ko-KR"/>
+              <a:t>, square </a:t>
+            </a:r>
+            <a:r>
+              <a:rPr lang="ko-KR" altLang="en-US"/>
+              <a:t>라는 클래스를 선택하므로</a:t>
+            </a:r>
+            <a:r>
+              <a:rPr lang="en-US" altLang="ko-KR"/>
+              <a:t>,</a:t>
+            </a:r>
+          </a:p>
+          <a:p>
+            <a:r>
+              <a:rPr lang="en-US" altLang="ko-KR" b="1"/>
+              <a:t>“.square” </a:t>
+            </a:r>
+            <a:r>
+              <a:rPr lang="ko-KR" altLang="en-US"/>
+              <a:t>라고 써준 것</a:t>
+            </a:r>
+            <a:r>
+              <a:rPr lang="en-US" altLang="ko-KR"/>
+              <a:t>.</a:t>
+            </a:r>
+          </a:p>
+          <a:p>
+            <a:r>
+              <a:rPr lang="en-US" altLang="ko-KR"/>
+              <a:t>css</a:t>
+            </a:r>
+            <a:r>
+              <a:rPr lang="ko-KR" altLang="en-US"/>
+              <a:t>를 변경하고 싶으면</a:t>
+            </a:r>
+            <a:r>
+              <a:rPr lang="en-US" altLang="ko-KR"/>
+              <a:t>, style </a:t>
+            </a:r>
+            <a:r>
+              <a:rPr lang="ko-KR" altLang="en-US"/>
+              <a:t>로</a:t>
+            </a:r>
+            <a:r>
+              <a:rPr lang="en-US" altLang="ko-KR"/>
+              <a:t> </a:t>
+            </a:r>
+            <a:r>
+              <a:rPr lang="ko-KR" altLang="en-US"/>
+              <a:t>들어가서</a:t>
+            </a:r>
+            <a:r>
+              <a:rPr lang="en-US" altLang="ko-KR"/>
+              <a:t>,</a:t>
+            </a:r>
+          </a:p>
+          <a:p>
+            <a:r>
+              <a:rPr lang="ko-KR" altLang="en-US"/>
+              <a:t>쓰고자 하는 프로퍼티를 낙타체</a:t>
+            </a:r>
+            <a:r>
+              <a:rPr lang="en-US" altLang="ko-KR"/>
+              <a:t>(camelCase)</a:t>
+            </a:r>
+            <a:r>
+              <a:rPr lang="ko-KR" altLang="en-US"/>
+              <a:t>로 쓴다</a:t>
+            </a:r>
+            <a:endParaRPr lang="en-US" altLang="ko-KR"/>
+          </a:p>
+          <a:p>
+            <a:endParaRPr lang="en-US" altLang="ko-KR"/>
+          </a:p>
+          <a:p>
+            <a:r>
+              <a:rPr lang="en-US" altLang="ko-KR"/>
+              <a:t>background-color </a:t>
+            </a:r>
+            <a:r>
+              <a:rPr lang="ko-KR" altLang="en-US"/>
+              <a:t>는 </a:t>
+            </a:r>
+            <a:r>
+              <a:rPr lang="en-US" altLang="ko-KR"/>
+              <a:t>backgroundColor</a:t>
+            </a:r>
+          </a:p>
+          <a:p>
+            <a:endParaRPr lang="ko-KR" altLang="en-US"/>
+          </a:p>
+        </p:txBody>
+      </p:sp>
+    </p:spTree>
+    <p:extLst>
+      <p:ext uri="{BB962C8B-B14F-4D97-AF65-F5344CB8AC3E}">
+        <p14:creationId xmlns:p14="http://schemas.microsoft.com/office/powerpoint/2010/main" val="3197935229"/>
+      </p:ext>
+    </p:extLst>
+  </p:cSld>
+  <p:clrMapOvr>
+    <a:masterClrMapping/>
+  </p:clrMapOvr>
+</p:sld>
+</file>
+
+<file path=ppt/slides/slide26.xml><?xml version="1.0" encoding="utf-8"?>
+<p:sld xmlns:a="http://schemas.openxmlformats.org/drawingml/2006/main" xmlns:r="http://schemas.openxmlformats.org/officeDocument/2006/relationships" xmlns:p="http://schemas.openxmlformats.org/presentationml/2006/main">
+  <p:cSld>
+    <p:spTree>
+      <p:nvGrpSpPr>
+        <p:cNvPr id="1" name=""/>
+        <p:cNvGrpSpPr/>
+        <p:nvPr/>
+      </p:nvGrpSpPr>
+      <p:grpSpPr>
+        <a:xfrm>
+          <a:off x="0" y="0"/>
+          <a:ext cx="0" cy="0"/>
+          <a:chOff x="0" y="0"/>
+          <a:chExt cx="0" cy="0"/>
+        </a:xfrm>
+      </p:grpSpPr>
+      <p:pic>
+        <p:nvPicPr>
+          <p:cNvPr id="5" name="그림 4">
+            <a:extLst>
+              <a:ext uri="{FF2B5EF4-FFF2-40B4-BE49-F238E27FC236}">
+                <a16:creationId xmlns:a16="http://schemas.microsoft.com/office/drawing/2014/main" id="{FA541F3B-EDAF-436F-A424-772D8769EF0C}"/>
+              </a:ext>
+            </a:extLst>
+          </p:cNvPr>
+          <p:cNvPicPr>
+            <a:picLocks noChangeAspect="1"/>
+          </p:cNvPicPr>
+          <p:nvPr/>
+        </p:nvPicPr>
+        <p:blipFill>
+          <a:blip r:embed="rId2"/>
+          <a:stretch>
+            <a:fillRect/>
+          </a:stretch>
+        </p:blipFill>
+        <p:spPr>
+          <a:xfrm>
+            <a:off x="8233621" y="1343025"/>
+            <a:ext cx="2990850" cy="2085975"/>
+          </a:xfrm>
+          <a:prstGeom prst="rect">
+            <a:avLst/>
+          </a:prstGeom>
+        </p:spPr>
+      </p:pic>
+      <p:pic>
+        <p:nvPicPr>
+          <p:cNvPr id="7" name="그림 6">
+            <a:extLst>
+              <a:ext uri="{FF2B5EF4-FFF2-40B4-BE49-F238E27FC236}">
+                <a16:creationId xmlns:a16="http://schemas.microsoft.com/office/drawing/2014/main" id="{80A2501E-7E48-4EE8-9B0B-A8F5A81280C6}"/>
+              </a:ext>
+            </a:extLst>
+          </p:cNvPr>
+          <p:cNvPicPr>
+            <a:picLocks noChangeAspect="1"/>
+          </p:cNvPicPr>
+          <p:nvPr/>
+        </p:nvPicPr>
+        <p:blipFill>
+          <a:blip r:embed="rId3"/>
+          <a:stretch>
+            <a:fillRect/>
+          </a:stretch>
+        </p:blipFill>
+        <p:spPr>
+          <a:xfrm>
+            <a:off x="456322" y="352338"/>
+            <a:ext cx="4509440" cy="3171038"/>
+          </a:xfrm>
+          <a:prstGeom prst="rect">
+            <a:avLst/>
+          </a:prstGeom>
+        </p:spPr>
+      </p:pic>
+      <p:pic>
+        <p:nvPicPr>
+          <p:cNvPr id="9" name="그림 8">
+            <a:extLst>
+              <a:ext uri="{FF2B5EF4-FFF2-40B4-BE49-F238E27FC236}">
+                <a16:creationId xmlns:a16="http://schemas.microsoft.com/office/drawing/2014/main" id="{426D35B2-C1F8-4BDC-99A6-49A449013F32}"/>
+              </a:ext>
+            </a:extLst>
+          </p:cNvPr>
+          <p:cNvPicPr>
+            <a:picLocks noChangeAspect="1"/>
+          </p:cNvPicPr>
+          <p:nvPr/>
+        </p:nvPicPr>
+        <p:blipFill>
+          <a:blip r:embed="rId4"/>
+          <a:stretch>
+            <a:fillRect/>
+          </a:stretch>
+        </p:blipFill>
+        <p:spPr>
+          <a:xfrm>
+            <a:off x="5318272" y="4380142"/>
+            <a:ext cx="6711367" cy="1761626"/>
+          </a:xfrm>
+          <a:prstGeom prst="rect">
+            <a:avLst/>
+          </a:prstGeom>
+        </p:spPr>
+      </p:pic>
+      <p:sp>
+        <p:nvSpPr>
+          <p:cNvPr id="10" name="TextBox 9">
+            <a:extLst>
+              <a:ext uri="{FF2B5EF4-FFF2-40B4-BE49-F238E27FC236}">
+                <a16:creationId xmlns:a16="http://schemas.microsoft.com/office/drawing/2014/main" id="{39411683-F43D-47D9-9017-1804A11B1E4F}"/>
+              </a:ext>
+            </a:extLst>
+          </p:cNvPr>
+          <p:cNvSpPr txBox="1"/>
+          <p:nvPr/>
+        </p:nvSpPr>
+        <p:spPr>
+          <a:xfrm>
+            <a:off x="162361" y="4387442"/>
+            <a:ext cx="4735592" cy="2031325"/>
+          </a:xfrm>
+          <a:prstGeom prst="rect">
+            <a:avLst/>
+          </a:prstGeom>
+          <a:noFill/>
+        </p:spPr>
+        <p:txBody>
+          <a:bodyPr wrap="none" rtlCol="0">
+            <a:spAutoFit/>
+          </a:bodyPr>
+          <a:lstStyle/>
+          <a:p>
+            <a:r>
+              <a:rPr lang="en-US" altLang="ko-KR"/>
+              <a:t>document </a:t>
+            </a:r>
+            <a:r>
+              <a:rPr lang="ko-KR" altLang="en-US"/>
+              <a:t>를 변수로 따로 받아도 조작 가능</a:t>
+            </a:r>
+            <a:endParaRPr lang="en-US" altLang="ko-KR"/>
+          </a:p>
+          <a:p>
+            <a:r>
+              <a:rPr lang="ko-KR" altLang="en-US"/>
+              <a:t>여기선 </a:t>
+            </a:r>
+            <a:r>
+              <a:rPr lang="en-US" altLang="ko-KR"/>
+              <a:t>tests </a:t>
+            </a:r>
+            <a:r>
+              <a:rPr lang="ko-KR" altLang="en-US"/>
+              <a:t>라는 변수로 받았다</a:t>
+            </a:r>
+            <a:r>
+              <a:rPr lang="en-US" altLang="ko-KR"/>
+              <a:t>.</a:t>
+            </a:r>
+          </a:p>
+          <a:p>
+            <a:endParaRPr lang="en-US" altLang="ko-KR"/>
+          </a:p>
+          <a:p>
+            <a:r>
+              <a:rPr lang="ko-KR" altLang="en-US"/>
+              <a:t>클래스 각각을 받아 배열로 만든다</a:t>
+            </a:r>
+            <a:r>
+              <a:rPr lang="en-US" altLang="ko-KR"/>
+              <a:t>.</a:t>
+            </a:r>
+          </a:p>
+          <a:p>
+            <a:endParaRPr lang="en-US" altLang="ko-KR"/>
+          </a:p>
+          <a:p>
+            <a:r>
+              <a:rPr lang="ko-KR" altLang="en-US"/>
+              <a:t>그러나</a:t>
+            </a:r>
+            <a:r>
+              <a:rPr lang="en-US" altLang="ko-KR"/>
+              <a:t>, </a:t>
+            </a:r>
+            <a:r>
+              <a:rPr lang="ko-KR" altLang="en-US"/>
+              <a:t>일반적인 배열은 아니고 </a:t>
+            </a:r>
+            <a:endParaRPr lang="en-US" altLang="ko-KR"/>
+          </a:p>
+          <a:p>
+            <a:r>
+              <a:rPr lang="en-US" altLang="ko-KR"/>
+              <a:t>NodeList </a:t>
+            </a:r>
+            <a:r>
+              <a:rPr lang="ko-KR" altLang="en-US"/>
+              <a:t>객체라서</a:t>
+            </a:r>
+            <a:r>
+              <a:rPr lang="en-US" altLang="ko-KR"/>
+              <a:t>, map </a:t>
+            </a:r>
+            <a:r>
+              <a:rPr lang="ko-KR" altLang="en-US"/>
+              <a:t>함수 사용 불가</a:t>
+            </a:r>
+          </a:p>
+        </p:txBody>
+      </p:sp>
+    </p:spTree>
+    <p:extLst>
+      <p:ext uri="{BB962C8B-B14F-4D97-AF65-F5344CB8AC3E}">
+        <p14:creationId xmlns:p14="http://schemas.microsoft.com/office/powerpoint/2010/main" val="2715774522"/>
+      </p:ext>
+    </p:extLst>
+  </p:cSld>
+  <p:clrMapOvr>
+    <a:masterClrMapping/>
+  </p:clrMapOvr>
+</p:sld>
+</file>
+
+<file path=ppt/slides/slide27.xml><?xml version="1.0" encoding="utf-8"?>
+<p:sld xmlns:a="http://schemas.openxmlformats.org/drawingml/2006/main" xmlns:r="http://schemas.openxmlformats.org/officeDocument/2006/relationships" xmlns:p="http://schemas.openxmlformats.org/presentationml/2006/main">
+  <p:cSld>
+    <p:spTree>
+      <p:nvGrpSpPr>
+        <p:cNvPr id="1" name=""/>
+        <p:cNvGrpSpPr/>
+        <p:nvPr/>
+      </p:nvGrpSpPr>
+      <p:grpSpPr>
+        <a:xfrm>
+          <a:off x="0" y="0"/>
+          <a:ext cx="0" cy="0"/>
+          <a:chOff x="0" y="0"/>
+          <a:chExt cx="0" cy="0"/>
+        </a:xfrm>
+      </p:grpSpPr>
+      <p:sp>
+        <p:nvSpPr>
+          <p:cNvPr id="2" name="제목 1">
+            <a:extLst>
+              <a:ext uri="{FF2B5EF4-FFF2-40B4-BE49-F238E27FC236}">
+                <a16:creationId xmlns:a16="http://schemas.microsoft.com/office/drawing/2014/main" id="{5C9BA679-F415-402E-A059-C211A314EBC8}"/>
+              </a:ext>
+            </a:extLst>
+          </p:cNvPr>
+          <p:cNvSpPr>
+            <a:spLocks noGrp="1"/>
+          </p:cNvSpPr>
+          <p:nvPr>
+            <p:ph type="title"/>
+          </p:nvPr>
+        </p:nvSpPr>
+        <p:spPr/>
+        <p:txBody>
+          <a:bodyPr/>
+          <a:lstStyle/>
+          <a:p>
+            <a:r>
+              <a:rPr lang="ko-KR" altLang="en-US"/>
+              <a:t>주의</a:t>
+            </a:r>
+          </a:p>
+        </p:txBody>
+      </p:sp>
+      <p:sp>
+        <p:nvSpPr>
+          <p:cNvPr id="3" name="내용 개체 틀 2">
+            <a:extLst>
+              <a:ext uri="{FF2B5EF4-FFF2-40B4-BE49-F238E27FC236}">
+                <a16:creationId xmlns:a16="http://schemas.microsoft.com/office/drawing/2014/main" id="{4B0458E8-B57D-4C47-858F-8DC9E32C218E}"/>
+              </a:ext>
+            </a:extLst>
+          </p:cNvPr>
+          <p:cNvSpPr>
+            <a:spLocks noGrp="1"/>
+          </p:cNvSpPr>
+          <p:nvPr>
+            <p:ph idx="1"/>
+          </p:nvPr>
+        </p:nvSpPr>
+        <p:spPr/>
+        <p:txBody>
+          <a:bodyPr/>
+          <a:lstStyle/>
+          <a:p>
+            <a:r>
+              <a:rPr lang="ko-KR" altLang="en-US"/>
+              <a:t>첫번째 예제에선</a:t>
+            </a:r>
+            <a:r>
+              <a:rPr lang="en-US" altLang="ko-KR"/>
+              <a:t>,  .style.backgroundColor </a:t>
+            </a:r>
+            <a:r>
+              <a:rPr lang="ko-KR" altLang="en-US"/>
+              <a:t>를</a:t>
+            </a:r>
+            <a:r>
+              <a:rPr lang="en-US" altLang="ko-KR"/>
+              <a:t>,</a:t>
+            </a:r>
+          </a:p>
+          <a:p>
+            <a:r>
+              <a:rPr lang="ko-KR" altLang="en-US"/>
+              <a:t>두번째 예제에선</a:t>
+            </a:r>
+            <a:r>
+              <a:rPr lang="en-US" altLang="ko-KR"/>
+              <a:t>,</a:t>
+            </a:r>
+            <a:r>
+              <a:rPr lang="ko-KR" altLang="en-US"/>
+              <a:t>  </a:t>
+            </a:r>
+            <a:r>
+              <a:rPr lang="en-US" altLang="ko-KR"/>
+              <a:t>.value </a:t>
+            </a:r>
+            <a:r>
+              <a:rPr lang="ko-KR" altLang="en-US"/>
+              <a:t>를 변경했다</a:t>
+            </a:r>
+            <a:r>
+              <a:rPr lang="en-US" altLang="ko-KR"/>
+              <a:t>.</a:t>
+            </a:r>
+          </a:p>
+          <a:p>
+            <a:r>
+              <a:rPr lang="ko-KR" altLang="en-US"/>
+              <a:t>이런걸 일일히 외워야할까</a:t>
+            </a:r>
+            <a:r>
+              <a:rPr lang="en-US" altLang="ko-KR"/>
+              <a:t>? </a:t>
+            </a:r>
+            <a:r>
+              <a:rPr lang="ko-KR" altLang="en-US"/>
+              <a:t>아니다</a:t>
+            </a:r>
+            <a:r>
+              <a:rPr lang="en-US" altLang="ko-KR"/>
+              <a:t>!</a:t>
+            </a:r>
+          </a:p>
+          <a:p>
+            <a:r>
+              <a:rPr lang="ko-KR" altLang="en-US"/>
+              <a:t>구글 검색을 적극 활용해 자신에게 맞는 </a:t>
+            </a:r>
+            <a:r>
+              <a:rPr lang="en-US" altLang="ko-KR"/>
+              <a:t>DOM </a:t>
+            </a:r>
+            <a:r>
+              <a:rPr lang="ko-KR" altLang="en-US"/>
+              <a:t>조작을 익히자</a:t>
+            </a:r>
+            <a:endParaRPr lang="en-US" altLang="ko-KR"/>
+          </a:p>
+          <a:p>
+            <a:endParaRPr lang="en-US" altLang="ko-KR"/>
+          </a:p>
+          <a:p>
+            <a:r>
+              <a:rPr lang="en-US" altLang="ko-KR">
+                <a:solidFill>
+                  <a:srgbClr val="FF0000"/>
+                </a:solidFill>
+              </a:rPr>
+              <a:t>React.js , Vue.js </a:t>
+            </a:r>
+            <a:r>
+              <a:rPr lang="ko-KR" altLang="en-US">
+                <a:solidFill>
+                  <a:srgbClr val="FF0000"/>
+                </a:solidFill>
+              </a:rPr>
+              <a:t>사용 시 </a:t>
+            </a:r>
+            <a:r>
+              <a:rPr lang="en-US" altLang="ko-KR">
+                <a:solidFill>
+                  <a:srgbClr val="FF0000"/>
+                </a:solidFill>
+              </a:rPr>
+              <a:t>document </a:t>
+            </a:r>
+            <a:r>
+              <a:rPr lang="ko-KR" altLang="en-US">
+                <a:solidFill>
+                  <a:srgbClr val="FF0000"/>
+                </a:solidFill>
+              </a:rPr>
+              <a:t>객체를 직접 건드리면 안됨</a:t>
+            </a:r>
+            <a:r>
+              <a:rPr lang="en-US" altLang="ko-KR">
+                <a:solidFill>
+                  <a:srgbClr val="FF0000"/>
+                </a:solidFill>
+              </a:rPr>
+              <a:t>!</a:t>
+            </a:r>
+          </a:p>
+        </p:txBody>
+      </p:sp>
+    </p:spTree>
+    <p:extLst>
+      <p:ext uri="{BB962C8B-B14F-4D97-AF65-F5344CB8AC3E}">
+        <p14:creationId xmlns:p14="http://schemas.microsoft.com/office/powerpoint/2010/main" val="4198407884"/>
+      </p:ext>
+    </p:extLst>
+  </p:cSld>
+  <p:clrMapOvr>
+    <a:masterClrMapping/>
+  </p:clrMapOvr>
+</p:sld>
+</file>
+
+<file path=ppt/slides/slide28.xml><?xml version="1.0" encoding="utf-8"?>
+<p:sld xmlns:a="http://schemas.openxmlformats.org/drawingml/2006/main" xmlns:r="http://schemas.openxmlformats.org/officeDocument/2006/relationships" xmlns:p="http://schemas.openxmlformats.org/presentationml/2006/main">
+  <p:cSld>
+    <p:spTree>
+      <p:nvGrpSpPr>
+        <p:cNvPr id="1" name=""/>
+        <p:cNvGrpSpPr/>
+        <p:nvPr/>
+      </p:nvGrpSpPr>
+      <p:grpSpPr>
+        <a:xfrm>
+          <a:off x="0" y="0"/>
+          <a:ext cx="0" cy="0"/>
+          <a:chOff x="0" y="0"/>
+          <a:chExt cx="0" cy="0"/>
+        </a:xfrm>
+      </p:grpSpPr>
+      <p:sp>
+        <p:nvSpPr>
+          <p:cNvPr id="2" name="제목 1">
+            <a:extLst>
+              <a:ext uri="{FF2B5EF4-FFF2-40B4-BE49-F238E27FC236}">
+                <a16:creationId xmlns:a16="http://schemas.microsoft.com/office/drawing/2014/main" id="{F41ECD7F-E28C-4293-86AC-CEED794D00C8}"/>
+              </a:ext>
+            </a:extLst>
+          </p:cNvPr>
+          <p:cNvSpPr>
+            <a:spLocks noGrp="1"/>
+          </p:cNvSpPr>
+          <p:nvPr>
+            <p:ph type="title"/>
+          </p:nvPr>
+        </p:nvSpPr>
+        <p:spPr/>
+        <p:txBody>
+          <a:bodyPr/>
+          <a:lstStyle/>
+          <a:p>
+            <a:r>
+              <a:rPr lang="ko-KR" altLang="en-US"/>
+              <a:t>여기까지</a:t>
+            </a:r>
+            <a:r>
+              <a:rPr lang="en-US" altLang="ko-KR"/>
+              <a:t>, JavaScript </a:t>
+            </a:r>
+            <a:r>
+              <a:rPr lang="ko-KR" altLang="en-US"/>
+              <a:t>기본</a:t>
+            </a:r>
+          </a:p>
+        </p:txBody>
+      </p:sp>
+      <p:sp>
+        <p:nvSpPr>
+          <p:cNvPr id="3" name="내용 개체 틀 2">
+            <a:extLst>
+              <a:ext uri="{FF2B5EF4-FFF2-40B4-BE49-F238E27FC236}">
+                <a16:creationId xmlns:a16="http://schemas.microsoft.com/office/drawing/2014/main" id="{3EC86246-AF19-4BFF-B9E7-FEB57CFE5364}"/>
+              </a:ext>
+            </a:extLst>
+          </p:cNvPr>
+          <p:cNvSpPr>
+            <a:spLocks noGrp="1"/>
+          </p:cNvSpPr>
+          <p:nvPr>
+            <p:ph idx="1"/>
+          </p:nvPr>
+        </p:nvSpPr>
+        <p:spPr/>
+        <p:txBody>
+          <a:bodyPr>
+            <a:normAutofit/>
+          </a:bodyPr>
+          <a:lstStyle/>
+          <a:p>
+            <a:r>
+              <a:rPr lang="en-US" altLang="ko-KR">
+                <a:solidFill>
+                  <a:srgbClr val="FF0000"/>
+                </a:solidFill>
+              </a:rPr>
+              <a:t>PHP </a:t>
+            </a:r>
+            <a:r>
+              <a:rPr lang="ko-KR" altLang="en-US">
+                <a:solidFill>
+                  <a:srgbClr val="FF0000"/>
+                </a:solidFill>
+              </a:rPr>
+              <a:t>듣기 전에 필요한 </a:t>
+            </a:r>
+            <a:r>
+              <a:rPr lang="en-US" altLang="ko-KR">
+                <a:solidFill>
+                  <a:srgbClr val="FF0000"/>
+                </a:solidFill>
+              </a:rPr>
+              <a:t>MySQL</a:t>
+            </a:r>
+          </a:p>
+          <a:p>
+            <a:r>
+              <a:rPr lang="en-US" altLang="ko-KR"/>
+              <a:t>bootstrap </a:t>
+            </a:r>
+            <a:r>
+              <a:rPr lang="ko-KR" altLang="en-US"/>
+              <a:t>써보기</a:t>
+            </a:r>
+            <a:endParaRPr lang="en-US" altLang="ko-KR"/>
+          </a:p>
+          <a:p>
+            <a:endParaRPr lang="en-US" altLang="ko-KR"/>
+          </a:p>
+          <a:p>
+            <a:r>
+              <a:rPr lang="ko-KR" altLang="en-US"/>
+              <a:t>이 두가지 강의를 이러닝에 업로드했으니</a:t>
+            </a:r>
+            <a:r>
+              <a:rPr lang="en-US" altLang="ko-KR"/>
+              <a:t>, </a:t>
+            </a:r>
+          </a:p>
+          <a:p>
+            <a:r>
+              <a:rPr lang="en-US" altLang="ko-KR"/>
+              <a:t>11</a:t>
+            </a:r>
+            <a:r>
+              <a:rPr lang="ko-KR" altLang="en-US"/>
+              <a:t>월 첫 수업 전까지 공부해 올 것</a:t>
+            </a:r>
+            <a:endParaRPr lang="en-US" altLang="ko-KR"/>
+          </a:p>
+          <a:p>
+            <a:endParaRPr lang="en-US" altLang="ko-KR"/>
+          </a:p>
+          <a:p>
+            <a:r>
+              <a:rPr lang="ko-KR" altLang="en-US"/>
+              <a:t>그리고</a:t>
+            </a:r>
+            <a:r>
+              <a:rPr lang="en-US" altLang="ko-KR"/>
+              <a:t>, </a:t>
+            </a:r>
+            <a:r>
+              <a:rPr lang="ko-KR" altLang="en-US"/>
+              <a:t>제발 팀 프로젝트 시작하라</a:t>
+            </a:r>
+            <a:r>
+              <a:rPr lang="en-US" altLang="ko-KR"/>
+              <a:t>.</a:t>
+            </a:r>
+          </a:p>
+          <a:p>
+            <a:r>
+              <a:rPr lang="ko-KR" altLang="en-US"/>
+              <a:t>지금까지 배운것만 활용해도 엄청나게 많은 것을 만들 수 있다</a:t>
+            </a:r>
+            <a:endParaRPr lang="en-US" altLang="ko-KR"/>
+          </a:p>
+        </p:txBody>
+      </p:sp>
+    </p:spTree>
+    <p:extLst>
+      <p:ext uri="{BB962C8B-B14F-4D97-AF65-F5344CB8AC3E}">
+        <p14:creationId xmlns:p14="http://schemas.microsoft.com/office/powerpoint/2010/main" val="63696414"/>
       </p:ext>
     </p:extLst>
   </p:cSld>
@@ -3742,7 +7785,7 @@
           <p:cNvPr id="2" name="제목 1">
             <a:extLst>
               <a:ext uri="{FF2B5EF4-FFF2-40B4-BE49-F238E27FC236}">
-                <a16:creationId xmlns:a16="http://schemas.microsoft.com/office/drawing/2014/main" id="{02709B64-AAD9-4875-82DF-8CAE800C9693}"/>
+                <a16:creationId xmlns:a16="http://schemas.microsoft.com/office/drawing/2014/main" id="{CDD35FE8-7686-429E-9D98-4FD8273CA9C8}"/>
               </a:ext>
             </a:extLst>
           </p:cNvPr>
@@ -3760,7 +7803,31 @@
           <a:p>
             <a:r>
               <a:rPr lang="en-US" altLang="ko-KR"/>
-              <a:t>map( )</a:t>
+              <a:t>map(</a:t>
+            </a:r>
+            <a:r>
+              <a:rPr lang="ko-KR" altLang="en-US"/>
+              <a:t> </a:t>
+            </a:r>
+            <a:r>
+              <a:rPr lang="en-US" altLang="ko-KR"/>
+              <a:t>),</a:t>
+            </a:r>
+            <a:r>
+              <a:rPr lang="ko-KR" altLang="en-US"/>
+              <a:t> </a:t>
+            </a:r>
+            <a:r>
+              <a:rPr lang="en-US" altLang="ko-KR"/>
+              <a:t>filter( ) </a:t>
+            </a:r>
+            <a:r>
+              <a:rPr lang="ko-KR" altLang="en-US"/>
+              <a:t>를 알기 전에</a:t>
+            </a:r>
+            <a:r>
+              <a:rPr lang="en-US" altLang="ko-KR"/>
+              <a:t>…</a:t>
             </a:r>
             <a:endParaRPr lang="ko-KR" altLang="en-US"/>
           </a:p>
@@ -3771,7 +7838,7 @@
           <p:cNvPr id="3" name="내용 개체 틀 2">
             <a:extLst>
               <a:ext uri="{FF2B5EF4-FFF2-40B4-BE49-F238E27FC236}">
-                <a16:creationId xmlns:a16="http://schemas.microsoft.com/office/drawing/2014/main" id="{0AEEBB7F-8EA9-4FF8-9E26-E2D2C02CF4B1}"/>
+                <a16:creationId xmlns:a16="http://schemas.microsoft.com/office/drawing/2014/main" id="{86E81D8F-1749-4840-B4B4-58868D6C9A88}"/>
               </a:ext>
             </a:extLst>
           </p:cNvPr>
@@ -3789,28 +7856,1235 @@
           <a:p>
             <a:r>
               <a:rPr lang="ko-KR" altLang="en-US"/>
-              <a:t>함수를 </a:t>
-            </a:r>
-            <a:r>
-              <a:rPr lang="en-US" altLang="ko-KR"/>
-              <a:t>“</a:t>
-            </a:r>
-            <a:r>
-              <a:rPr lang="ko-KR" altLang="en-US"/>
-              <a:t>파라미터</a:t>
-            </a:r>
-            <a:r>
-              <a:rPr lang="en-US" altLang="ko-KR"/>
-              <a:t>“ </a:t>
-            </a:r>
-            <a:r>
-              <a:rPr lang="ko-KR" altLang="en-US"/>
-              <a:t>로 넣어서 반복과 같은 결과를 냄</a:t>
-            </a:r>
+              <a:t>콜백함수 </a:t>
+            </a:r>
+            <a:r>
+              <a:rPr lang="en-US" altLang="ko-KR"/>
+              <a:t>(callback</a:t>
+            </a:r>
+            <a:r>
+              <a:rPr lang="ko-KR" altLang="en-US"/>
+              <a:t> </a:t>
+            </a:r>
+            <a:r>
+              <a:rPr lang="en-US" altLang="ko-KR"/>
+              <a:t>function)</a:t>
+            </a:r>
+          </a:p>
+          <a:p>
+            <a:pPr lvl="1"/>
+            <a:r>
+              <a:rPr lang="ko-KR" altLang="en-US">
+                <a:solidFill>
+                  <a:srgbClr val="FF0000"/>
+                </a:solidFill>
+              </a:rPr>
+              <a:t>함수 안에 </a:t>
+            </a:r>
+            <a:r>
+              <a:rPr lang="en-US" altLang="ko-KR">
+                <a:solidFill>
+                  <a:srgbClr val="FF0000"/>
+                </a:solidFill>
+              </a:rPr>
+              <a:t>‘</a:t>
+            </a:r>
+            <a:r>
+              <a:rPr lang="ko-KR" altLang="en-US">
+                <a:solidFill>
+                  <a:srgbClr val="FF0000"/>
+                </a:solidFill>
+              </a:rPr>
+              <a:t>들어와서</a:t>
+            </a:r>
+            <a:r>
+              <a:rPr lang="en-US" altLang="ko-KR">
+                <a:solidFill>
+                  <a:srgbClr val="FF0000"/>
+                </a:solidFill>
+              </a:rPr>
+              <a:t>’ call </a:t>
+            </a:r>
+            <a:r>
+              <a:rPr lang="ko-KR" altLang="en-US">
+                <a:solidFill>
+                  <a:srgbClr val="FF0000"/>
+                </a:solidFill>
+              </a:rPr>
+              <a:t>되는 함수</a:t>
+            </a:r>
+            <a:r>
+              <a:rPr lang="en-US" altLang="ko-KR">
+                <a:solidFill>
+                  <a:srgbClr val="FF0000"/>
+                </a:solidFill>
+              </a:rPr>
+              <a:t>. </a:t>
+            </a:r>
+            <a:r>
+              <a:rPr lang="ko-KR" altLang="en-US"/>
+              <a:t>즉</a:t>
+            </a:r>
+            <a:r>
+              <a:rPr lang="en-US" altLang="ko-KR"/>
+              <a:t>, </a:t>
+            </a:r>
+            <a:r>
+              <a:rPr lang="ko-KR" altLang="en-US"/>
+              <a:t>함수 안에 함수</a:t>
+            </a:r>
+            <a:r>
+              <a:rPr lang="en-US" altLang="ko-KR"/>
+              <a:t>.</a:t>
+            </a:r>
+          </a:p>
+          <a:p>
+            <a:pPr lvl="1"/>
+            <a:r>
+              <a:rPr lang="ko-KR" altLang="en-US"/>
+              <a:t>안에 있는 함수의 작동이 끝나야만 바깥에 있는 함수가 처리된다</a:t>
+            </a:r>
+            <a:r>
+              <a:rPr lang="en-US" altLang="ko-KR"/>
+              <a:t>.</a:t>
+            </a:r>
+          </a:p>
+          <a:p>
+            <a:pPr lvl="1"/>
+            <a:r>
+              <a:rPr lang="ko-KR" altLang="en-US"/>
+              <a:t>어디서 비슷한 걸 들어본거같은데</a:t>
+            </a:r>
+            <a:r>
+              <a:rPr lang="en-US" altLang="ko-KR"/>
+              <a:t>? </a:t>
+            </a:r>
+          </a:p>
+          <a:p>
+            <a:pPr lvl="2"/>
+            <a:r>
+              <a:rPr lang="ko-KR" altLang="en-US"/>
+              <a:t>재귀</a:t>
+            </a:r>
+            <a:r>
+              <a:rPr lang="en-US" altLang="ko-KR"/>
+              <a:t>(recursion) </a:t>
+            </a:r>
+            <a:r>
+              <a:rPr lang="ko-KR" altLang="en-US"/>
+              <a:t>의 </a:t>
+            </a:r>
+            <a:r>
+              <a:rPr lang="en-US" altLang="ko-KR"/>
+              <a:t>JavaScript </a:t>
+            </a:r>
+            <a:r>
+              <a:rPr lang="ko-KR" altLang="en-US"/>
+              <a:t>버전이다</a:t>
+            </a:r>
+            <a:r>
+              <a:rPr lang="en-US" altLang="ko-KR"/>
+              <a:t>.</a:t>
+            </a:r>
+          </a:p>
+          <a:p>
+            <a:pPr lvl="1"/>
             <a:endParaRPr lang="en-US" altLang="ko-KR"/>
           </a:p>
           <a:p>
+            <a:pPr lvl="1"/>
+            <a:r>
+              <a:rPr lang="ko-KR" altLang="en-US"/>
+              <a:t>어디서 쓰일까</a:t>
+            </a:r>
+            <a:r>
+              <a:rPr lang="en-US" altLang="ko-KR"/>
+              <a:t>? </a:t>
+            </a:r>
+          </a:p>
+          <a:p>
+            <a:pPr lvl="2"/>
+            <a:r>
+              <a:rPr lang="ko-KR" altLang="en-US"/>
+              <a:t>비동기</a:t>
+            </a:r>
+            <a:r>
+              <a:rPr lang="en-US" altLang="ko-KR"/>
+              <a:t>(asynchronous) </a:t>
+            </a:r>
+            <a:r>
+              <a:rPr lang="ko-KR" altLang="en-US"/>
+              <a:t>작업을 할 때 주로 쓰임 </a:t>
+            </a:r>
+            <a:r>
+              <a:rPr lang="en-US" altLang="ko-KR"/>
+              <a:t>(Promise)</a:t>
+            </a:r>
+          </a:p>
+          <a:p>
+            <a:pPr lvl="2"/>
+            <a:r>
+              <a:rPr lang="en-US" altLang="ko-KR"/>
+              <a:t>map( ), filter( ), reduce( )</a:t>
+            </a:r>
+          </a:p>
+        </p:txBody>
+      </p:sp>
+    </p:spTree>
+    <p:extLst>
+      <p:ext uri="{BB962C8B-B14F-4D97-AF65-F5344CB8AC3E}">
+        <p14:creationId xmlns:p14="http://schemas.microsoft.com/office/powerpoint/2010/main" val="3995403686"/>
+      </p:ext>
+    </p:extLst>
+  </p:cSld>
+  <p:clrMapOvr>
+    <a:masterClrMapping/>
+  </p:clrMapOvr>
+</p:sld>
+</file>
+
+<file path=ppt/slides/slide5.xml><?xml version="1.0" encoding="utf-8"?>
+<p:sld xmlns:a="http://schemas.openxmlformats.org/drawingml/2006/main" xmlns:r="http://schemas.openxmlformats.org/officeDocument/2006/relationships" xmlns:p="http://schemas.openxmlformats.org/presentationml/2006/main">
+  <p:cSld>
+    <p:spTree>
+      <p:nvGrpSpPr>
+        <p:cNvPr id="1" name=""/>
+        <p:cNvGrpSpPr/>
+        <p:nvPr/>
+      </p:nvGrpSpPr>
+      <p:grpSpPr>
+        <a:xfrm>
+          <a:off x="0" y="0"/>
+          <a:ext cx="0" cy="0"/>
+          <a:chOff x="0" y="0"/>
+          <a:chExt cx="0" cy="0"/>
+        </a:xfrm>
+      </p:grpSpPr>
+      <p:pic>
+        <p:nvPicPr>
+          <p:cNvPr id="9" name="그림 8">
+            <a:extLst>
+              <a:ext uri="{FF2B5EF4-FFF2-40B4-BE49-F238E27FC236}">
+                <a16:creationId xmlns:a16="http://schemas.microsoft.com/office/drawing/2014/main" id="{182F8D03-A73F-4DF8-B313-9B410B04298F}"/>
+              </a:ext>
+            </a:extLst>
+          </p:cNvPr>
+          <p:cNvPicPr>
+            <a:picLocks noChangeAspect="1"/>
+          </p:cNvPicPr>
+          <p:nvPr/>
+        </p:nvPicPr>
+        <p:blipFill>
+          <a:blip r:embed="rId2"/>
+          <a:stretch>
+            <a:fillRect/>
+          </a:stretch>
+        </p:blipFill>
+        <p:spPr>
+          <a:xfrm>
+            <a:off x="338721" y="326972"/>
+            <a:ext cx="8410575" cy="2914650"/>
+          </a:xfrm>
+          <a:prstGeom prst="rect">
+            <a:avLst/>
+          </a:prstGeom>
+        </p:spPr>
+      </p:pic>
+      <p:sp>
+        <p:nvSpPr>
+          <p:cNvPr id="6" name="TextBox 5">
+            <a:extLst>
+              <a:ext uri="{FF2B5EF4-FFF2-40B4-BE49-F238E27FC236}">
+                <a16:creationId xmlns:a16="http://schemas.microsoft.com/office/drawing/2014/main" id="{F0584C19-4DD4-463A-9811-226AACEA3DFF}"/>
+              </a:ext>
+            </a:extLst>
+          </p:cNvPr>
+          <p:cNvSpPr txBox="1"/>
+          <p:nvPr/>
+        </p:nvSpPr>
+        <p:spPr>
+          <a:xfrm>
+            <a:off x="1019038" y="3896344"/>
+            <a:ext cx="7730258" cy="2585323"/>
+          </a:xfrm>
+          <a:prstGeom prst="rect">
+            <a:avLst/>
+          </a:prstGeom>
+          <a:noFill/>
+        </p:spPr>
+        <p:txBody>
+          <a:bodyPr wrap="none" rtlCol="0">
+            <a:spAutoFit/>
+          </a:bodyPr>
+          <a:lstStyle/>
+          <a:p>
+            <a:r>
+              <a:rPr lang="en-US" altLang="ko-KR"/>
+              <a:t>setTimeout </a:t>
+            </a:r>
+            <a:r>
+              <a:rPr lang="ko-KR" altLang="en-US"/>
+              <a:t>은 의도적으로 작동을 딜레이시키기위해 쓰인다</a:t>
+            </a:r>
+            <a:r>
+              <a:rPr lang="en-US" altLang="ko-KR"/>
+              <a:t>. </a:t>
+            </a:r>
+          </a:p>
+          <a:p>
+            <a:r>
+              <a:rPr lang="ko-KR" altLang="en-US"/>
+              <a:t>뒤에 붙는 건 밀리초</a:t>
+            </a:r>
+            <a:r>
+              <a:rPr lang="en-US" altLang="ko-KR"/>
+              <a:t>. </a:t>
+            </a:r>
+            <a:r>
+              <a:rPr lang="ko-KR" altLang="en-US"/>
+              <a:t>즉</a:t>
+            </a:r>
+            <a:r>
+              <a:rPr lang="en-US" altLang="ko-KR"/>
+              <a:t>, 2</a:t>
+            </a:r>
+            <a:r>
+              <a:rPr lang="ko-KR" altLang="en-US"/>
+              <a:t>초 뒤를 의미함</a:t>
+            </a:r>
+            <a:r>
+              <a:rPr lang="en-US" altLang="ko-KR"/>
+              <a:t>.</a:t>
+            </a:r>
+          </a:p>
+          <a:p>
+            <a:r>
+              <a:rPr lang="en-US" altLang="ko-KR"/>
+              <a:t>2</a:t>
+            </a:r>
+            <a:r>
+              <a:rPr lang="ko-KR" altLang="en-US"/>
+              <a:t>초 뒤에 </a:t>
+            </a:r>
+            <a:r>
+              <a:rPr lang="en-US" altLang="ko-KR"/>
+              <a:t>sampleFuntion </a:t>
+            </a:r>
+            <a:r>
+              <a:rPr lang="ko-KR" altLang="en-US"/>
+              <a:t>함수가 실행된다</a:t>
+            </a:r>
+            <a:r>
+              <a:rPr lang="en-US" altLang="ko-KR"/>
+              <a:t>.</a:t>
+            </a:r>
+          </a:p>
+          <a:p>
+            <a:endParaRPr lang="en-US" altLang="ko-KR"/>
+          </a:p>
+          <a:p>
+            <a:r>
+              <a:rPr lang="en-US" altLang="ko-KR"/>
+              <a:t>JavaScript</a:t>
+            </a:r>
+            <a:r>
+              <a:rPr lang="ko-KR" altLang="en-US"/>
+              <a:t>에선 함수가 변수이기 때문에</a:t>
+            </a:r>
+            <a:r>
+              <a:rPr lang="en-US" altLang="ko-KR"/>
+              <a:t>, </a:t>
+            </a:r>
+            <a:r>
+              <a:rPr lang="ko-KR" altLang="en-US">
+                <a:solidFill>
+                  <a:srgbClr val="FF0000"/>
+                </a:solidFill>
+              </a:rPr>
+              <a:t>파라미터로 당연히 쓰일 수 있다</a:t>
+            </a:r>
+            <a:r>
+              <a:rPr lang="en-US" altLang="ko-KR">
+                <a:solidFill>
+                  <a:srgbClr val="FF0000"/>
+                </a:solidFill>
+              </a:rPr>
+              <a:t>.</a:t>
+            </a:r>
+          </a:p>
+          <a:p>
+            <a:r>
+              <a:rPr lang="ko-KR" altLang="en-US">
+                <a:solidFill>
+                  <a:srgbClr val="FF0000"/>
+                </a:solidFill>
+              </a:rPr>
+              <a:t>다른 언어들과는 구별되는 </a:t>
+            </a:r>
+            <a:r>
+              <a:rPr lang="en-US" altLang="ko-KR">
+                <a:solidFill>
+                  <a:srgbClr val="FF0000"/>
+                </a:solidFill>
+              </a:rPr>
+              <a:t>JavaScript </a:t>
+            </a:r>
+            <a:r>
+              <a:rPr lang="ko-KR" altLang="en-US">
+                <a:solidFill>
+                  <a:srgbClr val="FF0000"/>
+                </a:solidFill>
+              </a:rPr>
+              <a:t>의 독특한 기능</a:t>
+            </a:r>
+            <a:endParaRPr lang="en-US" altLang="ko-KR">
+              <a:solidFill>
+                <a:srgbClr val="FF0000"/>
+              </a:solidFill>
+            </a:endParaRPr>
+          </a:p>
+          <a:p>
+            <a:endParaRPr lang="en-US" altLang="ko-KR"/>
+          </a:p>
+          <a:p>
+            <a:r>
+              <a:rPr lang="ko-KR" altLang="en-US"/>
+              <a:t>여기서</a:t>
+            </a:r>
+            <a:r>
+              <a:rPr lang="en-US" altLang="ko-KR"/>
+              <a:t>, sampleFunction </a:t>
+            </a:r>
+            <a:r>
+              <a:rPr lang="ko-KR" altLang="en-US"/>
+              <a:t>에 소괄호를 안쓴것에 주의하라</a:t>
+            </a:r>
+            <a:r>
+              <a:rPr lang="en-US" altLang="ko-KR"/>
+              <a:t>!</a:t>
+            </a:r>
+          </a:p>
+          <a:p>
+            <a:r>
+              <a:rPr lang="ko-KR" altLang="en-US"/>
+              <a:t>왜냐면</a:t>
+            </a:r>
+            <a:r>
+              <a:rPr lang="en-US" altLang="ko-KR"/>
+              <a:t>, </a:t>
+            </a:r>
+            <a:r>
+              <a:rPr lang="ko-KR" altLang="en-US"/>
+              <a:t>함수 호출할 때 </a:t>
+            </a:r>
+            <a:r>
+              <a:rPr lang="en-US" altLang="ko-KR"/>
+              <a:t>( ) </a:t>
+            </a:r>
+            <a:r>
+              <a:rPr lang="ko-KR" altLang="en-US"/>
+              <a:t>는 함수를 실행시킨다는 의미이기 때문</a:t>
+            </a:r>
+            <a:r>
+              <a:rPr lang="en-US" altLang="ko-KR"/>
+              <a:t>.</a:t>
+            </a:r>
             <a:endParaRPr lang="ko-KR" altLang="en-US"/>
+          </a:p>
+        </p:txBody>
+      </p:sp>
+      <p:sp>
+        <p:nvSpPr>
+          <p:cNvPr id="7" name="직사각형 6">
+            <a:extLst>
+              <a:ext uri="{FF2B5EF4-FFF2-40B4-BE49-F238E27FC236}">
+                <a16:creationId xmlns:a16="http://schemas.microsoft.com/office/drawing/2014/main" id="{7928580C-9582-48EC-A22D-0FC6B4F5C000}"/>
+              </a:ext>
+            </a:extLst>
+          </p:cNvPr>
+          <p:cNvSpPr/>
+          <p:nvPr/>
+        </p:nvSpPr>
+        <p:spPr>
+          <a:xfrm>
+            <a:off x="3141307" y="2628717"/>
+            <a:ext cx="3553080" cy="541176"/>
+          </a:xfrm>
+          <a:prstGeom prst="rect">
+            <a:avLst/>
+          </a:prstGeom>
+          <a:noFill/>
+          <a:ln w="76200"/>
+        </p:spPr>
+        <p:style>
+          <a:lnRef idx="2">
+            <a:schemeClr val="accent1">
+              <a:shade val="50000"/>
+            </a:schemeClr>
+          </a:lnRef>
+          <a:fillRef idx="1">
+            <a:schemeClr val="accent1"/>
+          </a:fillRef>
+          <a:effectRef idx="0">
+            <a:schemeClr val="accent1"/>
+          </a:effectRef>
+          <a:fontRef idx="minor">
+            <a:schemeClr val="lt1"/>
+          </a:fontRef>
+        </p:style>
+        <p:txBody>
+          <a:bodyPr rtlCol="0" anchor="ctr"/>
+          <a:lstStyle/>
+          <a:p>
+            <a:pPr algn="ctr"/>
+            <a:endParaRPr lang="ko-KR" altLang="en-US"/>
+          </a:p>
+        </p:txBody>
+      </p:sp>
+    </p:spTree>
+    <p:extLst>
+      <p:ext uri="{BB962C8B-B14F-4D97-AF65-F5344CB8AC3E}">
+        <p14:creationId xmlns:p14="http://schemas.microsoft.com/office/powerpoint/2010/main" val="2286733893"/>
+      </p:ext>
+    </p:extLst>
+  </p:cSld>
+  <p:clrMapOvr>
+    <a:masterClrMapping/>
+  </p:clrMapOvr>
+</p:sld>
+</file>
+
+<file path=ppt/slides/slide6.xml><?xml version="1.0" encoding="utf-8"?>
+<p:sld xmlns:a="http://schemas.openxmlformats.org/drawingml/2006/main" xmlns:r="http://schemas.openxmlformats.org/officeDocument/2006/relationships" xmlns:p="http://schemas.openxmlformats.org/presentationml/2006/main">
+  <p:cSld>
+    <p:spTree>
+      <p:nvGrpSpPr>
+        <p:cNvPr id="1" name=""/>
+        <p:cNvGrpSpPr/>
+        <p:nvPr/>
+      </p:nvGrpSpPr>
+      <p:grpSpPr>
+        <a:xfrm>
+          <a:off x="0" y="0"/>
+          <a:ext cx="0" cy="0"/>
+          <a:chOff x="0" y="0"/>
+          <a:chExt cx="0" cy="0"/>
+        </a:xfrm>
+      </p:grpSpPr>
+      <p:sp>
+        <p:nvSpPr>
+          <p:cNvPr id="2" name="제목 1">
+            <a:extLst>
+              <a:ext uri="{FF2B5EF4-FFF2-40B4-BE49-F238E27FC236}">
+                <a16:creationId xmlns:a16="http://schemas.microsoft.com/office/drawing/2014/main" id="{3FF83C34-8389-40B6-A942-C3899605454B}"/>
+              </a:ext>
+            </a:extLst>
+          </p:cNvPr>
+          <p:cNvSpPr>
+            <a:spLocks noGrp="1"/>
+          </p:cNvSpPr>
+          <p:nvPr>
+            <p:ph type="title"/>
+          </p:nvPr>
+        </p:nvSpPr>
+        <p:spPr/>
+        <p:txBody>
+          <a:bodyPr/>
+          <a:lstStyle/>
+          <a:p>
+            <a:r>
+              <a:rPr lang="ko-KR" altLang="en-US"/>
+              <a:t>심지어</a:t>
+            </a:r>
+            <a:r>
+              <a:rPr lang="en-US" altLang="ko-KR"/>
+              <a:t>, </a:t>
+            </a:r>
+            <a:r>
+              <a:rPr lang="ko-KR" altLang="en-US"/>
+              <a:t>이것도 가능하다</a:t>
+            </a:r>
+            <a:r>
+              <a:rPr lang="en-US" altLang="ko-KR"/>
+              <a:t>.</a:t>
+            </a:r>
+            <a:endParaRPr lang="ko-KR" altLang="en-US"/>
+          </a:p>
+        </p:txBody>
+      </p:sp>
+      <p:sp>
+        <p:nvSpPr>
+          <p:cNvPr id="3" name="내용 개체 틀 2">
+            <a:extLst>
+              <a:ext uri="{FF2B5EF4-FFF2-40B4-BE49-F238E27FC236}">
+                <a16:creationId xmlns:a16="http://schemas.microsoft.com/office/drawing/2014/main" id="{9C268647-5DB8-4E39-A0AF-663B580E664A}"/>
+              </a:ext>
+            </a:extLst>
+          </p:cNvPr>
+          <p:cNvSpPr>
+            <a:spLocks noGrp="1"/>
+          </p:cNvSpPr>
+          <p:nvPr>
+            <p:ph idx="1"/>
+          </p:nvPr>
+        </p:nvSpPr>
+        <p:spPr>
+          <a:xfrm>
+            <a:off x="838200" y="1825625"/>
+            <a:ext cx="10515600" cy="489736"/>
+          </a:xfrm>
+        </p:spPr>
+        <p:txBody>
+          <a:bodyPr/>
+          <a:lstStyle/>
+          <a:p>
+            <a:r>
+              <a:rPr lang="ko-KR" altLang="en-US"/>
+              <a:t>방금 코드를 한 줄로 줄여보자</a:t>
+            </a:r>
+            <a:r>
+              <a:rPr lang="en-US" altLang="ko-KR"/>
+              <a:t>.</a:t>
+            </a:r>
+            <a:endParaRPr lang="ko-KR" altLang="en-US"/>
+          </a:p>
+        </p:txBody>
+      </p:sp>
+      <p:pic>
+        <p:nvPicPr>
+          <p:cNvPr id="7" name="그림 6">
+            <a:extLst>
+              <a:ext uri="{FF2B5EF4-FFF2-40B4-BE49-F238E27FC236}">
+                <a16:creationId xmlns:a16="http://schemas.microsoft.com/office/drawing/2014/main" id="{9174EDC3-9684-4D9B-BFFC-4BB6B3F6F713}"/>
+              </a:ext>
+            </a:extLst>
+          </p:cNvPr>
+          <p:cNvPicPr>
+            <a:picLocks noChangeAspect="1"/>
+          </p:cNvPicPr>
+          <p:nvPr/>
+        </p:nvPicPr>
+        <p:blipFill>
+          <a:blip r:embed="rId2"/>
+          <a:stretch>
+            <a:fillRect/>
+          </a:stretch>
+        </p:blipFill>
+        <p:spPr>
+          <a:xfrm>
+            <a:off x="947956" y="2571878"/>
+            <a:ext cx="10958818" cy="424865"/>
+          </a:xfrm>
+          <a:prstGeom prst="rect">
+            <a:avLst/>
+          </a:prstGeom>
+        </p:spPr>
+      </p:pic>
+      <p:sp>
+        <p:nvSpPr>
+          <p:cNvPr id="8" name="직사각형 7">
+            <a:extLst>
+              <a:ext uri="{FF2B5EF4-FFF2-40B4-BE49-F238E27FC236}">
+                <a16:creationId xmlns:a16="http://schemas.microsoft.com/office/drawing/2014/main" id="{73B85A5D-CE3D-42E9-8C41-0F3F42A012D6}"/>
+              </a:ext>
+            </a:extLst>
+          </p:cNvPr>
+          <p:cNvSpPr/>
+          <p:nvPr/>
+        </p:nvSpPr>
+        <p:spPr>
+          <a:xfrm>
+            <a:off x="2969703" y="2571878"/>
+            <a:ext cx="7474591" cy="424865"/>
+          </a:xfrm>
+          <a:prstGeom prst="rect">
+            <a:avLst/>
+          </a:prstGeom>
+          <a:noFill/>
+          <a:ln w="38100"/>
+        </p:spPr>
+        <p:style>
+          <a:lnRef idx="2">
+            <a:schemeClr val="accent1">
+              <a:shade val="50000"/>
+            </a:schemeClr>
+          </a:lnRef>
+          <a:fillRef idx="1">
+            <a:schemeClr val="accent1"/>
+          </a:fillRef>
+          <a:effectRef idx="0">
+            <a:schemeClr val="accent1"/>
+          </a:effectRef>
+          <a:fontRef idx="minor">
+            <a:schemeClr val="lt1"/>
+          </a:fontRef>
+        </p:style>
+        <p:txBody>
+          <a:bodyPr rtlCol="0" anchor="ctr"/>
+          <a:lstStyle/>
+          <a:p>
+            <a:pPr algn="ctr"/>
+            <a:endParaRPr lang="ko-KR" altLang="en-US"/>
+          </a:p>
+        </p:txBody>
+      </p:sp>
+      <p:sp>
+        <p:nvSpPr>
+          <p:cNvPr id="9" name="TextBox 8">
+            <a:extLst>
+              <a:ext uri="{FF2B5EF4-FFF2-40B4-BE49-F238E27FC236}">
+                <a16:creationId xmlns:a16="http://schemas.microsoft.com/office/drawing/2014/main" id="{DFA5A565-CA65-4DB7-93EB-6C4C38B23E76}"/>
+              </a:ext>
+            </a:extLst>
+          </p:cNvPr>
+          <p:cNvSpPr txBox="1"/>
+          <p:nvPr/>
+        </p:nvSpPr>
+        <p:spPr>
+          <a:xfrm>
+            <a:off x="2969703" y="3196551"/>
+            <a:ext cx="4523995" cy="369332"/>
+          </a:xfrm>
+          <a:prstGeom prst="rect">
+            <a:avLst/>
+          </a:prstGeom>
+          <a:noFill/>
+        </p:spPr>
+        <p:txBody>
+          <a:bodyPr wrap="none" rtlCol="0">
+            <a:spAutoFit/>
+          </a:bodyPr>
+          <a:lstStyle/>
+          <a:p>
+            <a:r>
+              <a:rPr lang="ko-KR" altLang="en-US"/>
+              <a:t>이 전체가 </a:t>
+            </a:r>
+            <a:r>
+              <a:rPr lang="en-US" altLang="ko-KR"/>
+              <a:t>setTimeout </a:t>
+            </a:r>
+            <a:r>
+              <a:rPr lang="ko-KR" altLang="en-US"/>
+              <a:t>의 첫번째 파라미터</a:t>
+            </a:r>
+          </a:p>
+        </p:txBody>
+      </p:sp>
+      <p:sp>
+        <p:nvSpPr>
+          <p:cNvPr id="10" name="내용 개체 틀 2">
+            <a:extLst>
+              <a:ext uri="{FF2B5EF4-FFF2-40B4-BE49-F238E27FC236}">
+                <a16:creationId xmlns:a16="http://schemas.microsoft.com/office/drawing/2014/main" id="{2EEF9B85-7EA5-4CBF-B056-E16A45CE85FB}"/>
+              </a:ext>
+            </a:extLst>
+          </p:cNvPr>
+          <p:cNvSpPr txBox="1">
+            <a:spLocks/>
+          </p:cNvSpPr>
+          <p:nvPr/>
+        </p:nvSpPr>
+        <p:spPr>
+          <a:xfrm>
+            <a:off x="838200" y="4135023"/>
+            <a:ext cx="10515600" cy="489736"/>
+          </a:xfrm>
+          <a:prstGeom prst="rect">
+            <a:avLst/>
+          </a:prstGeom>
+        </p:spPr>
+        <p:txBody>
+          <a:bodyPr vert="horz" lIns="91440" tIns="45720" rIns="91440" bIns="45720" rtlCol="0">
+            <a:normAutofit/>
+          </a:bodyPr>
+          <a:lstStyle>
+            <a:lvl1pPr marL="228600" indent="-228600" algn="l" defTabSz="914400" rtl="0" eaLnBrk="1" latinLnBrk="1" hangingPunct="1">
+              <a:lnSpc>
+                <a:spcPct val="90000"/>
+              </a:lnSpc>
+              <a:spcBef>
+                <a:spcPts val="1000"/>
+              </a:spcBef>
+              <a:buFont typeface="Arial" panose="020B0604020202020204" pitchFamily="34" charset="0"/>
+              <a:buChar char="•"/>
+              <a:defRPr sz="2800" kern="1200">
+                <a:solidFill>
+                  <a:schemeClr val="tx1"/>
+                </a:solidFill>
+                <a:latin typeface="+mn-lt"/>
+                <a:ea typeface="+mn-ea"/>
+                <a:cs typeface="+mn-cs"/>
+              </a:defRPr>
+            </a:lvl1pPr>
+            <a:lvl2pPr marL="685800" indent="-228600" algn="l" defTabSz="914400" rtl="0" eaLnBrk="1" latinLnBrk="1" hangingPunct="1">
+              <a:lnSpc>
+                <a:spcPct val="90000"/>
+              </a:lnSpc>
+              <a:spcBef>
+                <a:spcPts val="500"/>
+              </a:spcBef>
+              <a:buFont typeface="Arial" panose="020B0604020202020204" pitchFamily="34" charset="0"/>
+              <a:buChar char="•"/>
+              <a:defRPr sz="2400" kern="1200">
+                <a:solidFill>
+                  <a:schemeClr val="tx1"/>
+                </a:solidFill>
+                <a:latin typeface="+mn-lt"/>
+                <a:ea typeface="+mn-ea"/>
+                <a:cs typeface="+mn-cs"/>
+              </a:defRPr>
+            </a:lvl2pPr>
+            <a:lvl3pPr marL="1143000" indent="-228600" algn="l" defTabSz="914400" rtl="0" eaLnBrk="1" latinLnBrk="1" hangingPunct="1">
+              <a:lnSpc>
+                <a:spcPct val="90000"/>
+              </a:lnSpc>
+              <a:spcBef>
+                <a:spcPts val="500"/>
+              </a:spcBef>
+              <a:buFont typeface="Arial" panose="020B0604020202020204" pitchFamily="34" charset="0"/>
+              <a:buChar char="•"/>
+              <a:defRPr sz="2000" kern="1200">
+                <a:solidFill>
+                  <a:schemeClr val="tx1"/>
+                </a:solidFill>
+                <a:latin typeface="+mn-lt"/>
+                <a:ea typeface="+mn-ea"/>
+                <a:cs typeface="+mn-cs"/>
+              </a:defRPr>
+            </a:lvl3pPr>
+            <a:lvl4pPr marL="1600200" indent="-228600" algn="l" defTabSz="914400" rtl="0" eaLnBrk="1" latinLnBrk="1" hangingPunct="1">
+              <a:lnSpc>
+                <a:spcPct val="90000"/>
+              </a:lnSpc>
+              <a:spcBef>
+                <a:spcPts val="500"/>
+              </a:spcBef>
+              <a:buFont typeface="Arial" panose="020B0604020202020204" pitchFamily="34" charset="0"/>
+              <a:buChar char="•"/>
+              <a:defRPr sz="1800" kern="1200">
+                <a:solidFill>
+                  <a:schemeClr val="tx1"/>
+                </a:solidFill>
+                <a:latin typeface="+mn-lt"/>
+                <a:ea typeface="+mn-ea"/>
+                <a:cs typeface="+mn-cs"/>
+              </a:defRPr>
+            </a:lvl4pPr>
+            <a:lvl5pPr marL="2057400" indent="-228600" algn="l" defTabSz="914400" rtl="0" eaLnBrk="1" latinLnBrk="1" hangingPunct="1">
+              <a:lnSpc>
+                <a:spcPct val="90000"/>
+              </a:lnSpc>
+              <a:spcBef>
+                <a:spcPts val="500"/>
+              </a:spcBef>
+              <a:buFont typeface="Arial" panose="020B0604020202020204" pitchFamily="34" charset="0"/>
+              <a:buChar char="•"/>
+              <a:defRPr sz="1800" kern="1200">
+                <a:solidFill>
+                  <a:schemeClr val="tx1"/>
+                </a:solidFill>
+                <a:latin typeface="+mn-lt"/>
+                <a:ea typeface="+mn-ea"/>
+                <a:cs typeface="+mn-cs"/>
+              </a:defRPr>
+            </a:lvl5pPr>
+            <a:lvl6pPr marL="2514600" indent="-228600" algn="l" defTabSz="914400" rtl="0" eaLnBrk="1" latinLnBrk="1" hangingPunct="1">
+              <a:lnSpc>
+                <a:spcPct val="90000"/>
+              </a:lnSpc>
+              <a:spcBef>
+                <a:spcPts val="500"/>
+              </a:spcBef>
+              <a:buFont typeface="Arial" panose="020B0604020202020204" pitchFamily="34" charset="0"/>
+              <a:buChar char="•"/>
+              <a:defRPr sz="1800" kern="1200">
+                <a:solidFill>
+                  <a:schemeClr val="tx1"/>
+                </a:solidFill>
+                <a:latin typeface="+mn-lt"/>
+                <a:ea typeface="+mn-ea"/>
+                <a:cs typeface="+mn-cs"/>
+              </a:defRPr>
+            </a:lvl6pPr>
+            <a:lvl7pPr marL="2971800" indent="-228600" algn="l" defTabSz="914400" rtl="0" eaLnBrk="1" latinLnBrk="1" hangingPunct="1">
+              <a:lnSpc>
+                <a:spcPct val="90000"/>
+              </a:lnSpc>
+              <a:spcBef>
+                <a:spcPts val="500"/>
+              </a:spcBef>
+              <a:buFont typeface="Arial" panose="020B0604020202020204" pitchFamily="34" charset="0"/>
+              <a:buChar char="•"/>
+              <a:defRPr sz="1800" kern="1200">
+                <a:solidFill>
+                  <a:schemeClr val="tx1"/>
+                </a:solidFill>
+                <a:latin typeface="+mn-lt"/>
+                <a:ea typeface="+mn-ea"/>
+                <a:cs typeface="+mn-cs"/>
+              </a:defRPr>
+            </a:lvl7pPr>
+            <a:lvl8pPr marL="3429000" indent="-228600" algn="l" defTabSz="914400" rtl="0" eaLnBrk="1" latinLnBrk="1" hangingPunct="1">
+              <a:lnSpc>
+                <a:spcPct val="90000"/>
+              </a:lnSpc>
+              <a:spcBef>
+                <a:spcPts val="500"/>
+              </a:spcBef>
+              <a:buFont typeface="Arial" panose="020B0604020202020204" pitchFamily="34" charset="0"/>
+              <a:buChar char="•"/>
+              <a:defRPr sz="1800" kern="1200">
+                <a:solidFill>
+                  <a:schemeClr val="tx1"/>
+                </a:solidFill>
+                <a:latin typeface="+mn-lt"/>
+                <a:ea typeface="+mn-ea"/>
+                <a:cs typeface="+mn-cs"/>
+              </a:defRPr>
+            </a:lvl8pPr>
+            <a:lvl9pPr marL="3886200" indent="-228600" algn="l" defTabSz="914400" rtl="0" eaLnBrk="1" latinLnBrk="1" hangingPunct="1">
+              <a:lnSpc>
+                <a:spcPct val="90000"/>
+              </a:lnSpc>
+              <a:spcBef>
+                <a:spcPts val="500"/>
+              </a:spcBef>
+              <a:buFont typeface="Arial" panose="020B0604020202020204" pitchFamily="34" charset="0"/>
+              <a:buChar char="•"/>
+              <a:defRPr sz="1800" kern="1200">
+                <a:solidFill>
+                  <a:schemeClr val="tx1"/>
+                </a:solidFill>
+                <a:latin typeface="+mn-lt"/>
+                <a:ea typeface="+mn-ea"/>
+                <a:cs typeface="+mn-cs"/>
+              </a:defRPr>
+            </a:lvl9pPr>
+          </a:lstStyle>
+          <a:p>
+            <a:r>
+              <a:rPr lang="ko-KR" altLang="en-US"/>
+              <a:t>더 줄일수도 있다</a:t>
+            </a:r>
+            <a:r>
+              <a:rPr lang="en-US" altLang="ko-KR"/>
+              <a:t>. </a:t>
+            </a:r>
+            <a:r>
+              <a:rPr lang="ko-KR" altLang="en-US"/>
+              <a:t>아예 이름을 떼버리자</a:t>
+            </a:r>
+            <a:r>
+              <a:rPr lang="en-US" altLang="ko-KR"/>
+              <a:t>.</a:t>
+            </a:r>
+            <a:endParaRPr lang="ko-KR" altLang="en-US"/>
+          </a:p>
+        </p:txBody>
+      </p:sp>
+      <p:pic>
+        <p:nvPicPr>
+          <p:cNvPr id="12" name="그림 11">
+            <a:extLst>
+              <a:ext uri="{FF2B5EF4-FFF2-40B4-BE49-F238E27FC236}">
+                <a16:creationId xmlns:a16="http://schemas.microsoft.com/office/drawing/2014/main" id="{597E0DD0-A1A5-45B6-8B91-57CAC2025A57}"/>
+              </a:ext>
+            </a:extLst>
+          </p:cNvPr>
+          <p:cNvPicPr>
+            <a:picLocks noChangeAspect="1"/>
+          </p:cNvPicPr>
+          <p:nvPr/>
+        </p:nvPicPr>
+        <p:blipFill>
+          <a:blip r:embed="rId3"/>
+          <a:stretch>
+            <a:fillRect/>
+          </a:stretch>
+        </p:blipFill>
+        <p:spPr>
+          <a:xfrm>
+            <a:off x="947956" y="4704163"/>
+            <a:ext cx="7055141" cy="416785"/>
+          </a:xfrm>
+          <a:prstGeom prst="rect">
+            <a:avLst/>
+          </a:prstGeom>
+        </p:spPr>
+      </p:pic>
+      <p:sp>
+        <p:nvSpPr>
+          <p:cNvPr id="13" name="직사각형 12">
+            <a:extLst>
+              <a:ext uri="{FF2B5EF4-FFF2-40B4-BE49-F238E27FC236}">
+                <a16:creationId xmlns:a16="http://schemas.microsoft.com/office/drawing/2014/main" id="{337A4421-C538-4EEF-B2C0-311C2B7E485D}"/>
+              </a:ext>
+            </a:extLst>
+          </p:cNvPr>
+          <p:cNvSpPr/>
+          <p:nvPr/>
+        </p:nvSpPr>
+        <p:spPr>
+          <a:xfrm>
+            <a:off x="2726422" y="4658969"/>
+            <a:ext cx="4001550" cy="424865"/>
+          </a:xfrm>
+          <a:prstGeom prst="rect">
+            <a:avLst/>
+          </a:prstGeom>
+          <a:noFill/>
+          <a:ln w="38100"/>
+        </p:spPr>
+        <p:style>
+          <a:lnRef idx="2">
+            <a:schemeClr val="accent1">
+              <a:shade val="50000"/>
+            </a:schemeClr>
+          </a:lnRef>
+          <a:fillRef idx="1">
+            <a:schemeClr val="accent1"/>
+          </a:fillRef>
+          <a:effectRef idx="0">
+            <a:schemeClr val="accent1"/>
+          </a:effectRef>
+          <a:fontRef idx="minor">
+            <a:schemeClr val="lt1"/>
+          </a:fontRef>
+        </p:style>
+        <p:txBody>
+          <a:bodyPr rtlCol="0" anchor="ctr"/>
+          <a:lstStyle/>
+          <a:p>
+            <a:pPr algn="ctr"/>
+            <a:endParaRPr lang="ko-KR" altLang="en-US"/>
+          </a:p>
+        </p:txBody>
+      </p:sp>
+      <p:sp>
+        <p:nvSpPr>
+          <p:cNvPr id="14" name="TextBox 13">
+            <a:extLst>
+              <a:ext uri="{FF2B5EF4-FFF2-40B4-BE49-F238E27FC236}">
+                <a16:creationId xmlns:a16="http://schemas.microsoft.com/office/drawing/2014/main" id="{88C938CD-31A0-4447-BD51-E12B551ADBFC}"/>
+              </a:ext>
+            </a:extLst>
+          </p:cNvPr>
+          <p:cNvSpPr txBox="1"/>
+          <p:nvPr/>
+        </p:nvSpPr>
+        <p:spPr>
+          <a:xfrm>
+            <a:off x="2726422" y="5419288"/>
+            <a:ext cx="8973867" cy="1200329"/>
+          </a:xfrm>
+          <a:prstGeom prst="rect">
+            <a:avLst/>
+          </a:prstGeom>
+          <a:noFill/>
+        </p:spPr>
+        <p:txBody>
+          <a:bodyPr wrap="none" rtlCol="0">
+            <a:spAutoFit/>
+          </a:bodyPr>
+          <a:lstStyle/>
+          <a:p>
+            <a:r>
+              <a:rPr lang="ko-KR" altLang="en-US"/>
+              <a:t>이렇게</a:t>
+            </a:r>
+            <a:r>
+              <a:rPr lang="en-US" altLang="ko-KR"/>
+              <a:t>, </a:t>
+            </a:r>
+            <a:r>
+              <a:rPr lang="ko-KR" altLang="en-US"/>
+              <a:t>한번 쓰고 다시는 안 쓸 함수</a:t>
+            </a:r>
+            <a:r>
+              <a:rPr lang="en-US" altLang="ko-KR"/>
+              <a:t>, </a:t>
+            </a:r>
+            <a:r>
+              <a:rPr lang="ko-KR" altLang="en-US"/>
+              <a:t>즉 재사용</a:t>
+            </a:r>
+            <a:r>
+              <a:rPr lang="en-US" altLang="ko-KR"/>
+              <a:t>(reuse) </a:t>
+            </a:r>
+            <a:r>
+              <a:rPr lang="ko-KR" altLang="en-US"/>
+              <a:t>이 굳이 필요하지 않는 함수는</a:t>
+            </a:r>
+            <a:endParaRPr lang="en-US" altLang="ko-KR"/>
+          </a:p>
+          <a:p>
+            <a:r>
+              <a:rPr lang="ko-KR" altLang="en-US"/>
+              <a:t>이름 없는 무명함수</a:t>
+            </a:r>
+            <a:r>
+              <a:rPr lang="en-US" altLang="ko-KR"/>
+              <a:t>(Lambda function) </a:t>
+            </a:r>
+            <a:r>
+              <a:rPr lang="ko-KR" altLang="en-US"/>
+              <a:t>로 쓸 수 있다</a:t>
+            </a:r>
+            <a:r>
+              <a:rPr lang="en-US" altLang="ko-KR"/>
+              <a:t>.</a:t>
+            </a:r>
+          </a:p>
+          <a:p>
+            <a:r>
+              <a:rPr lang="ko-KR" altLang="en-US"/>
+              <a:t>여러분은 절대 이런거 안 쓸거같지만</a:t>
+            </a:r>
+            <a:r>
+              <a:rPr lang="en-US" altLang="ko-KR"/>
+              <a:t>, </a:t>
+            </a:r>
+            <a:r>
+              <a:rPr lang="ko-KR" altLang="en-US"/>
+              <a:t>정말정말 흔하게 쓰는 기법이다</a:t>
+            </a:r>
+            <a:r>
+              <a:rPr lang="en-US" altLang="ko-KR"/>
+              <a:t>.</a:t>
+            </a:r>
+          </a:p>
+          <a:p>
+            <a:r>
+              <a:rPr lang="ko-KR" altLang="en-US"/>
+              <a:t>화살표함수를 쓰지 않으면 </a:t>
+            </a:r>
+            <a:r>
+              <a:rPr lang="en-US" altLang="ko-KR"/>
+              <a:t>lambda function </a:t>
+            </a:r>
+            <a:r>
+              <a:rPr lang="ko-KR" altLang="en-US"/>
+              <a:t>만드는것은 불가능</a:t>
+            </a:r>
+          </a:p>
+        </p:txBody>
+      </p:sp>
+    </p:spTree>
+    <p:extLst>
+      <p:ext uri="{BB962C8B-B14F-4D97-AF65-F5344CB8AC3E}">
+        <p14:creationId xmlns:p14="http://schemas.microsoft.com/office/powerpoint/2010/main" val="3936298420"/>
+      </p:ext>
+    </p:extLst>
+  </p:cSld>
+  <p:clrMapOvr>
+    <a:masterClrMapping/>
+  </p:clrMapOvr>
+</p:sld>
+</file>
+
+<file path=ppt/slides/slide7.xml><?xml version="1.0" encoding="utf-8"?>
+<p:sld xmlns:a="http://schemas.openxmlformats.org/drawingml/2006/main" xmlns:r="http://schemas.openxmlformats.org/officeDocument/2006/relationships" xmlns:p="http://schemas.openxmlformats.org/presentationml/2006/main">
+  <p:cSld>
+    <p:spTree>
+      <p:nvGrpSpPr>
+        <p:cNvPr id="1" name=""/>
+        <p:cNvGrpSpPr/>
+        <p:nvPr/>
+      </p:nvGrpSpPr>
+      <p:grpSpPr>
+        <a:xfrm>
+          <a:off x="0" y="0"/>
+          <a:ext cx="0" cy="0"/>
+          <a:chOff x="0" y="0"/>
+          <a:chExt cx="0" cy="0"/>
+        </a:xfrm>
+      </p:grpSpPr>
+      <p:sp>
+        <p:nvSpPr>
+          <p:cNvPr id="2" name="제목 1">
+            <a:extLst>
+              <a:ext uri="{FF2B5EF4-FFF2-40B4-BE49-F238E27FC236}">
+                <a16:creationId xmlns:a16="http://schemas.microsoft.com/office/drawing/2014/main" id="{02709B64-AAD9-4875-82DF-8CAE800C9693}"/>
+              </a:ext>
+            </a:extLst>
+          </p:cNvPr>
+          <p:cNvSpPr>
+            <a:spLocks noGrp="1"/>
+          </p:cNvSpPr>
+          <p:nvPr>
+            <p:ph type="title"/>
+          </p:nvPr>
+        </p:nvSpPr>
+        <p:spPr/>
+        <p:txBody>
+          <a:bodyPr/>
+          <a:lstStyle/>
+          <a:p>
+            <a:r>
+              <a:rPr lang="en-US" altLang="ko-KR"/>
+              <a:t>map( )</a:t>
+            </a:r>
+            <a:endParaRPr lang="ko-KR" altLang="en-US"/>
+          </a:p>
+        </p:txBody>
+      </p:sp>
+      <p:sp>
+        <p:nvSpPr>
+          <p:cNvPr id="3" name="내용 개체 틀 2">
+            <a:extLst>
+              <a:ext uri="{FF2B5EF4-FFF2-40B4-BE49-F238E27FC236}">
+                <a16:creationId xmlns:a16="http://schemas.microsoft.com/office/drawing/2014/main" id="{0AEEBB7F-8EA9-4FF8-9E26-E2D2C02CF4B1}"/>
+              </a:ext>
+            </a:extLst>
+          </p:cNvPr>
+          <p:cNvSpPr>
+            <a:spLocks noGrp="1"/>
+          </p:cNvSpPr>
+          <p:nvPr>
+            <p:ph idx="1"/>
+          </p:nvPr>
+        </p:nvSpPr>
+        <p:spPr/>
+        <p:txBody>
+          <a:bodyPr/>
+          <a:lstStyle/>
+          <a:p>
+            <a:r>
+              <a:rPr lang="ko-KR" altLang="en-US"/>
+              <a:t>콜백을 이용해</a:t>
+            </a:r>
+            <a:r>
+              <a:rPr lang="en-US" altLang="ko-KR"/>
+              <a:t>,</a:t>
+            </a:r>
+            <a:r>
+              <a:rPr lang="ko-KR" altLang="en-US"/>
+              <a:t> 평소 반복을 쓸 때 의도한 결과를 낸다</a:t>
+            </a:r>
+            <a:r>
+              <a:rPr lang="en-US" altLang="ko-KR"/>
+              <a:t>.</a:t>
+            </a:r>
+          </a:p>
+          <a:p>
+            <a:r>
+              <a:rPr lang="ko-KR" altLang="en-US"/>
+              <a:t>정확하게는</a:t>
+            </a:r>
+            <a:r>
+              <a:rPr lang="en-US" altLang="ko-KR"/>
+              <a:t>, </a:t>
+            </a:r>
+            <a:r>
+              <a:rPr lang="ko-KR" altLang="en-US"/>
+              <a:t>배열을 받아 요소의 개수가 같은 새 배열을 만든다</a:t>
+            </a:r>
+            <a:r>
+              <a:rPr lang="en-US" altLang="ko-KR"/>
+              <a:t>.</a:t>
+            </a:r>
           </a:p>
         </p:txBody>
       </p:sp>
@@ -3818,6 +9092,733 @@
     <p:extLst>
       <p:ext uri="{BB962C8B-B14F-4D97-AF65-F5344CB8AC3E}">
         <p14:creationId xmlns:p14="http://schemas.microsoft.com/office/powerpoint/2010/main" val="3847936457"/>
+      </p:ext>
+    </p:extLst>
+  </p:cSld>
+  <p:clrMapOvr>
+    <a:masterClrMapping/>
+  </p:clrMapOvr>
+</p:sld>
+</file>
+
+<file path=ppt/slides/slide8.xml><?xml version="1.0" encoding="utf-8"?>
+<p:sld xmlns:a="http://schemas.openxmlformats.org/drawingml/2006/main" xmlns:r="http://schemas.openxmlformats.org/officeDocument/2006/relationships" xmlns:p="http://schemas.openxmlformats.org/presentationml/2006/main">
+  <p:cSld>
+    <p:spTree>
+      <p:nvGrpSpPr>
+        <p:cNvPr id="1" name=""/>
+        <p:cNvGrpSpPr/>
+        <p:nvPr/>
+      </p:nvGrpSpPr>
+      <p:grpSpPr>
+        <a:xfrm>
+          <a:off x="0" y="0"/>
+          <a:ext cx="0" cy="0"/>
+          <a:chOff x="0" y="0"/>
+          <a:chExt cx="0" cy="0"/>
+        </a:xfrm>
+      </p:grpSpPr>
+      <p:pic>
+        <p:nvPicPr>
+          <p:cNvPr id="7" name="그림 6">
+            <a:extLst>
+              <a:ext uri="{FF2B5EF4-FFF2-40B4-BE49-F238E27FC236}">
+                <a16:creationId xmlns:a16="http://schemas.microsoft.com/office/drawing/2014/main" id="{C238BB07-3EF3-4386-9E3E-8531ACDBFEAC}"/>
+              </a:ext>
+            </a:extLst>
+          </p:cNvPr>
+          <p:cNvPicPr>
+            <a:picLocks noChangeAspect="1"/>
+          </p:cNvPicPr>
+          <p:nvPr/>
+        </p:nvPicPr>
+        <p:blipFill>
+          <a:blip r:embed="rId2"/>
+          <a:stretch>
+            <a:fillRect/>
+          </a:stretch>
+        </p:blipFill>
+        <p:spPr>
+          <a:xfrm>
+            <a:off x="381699" y="616691"/>
+            <a:ext cx="10723927" cy="2812309"/>
+          </a:xfrm>
+          <a:prstGeom prst="rect">
+            <a:avLst/>
+          </a:prstGeom>
+        </p:spPr>
+      </p:pic>
+      <p:cxnSp>
+        <p:nvCxnSpPr>
+          <p:cNvPr id="4" name="직선 연결선 3">
+            <a:extLst>
+              <a:ext uri="{FF2B5EF4-FFF2-40B4-BE49-F238E27FC236}">
+                <a16:creationId xmlns:a16="http://schemas.microsoft.com/office/drawing/2014/main" id="{89270C19-4C1F-44D3-B6B3-50EAC438F0BE}"/>
+              </a:ext>
+            </a:extLst>
+          </p:cNvPr>
+          <p:cNvCxnSpPr/>
+          <p:nvPr/>
+        </p:nvCxnSpPr>
+        <p:spPr>
+          <a:xfrm>
+            <a:off x="6006518" y="2022846"/>
+            <a:ext cx="4605556" cy="0"/>
+          </a:xfrm>
+          <a:prstGeom prst="line">
+            <a:avLst/>
+          </a:prstGeom>
+          <a:ln w="57150"/>
+        </p:spPr>
+        <p:style>
+          <a:lnRef idx="1">
+            <a:schemeClr val="accent1"/>
+          </a:lnRef>
+          <a:fillRef idx="0">
+            <a:schemeClr val="accent1"/>
+          </a:fillRef>
+          <a:effectRef idx="0">
+            <a:schemeClr val="accent1"/>
+          </a:effectRef>
+          <a:fontRef idx="minor">
+            <a:schemeClr val="tx1"/>
+          </a:fontRef>
+        </p:style>
+      </p:cxnSp>
+      <p:sp>
+        <p:nvSpPr>
+          <p:cNvPr id="5" name="TextBox 4">
+            <a:extLst>
+              <a:ext uri="{FF2B5EF4-FFF2-40B4-BE49-F238E27FC236}">
+                <a16:creationId xmlns:a16="http://schemas.microsoft.com/office/drawing/2014/main" id="{9B471A85-0017-4088-A81D-66653F842540}"/>
+              </a:ext>
+            </a:extLst>
+          </p:cNvPr>
+          <p:cNvSpPr txBox="1"/>
+          <p:nvPr/>
+        </p:nvSpPr>
+        <p:spPr>
+          <a:xfrm>
+            <a:off x="381699" y="4320330"/>
+            <a:ext cx="5133136" cy="1477328"/>
+          </a:xfrm>
+          <a:prstGeom prst="rect">
+            <a:avLst/>
+          </a:prstGeom>
+          <a:noFill/>
+        </p:spPr>
+        <p:txBody>
+          <a:bodyPr wrap="none" rtlCol="0">
+            <a:spAutoFit/>
+          </a:bodyPr>
+          <a:lstStyle/>
+          <a:p>
+            <a:r>
+              <a:rPr lang="en-US" altLang="ko-KR"/>
+              <a:t>map( ) </a:t>
+            </a:r>
+            <a:r>
+              <a:rPr lang="ko-KR" altLang="en-US"/>
+              <a:t>은</a:t>
+            </a:r>
+            <a:r>
+              <a:rPr lang="en-US" altLang="ko-KR"/>
+              <a:t> </a:t>
+            </a:r>
+            <a:r>
+              <a:rPr lang="ko-KR" altLang="en-US"/>
+              <a:t>배열에서 사용 가능한 내장함수다</a:t>
+            </a:r>
+            <a:r>
+              <a:rPr lang="en-US" altLang="ko-KR"/>
+              <a:t>.</a:t>
+            </a:r>
+          </a:p>
+          <a:p>
+            <a:r>
+              <a:rPr lang="ko-KR" altLang="en-US"/>
+              <a:t>파라미터는 하나다</a:t>
+            </a:r>
+            <a:r>
+              <a:rPr lang="en-US" altLang="ko-KR"/>
+              <a:t>.</a:t>
+            </a:r>
+          </a:p>
+          <a:p>
+            <a:r>
+              <a:rPr lang="ko-KR" altLang="en-US"/>
+              <a:t>함수 전체가 파라미터로 들어간다</a:t>
+            </a:r>
+            <a:r>
+              <a:rPr lang="en-US" altLang="ko-KR"/>
+              <a:t>. </a:t>
+            </a:r>
+            <a:r>
+              <a:rPr lang="ko-KR" altLang="en-US"/>
+              <a:t>즉</a:t>
+            </a:r>
+            <a:r>
+              <a:rPr lang="en-US" altLang="ko-KR"/>
+              <a:t>, </a:t>
+            </a:r>
+            <a:r>
+              <a:rPr lang="ko-KR" altLang="en-US"/>
+              <a:t>콜백이다</a:t>
+            </a:r>
+            <a:r>
+              <a:rPr lang="en-US" altLang="ko-KR"/>
+              <a:t>.</a:t>
+            </a:r>
+          </a:p>
+          <a:p>
+            <a:r>
+              <a:rPr lang="en-US" altLang="ko-KR"/>
+              <a:t>menus (</a:t>
+            </a:r>
+            <a:r>
+              <a:rPr lang="ko-KR" altLang="en-US"/>
+              <a:t>복수</a:t>
+            </a:r>
+            <a:r>
+              <a:rPr lang="en-US" altLang="ko-KR"/>
+              <a:t>)</a:t>
+            </a:r>
+            <a:r>
+              <a:rPr lang="ko-KR" altLang="en-US"/>
+              <a:t>의 각각의 요소는 </a:t>
+            </a:r>
+            <a:r>
+              <a:rPr lang="en-US" altLang="ko-KR"/>
+              <a:t>menu (</a:t>
+            </a:r>
+            <a:r>
+              <a:rPr lang="ko-KR" altLang="en-US"/>
+              <a:t>단수</a:t>
+            </a:r>
+            <a:r>
+              <a:rPr lang="en-US" altLang="ko-KR"/>
+              <a:t>)</a:t>
+            </a:r>
+            <a:r>
+              <a:rPr lang="ko-KR" altLang="en-US"/>
+              <a:t>다</a:t>
+            </a:r>
+            <a:r>
+              <a:rPr lang="en-US" altLang="ko-KR"/>
+              <a:t>.</a:t>
+            </a:r>
+          </a:p>
+          <a:p>
+            <a:r>
+              <a:rPr lang="ko-KR" altLang="en-US"/>
+              <a:t>리턴값을 모아</a:t>
+            </a:r>
+            <a:r>
+              <a:rPr lang="en-US" altLang="ko-KR"/>
+              <a:t>, </a:t>
+            </a:r>
+            <a:r>
+              <a:rPr lang="ko-KR" altLang="en-US"/>
+              <a:t>새로운 배열을 만든다</a:t>
+            </a:r>
+          </a:p>
+        </p:txBody>
+      </p:sp>
+      <p:sp>
+        <p:nvSpPr>
+          <p:cNvPr id="6" name="TextBox 5">
+            <a:extLst>
+              <a:ext uri="{FF2B5EF4-FFF2-40B4-BE49-F238E27FC236}">
+                <a16:creationId xmlns:a16="http://schemas.microsoft.com/office/drawing/2014/main" id="{1BBBF9A1-88ED-4A8C-8EB0-8BFF4CDE91EE}"/>
+              </a:ext>
+            </a:extLst>
+          </p:cNvPr>
+          <p:cNvSpPr txBox="1"/>
+          <p:nvPr/>
+        </p:nvSpPr>
+        <p:spPr>
+          <a:xfrm>
+            <a:off x="6895351" y="4060272"/>
+            <a:ext cx="3798476" cy="369332"/>
+          </a:xfrm>
+          <a:prstGeom prst="rect">
+            <a:avLst/>
+          </a:prstGeom>
+          <a:noFill/>
+        </p:spPr>
+        <p:txBody>
+          <a:bodyPr wrap="none" rtlCol="0">
+            <a:spAutoFit/>
+          </a:bodyPr>
+          <a:lstStyle/>
+          <a:p>
+            <a:r>
+              <a:rPr lang="en-US" altLang="ko-KR"/>
+              <a:t>menus  [“</a:t>
+            </a:r>
+            <a:r>
+              <a:rPr lang="ko-KR" altLang="en-US"/>
+              <a:t>짜장면</a:t>
+            </a:r>
+            <a:r>
+              <a:rPr lang="en-US" altLang="ko-KR"/>
+              <a:t>“, “</a:t>
+            </a:r>
+            <a:r>
+              <a:rPr lang="ko-KR" altLang="en-US"/>
+              <a:t>짬뽕</a:t>
+            </a:r>
+            <a:r>
+              <a:rPr lang="en-US" altLang="ko-KR"/>
+              <a:t>”, “</a:t>
+            </a:r>
+            <a:r>
+              <a:rPr lang="ko-KR" altLang="en-US"/>
+              <a:t>탕수육</a:t>
+            </a:r>
+            <a:r>
+              <a:rPr lang="en-US" altLang="ko-KR"/>
+              <a:t>”]</a:t>
+            </a:r>
+            <a:endParaRPr lang="ko-KR" altLang="en-US"/>
+          </a:p>
+        </p:txBody>
+      </p:sp>
+      <p:sp>
+        <p:nvSpPr>
+          <p:cNvPr id="8" name="화살표: 아래쪽 7">
+            <a:extLst>
+              <a:ext uri="{FF2B5EF4-FFF2-40B4-BE49-F238E27FC236}">
+                <a16:creationId xmlns:a16="http://schemas.microsoft.com/office/drawing/2014/main" id="{256435F9-14BF-462A-8638-306FDECF7FCF}"/>
+              </a:ext>
+            </a:extLst>
+          </p:cNvPr>
+          <p:cNvSpPr/>
+          <p:nvPr/>
+        </p:nvSpPr>
+        <p:spPr>
+          <a:xfrm>
+            <a:off x="8137321" y="4649815"/>
+            <a:ext cx="343949" cy="687897"/>
+          </a:xfrm>
+          <a:prstGeom prst="downArrow">
+            <a:avLst/>
+          </a:prstGeom>
+        </p:spPr>
+        <p:style>
+          <a:lnRef idx="2">
+            <a:schemeClr val="accent1">
+              <a:shade val="50000"/>
+            </a:schemeClr>
+          </a:lnRef>
+          <a:fillRef idx="1">
+            <a:schemeClr val="accent1"/>
+          </a:fillRef>
+          <a:effectRef idx="0">
+            <a:schemeClr val="accent1"/>
+          </a:effectRef>
+          <a:fontRef idx="minor">
+            <a:schemeClr val="lt1"/>
+          </a:fontRef>
+        </p:style>
+        <p:txBody>
+          <a:bodyPr rtlCol="0" anchor="ctr"/>
+          <a:lstStyle/>
+          <a:p>
+            <a:pPr algn="ctr"/>
+            <a:endParaRPr lang="ko-KR" altLang="en-US"/>
+          </a:p>
+        </p:txBody>
+      </p:sp>
+      <p:sp>
+        <p:nvSpPr>
+          <p:cNvPr id="10" name="TextBox 9">
+            <a:extLst>
+              <a:ext uri="{FF2B5EF4-FFF2-40B4-BE49-F238E27FC236}">
+                <a16:creationId xmlns:a16="http://schemas.microsoft.com/office/drawing/2014/main" id="{26BB72CB-5F9A-4A5B-AA33-856684D7B13D}"/>
+              </a:ext>
+            </a:extLst>
+          </p:cNvPr>
+          <p:cNvSpPr txBox="1"/>
+          <p:nvPr/>
+        </p:nvSpPr>
+        <p:spPr>
+          <a:xfrm>
+            <a:off x="8481270" y="4743092"/>
+            <a:ext cx="646331" cy="369332"/>
+          </a:xfrm>
+          <a:prstGeom prst="rect">
+            <a:avLst/>
+          </a:prstGeom>
+          <a:noFill/>
+        </p:spPr>
+        <p:txBody>
+          <a:bodyPr wrap="none" rtlCol="0">
+            <a:spAutoFit/>
+          </a:bodyPr>
+          <a:lstStyle/>
+          <a:p>
+            <a:r>
+              <a:rPr lang="en-US" altLang="ko-KR"/>
+              <a:t>map</a:t>
+            </a:r>
+            <a:endParaRPr lang="ko-KR" altLang="en-US"/>
+          </a:p>
+        </p:txBody>
+      </p:sp>
+      <p:sp>
+        <p:nvSpPr>
+          <p:cNvPr id="11" name="TextBox 10">
+            <a:extLst>
+              <a:ext uri="{FF2B5EF4-FFF2-40B4-BE49-F238E27FC236}">
+                <a16:creationId xmlns:a16="http://schemas.microsoft.com/office/drawing/2014/main" id="{3ED5890A-5BEF-4D47-A00F-2F8FDFF35E6F}"/>
+              </a:ext>
+            </a:extLst>
+          </p:cNvPr>
+          <p:cNvSpPr txBox="1"/>
+          <p:nvPr/>
+        </p:nvSpPr>
+        <p:spPr>
+          <a:xfrm>
+            <a:off x="5771874" y="5466534"/>
+            <a:ext cx="6065122" cy="369332"/>
+          </a:xfrm>
+          <a:prstGeom prst="rect">
+            <a:avLst/>
+          </a:prstGeom>
+          <a:noFill/>
+        </p:spPr>
+        <p:txBody>
+          <a:bodyPr wrap="none" rtlCol="0">
+            <a:spAutoFit/>
+          </a:bodyPr>
+          <a:lstStyle/>
+          <a:p>
+            <a:r>
+              <a:rPr lang="en-US" altLang="ko-KR"/>
+              <a:t>newMenus  [“</a:t>
+            </a:r>
+            <a:r>
+              <a:rPr lang="ko-KR" altLang="en-US"/>
+              <a:t>짜장면 좋아</a:t>
+            </a:r>
+            <a:r>
+              <a:rPr lang="en-US" altLang="ko-KR"/>
+              <a:t>!“, “</a:t>
+            </a:r>
+            <a:r>
+              <a:rPr lang="ko-KR" altLang="en-US"/>
+              <a:t>짬뽕 좋아</a:t>
+            </a:r>
+            <a:r>
+              <a:rPr lang="en-US" altLang="ko-KR"/>
+              <a:t>!”, “</a:t>
+            </a:r>
+            <a:r>
+              <a:rPr lang="ko-KR" altLang="en-US"/>
+              <a:t>탕수육 좋아</a:t>
+            </a:r>
+            <a:r>
+              <a:rPr lang="en-US" altLang="ko-KR"/>
+              <a:t>!”]</a:t>
+            </a:r>
+            <a:endParaRPr lang="ko-KR" altLang="en-US"/>
+          </a:p>
+        </p:txBody>
+      </p:sp>
+    </p:spTree>
+    <p:extLst>
+      <p:ext uri="{BB962C8B-B14F-4D97-AF65-F5344CB8AC3E}">
+        <p14:creationId xmlns:p14="http://schemas.microsoft.com/office/powerpoint/2010/main" val="2138897869"/>
+      </p:ext>
+    </p:extLst>
+  </p:cSld>
+  <p:clrMapOvr>
+    <a:masterClrMapping/>
+  </p:clrMapOvr>
+</p:sld>
+</file>
+
+<file path=ppt/slides/slide9.xml><?xml version="1.0" encoding="utf-8"?>
+<p:sld xmlns:a="http://schemas.openxmlformats.org/drawingml/2006/main" xmlns:r="http://schemas.openxmlformats.org/officeDocument/2006/relationships" xmlns:p="http://schemas.openxmlformats.org/presentationml/2006/main">
+  <p:cSld>
+    <p:spTree>
+      <p:nvGrpSpPr>
+        <p:cNvPr id="1" name=""/>
+        <p:cNvGrpSpPr/>
+        <p:nvPr/>
+      </p:nvGrpSpPr>
+      <p:grpSpPr>
+        <a:xfrm>
+          <a:off x="0" y="0"/>
+          <a:ext cx="0" cy="0"/>
+          <a:chOff x="0" y="0"/>
+          <a:chExt cx="0" cy="0"/>
+        </a:xfrm>
+      </p:grpSpPr>
+      <p:pic>
+        <p:nvPicPr>
+          <p:cNvPr id="4" name="그림 3">
+            <a:extLst>
+              <a:ext uri="{FF2B5EF4-FFF2-40B4-BE49-F238E27FC236}">
+                <a16:creationId xmlns:a16="http://schemas.microsoft.com/office/drawing/2014/main" id="{D41CA5EA-844E-48D8-A63A-9A2725AA5295}"/>
+              </a:ext>
+            </a:extLst>
+          </p:cNvPr>
+          <p:cNvPicPr>
+            <a:picLocks noChangeAspect="1"/>
+          </p:cNvPicPr>
+          <p:nvPr/>
+        </p:nvPicPr>
+        <p:blipFill>
+          <a:blip r:embed="rId2"/>
+          <a:stretch>
+            <a:fillRect/>
+          </a:stretch>
+        </p:blipFill>
+        <p:spPr>
+          <a:xfrm>
+            <a:off x="191625" y="1213330"/>
+            <a:ext cx="8134372" cy="1741563"/>
+          </a:xfrm>
+          <a:prstGeom prst="rect">
+            <a:avLst/>
+          </a:prstGeom>
+        </p:spPr>
+      </p:pic>
+      <p:sp>
+        <p:nvSpPr>
+          <p:cNvPr id="5" name="화살표: 아래쪽 4">
+            <a:extLst>
+              <a:ext uri="{FF2B5EF4-FFF2-40B4-BE49-F238E27FC236}">
+                <a16:creationId xmlns:a16="http://schemas.microsoft.com/office/drawing/2014/main" id="{4316387B-A38C-4480-9628-0A78BE688EB5}"/>
+              </a:ext>
+            </a:extLst>
+          </p:cNvPr>
+          <p:cNvSpPr/>
+          <p:nvPr/>
+        </p:nvSpPr>
+        <p:spPr>
+          <a:xfrm>
+            <a:off x="3769323" y="2954893"/>
+            <a:ext cx="861527" cy="1166327"/>
+          </a:xfrm>
+          <a:prstGeom prst="downArrow">
+            <a:avLst/>
+          </a:prstGeom>
+        </p:spPr>
+        <p:style>
+          <a:lnRef idx="2">
+            <a:schemeClr val="accent1">
+              <a:shade val="50000"/>
+            </a:schemeClr>
+          </a:lnRef>
+          <a:fillRef idx="1">
+            <a:schemeClr val="accent1"/>
+          </a:fillRef>
+          <a:effectRef idx="0">
+            <a:schemeClr val="accent1"/>
+          </a:effectRef>
+          <a:fontRef idx="minor">
+            <a:schemeClr val="lt1"/>
+          </a:fontRef>
+        </p:style>
+        <p:txBody>
+          <a:bodyPr rtlCol="0" anchor="ctr"/>
+          <a:lstStyle/>
+          <a:p>
+            <a:pPr algn="ctr"/>
+            <a:endParaRPr lang="ko-KR" altLang="en-US"/>
+          </a:p>
+        </p:txBody>
+      </p:sp>
+      <p:pic>
+        <p:nvPicPr>
+          <p:cNvPr id="9" name="그림 8">
+            <a:extLst>
+              <a:ext uri="{FF2B5EF4-FFF2-40B4-BE49-F238E27FC236}">
+                <a16:creationId xmlns:a16="http://schemas.microsoft.com/office/drawing/2014/main" id="{FB21E411-5AC1-4739-B488-6196B78807EF}"/>
+              </a:ext>
+            </a:extLst>
+          </p:cNvPr>
+          <p:cNvPicPr>
+            <a:picLocks noChangeAspect="1"/>
+          </p:cNvPicPr>
+          <p:nvPr/>
+        </p:nvPicPr>
+        <p:blipFill>
+          <a:blip r:embed="rId3"/>
+          <a:stretch>
+            <a:fillRect/>
+          </a:stretch>
+        </p:blipFill>
+        <p:spPr>
+          <a:xfrm>
+            <a:off x="191625" y="4567626"/>
+            <a:ext cx="8710569" cy="1516797"/>
+          </a:xfrm>
+          <a:prstGeom prst="rect">
+            <a:avLst/>
+          </a:prstGeom>
+        </p:spPr>
+      </p:pic>
+      <p:sp>
+        <p:nvSpPr>
+          <p:cNvPr id="10" name="TextBox 9">
+            <a:extLst>
+              <a:ext uri="{FF2B5EF4-FFF2-40B4-BE49-F238E27FC236}">
+                <a16:creationId xmlns:a16="http://schemas.microsoft.com/office/drawing/2014/main" id="{41D31D5B-F5F5-4D2C-8F54-B529B9B66A4A}"/>
+              </a:ext>
+            </a:extLst>
+          </p:cNvPr>
+          <p:cNvSpPr txBox="1"/>
+          <p:nvPr/>
+        </p:nvSpPr>
+        <p:spPr>
+          <a:xfrm>
+            <a:off x="290817" y="411061"/>
+            <a:ext cx="7285969" cy="369332"/>
+          </a:xfrm>
+          <a:prstGeom prst="rect">
+            <a:avLst/>
+          </a:prstGeom>
+          <a:noFill/>
+        </p:spPr>
+        <p:txBody>
+          <a:bodyPr wrap="none" rtlCol="0">
+            <a:spAutoFit/>
+          </a:bodyPr>
+          <a:lstStyle/>
+          <a:p>
+            <a:r>
+              <a:rPr lang="en-US" altLang="ko-KR"/>
+              <a:t>map</a:t>
+            </a:r>
+            <a:r>
+              <a:rPr lang="ko-KR" altLang="en-US"/>
+              <a:t> 은 새 배열을 리턴하지만</a:t>
+            </a:r>
+            <a:r>
+              <a:rPr lang="en-US" altLang="ko-KR"/>
+              <a:t>,</a:t>
+            </a:r>
+            <a:r>
+              <a:rPr lang="ko-KR" altLang="en-US"/>
+              <a:t> 상황에 따라 필요하지 않을 수도 있다</a:t>
+            </a:r>
+            <a:r>
+              <a:rPr lang="en-US" altLang="ko-KR"/>
+              <a:t>.</a:t>
+            </a:r>
+            <a:endParaRPr lang="ko-KR" altLang="en-US"/>
+          </a:p>
+        </p:txBody>
+      </p:sp>
+      <p:cxnSp>
+        <p:nvCxnSpPr>
+          <p:cNvPr id="12" name="직선 연결선 11">
+            <a:extLst>
+              <a:ext uri="{FF2B5EF4-FFF2-40B4-BE49-F238E27FC236}">
+                <a16:creationId xmlns:a16="http://schemas.microsoft.com/office/drawing/2014/main" id="{92481F0C-A28A-4279-AD42-09026A611CCF}"/>
+              </a:ext>
+            </a:extLst>
+          </p:cNvPr>
+          <p:cNvCxnSpPr/>
+          <p:nvPr/>
+        </p:nvCxnSpPr>
+        <p:spPr>
+          <a:xfrm>
+            <a:off x="9076888" y="0"/>
+            <a:ext cx="0" cy="6858000"/>
+          </a:xfrm>
+          <a:prstGeom prst="line">
+            <a:avLst/>
+          </a:prstGeom>
+        </p:spPr>
+        <p:style>
+          <a:lnRef idx="1">
+            <a:schemeClr val="accent1"/>
+          </a:lnRef>
+          <a:fillRef idx="0">
+            <a:schemeClr val="accent1"/>
+          </a:fillRef>
+          <a:effectRef idx="0">
+            <a:schemeClr val="accent1"/>
+          </a:effectRef>
+          <a:fontRef idx="minor">
+            <a:schemeClr val="tx1"/>
+          </a:fontRef>
+        </p:style>
+      </p:cxnSp>
+      <p:sp>
+        <p:nvSpPr>
+          <p:cNvPr id="13" name="TextBox 12">
+            <a:extLst>
+              <a:ext uri="{FF2B5EF4-FFF2-40B4-BE49-F238E27FC236}">
+                <a16:creationId xmlns:a16="http://schemas.microsoft.com/office/drawing/2014/main" id="{2AFCF97D-8316-4743-901A-4F642D580DEA}"/>
+              </a:ext>
+            </a:extLst>
+          </p:cNvPr>
+          <p:cNvSpPr txBox="1"/>
+          <p:nvPr/>
+        </p:nvSpPr>
+        <p:spPr>
+          <a:xfrm>
+            <a:off x="9582244" y="2366894"/>
+            <a:ext cx="1933543" cy="1754326"/>
+          </a:xfrm>
+          <a:prstGeom prst="rect">
+            <a:avLst/>
+          </a:prstGeom>
+          <a:noFill/>
+        </p:spPr>
+        <p:txBody>
+          <a:bodyPr wrap="none" rtlCol="0">
+            <a:spAutoFit/>
+          </a:bodyPr>
+          <a:lstStyle/>
+          <a:p>
+            <a:r>
+              <a:rPr lang="ko-KR" altLang="en-US"/>
+              <a:t>결과는 동일하다</a:t>
+            </a:r>
+            <a:r>
+              <a:rPr lang="en-US" altLang="ko-KR"/>
+              <a:t>.</a:t>
+            </a:r>
+          </a:p>
+          <a:p>
+            <a:endParaRPr lang="en-US" altLang="ko-KR"/>
+          </a:p>
+          <a:p>
+            <a:endParaRPr lang="en-US" altLang="ko-KR"/>
+          </a:p>
+          <a:p>
+            <a:r>
+              <a:rPr lang="ko-KR" altLang="en-US"/>
+              <a:t>짜장면</a:t>
+            </a:r>
+            <a:endParaRPr lang="en-US" altLang="ko-KR"/>
+          </a:p>
+          <a:p>
+            <a:r>
+              <a:rPr lang="ko-KR" altLang="en-US"/>
+              <a:t>짬뽕</a:t>
+            </a:r>
+            <a:endParaRPr lang="en-US" altLang="ko-KR"/>
+          </a:p>
+          <a:p>
+            <a:r>
+              <a:rPr lang="ko-KR" altLang="en-US"/>
+              <a:t>탕수육</a:t>
+            </a:r>
+          </a:p>
+        </p:txBody>
+      </p:sp>
+    </p:spTree>
+    <p:extLst>
+      <p:ext uri="{BB962C8B-B14F-4D97-AF65-F5344CB8AC3E}">
+        <p14:creationId xmlns:p14="http://schemas.microsoft.com/office/powerpoint/2010/main" val="788002557"/>
       </p:ext>
     </p:extLst>
   </p:cSld>

--- a/수업/8. JavaScript (4)/PPT/JavaScript(4).pptx
+++ b/수업/8. JavaScript (4)/PPT/JavaScript(4).pptx
@@ -6,33 +6,34 @@
   </p:sldMasterIdLst>
   <p:sldIdLst>
     <p:sldId id="257" r:id="rId2"/>
-    <p:sldId id="258" r:id="rId3"/>
-    <p:sldId id="259" r:id="rId4"/>
-    <p:sldId id="261" r:id="rId5"/>
-    <p:sldId id="262" r:id="rId6"/>
-    <p:sldId id="263" r:id="rId7"/>
-    <p:sldId id="260" r:id="rId8"/>
-    <p:sldId id="265" r:id="rId9"/>
-    <p:sldId id="267" r:id="rId10"/>
-    <p:sldId id="268" r:id="rId11"/>
-    <p:sldId id="269" r:id="rId12"/>
-    <p:sldId id="266" r:id="rId13"/>
-    <p:sldId id="272" r:id="rId14"/>
-    <p:sldId id="273" r:id="rId15"/>
-    <p:sldId id="274" r:id="rId16"/>
-    <p:sldId id="276" r:id="rId17"/>
-    <p:sldId id="277" r:id="rId18"/>
-    <p:sldId id="279" r:id="rId19"/>
-    <p:sldId id="280" r:id="rId20"/>
-    <p:sldId id="281" r:id="rId21"/>
-    <p:sldId id="282" r:id="rId22"/>
-    <p:sldId id="283" r:id="rId23"/>
-    <p:sldId id="284" r:id="rId24"/>
-    <p:sldId id="275" r:id="rId25"/>
-    <p:sldId id="278" r:id="rId26"/>
-    <p:sldId id="285" r:id="rId27"/>
-    <p:sldId id="286" r:id="rId28"/>
-    <p:sldId id="287" r:id="rId29"/>
+    <p:sldId id="288" r:id="rId3"/>
+    <p:sldId id="258" r:id="rId4"/>
+    <p:sldId id="259" r:id="rId5"/>
+    <p:sldId id="261" r:id="rId6"/>
+    <p:sldId id="262" r:id="rId7"/>
+    <p:sldId id="263" r:id="rId8"/>
+    <p:sldId id="260" r:id="rId9"/>
+    <p:sldId id="265" r:id="rId10"/>
+    <p:sldId id="267" r:id="rId11"/>
+    <p:sldId id="268" r:id="rId12"/>
+    <p:sldId id="269" r:id="rId13"/>
+    <p:sldId id="266" r:id="rId14"/>
+    <p:sldId id="272" r:id="rId15"/>
+    <p:sldId id="273" r:id="rId16"/>
+    <p:sldId id="274" r:id="rId17"/>
+    <p:sldId id="276" r:id="rId18"/>
+    <p:sldId id="277" r:id="rId19"/>
+    <p:sldId id="279" r:id="rId20"/>
+    <p:sldId id="280" r:id="rId21"/>
+    <p:sldId id="281" r:id="rId22"/>
+    <p:sldId id="282" r:id="rId23"/>
+    <p:sldId id="283" r:id="rId24"/>
+    <p:sldId id="284" r:id="rId25"/>
+    <p:sldId id="275" r:id="rId26"/>
+    <p:sldId id="278" r:id="rId27"/>
+    <p:sldId id="285" r:id="rId28"/>
+    <p:sldId id="286" r:id="rId29"/>
+    <p:sldId id="287" r:id="rId30"/>
   </p:sldIdLst>
   <p:sldSz cx="12192000" cy="6858000"/>
   <p:notesSz cx="6858000" cy="9144000"/>
@@ -3378,11 +3379,6 @@
               <a:rPr lang="ko-KR" altLang="en-US"/>
               <a:t>반복</a:t>
             </a:r>
-            <a:r>
-              <a:rPr lang="en-US" altLang="ko-KR"/>
-              <a:t>( loop )</a:t>
-            </a:r>
-            <a:endParaRPr lang="ko-KR" altLang="en-US"/>
           </a:p>
         </p:txBody>
       </p:sp>
@@ -3459,6 +3455,295 @@
           <a:chExt cx="0" cy="0"/>
         </a:xfrm>
       </p:grpSpPr>
+      <p:pic>
+        <p:nvPicPr>
+          <p:cNvPr id="4" name="그림 3">
+            <a:extLst>
+              <a:ext uri="{FF2B5EF4-FFF2-40B4-BE49-F238E27FC236}">
+                <a16:creationId xmlns:a16="http://schemas.microsoft.com/office/drawing/2014/main" id="{D41CA5EA-844E-48D8-A63A-9A2725AA5295}"/>
+              </a:ext>
+            </a:extLst>
+          </p:cNvPr>
+          <p:cNvPicPr>
+            <a:picLocks noChangeAspect="1"/>
+          </p:cNvPicPr>
+          <p:nvPr/>
+        </p:nvPicPr>
+        <p:blipFill>
+          <a:blip r:embed="rId2"/>
+          <a:stretch>
+            <a:fillRect/>
+          </a:stretch>
+        </p:blipFill>
+        <p:spPr>
+          <a:xfrm>
+            <a:off x="191625" y="1213330"/>
+            <a:ext cx="8134372" cy="1741563"/>
+          </a:xfrm>
+          <a:prstGeom prst="rect">
+            <a:avLst/>
+          </a:prstGeom>
+        </p:spPr>
+      </p:pic>
+      <p:sp>
+        <p:nvSpPr>
+          <p:cNvPr id="5" name="화살표: 아래쪽 4">
+            <a:extLst>
+              <a:ext uri="{FF2B5EF4-FFF2-40B4-BE49-F238E27FC236}">
+                <a16:creationId xmlns:a16="http://schemas.microsoft.com/office/drawing/2014/main" id="{4316387B-A38C-4480-9628-0A78BE688EB5}"/>
+              </a:ext>
+            </a:extLst>
+          </p:cNvPr>
+          <p:cNvSpPr/>
+          <p:nvPr/>
+        </p:nvSpPr>
+        <p:spPr>
+          <a:xfrm>
+            <a:off x="3769323" y="2954893"/>
+            <a:ext cx="861527" cy="1166327"/>
+          </a:xfrm>
+          <a:prstGeom prst="downArrow">
+            <a:avLst/>
+          </a:prstGeom>
+        </p:spPr>
+        <p:style>
+          <a:lnRef idx="2">
+            <a:schemeClr val="accent1">
+              <a:shade val="50000"/>
+            </a:schemeClr>
+          </a:lnRef>
+          <a:fillRef idx="1">
+            <a:schemeClr val="accent1"/>
+          </a:fillRef>
+          <a:effectRef idx="0">
+            <a:schemeClr val="accent1"/>
+          </a:effectRef>
+          <a:fontRef idx="minor">
+            <a:schemeClr val="lt1"/>
+          </a:fontRef>
+        </p:style>
+        <p:txBody>
+          <a:bodyPr rtlCol="0" anchor="ctr"/>
+          <a:lstStyle/>
+          <a:p>
+            <a:pPr algn="ctr"/>
+            <a:endParaRPr lang="ko-KR" altLang="en-US"/>
+          </a:p>
+        </p:txBody>
+      </p:sp>
+      <p:pic>
+        <p:nvPicPr>
+          <p:cNvPr id="9" name="그림 8">
+            <a:extLst>
+              <a:ext uri="{FF2B5EF4-FFF2-40B4-BE49-F238E27FC236}">
+                <a16:creationId xmlns:a16="http://schemas.microsoft.com/office/drawing/2014/main" id="{FB21E411-5AC1-4739-B488-6196B78807EF}"/>
+              </a:ext>
+            </a:extLst>
+          </p:cNvPr>
+          <p:cNvPicPr>
+            <a:picLocks noChangeAspect="1"/>
+          </p:cNvPicPr>
+          <p:nvPr/>
+        </p:nvPicPr>
+        <p:blipFill>
+          <a:blip r:embed="rId3"/>
+          <a:stretch>
+            <a:fillRect/>
+          </a:stretch>
+        </p:blipFill>
+        <p:spPr>
+          <a:xfrm>
+            <a:off x="191625" y="4567626"/>
+            <a:ext cx="8710569" cy="1516797"/>
+          </a:xfrm>
+          <a:prstGeom prst="rect">
+            <a:avLst/>
+          </a:prstGeom>
+        </p:spPr>
+      </p:pic>
+      <p:sp>
+        <p:nvSpPr>
+          <p:cNvPr id="10" name="TextBox 9">
+            <a:extLst>
+              <a:ext uri="{FF2B5EF4-FFF2-40B4-BE49-F238E27FC236}">
+                <a16:creationId xmlns:a16="http://schemas.microsoft.com/office/drawing/2014/main" id="{41D31D5B-F5F5-4D2C-8F54-B529B9B66A4A}"/>
+              </a:ext>
+            </a:extLst>
+          </p:cNvPr>
+          <p:cNvSpPr txBox="1"/>
+          <p:nvPr/>
+        </p:nvSpPr>
+        <p:spPr>
+          <a:xfrm>
+            <a:off x="290817" y="411061"/>
+            <a:ext cx="7285969" cy="369332"/>
+          </a:xfrm>
+          <a:prstGeom prst="rect">
+            <a:avLst/>
+          </a:prstGeom>
+          <a:noFill/>
+        </p:spPr>
+        <p:txBody>
+          <a:bodyPr wrap="none" rtlCol="0">
+            <a:spAutoFit/>
+          </a:bodyPr>
+          <a:lstStyle/>
+          <a:p>
+            <a:r>
+              <a:rPr lang="en-US" altLang="ko-KR"/>
+              <a:t>map</a:t>
+            </a:r>
+            <a:r>
+              <a:rPr lang="ko-KR" altLang="en-US"/>
+              <a:t> 은 새 배열을 리턴하지만</a:t>
+            </a:r>
+            <a:r>
+              <a:rPr lang="en-US" altLang="ko-KR"/>
+              <a:t>,</a:t>
+            </a:r>
+            <a:r>
+              <a:rPr lang="ko-KR" altLang="en-US"/>
+              <a:t> 상황에 따라 필요하지 않을 수도 있다</a:t>
+            </a:r>
+            <a:r>
+              <a:rPr lang="en-US" altLang="ko-KR"/>
+              <a:t>.</a:t>
+            </a:r>
+            <a:endParaRPr lang="ko-KR" altLang="en-US"/>
+          </a:p>
+        </p:txBody>
+      </p:sp>
+      <p:cxnSp>
+        <p:nvCxnSpPr>
+          <p:cNvPr id="12" name="직선 연결선 11">
+            <a:extLst>
+              <a:ext uri="{FF2B5EF4-FFF2-40B4-BE49-F238E27FC236}">
+                <a16:creationId xmlns:a16="http://schemas.microsoft.com/office/drawing/2014/main" id="{92481F0C-A28A-4279-AD42-09026A611CCF}"/>
+              </a:ext>
+            </a:extLst>
+          </p:cNvPr>
+          <p:cNvCxnSpPr/>
+          <p:nvPr/>
+        </p:nvCxnSpPr>
+        <p:spPr>
+          <a:xfrm>
+            <a:off x="9076888" y="0"/>
+            <a:ext cx="0" cy="6858000"/>
+          </a:xfrm>
+          <a:prstGeom prst="line">
+            <a:avLst/>
+          </a:prstGeom>
+        </p:spPr>
+        <p:style>
+          <a:lnRef idx="1">
+            <a:schemeClr val="accent1"/>
+          </a:lnRef>
+          <a:fillRef idx="0">
+            <a:schemeClr val="accent1"/>
+          </a:fillRef>
+          <a:effectRef idx="0">
+            <a:schemeClr val="accent1"/>
+          </a:effectRef>
+          <a:fontRef idx="minor">
+            <a:schemeClr val="tx1"/>
+          </a:fontRef>
+        </p:style>
+      </p:cxnSp>
+      <p:sp>
+        <p:nvSpPr>
+          <p:cNvPr id="13" name="TextBox 12">
+            <a:extLst>
+              <a:ext uri="{FF2B5EF4-FFF2-40B4-BE49-F238E27FC236}">
+                <a16:creationId xmlns:a16="http://schemas.microsoft.com/office/drawing/2014/main" id="{2AFCF97D-8316-4743-901A-4F642D580DEA}"/>
+              </a:ext>
+            </a:extLst>
+          </p:cNvPr>
+          <p:cNvSpPr txBox="1"/>
+          <p:nvPr/>
+        </p:nvSpPr>
+        <p:spPr>
+          <a:xfrm>
+            <a:off x="9582244" y="2366894"/>
+            <a:ext cx="1933543" cy="1754326"/>
+          </a:xfrm>
+          <a:prstGeom prst="rect">
+            <a:avLst/>
+          </a:prstGeom>
+          <a:noFill/>
+        </p:spPr>
+        <p:txBody>
+          <a:bodyPr wrap="none" rtlCol="0">
+            <a:spAutoFit/>
+          </a:bodyPr>
+          <a:lstStyle/>
+          <a:p>
+            <a:r>
+              <a:rPr lang="ko-KR" altLang="en-US"/>
+              <a:t>결과는 동일하다</a:t>
+            </a:r>
+            <a:r>
+              <a:rPr lang="en-US" altLang="ko-KR"/>
+              <a:t>.</a:t>
+            </a:r>
+          </a:p>
+          <a:p>
+            <a:endParaRPr lang="en-US" altLang="ko-KR"/>
+          </a:p>
+          <a:p>
+            <a:endParaRPr lang="en-US" altLang="ko-KR"/>
+          </a:p>
+          <a:p>
+            <a:r>
+              <a:rPr lang="ko-KR" altLang="en-US"/>
+              <a:t>짜장면</a:t>
+            </a:r>
+            <a:endParaRPr lang="en-US" altLang="ko-KR"/>
+          </a:p>
+          <a:p>
+            <a:r>
+              <a:rPr lang="ko-KR" altLang="en-US"/>
+              <a:t>짬뽕</a:t>
+            </a:r>
+            <a:endParaRPr lang="en-US" altLang="ko-KR"/>
+          </a:p>
+          <a:p>
+            <a:r>
+              <a:rPr lang="ko-KR" altLang="en-US"/>
+              <a:t>탕수육</a:t>
+            </a:r>
+          </a:p>
+        </p:txBody>
+      </p:sp>
+    </p:spTree>
+    <p:extLst>
+      <p:ext uri="{BB962C8B-B14F-4D97-AF65-F5344CB8AC3E}">
+        <p14:creationId xmlns:p14="http://schemas.microsoft.com/office/powerpoint/2010/main" val="788002557"/>
+      </p:ext>
+    </p:extLst>
+  </p:cSld>
+  <p:clrMapOvr>
+    <a:masterClrMapping/>
+  </p:clrMapOvr>
+</p:sld>
+</file>
+
+<file path=ppt/slides/slide11.xml><?xml version="1.0" encoding="utf-8"?>
+<p:sld xmlns:a="http://schemas.openxmlformats.org/drawingml/2006/main" xmlns:r="http://schemas.openxmlformats.org/officeDocument/2006/relationships" xmlns:p="http://schemas.openxmlformats.org/presentationml/2006/main">
+  <p:cSld>
+    <p:spTree>
+      <p:nvGrpSpPr>
+        <p:cNvPr id="1" name=""/>
+        <p:cNvGrpSpPr/>
+        <p:nvPr/>
+      </p:nvGrpSpPr>
+      <p:grpSpPr>
+        <a:xfrm>
+          <a:off x="0" y="0"/>
+          <a:ext cx="0" cy="0"/>
+          <a:chOff x="0" y="0"/>
+          <a:chExt cx="0" cy="0"/>
+        </a:xfrm>
+      </p:grpSpPr>
       <p:sp>
         <p:nvSpPr>
           <p:cNvPr id="2" name="제목 1">
@@ -3545,7 +3830,7 @@
 </p:sld>
 </file>
 
-<file path=ppt/slides/slide11.xml><?xml version="1.0" encoding="utf-8"?>
+<file path=ppt/slides/slide12.xml><?xml version="1.0" encoding="utf-8"?>
 <p:sld xmlns:a="http://schemas.openxmlformats.org/drawingml/2006/main" xmlns:r="http://schemas.openxmlformats.org/officeDocument/2006/relationships" xmlns:p="http://schemas.openxmlformats.org/presentationml/2006/main">
   <p:cSld>
     <p:spTree>
@@ -4009,367 +4294,6 @@
 </p:sld>
 </file>
 
-<file path=ppt/slides/slide12.xml><?xml version="1.0" encoding="utf-8"?>
-<p:sld xmlns:a="http://schemas.openxmlformats.org/drawingml/2006/main" xmlns:r="http://schemas.openxmlformats.org/officeDocument/2006/relationships" xmlns:p="http://schemas.openxmlformats.org/presentationml/2006/main">
-  <p:cSld>
-    <p:spTree>
-      <p:nvGrpSpPr>
-        <p:cNvPr id="1" name=""/>
-        <p:cNvGrpSpPr/>
-        <p:nvPr/>
-      </p:nvGrpSpPr>
-      <p:grpSpPr>
-        <a:xfrm>
-          <a:off x="0" y="0"/>
-          <a:ext cx="0" cy="0"/>
-          <a:chOff x="0" y="0"/>
-          <a:chExt cx="0" cy="0"/>
-        </a:xfrm>
-      </p:grpSpPr>
-      <p:sp>
-        <p:nvSpPr>
-          <p:cNvPr id="2" name="제목 1">
-            <a:extLst>
-              <a:ext uri="{FF2B5EF4-FFF2-40B4-BE49-F238E27FC236}">
-                <a16:creationId xmlns:a16="http://schemas.microsoft.com/office/drawing/2014/main" id="{7F4FFDE1-C629-4818-9230-50B0F798B4C8}"/>
-              </a:ext>
-            </a:extLst>
-          </p:cNvPr>
-          <p:cNvSpPr>
-            <a:spLocks noGrp="1"/>
-          </p:cNvSpPr>
-          <p:nvPr>
-            <p:ph type="title"/>
-          </p:nvPr>
-        </p:nvSpPr>
-        <p:spPr>
-          <a:xfrm>
-            <a:off x="838199" y="365125"/>
-            <a:ext cx="11174835" cy="1325563"/>
-          </a:xfrm>
-        </p:spPr>
-        <p:txBody>
-          <a:bodyPr/>
-          <a:lstStyle/>
-          <a:p>
-            <a:r>
-              <a:rPr lang="en-US" altLang="ko-KR"/>
-              <a:t>map(</a:t>
-            </a:r>
-            <a:r>
-              <a:rPr lang="ko-KR" altLang="en-US"/>
-              <a:t> </a:t>
-            </a:r>
-            <a:r>
-              <a:rPr lang="en-US" altLang="ko-KR"/>
-              <a:t>),</a:t>
-            </a:r>
-            <a:r>
-              <a:rPr lang="ko-KR" altLang="en-US"/>
-              <a:t> </a:t>
-            </a:r>
-            <a:r>
-              <a:rPr lang="en-US" altLang="ko-KR"/>
-              <a:t>filter(</a:t>
-            </a:r>
-            <a:r>
-              <a:rPr lang="ko-KR" altLang="en-US"/>
-              <a:t> </a:t>
-            </a:r>
-            <a:r>
-              <a:rPr lang="en-US" altLang="ko-KR"/>
-              <a:t>)</a:t>
-            </a:r>
-            <a:r>
-              <a:rPr lang="ko-KR" altLang="en-US"/>
-              <a:t> </a:t>
-            </a:r>
-            <a:r>
-              <a:rPr lang="en-US" altLang="ko-KR"/>
-              <a:t>	vs</a:t>
-            </a:r>
-            <a:r>
-              <a:rPr lang="ko-KR" altLang="en-US"/>
-              <a:t> </a:t>
-            </a:r>
-            <a:r>
-              <a:rPr lang="en-US" altLang="ko-KR"/>
-              <a:t>		for, while loop</a:t>
-            </a:r>
-            <a:endParaRPr lang="ko-KR" altLang="en-US"/>
-          </a:p>
-        </p:txBody>
-      </p:sp>
-      <p:sp>
-        <p:nvSpPr>
-          <p:cNvPr id="3" name="내용 개체 틀 2">
-            <a:extLst>
-              <a:ext uri="{FF2B5EF4-FFF2-40B4-BE49-F238E27FC236}">
-                <a16:creationId xmlns:a16="http://schemas.microsoft.com/office/drawing/2014/main" id="{14F864FB-4F71-458C-8E7F-5B8AC5A6AA84}"/>
-              </a:ext>
-            </a:extLst>
-          </p:cNvPr>
-          <p:cNvSpPr>
-            <a:spLocks noGrp="1"/>
-          </p:cNvSpPr>
-          <p:nvPr>
-            <p:ph idx="1"/>
-          </p:nvPr>
-        </p:nvSpPr>
-        <p:spPr/>
-        <p:txBody>
-          <a:bodyPr>
-            <a:normAutofit lnSpcReduction="10000"/>
-          </a:bodyPr>
-          <a:lstStyle/>
-          <a:p>
-            <a:r>
-              <a:rPr lang="ko-KR" altLang="en-US"/>
-              <a:t>성능은 별 차이없다</a:t>
-            </a:r>
-            <a:r>
-              <a:rPr lang="en-US" altLang="ko-KR"/>
-              <a:t>.</a:t>
-            </a:r>
-          </a:p>
-          <a:p>
-            <a:r>
-              <a:rPr lang="en-US" altLang="ko-KR"/>
-              <a:t>map(), filter() </a:t>
-            </a:r>
-            <a:r>
-              <a:rPr lang="ko-KR" altLang="en-US"/>
-              <a:t>가 더 좋은 이유</a:t>
-            </a:r>
-            <a:endParaRPr lang="en-US" altLang="ko-KR"/>
-          </a:p>
-          <a:p>
-            <a:pPr lvl="1"/>
-            <a:r>
-              <a:rPr lang="ko-KR" altLang="en-US"/>
-              <a:t>시작조건</a:t>
-            </a:r>
-            <a:r>
-              <a:rPr lang="en-US" altLang="ko-KR"/>
-              <a:t>,</a:t>
-            </a:r>
-            <a:r>
-              <a:rPr lang="ko-KR" altLang="en-US"/>
-              <a:t> 종료조건</a:t>
-            </a:r>
-            <a:r>
-              <a:rPr lang="en-US" altLang="ko-KR"/>
-              <a:t>, </a:t>
-            </a:r>
-            <a:r>
-              <a:rPr lang="ko-KR" altLang="en-US"/>
-              <a:t>증감식등을 생각하지 않아도 됨</a:t>
-            </a:r>
-            <a:endParaRPr lang="en-US" altLang="ko-KR"/>
-          </a:p>
-          <a:p>
-            <a:pPr lvl="1"/>
-            <a:r>
-              <a:rPr lang="ko-KR" altLang="en-US"/>
-              <a:t>원래 데이터의 불변성</a:t>
-            </a:r>
-            <a:r>
-              <a:rPr lang="en-US" altLang="ko-KR"/>
-              <a:t>(immutability) </a:t>
-            </a:r>
-            <a:r>
-              <a:rPr lang="ko-KR" altLang="en-US"/>
-              <a:t>보장</a:t>
-            </a:r>
-            <a:endParaRPr lang="en-US" altLang="ko-KR"/>
-          </a:p>
-          <a:p>
-            <a:pPr lvl="1"/>
-            <a:r>
-              <a:rPr lang="ko-KR" altLang="en-US"/>
-              <a:t>반복을 사용하기 위한 훨씬 더 깔끔한 코드 </a:t>
-            </a:r>
-            <a:r>
-              <a:rPr lang="en-US" altLang="ko-KR"/>
-              <a:t>-&gt; </a:t>
-            </a:r>
-            <a:r>
-              <a:rPr lang="ko-KR" altLang="en-US"/>
-              <a:t>읽기 쉬움</a:t>
-            </a:r>
-            <a:endParaRPr lang="en-US" altLang="ko-KR"/>
-          </a:p>
-          <a:p>
-            <a:pPr lvl="1"/>
-            <a:r>
-              <a:rPr lang="en-US" altLang="ko-KR"/>
-              <a:t>JavaScript</a:t>
-            </a:r>
-            <a:r>
-              <a:rPr lang="ko-KR" altLang="en-US"/>
-              <a:t> 에서 </a:t>
-            </a:r>
-            <a:r>
-              <a:rPr lang="en-US" altLang="ko-KR"/>
-              <a:t>99% </a:t>
-            </a:r>
-            <a:r>
-              <a:rPr lang="ko-KR" altLang="en-US"/>
-              <a:t>의 반복작업은</a:t>
-            </a:r>
-            <a:r>
-              <a:rPr lang="en-US" altLang="ko-KR"/>
-              <a:t>, </a:t>
-            </a:r>
-            <a:r>
-              <a:rPr lang="ko-KR" altLang="en-US"/>
-              <a:t>서버로부터 받는 데이터 처리</a:t>
-            </a:r>
-            <a:endParaRPr lang="en-US" altLang="ko-KR"/>
-          </a:p>
-          <a:p>
-            <a:pPr lvl="2"/>
-            <a:r>
-              <a:rPr lang="ko-KR" altLang="en-US"/>
-              <a:t>즉</a:t>
-            </a:r>
-            <a:r>
-              <a:rPr lang="en-US" altLang="ko-KR"/>
-              <a:t>, </a:t>
-            </a:r>
-            <a:r>
-              <a:rPr lang="ko-KR" altLang="en-US"/>
-              <a:t>서버로부터 데이터를 배열로만 받으면 </a:t>
-            </a:r>
-            <a:r>
-              <a:rPr lang="en-US" altLang="ko-KR"/>
-              <a:t>for</a:t>
-            </a:r>
-            <a:r>
-              <a:rPr lang="ko-KR" altLang="en-US"/>
-              <a:t>와 </a:t>
-            </a:r>
-            <a:r>
-              <a:rPr lang="en-US" altLang="ko-KR"/>
-              <a:t>while </a:t>
-            </a:r>
-            <a:r>
-              <a:rPr lang="ko-KR" altLang="en-US"/>
-              <a:t>보다 훨씬 유리하게 작업 </a:t>
-            </a:r>
-            <a:endParaRPr lang="en-US" altLang="ko-KR"/>
-          </a:p>
-          <a:p>
-            <a:r>
-              <a:rPr lang="ko-KR" altLang="en-US"/>
-              <a:t>그러나</a:t>
-            </a:r>
-            <a:r>
-              <a:rPr lang="en-US" altLang="ko-KR"/>
-              <a:t>, map( ) </a:t>
-            </a:r>
-            <a:r>
-              <a:rPr lang="ko-KR" altLang="en-US"/>
-              <a:t>과 </a:t>
-            </a:r>
-            <a:r>
-              <a:rPr lang="en-US" altLang="ko-KR"/>
-              <a:t>filter( ) </a:t>
-            </a:r>
-            <a:r>
-              <a:rPr lang="ko-KR" altLang="en-US"/>
-              <a:t>는 배열이 존재해야만 사용가능</a:t>
-            </a:r>
-            <a:endParaRPr lang="en-US" altLang="ko-KR"/>
-          </a:p>
-          <a:p>
-            <a:pPr lvl="1"/>
-            <a:r>
-              <a:rPr lang="ko-KR" altLang="en-US"/>
-              <a:t>배열 이외의 연산에선 기존 반복문이 낫다</a:t>
-            </a:r>
-            <a:r>
-              <a:rPr lang="en-US" altLang="ko-KR"/>
-              <a:t>. (</a:t>
-            </a:r>
-            <a:r>
-              <a:rPr lang="ko-KR" altLang="en-US"/>
-              <a:t>구구단</a:t>
-            </a:r>
-            <a:r>
-              <a:rPr lang="en-US" altLang="ko-KR"/>
-              <a:t>, </a:t>
-            </a:r>
-            <a:r>
-              <a:rPr lang="ko-KR" altLang="en-US"/>
-              <a:t>별찍기 등등</a:t>
-            </a:r>
-            <a:r>
-              <a:rPr lang="en-US" altLang="ko-KR"/>
-              <a:t>)</a:t>
-            </a:r>
-          </a:p>
-          <a:p>
-            <a:pPr lvl="1"/>
-            <a:r>
-              <a:rPr lang="ko-KR" altLang="en-US"/>
-              <a:t>조금 있다가 배울 </a:t>
-            </a:r>
-            <a:r>
-              <a:rPr lang="en-US" altLang="ko-KR"/>
-              <a:t>querySelectorAll() </a:t>
-            </a:r>
-            <a:r>
-              <a:rPr lang="ko-KR" altLang="en-US"/>
-              <a:t>에서도 </a:t>
-            </a:r>
-            <a:r>
-              <a:rPr lang="en-US" altLang="ko-KR"/>
-              <a:t>map</a:t>
-            </a:r>
-            <a:r>
-              <a:rPr lang="ko-KR" altLang="en-US"/>
-              <a:t>을 쓰기 힘들다</a:t>
-            </a:r>
-            <a:r>
-              <a:rPr lang="en-US" altLang="ko-KR"/>
-              <a:t>.</a:t>
-            </a:r>
-          </a:p>
-          <a:p>
-            <a:r>
-              <a:rPr lang="en-US" altLang="ko-KR"/>
-              <a:t>reduce() </a:t>
-            </a:r>
-            <a:r>
-              <a:rPr lang="ko-KR" altLang="en-US"/>
-              <a:t>도</a:t>
-            </a:r>
-            <a:r>
-              <a:rPr lang="en-US" altLang="ko-KR"/>
-              <a:t> </a:t>
-            </a:r>
-            <a:r>
-              <a:rPr lang="ko-KR" altLang="en-US"/>
-              <a:t>배워보길 추천</a:t>
-            </a:r>
-            <a:endParaRPr lang="en-US" altLang="ko-KR"/>
-          </a:p>
-        </p:txBody>
-      </p:sp>
-    </p:spTree>
-    <p:extLst>
-      <p:ext uri="{BB962C8B-B14F-4D97-AF65-F5344CB8AC3E}">
-        <p14:creationId xmlns:p14="http://schemas.microsoft.com/office/powerpoint/2010/main" val="2648039515"/>
-      </p:ext>
-    </p:extLst>
-  </p:cSld>
-  <p:clrMapOvr>
-    <a:masterClrMapping/>
-  </p:clrMapOvr>
-</p:sld>
-</file>
-
 <file path=ppt/slides/slide13.xml><?xml version="1.0" encoding="utf-8"?>
 <p:sld xmlns:a="http://schemas.openxmlformats.org/drawingml/2006/main" xmlns:r="http://schemas.openxmlformats.org/officeDocument/2006/relationships" xmlns:p="http://schemas.openxmlformats.org/presentationml/2006/main">
   <p:cSld>
@@ -4392,7 +4316,7 @@
           <p:cNvPr id="2" name="제목 1">
             <a:extLst>
               <a:ext uri="{FF2B5EF4-FFF2-40B4-BE49-F238E27FC236}">
-                <a16:creationId xmlns:a16="http://schemas.microsoft.com/office/drawing/2014/main" id="{1AB84142-CBBD-46DD-987E-C95A8AA90AC3}"/>
+                <a16:creationId xmlns:a16="http://schemas.microsoft.com/office/drawing/2014/main" id="{7F4FFDE1-C629-4818-9230-50B0F798B4C8}"/>
               </a:ext>
             </a:extLst>
           </p:cNvPr>
@@ -4400,17 +4324,211 @@
             <a:spLocks noGrp="1"/>
           </p:cNvSpPr>
           <p:nvPr>
-            <p:ph type="ctrTitle"/>
+            <p:ph type="title"/>
           </p:nvPr>
         </p:nvSpPr>
+        <p:spPr>
+          <a:xfrm>
+            <a:off x="838199" y="365125"/>
+            <a:ext cx="11174835" cy="1325563"/>
+          </a:xfrm>
+        </p:spPr>
+        <p:txBody>
+          <a:bodyPr/>
+          <a:lstStyle/>
+          <a:p>
+            <a:r>
+              <a:rPr lang="en-US" altLang="ko-KR"/>
+              <a:t>map(</a:t>
+            </a:r>
+            <a:r>
+              <a:rPr lang="ko-KR" altLang="en-US"/>
+              <a:t> </a:t>
+            </a:r>
+            <a:r>
+              <a:rPr lang="en-US" altLang="ko-KR"/>
+              <a:t>),</a:t>
+            </a:r>
+            <a:r>
+              <a:rPr lang="ko-KR" altLang="en-US"/>
+              <a:t> </a:t>
+            </a:r>
+            <a:r>
+              <a:rPr lang="en-US" altLang="ko-KR"/>
+              <a:t>filter(</a:t>
+            </a:r>
+            <a:r>
+              <a:rPr lang="ko-KR" altLang="en-US"/>
+              <a:t> </a:t>
+            </a:r>
+            <a:r>
+              <a:rPr lang="en-US" altLang="ko-KR"/>
+              <a:t>)</a:t>
+            </a:r>
+            <a:r>
+              <a:rPr lang="ko-KR" altLang="en-US"/>
+              <a:t> </a:t>
+            </a:r>
+            <a:r>
+              <a:rPr lang="en-US" altLang="ko-KR"/>
+              <a:t>	vs</a:t>
+            </a:r>
+            <a:r>
+              <a:rPr lang="ko-KR" altLang="en-US"/>
+              <a:t> </a:t>
+            </a:r>
+            <a:r>
+              <a:rPr lang="en-US" altLang="ko-KR"/>
+              <a:t>		for, while loop</a:t>
+            </a:r>
+            <a:endParaRPr lang="ko-KR" altLang="en-US"/>
+          </a:p>
+        </p:txBody>
+      </p:sp>
+      <p:sp>
+        <p:nvSpPr>
+          <p:cNvPr id="3" name="내용 개체 틀 2">
+            <a:extLst>
+              <a:ext uri="{FF2B5EF4-FFF2-40B4-BE49-F238E27FC236}">
+                <a16:creationId xmlns:a16="http://schemas.microsoft.com/office/drawing/2014/main" id="{14F864FB-4F71-458C-8E7F-5B8AC5A6AA84}"/>
+              </a:ext>
+            </a:extLst>
+          </p:cNvPr>
+          <p:cNvSpPr>
+            <a:spLocks noGrp="1"/>
+          </p:cNvSpPr>
+          <p:nvPr>
+            <p:ph idx="1"/>
+          </p:nvPr>
+        </p:nvSpPr>
         <p:spPr/>
         <p:txBody>
-          <a:bodyPr/>
-          <a:lstStyle/>
-          <a:p>
-            <a:r>
-              <a:rPr lang="en-US" altLang="ko-KR"/>
-              <a:t>event </a:t>
+          <a:bodyPr>
+            <a:normAutofit lnSpcReduction="10000"/>
+          </a:bodyPr>
+          <a:lstStyle/>
+          <a:p>
+            <a:r>
+              <a:rPr lang="ko-KR" altLang="en-US"/>
+              <a:t>성능은 별 차이없다</a:t>
+            </a:r>
+            <a:r>
+              <a:rPr lang="en-US" altLang="ko-KR"/>
+              <a:t>.</a:t>
+            </a:r>
+          </a:p>
+          <a:p>
+            <a:r>
+              <a:rPr lang="en-US" altLang="ko-KR"/>
+              <a:t>map(), filter() </a:t>
+            </a:r>
+            <a:r>
+              <a:rPr lang="ko-KR" altLang="en-US"/>
+              <a:t>가 더 좋은 이유</a:t>
+            </a:r>
+            <a:endParaRPr lang="en-US" altLang="ko-KR"/>
+          </a:p>
+          <a:p>
+            <a:pPr lvl="1"/>
+            <a:r>
+              <a:rPr lang="ko-KR" altLang="en-US"/>
+              <a:t>시작조건</a:t>
+            </a:r>
+            <a:r>
+              <a:rPr lang="en-US" altLang="ko-KR"/>
+              <a:t>,</a:t>
+            </a:r>
+            <a:r>
+              <a:rPr lang="ko-KR" altLang="en-US"/>
+              <a:t> 종료조건</a:t>
+            </a:r>
+            <a:r>
+              <a:rPr lang="en-US" altLang="ko-KR"/>
+              <a:t>, </a:t>
+            </a:r>
+            <a:r>
+              <a:rPr lang="ko-KR" altLang="en-US"/>
+              <a:t>증감식등을 생각하지 않아도 됨</a:t>
+            </a:r>
+            <a:endParaRPr lang="en-US" altLang="ko-KR"/>
+          </a:p>
+          <a:p>
+            <a:pPr lvl="1"/>
+            <a:r>
+              <a:rPr lang="ko-KR" altLang="en-US"/>
+              <a:t>원래 데이터의 불변성</a:t>
+            </a:r>
+            <a:r>
+              <a:rPr lang="en-US" altLang="ko-KR"/>
+              <a:t>(immutability) </a:t>
+            </a:r>
+            <a:r>
+              <a:rPr lang="ko-KR" altLang="en-US"/>
+              <a:t>보장</a:t>
+            </a:r>
+            <a:endParaRPr lang="en-US" altLang="ko-KR"/>
+          </a:p>
+          <a:p>
+            <a:pPr lvl="1"/>
+            <a:r>
+              <a:rPr lang="ko-KR" altLang="en-US"/>
+              <a:t>반복을 사용하기 위한 훨씬 더 깔끔한 코드 </a:t>
+            </a:r>
+            <a:r>
+              <a:rPr lang="en-US" altLang="ko-KR"/>
+              <a:t>-&gt; </a:t>
+            </a:r>
+            <a:r>
+              <a:rPr lang="ko-KR" altLang="en-US"/>
+              <a:t>읽기 쉬움</a:t>
+            </a:r>
+            <a:endParaRPr lang="en-US" altLang="ko-KR"/>
+          </a:p>
+          <a:p>
+            <a:pPr lvl="1"/>
+            <a:r>
+              <a:rPr lang="en-US" altLang="ko-KR"/>
+              <a:t>JavaScript</a:t>
+            </a:r>
+            <a:r>
+              <a:rPr lang="ko-KR" altLang="en-US"/>
+              <a:t> 에서 </a:t>
+            </a:r>
+            <a:r>
+              <a:rPr lang="en-US" altLang="ko-KR"/>
+              <a:t>99% </a:t>
+            </a:r>
+            <a:r>
+              <a:rPr lang="ko-KR" altLang="en-US"/>
+              <a:t>의 반복작업은</a:t>
+            </a:r>
+            <a:r>
+              <a:rPr lang="en-US" altLang="ko-KR"/>
+              <a:t>, </a:t>
+            </a:r>
+            <a:r>
+              <a:rPr lang="ko-KR" altLang="en-US"/>
+              <a:t>서버로부터 받는 데이터 처리</a:t>
+            </a:r>
+            <a:endParaRPr lang="en-US" altLang="ko-KR"/>
+          </a:p>
+          <a:p>
+            <a:pPr lvl="2"/>
+            <a:r>
+              <a:rPr lang="ko-KR" altLang="en-US"/>
+              <a:t>즉</a:t>
+            </a:r>
+            <a:r>
+              <a:rPr lang="en-US" altLang="ko-KR"/>
+              <a:t>, </a:t>
+            </a:r>
+            <a:r>
+              <a:rPr lang="ko-KR" altLang="en-US"/>
+              <a:t>서버로부터 데이터를 배열로만 받으면 </a:t>
+            </a:r>
+            <a:r>
+              <a:rPr lang="en-US" altLang="ko-KR"/>
+              <a:t>for</a:t>
             </a:r>
             <a:r>
               <a:rPr lang="ko-KR" altLang="en-US"/>
@@ -4418,19 +4536,116 @@
             </a:r>
             <a:r>
               <a:rPr lang="en-US" altLang="ko-KR"/>
-              <a:t>DOM </a:t>
-            </a:r>
-            <a:r>
-              <a:rPr lang="ko-KR" altLang="en-US"/>
-              <a:t>조작</a:t>
-            </a:r>
+              <a:t>while </a:t>
+            </a:r>
+            <a:r>
+              <a:rPr lang="ko-KR" altLang="en-US"/>
+              <a:t>보다 훨씬 유리하게 작업 </a:t>
+            </a:r>
+            <a:endParaRPr lang="en-US" altLang="ko-KR"/>
+          </a:p>
+          <a:p>
+            <a:r>
+              <a:rPr lang="ko-KR" altLang="en-US"/>
+              <a:t>그러나</a:t>
+            </a:r>
+            <a:r>
+              <a:rPr lang="en-US" altLang="ko-KR"/>
+              <a:t>, map( ) </a:t>
+            </a:r>
+            <a:r>
+              <a:rPr lang="ko-KR" altLang="en-US"/>
+              <a:t>과 </a:t>
+            </a:r>
+            <a:r>
+              <a:rPr lang="en-US" altLang="ko-KR"/>
+              <a:t>filter( ) </a:t>
+            </a:r>
+            <a:r>
+              <a:rPr lang="ko-KR" altLang="en-US"/>
+              <a:t>는 배열이 존재해야만 사용가능</a:t>
+            </a:r>
+            <a:endParaRPr lang="en-US" altLang="ko-KR"/>
+          </a:p>
+          <a:p>
+            <a:pPr lvl="1"/>
+            <a:r>
+              <a:rPr lang="ko-KR" altLang="en-US"/>
+              <a:t>배열 이외의 연산에선 기존 반복문이 낫다</a:t>
+            </a:r>
+            <a:r>
+              <a:rPr lang="en-US" altLang="ko-KR"/>
+              <a:t>. (</a:t>
+            </a:r>
+            <a:r>
+              <a:rPr lang="ko-KR" altLang="en-US"/>
+              <a:t>구구단</a:t>
+            </a:r>
+            <a:r>
+              <a:rPr lang="en-US" altLang="ko-KR"/>
+              <a:t>, </a:t>
+            </a:r>
+            <a:r>
+              <a:rPr lang="ko-KR" altLang="en-US"/>
+              <a:t>별찍기 등등</a:t>
+            </a:r>
+            <a:r>
+              <a:rPr lang="en-US" altLang="ko-KR"/>
+              <a:t>)</a:t>
+            </a:r>
+          </a:p>
+          <a:p>
+            <a:pPr lvl="1"/>
+            <a:r>
+              <a:rPr lang="ko-KR" altLang="en-US"/>
+              <a:t>조금 있다가 배울 </a:t>
+            </a:r>
+            <a:r>
+              <a:rPr lang="en-US" altLang="ko-KR"/>
+              <a:t>querySelectorAll() </a:t>
+            </a:r>
+            <a:r>
+              <a:rPr lang="ko-KR" altLang="en-US"/>
+              <a:t>에서도 </a:t>
+            </a:r>
+            <a:r>
+              <a:rPr lang="en-US" altLang="ko-KR"/>
+              <a:t>map</a:t>
+            </a:r>
+            <a:r>
+              <a:rPr lang="ko-KR" altLang="en-US"/>
+              <a:t>을 쓰기 힘들다</a:t>
+            </a:r>
+            <a:r>
+              <a:rPr lang="en-US" altLang="ko-KR"/>
+              <a:t>.</a:t>
+            </a:r>
+          </a:p>
+          <a:p>
+            <a:r>
+              <a:rPr lang="en-US" altLang="ko-KR"/>
+              <a:t>reduce() </a:t>
+            </a:r>
+            <a:r>
+              <a:rPr lang="ko-KR" altLang="en-US"/>
+              <a:t>도</a:t>
+            </a:r>
+            <a:r>
+              <a:rPr lang="en-US" altLang="ko-KR"/>
+              <a:t> </a:t>
+            </a:r>
+            <a:r>
+              <a:rPr lang="ko-KR" altLang="en-US"/>
+              <a:t>배워보길 추천</a:t>
+            </a:r>
+            <a:endParaRPr lang="en-US" altLang="ko-KR"/>
           </a:p>
         </p:txBody>
       </p:sp>
     </p:spTree>
     <p:extLst>
       <p:ext uri="{BB962C8B-B14F-4D97-AF65-F5344CB8AC3E}">
-        <p14:creationId xmlns:p14="http://schemas.microsoft.com/office/powerpoint/2010/main" val="2511106675"/>
+        <p14:creationId xmlns:p14="http://schemas.microsoft.com/office/powerpoint/2010/main" val="2648039515"/>
       </p:ext>
     </p:extLst>
   </p:cSld>
@@ -4462,7 +4677,7 @@
           <p:cNvPr id="2" name="제목 1">
             <a:extLst>
               <a:ext uri="{FF2B5EF4-FFF2-40B4-BE49-F238E27FC236}">
-                <a16:creationId xmlns:a16="http://schemas.microsoft.com/office/drawing/2014/main" id="{4B4B586B-AE2D-451C-8A58-99F1C804B357}"/>
+                <a16:creationId xmlns:a16="http://schemas.microsoft.com/office/drawing/2014/main" id="{1AB84142-CBBD-46DD-987E-C95A8AA90AC3}"/>
               </a:ext>
             </a:extLst>
           </p:cNvPr>
@@ -4470,99 +4685,29 @@
             <a:spLocks noGrp="1"/>
           </p:cNvSpPr>
           <p:nvPr>
-            <p:ph type="title"/>
+            <p:ph type="ctrTitle"/>
           </p:nvPr>
         </p:nvSpPr>
-        <p:spPr>
-          <a:xfrm>
-            <a:off x="838200" y="365125"/>
-            <a:ext cx="10515600" cy="1325563"/>
-          </a:xfrm>
-        </p:spPr>
-        <p:txBody>
-          <a:bodyPr>
-            <a:normAutofit/>
-          </a:bodyPr>
-          <a:lstStyle/>
-          <a:p>
-            <a:r>
-              <a:rPr lang="en-US" altLang="ko-KR" sz="3600"/>
-              <a:t>JavaScript </a:t>
-            </a:r>
-            <a:r>
-              <a:rPr lang="ko-KR" altLang="en-US" sz="3600"/>
-              <a:t>는 브라우저를 </a:t>
-            </a:r>
-            <a:r>
-              <a:rPr lang="en-US" altLang="ko-KR" sz="3600"/>
-              <a:t>“</a:t>
-            </a:r>
-            <a:r>
-              <a:rPr lang="ko-KR" altLang="en-US" sz="3600"/>
+        <p:spPr/>
+        <p:txBody>
+          <a:bodyPr/>
+          <a:lstStyle/>
+          <a:p>
+            <a:r>
+              <a:rPr lang="en-US" altLang="ko-KR"/>
+              <a:t>event </a:t>
+            </a:r>
+            <a:r>
+              <a:rPr lang="ko-KR" altLang="en-US"/>
+              <a:t>와 </a:t>
+            </a:r>
+            <a:r>
+              <a:rPr lang="en-US" altLang="ko-KR"/>
+              <a:t>DOM </a:t>
+            </a:r>
+            <a:r>
+              <a:rPr lang="ko-KR" altLang="en-US"/>
               <a:t>조작</a:t>
-            </a:r>
-            <a:r>
-              <a:rPr lang="en-US" altLang="ko-KR" sz="3600"/>
-              <a:t>”</a:t>
-            </a:r>
-            <a:r>
-              <a:rPr lang="ko-KR" altLang="en-US" sz="3600"/>
-              <a:t>하기 위한 언어</a:t>
-            </a:r>
-          </a:p>
-        </p:txBody>
-      </p:sp>
-      <p:sp>
-        <p:nvSpPr>
-          <p:cNvPr id="3" name="내용 개체 틀 2">
-            <a:extLst>
-              <a:ext uri="{FF2B5EF4-FFF2-40B4-BE49-F238E27FC236}">
-                <a16:creationId xmlns:a16="http://schemas.microsoft.com/office/drawing/2014/main" id="{98C1996C-9214-4297-A21B-5F7870A577A0}"/>
-              </a:ext>
-            </a:extLst>
-          </p:cNvPr>
-          <p:cNvSpPr>
-            <a:spLocks noGrp="1"/>
-          </p:cNvSpPr>
-          <p:nvPr>
-            <p:ph idx="1"/>
-          </p:nvPr>
-        </p:nvSpPr>
-        <p:spPr/>
-        <p:txBody>
-          <a:bodyPr/>
-          <a:lstStyle/>
-          <a:p>
-            <a:r>
-              <a:rPr lang="ko-KR" altLang="en-US"/>
-              <a:t>요즘 기준에선 틀린말이다</a:t>
-            </a:r>
-            <a:r>
-              <a:rPr lang="en-US" altLang="ko-KR"/>
-              <a:t>.   node.js </a:t>
-            </a:r>
-            <a:r>
-              <a:rPr lang="ko-KR" altLang="en-US"/>
-              <a:t>탄생 이후 브라우저 바깥에서도 쓰이기 때문</a:t>
-            </a:r>
-            <a:endParaRPr lang="en-US" altLang="ko-KR"/>
-          </a:p>
-          <a:p>
-            <a:r>
-              <a:rPr lang="ko-KR" altLang="en-US"/>
-              <a:t>그러나</a:t>
-            </a:r>
-            <a:r>
-              <a:rPr lang="en-US" altLang="ko-KR"/>
-              <a:t>, JavaScript </a:t>
-            </a:r>
-            <a:r>
-              <a:rPr lang="ko-KR" altLang="en-US"/>
-              <a:t>는 브라우저 조작을 위해 태어난 언어다</a:t>
-            </a:r>
-            <a:r>
-              <a:rPr lang="en-US" altLang="ko-KR"/>
-              <a:t>.</a:t>
             </a:r>
           </a:p>
         </p:txBody>
@@ -4570,7 +4715,7 @@
     </p:spTree>
     <p:extLst>
       <p:ext uri="{BB962C8B-B14F-4D97-AF65-F5344CB8AC3E}">
-        <p14:creationId xmlns:p14="http://schemas.microsoft.com/office/powerpoint/2010/main" val="2519967476"/>
+        <p14:creationId xmlns:p14="http://schemas.microsoft.com/office/powerpoint/2010/main" val="2511106675"/>
       </p:ext>
     </p:extLst>
   </p:cSld>
@@ -4602,6 +4747,149 @@
           <p:cNvPr id="2" name="제목 1">
             <a:extLst>
               <a:ext uri="{FF2B5EF4-FFF2-40B4-BE49-F238E27FC236}">
+                <a16:creationId xmlns:a16="http://schemas.microsoft.com/office/drawing/2014/main" id="{4B4B586B-AE2D-451C-8A58-99F1C804B357}"/>
+              </a:ext>
+            </a:extLst>
+          </p:cNvPr>
+          <p:cNvSpPr>
+            <a:spLocks noGrp="1"/>
+          </p:cNvSpPr>
+          <p:nvPr>
+            <p:ph type="title"/>
+          </p:nvPr>
+        </p:nvSpPr>
+        <p:spPr>
+          <a:xfrm>
+            <a:off x="838200" y="365125"/>
+            <a:ext cx="10515600" cy="1325563"/>
+          </a:xfrm>
+        </p:spPr>
+        <p:txBody>
+          <a:bodyPr>
+            <a:normAutofit/>
+          </a:bodyPr>
+          <a:lstStyle/>
+          <a:p>
+            <a:r>
+              <a:rPr lang="en-US" altLang="ko-KR" sz="3600"/>
+              <a:t>JavaScript </a:t>
+            </a:r>
+            <a:r>
+              <a:rPr lang="ko-KR" altLang="en-US" sz="3600"/>
+              <a:t>는 브라우저를 </a:t>
+            </a:r>
+            <a:r>
+              <a:rPr lang="en-US" altLang="ko-KR" sz="3600"/>
+              <a:t>“</a:t>
+            </a:r>
+            <a:r>
+              <a:rPr lang="ko-KR" altLang="en-US" sz="3600"/>
+              <a:t>조작</a:t>
+            </a:r>
+            <a:r>
+              <a:rPr lang="en-US" altLang="ko-KR" sz="3600"/>
+              <a:t>”</a:t>
+            </a:r>
+            <a:r>
+              <a:rPr lang="ko-KR" altLang="en-US" sz="3600"/>
+              <a:t>하기 위한 언어</a:t>
+            </a:r>
+          </a:p>
+        </p:txBody>
+      </p:sp>
+      <p:sp>
+        <p:nvSpPr>
+          <p:cNvPr id="3" name="내용 개체 틀 2">
+            <a:extLst>
+              <a:ext uri="{FF2B5EF4-FFF2-40B4-BE49-F238E27FC236}">
+                <a16:creationId xmlns:a16="http://schemas.microsoft.com/office/drawing/2014/main" id="{98C1996C-9214-4297-A21B-5F7870A577A0}"/>
+              </a:ext>
+            </a:extLst>
+          </p:cNvPr>
+          <p:cNvSpPr>
+            <a:spLocks noGrp="1"/>
+          </p:cNvSpPr>
+          <p:nvPr>
+            <p:ph idx="1"/>
+          </p:nvPr>
+        </p:nvSpPr>
+        <p:spPr/>
+        <p:txBody>
+          <a:bodyPr/>
+          <a:lstStyle/>
+          <a:p>
+            <a:r>
+              <a:rPr lang="ko-KR" altLang="en-US"/>
+              <a:t>요즘 기준에선 틀린말이다</a:t>
+            </a:r>
+            <a:r>
+              <a:rPr lang="en-US" altLang="ko-KR"/>
+              <a:t>.   node.js </a:t>
+            </a:r>
+            <a:r>
+              <a:rPr lang="ko-KR" altLang="en-US"/>
+              <a:t>탄생 이후 브라우저 바깥에서도 쓰이기 때문</a:t>
+            </a:r>
+            <a:r>
+              <a:rPr lang="en-US" altLang="ko-KR"/>
+              <a:t>	ex) vscode</a:t>
+            </a:r>
+          </a:p>
+          <a:p>
+            <a:r>
+              <a:rPr lang="ko-KR" altLang="en-US"/>
+              <a:t>그러나</a:t>
+            </a:r>
+            <a:r>
+              <a:rPr lang="en-US" altLang="ko-KR"/>
+              <a:t>, JavaScript </a:t>
+            </a:r>
+            <a:r>
+              <a:rPr lang="ko-KR" altLang="en-US"/>
+              <a:t>는 브라우저 조작을 위해 태어난 언어다</a:t>
+            </a:r>
+            <a:r>
+              <a:rPr lang="en-US" altLang="ko-KR"/>
+              <a:t>.</a:t>
+            </a:r>
+          </a:p>
+        </p:txBody>
+      </p:sp>
+    </p:spTree>
+    <p:extLst>
+      <p:ext uri="{BB962C8B-B14F-4D97-AF65-F5344CB8AC3E}">
+        <p14:creationId xmlns:p14="http://schemas.microsoft.com/office/powerpoint/2010/main" val="2519967476"/>
+      </p:ext>
+    </p:extLst>
+  </p:cSld>
+  <p:clrMapOvr>
+    <a:masterClrMapping/>
+  </p:clrMapOvr>
+</p:sld>
+</file>
+
+<file path=ppt/slides/slide16.xml><?xml version="1.0" encoding="utf-8"?>
+<p:sld xmlns:a="http://schemas.openxmlformats.org/drawingml/2006/main" xmlns:r="http://schemas.openxmlformats.org/officeDocument/2006/relationships" xmlns:p="http://schemas.openxmlformats.org/presentationml/2006/main">
+  <p:cSld>
+    <p:spTree>
+      <p:nvGrpSpPr>
+        <p:cNvPr id="1" name=""/>
+        <p:cNvGrpSpPr/>
+        <p:nvPr/>
+      </p:nvGrpSpPr>
+      <p:grpSpPr>
+        <a:xfrm>
+          <a:off x="0" y="0"/>
+          <a:ext cx="0" cy="0"/>
+          <a:chOff x="0" y="0"/>
+          <a:chExt cx="0" cy="0"/>
+        </a:xfrm>
+      </p:grpSpPr>
+      <p:sp>
+        <p:nvSpPr>
+          <p:cNvPr id="2" name="제목 1">
+            <a:extLst>
+              <a:ext uri="{FF2B5EF4-FFF2-40B4-BE49-F238E27FC236}">
                 <a16:creationId xmlns:a16="http://schemas.microsoft.com/office/drawing/2014/main" id="{11E06F2D-382E-450D-AF18-42117F3B0095}"/>
               </a:ext>
             </a:extLst>
@@ -4837,7 +5125,7 @@
 </p:sld>
 </file>
 
-<file path=ppt/slides/slide16.xml><?xml version="1.0" encoding="utf-8"?>
+<file path=ppt/slides/slide17.xml><?xml version="1.0" encoding="utf-8"?>
 <p:sld xmlns:a="http://schemas.openxmlformats.org/drawingml/2006/main" xmlns:r="http://schemas.openxmlformats.org/officeDocument/2006/relationships" xmlns:p="http://schemas.openxmlformats.org/presentationml/2006/main">
   <p:cSld>
     <p:spTree>
@@ -5140,7 +5428,7 @@
 </p:sld>
 </file>
 
-<file path=ppt/slides/slide17.xml><?xml version="1.0" encoding="utf-8"?>
+<file path=ppt/slides/slide18.xml><?xml version="1.0" encoding="utf-8"?>
 <p:sld xmlns:a="http://schemas.openxmlformats.org/drawingml/2006/main" xmlns:r="http://schemas.openxmlformats.org/officeDocument/2006/relationships" xmlns:p="http://schemas.openxmlformats.org/presentationml/2006/main">
   <p:cSld>
     <p:spTree>
@@ -5290,163 +5578,6 @@
 </p:sld>
 </file>
 
-<file path=ppt/slides/slide18.xml><?xml version="1.0" encoding="utf-8"?>
-<p:sld xmlns:a="http://schemas.openxmlformats.org/drawingml/2006/main" xmlns:r="http://schemas.openxmlformats.org/officeDocument/2006/relationships" xmlns:p="http://schemas.openxmlformats.org/presentationml/2006/main">
-  <p:cSld>
-    <p:spTree>
-      <p:nvGrpSpPr>
-        <p:cNvPr id="1" name=""/>
-        <p:cNvGrpSpPr/>
-        <p:nvPr/>
-      </p:nvGrpSpPr>
-      <p:grpSpPr>
-        <a:xfrm>
-          <a:off x="0" y="0"/>
-          <a:ext cx="0" cy="0"/>
-          <a:chOff x="0" y="0"/>
-          <a:chExt cx="0" cy="0"/>
-        </a:xfrm>
-      </p:grpSpPr>
-      <p:sp>
-        <p:nvSpPr>
-          <p:cNvPr id="2" name="제목 1">
-            <a:extLst>
-              <a:ext uri="{FF2B5EF4-FFF2-40B4-BE49-F238E27FC236}">
-                <a16:creationId xmlns:a16="http://schemas.microsoft.com/office/drawing/2014/main" id="{6D6CC1C0-DDD5-4401-8D10-00CE18B400E9}"/>
-              </a:ext>
-            </a:extLst>
-          </p:cNvPr>
-          <p:cNvSpPr>
-            <a:spLocks noGrp="1"/>
-          </p:cNvSpPr>
-          <p:nvPr>
-            <p:ph type="title"/>
-          </p:nvPr>
-        </p:nvSpPr>
-        <p:spPr/>
-        <p:txBody>
-          <a:bodyPr/>
-          <a:lstStyle/>
-          <a:p>
-            <a:r>
-              <a:rPr lang="en-US" altLang="ko-KR"/>
-              <a:t>DOM (Document Object Model)</a:t>
-            </a:r>
-            <a:endParaRPr lang="ko-KR" altLang="en-US"/>
-          </a:p>
-        </p:txBody>
-      </p:sp>
-      <p:sp>
-        <p:nvSpPr>
-          <p:cNvPr id="3" name="내용 개체 틀 2">
-            <a:extLst>
-              <a:ext uri="{FF2B5EF4-FFF2-40B4-BE49-F238E27FC236}">
-                <a16:creationId xmlns:a16="http://schemas.microsoft.com/office/drawing/2014/main" id="{6443416A-B9E9-4159-AF06-CABE972762B1}"/>
-              </a:ext>
-            </a:extLst>
-          </p:cNvPr>
-          <p:cNvSpPr>
-            <a:spLocks noGrp="1"/>
-          </p:cNvSpPr>
-          <p:nvPr>
-            <p:ph idx="1"/>
-          </p:nvPr>
-        </p:nvSpPr>
-        <p:spPr/>
-        <p:txBody>
-          <a:bodyPr/>
-          <a:lstStyle/>
-          <a:p>
-            <a:r>
-              <a:rPr lang="ko-KR" altLang="en-US"/>
-              <a:t>하나의 </a:t>
-            </a:r>
-            <a:r>
-              <a:rPr lang="en-US" altLang="ko-KR"/>
-              <a:t>html </a:t>
-            </a:r>
-            <a:r>
-              <a:rPr lang="ko-KR" altLang="en-US"/>
-              <a:t>파일은 </a:t>
-            </a:r>
-            <a:r>
-              <a:rPr lang="en-US" altLang="ko-KR"/>
-              <a:t>“</a:t>
-            </a:r>
-            <a:r>
-              <a:rPr lang="ko-KR" altLang="en-US"/>
-              <a:t>문서</a:t>
-            </a:r>
-            <a:r>
-              <a:rPr lang="en-US" altLang="ko-KR"/>
-              <a:t>(document)” </a:t>
-            </a:r>
-            <a:r>
-              <a:rPr lang="ko-KR" altLang="en-US"/>
-              <a:t>라고도 한다</a:t>
-            </a:r>
-            <a:r>
-              <a:rPr lang="en-US" altLang="ko-KR"/>
-              <a:t>.</a:t>
-            </a:r>
-          </a:p>
-          <a:p>
-            <a:r>
-              <a:rPr lang="ko-KR" altLang="en-US"/>
-              <a:t>하나의 </a:t>
-            </a:r>
-            <a:r>
-              <a:rPr lang="en-US" altLang="ko-KR"/>
-              <a:t>html </a:t>
-            </a:r>
-            <a:r>
-              <a:rPr lang="ko-KR" altLang="en-US"/>
-              <a:t>파일 전체를</a:t>
-            </a:r>
-            <a:r>
-              <a:rPr lang="en-US" altLang="ko-KR"/>
-              <a:t>, </a:t>
-            </a:r>
-            <a:r>
-              <a:rPr lang="ko-KR" altLang="en-US"/>
-              <a:t>하나의 </a:t>
-            </a:r>
-            <a:r>
-              <a:rPr lang="en-US" altLang="ko-KR"/>
-              <a:t>“</a:t>
-            </a:r>
-            <a:r>
-              <a:rPr lang="ko-KR" altLang="en-US"/>
-              <a:t>객체</a:t>
-            </a:r>
-            <a:r>
-              <a:rPr lang="en-US" altLang="ko-KR"/>
-              <a:t>” </a:t>
-            </a:r>
-            <a:r>
-              <a:rPr lang="ko-KR" altLang="en-US"/>
-              <a:t>로 만든 것</a:t>
-            </a:r>
-            <a:r>
-              <a:rPr lang="en-US" altLang="ko-KR"/>
-              <a:t>!</a:t>
-            </a:r>
-          </a:p>
-        </p:txBody>
-      </p:sp>
-    </p:spTree>
-    <p:extLst>
-      <p:ext uri="{BB962C8B-B14F-4D97-AF65-F5344CB8AC3E}">
-        <p14:creationId xmlns:p14="http://schemas.microsoft.com/office/powerpoint/2010/main" val="1824494264"/>
-      </p:ext>
-    </p:extLst>
-  </p:cSld>
-  <p:clrMapOvr>
-    <a:masterClrMapping/>
-  </p:clrMapOvr>
-</p:sld>
-</file>
-
 <file path=ppt/slides/slide19.xml><?xml version="1.0" encoding="utf-8"?>
 <p:sld xmlns:a="http://schemas.openxmlformats.org/drawingml/2006/main" xmlns:r="http://schemas.openxmlformats.org/officeDocument/2006/relationships" xmlns:p="http://schemas.openxmlformats.org/presentationml/2006/main">
   <p:cSld>
@@ -5464,162 +5595,137 @@
           <a:chExt cx="0" cy="0"/>
         </a:xfrm>
       </p:grpSpPr>
-      <p:pic>
-        <p:nvPicPr>
-          <p:cNvPr id="5" name="그림 4">
-            <a:extLst>
-              <a:ext uri="{FF2B5EF4-FFF2-40B4-BE49-F238E27FC236}">
-                <a16:creationId xmlns:a16="http://schemas.microsoft.com/office/drawing/2014/main" id="{91D83F7A-56E4-4BAF-AE80-C2114EDD97B1}"/>
-              </a:ext>
-            </a:extLst>
-          </p:cNvPr>
-          <p:cNvPicPr>
-            <a:picLocks noChangeAspect="1"/>
-          </p:cNvPicPr>
-          <p:nvPr/>
-        </p:nvPicPr>
-        <p:blipFill>
-          <a:blip r:embed="rId2"/>
-          <a:stretch>
-            <a:fillRect/>
-          </a:stretch>
-        </p:blipFill>
-        <p:spPr>
-          <a:xfrm>
-            <a:off x="453006" y="391737"/>
-            <a:ext cx="8648120" cy="4356433"/>
-          </a:xfrm>
-          <a:prstGeom prst="rect">
-            <a:avLst/>
-          </a:prstGeom>
-        </p:spPr>
-      </p:pic>
-      <p:sp>
-        <p:nvSpPr>
-          <p:cNvPr id="6" name="TextBox 5">
-            <a:extLst>
-              <a:ext uri="{FF2B5EF4-FFF2-40B4-BE49-F238E27FC236}">
-                <a16:creationId xmlns:a16="http://schemas.microsoft.com/office/drawing/2014/main" id="{4C2C61CC-562B-4E77-A215-41AE47D629F8}"/>
-              </a:ext>
-            </a:extLst>
-          </p:cNvPr>
-          <p:cNvSpPr txBox="1"/>
-          <p:nvPr/>
-        </p:nvSpPr>
-        <p:spPr>
-          <a:xfrm>
-            <a:off x="1853967" y="5020811"/>
-            <a:ext cx="6233020" cy="1754326"/>
-          </a:xfrm>
-          <a:prstGeom prst="rect">
-            <a:avLst/>
-          </a:prstGeom>
-          <a:noFill/>
-        </p:spPr>
-        <p:txBody>
-          <a:bodyPr wrap="square" rtlCol="0">
-            <a:spAutoFit/>
-          </a:bodyPr>
-          <a:lstStyle/>
-          <a:p>
-            <a:r>
-              <a:rPr lang="en-US" altLang="ko-KR"/>
-              <a:t>Instagram </a:t>
-            </a:r>
-            <a:r>
-              <a:rPr lang="ko-KR" altLang="en-US"/>
-              <a:t>에서</a:t>
+      <p:sp>
+        <p:nvSpPr>
+          <p:cNvPr id="2" name="제목 1">
+            <a:extLst>
+              <a:ext uri="{FF2B5EF4-FFF2-40B4-BE49-F238E27FC236}">
+                <a16:creationId xmlns:a16="http://schemas.microsoft.com/office/drawing/2014/main" id="{6D6CC1C0-DDD5-4401-8D10-00CE18B400E9}"/>
+              </a:ext>
+            </a:extLst>
+          </p:cNvPr>
+          <p:cNvSpPr>
+            <a:spLocks noGrp="1"/>
+          </p:cNvSpPr>
+          <p:nvPr>
+            <p:ph type="title"/>
+          </p:nvPr>
+        </p:nvSpPr>
+        <p:spPr/>
+        <p:txBody>
+          <a:bodyPr/>
+          <a:lstStyle/>
+          <a:p>
+            <a:r>
+              <a:rPr lang="en-US" altLang="ko-KR"/>
+              <a:t>DOM (Document Object Model)</a:t>
+            </a:r>
+            <a:endParaRPr lang="ko-KR" altLang="en-US"/>
+          </a:p>
+        </p:txBody>
+      </p:sp>
+      <p:sp>
+        <p:nvSpPr>
+          <p:cNvPr id="3" name="내용 개체 틀 2">
+            <a:extLst>
+              <a:ext uri="{FF2B5EF4-FFF2-40B4-BE49-F238E27FC236}">
+                <a16:creationId xmlns:a16="http://schemas.microsoft.com/office/drawing/2014/main" id="{6443416A-B9E9-4159-AF06-CABE972762B1}"/>
+              </a:ext>
+            </a:extLst>
+          </p:cNvPr>
+          <p:cNvSpPr>
+            <a:spLocks noGrp="1"/>
+          </p:cNvSpPr>
+          <p:nvPr>
+            <p:ph idx="1"/>
+          </p:nvPr>
+        </p:nvSpPr>
+        <p:spPr/>
+        <p:txBody>
+          <a:bodyPr/>
+          <a:lstStyle/>
+          <a:p>
+            <a:r>
+              <a:rPr lang="ko-KR" altLang="en-US"/>
+              <a:t>하나의 </a:t>
+            </a:r>
+            <a:r>
+              <a:rPr lang="en-US" altLang="ko-KR"/>
+              <a:t>html </a:t>
+            </a:r>
+            <a:r>
+              <a:rPr lang="ko-KR" altLang="en-US"/>
+              <a:t>파일은 </a:t>
+            </a:r>
+            <a:r>
+              <a:rPr lang="en-US" altLang="ko-KR"/>
+              <a:t>“</a:t>
+            </a:r>
+            <a:r>
+              <a:rPr lang="ko-KR" altLang="en-US"/>
+              <a:t>문서</a:t>
+            </a:r>
+            <a:r>
+              <a:rPr lang="en-US" altLang="ko-KR"/>
+              <a:t>(document)” </a:t>
+            </a:r>
+            <a:r>
+              <a:rPr lang="ko-KR" altLang="en-US"/>
+              <a:t>라고도 한다</a:t>
+            </a:r>
+            <a:r>
+              <a:rPr lang="en-US" altLang="ko-KR"/>
+              <a:t>.</a:t>
+            </a:r>
+          </a:p>
+          <a:p>
+            <a:r>
+              <a:rPr lang="ko-KR" altLang="en-US"/>
+              <a:t>하나의 </a:t>
+            </a:r>
+            <a:r>
+              <a:rPr lang="en-US" altLang="ko-KR"/>
+              <a:t>html </a:t>
+            </a:r>
+            <a:r>
+              <a:rPr lang="ko-KR" altLang="en-US"/>
+              <a:t>파일 전체를</a:t>
             </a:r>
             <a:r>
               <a:rPr lang="en-US" altLang="ko-KR"/>
               <a:t>, </a:t>
             </a:r>
-          </a:p>
-          <a:p>
-            <a:r>
-              <a:rPr lang="en-US" altLang="ko-KR"/>
-              <a:t>console.log(document);</a:t>
-            </a:r>
-          </a:p>
-          <a:p>
-            <a:r>
-              <a:rPr lang="ko-KR" altLang="en-US"/>
-              <a:t>를 입력했을때의 결과</a:t>
-            </a:r>
-            <a:r>
-              <a:rPr lang="en-US" altLang="ko-KR"/>
-              <a:t>.</a:t>
-            </a:r>
-          </a:p>
-          <a:p>
-            <a:r>
-              <a:rPr lang="ko-KR" altLang="en-US"/>
-              <a:t>하지만</a:t>
-            </a:r>
-            <a:r>
-              <a:rPr lang="en-US" altLang="ko-KR"/>
-              <a:t>, </a:t>
-            </a:r>
-            <a:r>
-              <a:rPr lang="ko-KR" altLang="en-US"/>
-              <a:t>이런식으로 보면 객체라는게 와닿지 않는다</a:t>
-            </a:r>
-            <a:r>
-              <a:rPr lang="en-US" altLang="ko-KR"/>
-              <a:t>.</a:t>
-            </a:r>
-          </a:p>
-          <a:p>
-            <a:r>
-              <a:rPr lang="ko-KR" altLang="en-US"/>
-              <a:t>이런식으로</a:t>
-            </a:r>
-            <a:r>
-              <a:rPr lang="en-US" altLang="ko-KR"/>
-              <a:t>, </a:t>
-            </a:r>
-            <a:r>
-              <a:rPr lang="ko-KR" altLang="en-US"/>
-              <a:t>태그의 형태로 나오는것을 객체로 보고싶을땐</a:t>
-            </a:r>
-            <a:r>
-              <a:rPr lang="en-US" altLang="ko-KR"/>
-              <a:t>,</a:t>
-            </a:r>
-          </a:p>
-          <a:p>
-            <a:r>
-              <a:rPr lang="en-US" altLang="ko-KR"/>
-              <a:t>console.log() </a:t>
-            </a:r>
-            <a:r>
-              <a:rPr lang="ko-KR" altLang="en-US"/>
-              <a:t>대신 </a:t>
-            </a:r>
-            <a:r>
-              <a:rPr lang="en-US" altLang="ko-KR">
-                <a:solidFill>
-                  <a:srgbClr val="FF0000"/>
-                </a:solidFill>
-              </a:rPr>
-              <a:t>console.dir() </a:t>
-            </a:r>
-            <a:r>
-              <a:rPr lang="ko-KR" altLang="en-US"/>
-              <a:t>을 사용한다</a:t>
-            </a:r>
-            <a:r>
-              <a:rPr lang="en-US" altLang="ko-KR"/>
-              <a:t>.	</a:t>
-            </a:r>
-            <a:endParaRPr lang="ko-KR" altLang="en-US"/>
+            <a:r>
+              <a:rPr lang="ko-KR" altLang="en-US"/>
+              <a:t>하나의 </a:t>
+            </a:r>
+            <a:r>
+              <a:rPr lang="en-US" altLang="ko-KR"/>
+              <a:t>“</a:t>
+            </a:r>
+            <a:r>
+              <a:rPr lang="ko-KR" altLang="en-US"/>
+              <a:t>객체</a:t>
+            </a:r>
+            <a:r>
+              <a:rPr lang="en-US" altLang="ko-KR"/>
+              <a:t>” </a:t>
+            </a:r>
+            <a:r>
+              <a:rPr lang="ko-KR" altLang="en-US"/>
+              <a:t>로 만든 것</a:t>
+            </a:r>
+            <a:r>
+              <a:rPr lang="en-US" altLang="ko-KR"/>
+              <a:t>!</a:t>
+            </a:r>
           </a:p>
         </p:txBody>
       </p:sp>
     </p:spTree>
     <p:extLst>
       <p:ext uri="{BB962C8B-B14F-4D97-AF65-F5344CB8AC3E}">
-        <p14:creationId xmlns:p14="http://schemas.microsoft.com/office/powerpoint/2010/main" val="1099905011"/>
+        <p14:creationId xmlns:p14="http://schemas.microsoft.com/office/powerpoint/2010/main" val="1824494264"/>
       </p:ext>
     </p:extLst>
   </p:cSld>
@@ -5646,79 +5752,67 @@
           <a:chExt cx="0" cy="0"/>
         </a:xfrm>
       </p:grpSpPr>
-      <p:pic>
-        <p:nvPicPr>
-          <p:cNvPr id="5" name="그림 4">
-            <a:extLst>
-              <a:ext uri="{FF2B5EF4-FFF2-40B4-BE49-F238E27FC236}">
-                <a16:creationId xmlns:a16="http://schemas.microsoft.com/office/drawing/2014/main" id="{4110F5EA-807B-453C-8354-3D7743E9F51D}"/>
-              </a:ext>
-            </a:extLst>
-          </p:cNvPr>
-          <p:cNvPicPr>
-            <a:picLocks noChangeAspect="1"/>
-          </p:cNvPicPr>
-          <p:nvPr/>
-        </p:nvPicPr>
-        <p:blipFill>
-          <a:blip r:embed="rId2"/>
-          <a:stretch>
-            <a:fillRect/>
-          </a:stretch>
-        </p:blipFill>
-        <p:spPr>
-          <a:xfrm>
-            <a:off x="638175" y="1666875"/>
-            <a:ext cx="10915650" cy="3524250"/>
-          </a:xfrm>
-          <a:prstGeom prst="rect">
-            <a:avLst/>
-          </a:prstGeom>
-        </p:spPr>
-      </p:pic>
-      <p:sp>
-        <p:nvSpPr>
-          <p:cNvPr id="6" name="TextBox 5">
-            <a:extLst>
-              <a:ext uri="{FF2B5EF4-FFF2-40B4-BE49-F238E27FC236}">
-                <a16:creationId xmlns:a16="http://schemas.microsoft.com/office/drawing/2014/main" id="{E63F841A-E320-416A-8CAD-973227832256}"/>
-              </a:ext>
-            </a:extLst>
-          </p:cNvPr>
-          <p:cNvSpPr txBox="1"/>
-          <p:nvPr/>
-        </p:nvSpPr>
-        <p:spPr>
-          <a:xfrm>
-            <a:off x="6543413" y="5117284"/>
-            <a:ext cx="5157181" cy="923330"/>
-          </a:xfrm>
-          <a:prstGeom prst="rect">
-            <a:avLst/>
-          </a:prstGeom>
-          <a:noFill/>
-        </p:spPr>
-        <p:txBody>
-          <a:bodyPr wrap="none" rtlCol="0">
-            <a:spAutoFit/>
-          </a:bodyPr>
-          <a:lstStyle/>
-          <a:p>
-            <a:r>
-              <a:rPr lang="en-US" altLang="ko-KR"/>
-              <a:t>i </a:t>
-            </a:r>
-            <a:r>
-              <a:rPr lang="ko-KR" altLang="en-US"/>
-              <a:t>가 변해야하기때문에 </a:t>
-            </a:r>
-            <a:r>
-              <a:rPr lang="en-US" altLang="ko-KR"/>
-              <a:t>let </a:t>
-            </a:r>
-            <a:r>
-              <a:rPr lang="ko-KR" altLang="en-US"/>
-              <a:t>을 쓴 것</a:t>
+      <p:sp>
+        <p:nvSpPr>
+          <p:cNvPr id="2" name="제목 1">
+            <a:extLst>
+              <a:ext uri="{FF2B5EF4-FFF2-40B4-BE49-F238E27FC236}">
+                <a16:creationId xmlns:a16="http://schemas.microsoft.com/office/drawing/2014/main" id="{86B67D51-B0B0-423C-9518-E9D5A7FAA3B1}"/>
+              </a:ext>
+            </a:extLst>
+          </p:cNvPr>
+          <p:cNvSpPr>
+            <a:spLocks noGrp="1"/>
+          </p:cNvSpPr>
+          <p:nvPr>
+            <p:ph type="title"/>
+          </p:nvPr>
+        </p:nvSpPr>
+        <p:spPr/>
+        <p:txBody>
+          <a:bodyPr/>
+          <a:lstStyle/>
+          <a:p>
+            <a:r>
+              <a:rPr lang="en-US" altLang="ko-KR"/>
+              <a:t>while, for</a:t>
+            </a:r>
+            <a:endParaRPr lang="ko-KR" altLang="en-US"/>
+          </a:p>
+        </p:txBody>
+      </p:sp>
+      <p:sp>
+        <p:nvSpPr>
+          <p:cNvPr id="3" name="내용 개체 틀 2">
+            <a:extLst>
+              <a:ext uri="{FF2B5EF4-FFF2-40B4-BE49-F238E27FC236}">
+                <a16:creationId xmlns:a16="http://schemas.microsoft.com/office/drawing/2014/main" id="{100E43C8-68C1-4340-B7F5-A43E6373EDA7}"/>
+              </a:ext>
+            </a:extLst>
+          </p:cNvPr>
+          <p:cNvSpPr>
+            <a:spLocks noGrp="1"/>
+          </p:cNvSpPr>
+          <p:nvPr>
+            <p:ph idx="1"/>
+          </p:nvPr>
+        </p:nvSpPr>
+        <p:spPr/>
+        <p:txBody>
+          <a:bodyPr/>
+          <a:lstStyle/>
+          <a:p>
+            <a:r>
+              <a:rPr lang="ko-KR" altLang="en-US"/>
+              <a:t>영어로 </a:t>
+            </a:r>
+            <a:r>
+              <a:rPr lang="en-US" altLang="ko-KR"/>
+              <a:t>loop </a:t>
+            </a:r>
+            <a:r>
+              <a:rPr lang="ko-KR" altLang="en-US"/>
+              <a:t>라고 한다</a:t>
             </a:r>
             <a:r>
               <a:rPr lang="en-US" altLang="ko-KR"/>
@@ -5726,92 +5820,42 @@
             </a:r>
           </a:p>
           <a:p>
-            <a:endParaRPr lang="en-US" altLang="ko-KR"/>
-          </a:p>
-          <a:p>
-            <a:r>
-              <a:rPr lang="en-US" altLang="ko-KR"/>
-              <a:t>* </a:t>
-            </a:r>
-            <a:r>
-              <a:rPr lang="ko-KR" altLang="en-US"/>
-              <a:t>개발자 권장사항으로</a:t>
-            </a:r>
-            <a:r>
-              <a:rPr lang="en-US" altLang="ko-KR"/>
-              <a:t>, let</a:t>
-            </a:r>
-            <a:r>
-              <a:rPr lang="ko-KR" altLang="en-US"/>
-              <a:t>은 반복문에서만 사용</a:t>
-            </a:r>
-          </a:p>
-        </p:txBody>
-      </p:sp>
-      <p:sp>
-        <p:nvSpPr>
-          <p:cNvPr id="7" name="TextBox 6">
-            <a:extLst>
-              <a:ext uri="{FF2B5EF4-FFF2-40B4-BE49-F238E27FC236}">
-                <a16:creationId xmlns:a16="http://schemas.microsoft.com/office/drawing/2014/main" id="{E715C5B6-97DC-4E5D-A631-9C8A701EE01F}"/>
-              </a:ext>
-            </a:extLst>
-          </p:cNvPr>
-          <p:cNvSpPr txBox="1"/>
-          <p:nvPr/>
-        </p:nvSpPr>
-        <p:spPr>
-          <a:xfrm>
-            <a:off x="7625593" y="2860646"/>
-            <a:ext cx="2925801" cy="923330"/>
-          </a:xfrm>
-          <a:prstGeom prst="rect">
-            <a:avLst/>
-          </a:prstGeom>
-          <a:noFill/>
-        </p:spPr>
-        <p:txBody>
-          <a:bodyPr wrap="none" rtlCol="0">
-            <a:spAutoFit/>
-          </a:bodyPr>
-          <a:lstStyle/>
-          <a:p>
-            <a:r>
-              <a:rPr lang="en-US" altLang="ko-KR"/>
-              <a:t>while</a:t>
-            </a:r>
-            <a:r>
-              <a:rPr lang="ko-KR" altLang="en-US"/>
-              <a:t> </a:t>
-            </a:r>
-            <a:r>
-              <a:rPr lang="en-US" altLang="ko-KR"/>
-              <a:t>(condition)</a:t>
-            </a:r>
-          </a:p>
-          <a:p>
-            <a:endParaRPr lang="en-US" altLang="ko-KR"/>
-          </a:p>
-          <a:p>
-            <a:r>
-              <a:rPr lang="ko-KR" altLang="en-US"/>
-              <a:t>조건이 </a:t>
-            </a:r>
-            <a:r>
-              <a:rPr lang="en-US" altLang="ko-KR"/>
-              <a:t>true </a:t>
-            </a:r>
-            <a:r>
-              <a:rPr lang="ko-KR" altLang="en-US"/>
-              <a:t>일때만 실행됨</a:t>
-            </a:r>
+            <a:r>
+              <a:rPr lang="en-US" altLang="ko-KR"/>
+              <a:t>map </a:t>
+            </a:r>
+            <a:r>
+              <a:rPr lang="ko-KR" altLang="en-US"/>
+              <a:t>과 </a:t>
+            </a:r>
+            <a:r>
+              <a:rPr lang="en-US" altLang="ko-KR"/>
+              <a:t>filter </a:t>
+            </a:r>
+            <a:r>
+              <a:rPr lang="ko-KR" altLang="en-US"/>
+              <a:t>를 통한 반복은 </a:t>
+            </a:r>
+            <a:r>
+              <a:rPr lang="en-US" altLang="ko-KR"/>
+              <a:t>loop </a:t>
+            </a:r>
+            <a:r>
+              <a:rPr lang="ko-KR" altLang="en-US"/>
+              <a:t>라고 하지 않는다</a:t>
+            </a:r>
+            <a:r>
+              <a:rPr lang="en-US" altLang="ko-KR"/>
+              <a:t>.</a:t>
+            </a:r>
+            <a:endParaRPr lang="ko-KR" altLang="en-US"/>
           </a:p>
         </p:txBody>
       </p:sp>
     </p:spTree>
     <p:extLst>
       <p:ext uri="{BB962C8B-B14F-4D97-AF65-F5344CB8AC3E}">
-        <p14:creationId xmlns:p14="http://schemas.microsoft.com/office/powerpoint/2010/main" val="2873736862"/>
+        <p14:creationId xmlns:p14="http://schemas.microsoft.com/office/powerpoint/2010/main" val="4162802006"/>
       </p:ext>
     </p:extLst>
   </p:cSld>
@@ -5843,7 +5887,7 @@
           <p:cNvPr id="5" name="그림 4">
             <a:extLst>
               <a:ext uri="{FF2B5EF4-FFF2-40B4-BE49-F238E27FC236}">
-                <a16:creationId xmlns:a16="http://schemas.microsoft.com/office/drawing/2014/main" id="{8EBB0C3D-3EA4-4207-A5A9-6D0DAF9FC8AA}"/>
+                <a16:creationId xmlns:a16="http://schemas.microsoft.com/office/drawing/2014/main" id="{91D83F7A-56E4-4BAF-AE80-C2114EDD97B1}"/>
               </a:ext>
             </a:extLst>
           </p:cNvPr>
@@ -5860,8 +5904,8 @@
         </p:blipFill>
         <p:spPr>
           <a:xfrm>
-            <a:off x="478172" y="312624"/>
-            <a:ext cx="7309411" cy="5991701"/>
+            <a:off x="453006" y="391737"/>
+            <a:ext cx="8648120" cy="4356433"/>
           </a:xfrm>
           <a:prstGeom prst="rect">
             <a:avLst/>
@@ -5873,7 +5917,7 @@
           <p:cNvPr id="6" name="TextBox 5">
             <a:extLst>
               <a:ext uri="{FF2B5EF4-FFF2-40B4-BE49-F238E27FC236}">
-                <a16:creationId xmlns:a16="http://schemas.microsoft.com/office/drawing/2014/main" id="{DEB52C03-9F1D-4D0E-8713-590BABCCE793}"/>
+                <a16:creationId xmlns:a16="http://schemas.microsoft.com/office/drawing/2014/main" id="{4C2C61CC-562B-4E77-A215-41AE47D629F8}"/>
               </a:ext>
             </a:extLst>
           </p:cNvPr>
@@ -5882,8 +5926,8 @@
         </p:nvSpPr>
         <p:spPr>
           <a:xfrm>
-            <a:off x="8229599" y="2197915"/>
-            <a:ext cx="3845925" cy="2308324"/>
+            <a:off x="1853967" y="5020811"/>
+            <a:ext cx="6233020" cy="1754326"/>
           </a:xfrm>
           <a:prstGeom prst="rect">
             <a:avLst/>
@@ -5891,77 +5935,109 @@
           <a:noFill/>
         </p:spPr>
         <p:txBody>
-          <a:bodyPr wrap="none" rtlCol="0">
+          <a:bodyPr wrap="square" rtlCol="0">
             <a:spAutoFit/>
           </a:bodyPr>
           <a:lstStyle/>
           <a:p>
             <a:r>
-              <a:rPr lang="ko-KR" altLang="en-US"/>
-              <a:t>인스타그램에서 </a:t>
-            </a:r>
-            <a:endParaRPr lang="en-US" altLang="ko-KR"/>
-          </a:p>
-          <a:p>
-            <a:endParaRPr lang="en-US" altLang="ko-KR"/>
-          </a:p>
-          <a:p>
-            <a:r>
-              <a:rPr lang="en-US" altLang="ko-KR"/>
-              <a:t>console.dir(document);</a:t>
-            </a:r>
-          </a:p>
-          <a:p>
-            <a:endParaRPr lang="en-US" altLang="ko-KR"/>
-          </a:p>
-          <a:p>
-            <a:r>
-              <a:rPr lang="ko-KR" altLang="en-US"/>
-              <a:t>입력 시 나오는 결과의 </a:t>
-            </a:r>
-            <a:r>
-              <a:rPr lang="en-US" altLang="ko-KR"/>
-              <a:t>“</a:t>
-            </a:r>
-            <a:r>
-              <a:rPr lang="ko-KR" altLang="en-US"/>
-              <a:t>일부</a:t>
-            </a:r>
-            <a:r>
-              <a:rPr lang="en-US" altLang="ko-KR"/>
-              <a:t>”</a:t>
-            </a:r>
-          </a:p>
-          <a:p>
-            <a:endParaRPr lang="en-US" altLang="ko-KR"/>
-          </a:p>
-          <a:p>
-            <a:endParaRPr lang="en-US" altLang="ko-KR"/>
-          </a:p>
-          <a:p>
-            <a:r>
-              <a:rPr lang="ko-KR" altLang="en-US"/>
-              <a:t>즉</a:t>
+              <a:rPr lang="en-US" altLang="ko-KR"/>
+              <a:t>Instagram </a:t>
+            </a:r>
+            <a:r>
+              <a:rPr lang="ko-KR" altLang="en-US"/>
+              <a:t>에서</a:t>
             </a:r>
             <a:r>
               <a:rPr lang="en-US" altLang="ko-KR"/>
               <a:t>, </a:t>
             </a:r>
-            <a:r>
-              <a:rPr lang="ko-KR" altLang="en-US"/>
-              <a:t>하나의 페이지는 거대한 객체다</a:t>
+          </a:p>
+          <a:p>
+            <a:r>
+              <a:rPr lang="en-US" altLang="ko-KR"/>
+              <a:t>console.log(document);</a:t>
+            </a:r>
+          </a:p>
+          <a:p>
+            <a:r>
+              <a:rPr lang="ko-KR" altLang="en-US"/>
+              <a:t>를 입력했을때의 결과</a:t>
             </a:r>
             <a:r>
               <a:rPr lang="en-US" altLang="ko-KR"/>
               <a:t>.</a:t>
             </a:r>
+          </a:p>
+          <a:p>
+            <a:r>
+              <a:rPr lang="ko-KR" altLang="en-US"/>
+              <a:t>하지만</a:t>
+            </a:r>
+            <a:r>
+              <a:rPr lang="en-US" altLang="ko-KR"/>
+              <a:t>, </a:t>
+            </a:r>
+            <a:r>
+              <a:rPr lang="ko-KR" altLang="en-US"/>
+              <a:t>이런식으로 보면 객체라는게 와닿지 않는다</a:t>
+            </a:r>
+            <a:r>
+              <a:rPr lang="en-US" altLang="ko-KR"/>
+              <a:t>.</a:t>
+            </a:r>
+          </a:p>
+          <a:p>
+            <a:r>
+              <a:rPr lang="ko-KR" altLang="en-US"/>
+              <a:t>이런식으로</a:t>
+            </a:r>
+            <a:r>
+              <a:rPr lang="en-US" altLang="ko-KR"/>
+              <a:t>, </a:t>
+            </a:r>
+            <a:r>
+              <a:rPr lang="ko-KR" altLang="en-US"/>
+              <a:t>태그의 형태로 나오는것을 객체로 보고싶을땐</a:t>
+            </a:r>
+            <a:r>
+              <a:rPr lang="en-US" altLang="ko-KR"/>
+              <a:t>,</a:t>
+            </a:r>
+          </a:p>
+          <a:p>
+            <a:r>
+              <a:rPr lang="en-US" altLang="ko-KR"/>
+              <a:t>console.log() </a:t>
+            </a:r>
+            <a:r>
+              <a:rPr lang="ko-KR" altLang="en-US"/>
+              <a:t>대신 </a:t>
+            </a:r>
+            <a:r>
+              <a:rPr lang="en-US" altLang="ko-KR">
+                <a:solidFill>
+                  <a:srgbClr val="FF0000"/>
+                </a:solidFill>
+              </a:rPr>
+              <a:t>console.dir() </a:t>
+            </a:r>
+            <a:r>
+              <a:rPr lang="ko-KR" altLang="en-US"/>
+              <a:t>을 사용한다</a:t>
+            </a:r>
+            <a:r>
+              <a:rPr lang="en-US" altLang="ko-KR"/>
+              <a:t>.	</a:t>
+            </a:r>
+            <a:endParaRPr lang="ko-KR" altLang="en-US"/>
           </a:p>
         </p:txBody>
       </p:sp>
     </p:spTree>
     <p:extLst>
       <p:ext uri="{BB962C8B-B14F-4D97-AF65-F5344CB8AC3E}">
-        <p14:creationId xmlns:p14="http://schemas.microsoft.com/office/powerpoint/2010/main" val="1843563663"/>
+        <p14:creationId xmlns:p14="http://schemas.microsoft.com/office/powerpoint/2010/main" val="1099905011"/>
       </p:ext>
     </p:extLst>
   </p:cSld>
@@ -5988,30 +6064,110 @@
           <a:chExt cx="0" cy="0"/>
         </a:xfrm>
       </p:grpSpPr>
-      <p:sp>
-        <p:nvSpPr>
-          <p:cNvPr id="2" name="제목 1">
-            <a:extLst>
-              <a:ext uri="{FF2B5EF4-FFF2-40B4-BE49-F238E27FC236}">
-                <a16:creationId xmlns:a16="http://schemas.microsoft.com/office/drawing/2014/main" id="{4148C7C0-E78B-4CEB-80D7-CA273807B0A0}"/>
-              </a:ext>
-            </a:extLst>
-          </p:cNvPr>
-          <p:cNvSpPr>
-            <a:spLocks noGrp="1"/>
-          </p:cNvSpPr>
-          <p:nvPr>
-            <p:ph type="title"/>
-          </p:nvPr>
-        </p:nvSpPr>
-        <p:spPr/>
-        <p:txBody>
-          <a:bodyPr/>
-          <a:lstStyle/>
-          <a:p>
-            <a:r>
-              <a:rPr lang="ko-KR" altLang="en-US"/>
-              <a:t>그렇다면</a:t>
+      <p:pic>
+        <p:nvPicPr>
+          <p:cNvPr id="5" name="그림 4">
+            <a:extLst>
+              <a:ext uri="{FF2B5EF4-FFF2-40B4-BE49-F238E27FC236}">
+                <a16:creationId xmlns:a16="http://schemas.microsoft.com/office/drawing/2014/main" id="{8EBB0C3D-3EA4-4207-A5A9-6D0DAF9FC8AA}"/>
+              </a:ext>
+            </a:extLst>
+          </p:cNvPr>
+          <p:cNvPicPr>
+            <a:picLocks noChangeAspect="1"/>
+          </p:cNvPicPr>
+          <p:nvPr/>
+        </p:nvPicPr>
+        <p:blipFill>
+          <a:blip r:embed="rId2"/>
+          <a:stretch>
+            <a:fillRect/>
+          </a:stretch>
+        </p:blipFill>
+        <p:spPr>
+          <a:xfrm>
+            <a:off x="478172" y="312624"/>
+            <a:ext cx="7309411" cy="5991701"/>
+          </a:xfrm>
+          <a:prstGeom prst="rect">
+            <a:avLst/>
+          </a:prstGeom>
+        </p:spPr>
+      </p:pic>
+      <p:sp>
+        <p:nvSpPr>
+          <p:cNvPr id="6" name="TextBox 5">
+            <a:extLst>
+              <a:ext uri="{FF2B5EF4-FFF2-40B4-BE49-F238E27FC236}">
+                <a16:creationId xmlns:a16="http://schemas.microsoft.com/office/drawing/2014/main" id="{DEB52C03-9F1D-4D0E-8713-590BABCCE793}"/>
+              </a:ext>
+            </a:extLst>
+          </p:cNvPr>
+          <p:cNvSpPr txBox="1"/>
+          <p:nvPr/>
+        </p:nvSpPr>
+        <p:spPr>
+          <a:xfrm>
+            <a:off x="8229599" y="2197915"/>
+            <a:ext cx="3845925" cy="2308324"/>
+          </a:xfrm>
+          <a:prstGeom prst="rect">
+            <a:avLst/>
+          </a:prstGeom>
+          <a:noFill/>
+        </p:spPr>
+        <p:txBody>
+          <a:bodyPr wrap="none" rtlCol="0">
+            <a:spAutoFit/>
+          </a:bodyPr>
+          <a:lstStyle/>
+          <a:p>
+            <a:r>
+              <a:rPr lang="ko-KR" altLang="en-US"/>
+              <a:t>인스타그램에서 </a:t>
+            </a:r>
+            <a:endParaRPr lang="en-US" altLang="ko-KR"/>
+          </a:p>
+          <a:p>
+            <a:endParaRPr lang="en-US" altLang="ko-KR"/>
+          </a:p>
+          <a:p>
+            <a:r>
+              <a:rPr lang="en-US" altLang="ko-KR"/>
+              <a:t>console.dir(document);</a:t>
+            </a:r>
+          </a:p>
+          <a:p>
+            <a:endParaRPr lang="en-US" altLang="ko-KR"/>
+          </a:p>
+          <a:p>
+            <a:r>
+              <a:rPr lang="ko-KR" altLang="en-US"/>
+              <a:t>입력 시 나오는 결과의 </a:t>
+            </a:r>
+            <a:r>
+              <a:rPr lang="en-US" altLang="ko-KR"/>
+              <a:t>“</a:t>
+            </a:r>
+            <a:r>
+              <a:rPr lang="ko-KR" altLang="en-US"/>
+              <a:t>일부</a:t>
+            </a:r>
+            <a:r>
+              <a:rPr lang="en-US" altLang="ko-KR"/>
+              <a:t>”</a:t>
+            </a:r>
+          </a:p>
+          <a:p>
+            <a:endParaRPr lang="en-US" altLang="ko-KR"/>
+          </a:p>
+          <a:p>
+            <a:endParaRPr lang="en-US" altLang="ko-KR"/>
+          </a:p>
+          <a:p>
+            <a:r>
+              <a:rPr lang="ko-KR" altLang="en-US"/>
+              <a:t>즉</a:t>
             </a:r>
             <a:r>
               <a:rPr lang="en-US" altLang="ko-KR"/>
@@ -6019,143 +6175,7 @@
             </a:r>
             <a:r>
               <a:rPr lang="ko-KR" altLang="en-US"/>
-              <a:t>이렇게 생각할 수 있다</a:t>
-            </a:r>
-            <a:r>
-              <a:rPr lang="en-US" altLang="ko-KR"/>
-              <a:t>.</a:t>
-            </a:r>
-            <a:endParaRPr lang="ko-KR" altLang="en-US"/>
-          </a:p>
-        </p:txBody>
-      </p:sp>
-      <p:sp>
-        <p:nvSpPr>
-          <p:cNvPr id="3" name="내용 개체 틀 2">
-            <a:extLst>
-              <a:ext uri="{FF2B5EF4-FFF2-40B4-BE49-F238E27FC236}">
-                <a16:creationId xmlns:a16="http://schemas.microsoft.com/office/drawing/2014/main" id="{9555A9EC-4292-488D-8AEA-0F6FA7B675C7}"/>
-              </a:ext>
-            </a:extLst>
-          </p:cNvPr>
-          <p:cNvSpPr>
-            <a:spLocks noGrp="1"/>
-          </p:cNvSpPr>
-          <p:nvPr>
-            <p:ph idx="1"/>
-          </p:nvPr>
-        </p:nvSpPr>
-        <p:spPr/>
-        <p:txBody>
-          <a:bodyPr/>
-          <a:lstStyle/>
-          <a:p>
-            <a:r>
-              <a:rPr lang="ko-KR" altLang="en-US"/>
-              <a:t>하나의 </a:t>
-            </a:r>
-            <a:r>
-              <a:rPr lang="en-US" altLang="ko-KR"/>
-              <a:t>html </a:t>
-            </a:r>
-            <a:r>
-              <a:rPr lang="ko-KR" altLang="en-US"/>
-              <a:t>파일이 하나의 거대한 객체라면</a:t>
-            </a:r>
-            <a:r>
-              <a:rPr lang="en-US" altLang="ko-KR"/>
-              <a:t>,</a:t>
-            </a:r>
-          </a:p>
-          <a:p>
-            <a:r>
-              <a:rPr lang="ko-KR" altLang="en-US"/>
-              <a:t>이벤트가 발생했을 때</a:t>
-            </a:r>
-            <a:r>
-              <a:rPr lang="en-US" altLang="ko-KR"/>
-              <a:t>,</a:t>
-            </a:r>
-          </a:p>
-          <a:p>
-            <a:r>
-              <a:rPr lang="ko-KR" altLang="en-US"/>
-              <a:t>바꾸고 싶은 부분을 </a:t>
-            </a:r>
-            <a:r>
-              <a:rPr lang="en-US" altLang="ko-KR"/>
-              <a:t>“</a:t>
-            </a:r>
-            <a:r>
-              <a:rPr lang="ko-KR" altLang="en-US"/>
-              <a:t>선택</a:t>
-            </a:r>
-            <a:r>
-              <a:rPr lang="en-US" altLang="ko-KR"/>
-              <a:t>” </a:t>
-            </a:r>
-            <a:r>
-              <a:rPr lang="ko-KR" altLang="en-US"/>
-              <a:t>해서</a:t>
-            </a:r>
-            <a:r>
-              <a:rPr lang="en-US" altLang="ko-KR"/>
-              <a:t>, </a:t>
-            </a:r>
-            <a:r>
-              <a:rPr lang="ko-KR" altLang="en-US"/>
-              <a:t>원하는 값으로 바꾸면</a:t>
-            </a:r>
-            <a:r>
-              <a:rPr lang="en-US" altLang="ko-KR"/>
-              <a:t>,</a:t>
-            </a:r>
-          </a:p>
-          <a:p>
-            <a:r>
-              <a:rPr lang="en-US" altLang="ko-KR"/>
-              <a:t>html</a:t>
-            </a:r>
-            <a:r>
-              <a:rPr lang="ko-KR" altLang="en-US"/>
-              <a:t> 을 바꿀 수 있지 않을까</a:t>
-            </a:r>
-            <a:r>
-              <a:rPr lang="en-US" altLang="ko-KR"/>
-              <a:t>?</a:t>
-            </a:r>
-          </a:p>
-          <a:p>
-            <a:endParaRPr lang="en-US" altLang="ko-KR"/>
-          </a:p>
-          <a:p>
-            <a:r>
-              <a:rPr lang="ko-KR" altLang="en-US"/>
-              <a:t>그걸 </a:t>
-            </a:r>
-            <a:r>
-              <a:rPr lang="en-US" altLang="ko-KR"/>
-              <a:t>DOM Manipulation, </a:t>
-            </a:r>
-            <a:r>
-              <a:rPr lang="ko-KR" altLang="en-US"/>
-              <a:t>한국어로 </a:t>
-            </a:r>
-            <a:r>
-              <a:rPr lang="en-US" altLang="ko-KR"/>
-              <a:t>“</a:t>
-            </a:r>
-            <a:r>
-              <a:rPr lang="ko-KR" altLang="en-US"/>
-              <a:t>돔 조작</a:t>
-            </a:r>
-            <a:r>
-              <a:rPr lang="en-US" altLang="ko-KR"/>
-              <a:t>”</a:t>
-            </a:r>
-            <a:r>
-              <a:rPr lang="ko-KR" altLang="en-US"/>
-              <a:t>이라고 한다</a:t>
+              <a:t>하나의 페이지는 거대한 객체다</a:t>
             </a:r>
             <a:r>
               <a:rPr lang="en-US" altLang="ko-KR"/>
@@ -6167,7 +6187,7 @@
     </p:spTree>
     <p:extLst>
       <p:ext uri="{BB962C8B-B14F-4D97-AF65-F5344CB8AC3E}">
-        <p14:creationId xmlns:p14="http://schemas.microsoft.com/office/powerpoint/2010/main" val="364442152"/>
+        <p14:creationId xmlns:p14="http://schemas.microsoft.com/office/powerpoint/2010/main" val="1843563663"/>
       </p:ext>
     </p:extLst>
   </p:cSld>
@@ -6199,7 +6219,7 @@
           <p:cNvPr id="2" name="제목 1">
             <a:extLst>
               <a:ext uri="{FF2B5EF4-FFF2-40B4-BE49-F238E27FC236}">
-                <a16:creationId xmlns:a16="http://schemas.microsoft.com/office/drawing/2014/main" id="{B25AB3A1-F3FE-4DB6-973E-8D82558272A8}"/>
+                <a16:creationId xmlns:a16="http://schemas.microsoft.com/office/drawing/2014/main" id="{4148C7C0-E78B-4CEB-80D7-CA273807B0A0}"/>
               </a:ext>
             </a:extLst>
           </p:cNvPr>
@@ -6217,24 +6237,21 @@
           <a:p>
             <a:r>
               <a:rPr lang="ko-KR" altLang="en-US"/>
-              <a:t>여러가지 </a:t>
-            </a:r>
-            <a:r>
-              <a:rPr lang="en-US" altLang="ko-KR"/>
-              <a:t>“</a:t>
-            </a:r>
-            <a:r>
-              <a:rPr lang="ko-KR" altLang="en-US"/>
-              <a:t>옛</a:t>
-            </a:r>
-            <a:r>
-              <a:rPr lang="en-US" altLang="ko-KR"/>
-              <a:t>”</a:t>
-            </a:r>
-            <a:r>
-              <a:rPr lang="ko-KR" altLang="en-US"/>
-              <a:t> 방법</a:t>
-            </a:r>
+              <a:t>그렇다면</a:t>
+            </a:r>
+            <a:r>
+              <a:rPr lang="en-US" altLang="ko-KR"/>
+              <a:t>, </a:t>
+            </a:r>
+            <a:r>
+              <a:rPr lang="ko-KR" altLang="en-US"/>
+              <a:t>이렇게 생각할 수 있다</a:t>
+            </a:r>
+            <a:r>
+              <a:rPr lang="en-US" altLang="ko-KR"/>
+              <a:t>.</a:t>
+            </a:r>
+            <a:endParaRPr lang="ko-KR" altLang="en-US"/>
           </a:p>
         </p:txBody>
       </p:sp>
@@ -6243,7 +6260,7 @@
           <p:cNvPr id="3" name="내용 개체 틀 2">
             <a:extLst>
               <a:ext uri="{FF2B5EF4-FFF2-40B4-BE49-F238E27FC236}">
-                <a16:creationId xmlns:a16="http://schemas.microsoft.com/office/drawing/2014/main" id="{49DA78D8-1EC6-479E-8314-BD74FF37517A}"/>
+                <a16:creationId xmlns:a16="http://schemas.microsoft.com/office/drawing/2014/main" id="{9555A9EC-4292-488D-8AEA-0F6FA7B675C7}"/>
               </a:ext>
             </a:extLst>
           </p:cNvPr>
@@ -6256,153 +6273,127 @@
         </p:nvSpPr>
         <p:spPr/>
         <p:txBody>
-          <a:bodyPr>
-            <a:normAutofit/>
-          </a:bodyPr>
-          <a:lstStyle/>
-          <a:p>
-            <a:r>
-              <a:rPr lang="en-US" altLang="ko-KR"/>
-              <a:t>document.getElementsByTagName(“div“)</a:t>
-            </a:r>
-          </a:p>
-          <a:p>
-            <a:pPr lvl="1"/>
-            <a:r>
-              <a:rPr lang="ko-KR" altLang="en-US"/>
-              <a:t>문서의 </a:t>
-            </a:r>
-            <a:r>
-              <a:rPr lang="en-US" altLang="ko-KR"/>
-              <a:t>div </a:t>
-            </a:r>
-            <a:r>
-              <a:rPr lang="ko-KR" altLang="en-US"/>
-              <a:t>태그들을 선택</a:t>
-            </a:r>
+          <a:bodyPr/>
+          <a:lstStyle/>
+          <a:p>
+            <a:r>
+              <a:rPr lang="ko-KR" altLang="en-US"/>
+              <a:t>하나의 </a:t>
+            </a:r>
+            <a:r>
+              <a:rPr lang="en-US" altLang="ko-KR"/>
+              <a:t>html </a:t>
+            </a:r>
+            <a:r>
+              <a:rPr lang="ko-KR" altLang="en-US"/>
+              <a:t>파일이 하나의 거대한 객체라면</a:t>
+            </a:r>
+            <a:r>
+              <a:rPr lang="en-US" altLang="ko-KR"/>
+              <a:t>,</a:t>
+            </a:r>
+          </a:p>
+          <a:p>
+            <a:r>
+              <a:rPr lang="ko-KR" altLang="en-US"/>
+              <a:t>이벤트가 발생했을 때</a:t>
+            </a:r>
+            <a:r>
+              <a:rPr lang="en-US" altLang="ko-KR"/>
+              <a:t>,</a:t>
+            </a:r>
+          </a:p>
+          <a:p>
+            <a:r>
+              <a:rPr lang="ko-KR" altLang="en-US"/>
+              <a:t>바꾸고 싶은 부분을 </a:t>
+            </a:r>
+            <a:r>
+              <a:rPr lang="en-US" altLang="ko-KR"/>
+              <a:t>“</a:t>
+            </a:r>
+            <a:r>
+              <a:rPr lang="ko-KR" altLang="en-US"/>
+              <a:t>선택</a:t>
+            </a:r>
+            <a:r>
+              <a:rPr lang="en-US" altLang="ko-KR"/>
+              <a:t>” </a:t>
+            </a:r>
+            <a:r>
+              <a:rPr lang="ko-KR" altLang="en-US"/>
+              <a:t>해서</a:t>
+            </a:r>
+            <a:r>
+              <a:rPr lang="en-US" altLang="ko-KR"/>
+              <a:t>, </a:t>
+            </a:r>
+            <a:r>
+              <a:rPr lang="ko-KR" altLang="en-US"/>
+              <a:t>원하는 값으로 바꾸면</a:t>
+            </a:r>
+            <a:r>
+              <a:rPr lang="en-US" altLang="ko-KR"/>
+              <a:t>,</a:t>
+            </a:r>
+          </a:p>
+          <a:p>
+            <a:r>
+              <a:rPr lang="en-US" altLang="ko-KR"/>
+              <a:t>html</a:t>
+            </a:r>
+            <a:r>
+              <a:rPr lang="ko-KR" altLang="en-US"/>
+              <a:t> 을 바꿀 수 있지 않을까</a:t>
+            </a:r>
+            <a:r>
+              <a:rPr lang="en-US" altLang="ko-KR"/>
+              <a:t>?</a:t>
+            </a:r>
+          </a:p>
+          <a:p>
             <a:endParaRPr lang="en-US" altLang="ko-KR"/>
           </a:p>
           <a:p>
             <a:r>
-              <a:rPr lang="en-US" altLang="ko-KR"/>
-              <a:t>document.getElementById(“idName”)</a:t>
-            </a:r>
-          </a:p>
-          <a:p>
-            <a:pPr lvl="1"/>
-            <a:r>
-              <a:rPr lang="ko-KR" altLang="en-US"/>
-              <a:t>문서의 </a:t>
-            </a:r>
-            <a:r>
-              <a:rPr lang="en-US" altLang="ko-KR"/>
-              <a:t>idName </a:t>
-            </a:r>
-            <a:r>
-              <a:rPr lang="ko-KR" altLang="en-US"/>
-              <a:t>이라는 아이디</a:t>
-            </a:r>
-            <a:r>
-              <a:rPr lang="en-US" altLang="ko-KR"/>
-              <a:t>(#) </a:t>
-            </a:r>
-            <a:r>
-              <a:rPr lang="ko-KR" altLang="en-US"/>
-              <a:t>로 지정된 태그 선택</a:t>
-            </a:r>
-            <a:endParaRPr lang="en-US" altLang="ko-KR"/>
-          </a:p>
-          <a:p>
-            <a:r>
-              <a:rPr lang="en-US" altLang="ko-KR"/>
-              <a:t>document.getElementsByClassName(“myClass”)</a:t>
-            </a:r>
-          </a:p>
-          <a:p>
-            <a:pPr lvl="1"/>
-            <a:r>
-              <a:rPr lang="ko-KR" altLang="en-US"/>
-              <a:t>문서의 </a:t>
-            </a:r>
-            <a:r>
-              <a:rPr lang="en-US" altLang="ko-KR"/>
-              <a:t>myClass </a:t>
-            </a:r>
-            <a:r>
-              <a:rPr lang="ko-KR" altLang="en-US"/>
-              <a:t>라는 클래스</a:t>
-            </a:r>
-            <a:r>
-              <a:rPr lang="en-US" altLang="ko-KR"/>
-              <a:t>( . ) </a:t>
-            </a:r>
-            <a:r>
-              <a:rPr lang="ko-KR" altLang="en-US"/>
-              <a:t>로</a:t>
-            </a:r>
-            <a:r>
-              <a:rPr lang="en-US" altLang="ko-KR"/>
-              <a:t> </a:t>
-            </a:r>
-            <a:r>
-              <a:rPr lang="ko-KR" altLang="en-US"/>
-              <a:t>지정된 태그들을 선택</a:t>
-            </a:r>
-            <a:endParaRPr lang="en-US" altLang="ko-KR"/>
-          </a:p>
-          <a:p>
-            <a:endParaRPr lang="en-US" altLang="ko-KR"/>
-          </a:p>
-          <a:p>
-            <a:r>
-              <a:rPr lang="ko-KR" altLang="en-US"/>
-              <a:t>위 세가지는</a:t>
-            </a:r>
-            <a:r>
-              <a:rPr lang="en-US" altLang="ko-KR"/>
-              <a:t>, </a:t>
-            </a:r>
-            <a:r>
-              <a:rPr lang="ko-KR" altLang="en-US"/>
-              <a:t>개발자들에게 불편해서</a:t>
-            </a:r>
-            <a:r>
-              <a:rPr lang="en-US" altLang="ko-KR"/>
-              <a:t>, </a:t>
-            </a:r>
-          </a:p>
-          <a:p>
-            <a:pPr marL="0" indent="0">
-              <a:buNone/>
-            </a:pPr>
-            <a:r>
-              <a:rPr lang="en-US" altLang="ko-KR"/>
-              <a:t>    </a:t>
-            </a:r>
-            <a:r>
-              <a:rPr lang="ko-KR" altLang="en-US"/>
-              <a:t>선배 개발자들은 </a:t>
-            </a:r>
-            <a:r>
-              <a:rPr lang="en-US" altLang="ko-KR"/>
-              <a:t>jQuery </a:t>
-            </a:r>
-            <a:r>
-              <a:rPr lang="ko-KR" altLang="en-US"/>
-              <a:t>라는 기술을 따로 배워서 사용했다</a:t>
+              <a:rPr lang="ko-KR" altLang="en-US"/>
+              <a:t>그걸 </a:t>
+            </a:r>
+            <a:r>
+              <a:rPr lang="en-US" altLang="ko-KR"/>
+              <a:t>DOM Manipulation, </a:t>
+            </a:r>
+            <a:r>
+              <a:rPr lang="ko-KR" altLang="en-US"/>
+              <a:t>한국어로 </a:t>
+            </a:r>
+            <a:r>
+              <a:rPr lang="en-US" altLang="ko-KR"/>
+              <a:t>“</a:t>
+            </a:r>
+            <a:r>
+              <a:rPr lang="ko-KR" altLang="en-US"/>
+              <a:t>돔 조작</a:t>
+            </a:r>
+            <a:r>
+              <a:rPr lang="en-US" altLang="ko-KR"/>
+              <a:t>”</a:t>
+            </a:r>
+            <a:r>
+              <a:rPr lang="ko-KR" altLang="en-US"/>
+              <a:t>이라고 한다</a:t>
             </a:r>
             <a:r>
               <a:rPr lang="en-US" altLang="ko-KR"/>
               <a:t>.</a:t>
             </a:r>
-            <a:endParaRPr lang="ko-KR" altLang="en-US"/>
           </a:p>
         </p:txBody>
       </p:sp>
     </p:spTree>
     <p:extLst>
       <p:ext uri="{BB962C8B-B14F-4D97-AF65-F5344CB8AC3E}">
-        <p14:creationId xmlns:p14="http://schemas.microsoft.com/office/powerpoint/2010/main" val="1575111648"/>
+        <p14:creationId xmlns:p14="http://schemas.microsoft.com/office/powerpoint/2010/main" val="364442152"/>
       </p:ext>
     </p:extLst>
   </p:cSld>
@@ -6434,6 +6425,241 @@
           <p:cNvPr id="2" name="제목 1">
             <a:extLst>
               <a:ext uri="{FF2B5EF4-FFF2-40B4-BE49-F238E27FC236}">
+                <a16:creationId xmlns:a16="http://schemas.microsoft.com/office/drawing/2014/main" id="{B25AB3A1-F3FE-4DB6-973E-8D82558272A8}"/>
+              </a:ext>
+            </a:extLst>
+          </p:cNvPr>
+          <p:cNvSpPr>
+            <a:spLocks noGrp="1"/>
+          </p:cNvSpPr>
+          <p:nvPr>
+            <p:ph type="title"/>
+          </p:nvPr>
+        </p:nvSpPr>
+        <p:spPr/>
+        <p:txBody>
+          <a:bodyPr/>
+          <a:lstStyle/>
+          <a:p>
+            <a:r>
+              <a:rPr lang="ko-KR" altLang="en-US"/>
+              <a:t>여러가지 </a:t>
+            </a:r>
+            <a:r>
+              <a:rPr lang="en-US" altLang="ko-KR"/>
+              <a:t>“</a:t>
+            </a:r>
+            <a:r>
+              <a:rPr lang="ko-KR" altLang="en-US"/>
+              <a:t>옛</a:t>
+            </a:r>
+            <a:r>
+              <a:rPr lang="en-US" altLang="ko-KR"/>
+              <a:t>”</a:t>
+            </a:r>
+            <a:r>
+              <a:rPr lang="ko-KR" altLang="en-US"/>
+              <a:t> 방법</a:t>
+            </a:r>
+          </a:p>
+        </p:txBody>
+      </p:sp>
+      <p:sp>
+        <p:nvSpPr>
+          <p:cNvPr id="3" name="내용 개체 틀 2">
+            <a:extLst>
+              <a:ext uri="{FF2B5EF4-FFF2-40B4-BE49-F238E27FC236}">
+                <a16:creationId xmlns:a16="http://schemas.microsoft.com/office/drawing/2014/main" id="{49DA78D8-1EC6-479E-8314-BD74FF37517A}"/>
+              </a:ext>
+            </a:extLst>
+          </p:cNvPr>
+          <p:cNvSpPr>
+            <a:spLocks noGrp="1"/>
+          </p:cNvSpPr>
+          <p:nvPr>
+            <p:ph idx="1"/>
+          </p:nvPr>
+        </p:nvSpPr>
+        <p:spPr/>
+        <p:txBody>
+          <a:bodyPr>
+            <a:normAutofit/>
+          </a:bodyPr>
+          <a:lstStyle/>
+          <a:p>
+            <a:r>
+              <a:rPr lang="en-US" altLang="ko-KR"/>
+              <a:t>document.getElementsByTagName(“div“)</a:t>
+            </a:r>
+          </a:p>
+          <a:p>
+            <a:pPr lvl="1"/>
+            <a:r>
+              <a:rPr lang="ko-KR" altLang="en-US"/>
+              <a:t>문서의 </a:t>
+            </a:r>
+            <a:r>
+              <a:rPr lang="en-US" altLang="ko-KR"/>
+              <a:t>div </a:t>
+            </a:r>
+            <a:r>
+              <a:rPr lang="ko-KR" altLang="en-US"/>
+              <a:t>태그들을 선택</a:t>
+            </a:r>
+            <a:endParaRPr lang="en-US" altLang="ko-KR"/>
+          </a:p>
+          <a:p>
+            <a:r>
+              <a:rPr lang="en-US" altLang="ko-KR"/>
+              <a:t>document.getElementById(“idName”)</a:t>
+            </a:r>
+          </a:p>
+          <a:p>
+            <a:pPr lvl="1"/>
+            <a:r>
+              <a:rPr lang="ko-KR" altLang="en-US"/>
+              <a:t>문서의 </a:t>
+            </a:r>
+            <a:r>
+              <a:rPr lang="en-US" altLang="ko-KR"/>
+              <a:t>idName </a:t>
+            </a:r>
+            <a:r>
+              <a:rPr lang="ko-KR" altLang="en-US"/>
+              <a:t>이라는 아이디</a:t>
+            </a:r>
+            <a:r>
+              <a:rPr lang="en-US" altLang="ko-KR"/>
+              <a:t>(#) </a:t>
+            </a:r>
+            <a:r>
+              <a:rPr lang="ko-KR" altLang="en-US"/>
+              <a:t>로 지정된 태그 선택</a:t>
+            </a:r>
+            <a:endParaRPr lang="en-US" altLang="ko-KR"/>
+          </a:p>
+          <a:p>
+            <a:r>
+              <a:rPr lang="en-US" altLang="ko-KR"/>
+              <a:t>document.getElementsByClassName(“myClass”)</a:t>
+            </a:r>
+          </a:p>
+          <a:p>
+            <a:pPr lvl="1"/>
+            <a:r>
+              <a:rPr lang="ko-KR" altLang="en-US"/>
+              <a:t>문서의 </a:t>
+            </a:r>
+            <a:r>
+              <a:rPr lang="en-US" altLang="ko-KR"/>
+              <a:t>myClass </a:t>
+            </a:r>
+            <a:r>
+              <a:rPr lang="ko-KR" altLang="en-US"/>
+              <a:t>라는 클래스</a:t>
+            </a:r>
+            <a:r>
+              <a:rPr lang="en-US" altLang="ko-KR"/>
+              <a:t>( . ) </a:t>
+            </a:r>
+            <a:r>
+              <a:rPr lang="ko-KR" altLang="en-US"/>
+              <a:t>로</a:t>
+            </a:r>
+            <a:r>
+              <a:rPr lang="en-US" altLang="ko-KR"/>
+              <a:t> </a:t>
+            </a:r>
+            <a:r>
+              <a:rPr lang="ko-KR" altLang="en-US"/>
+              <a:t>지정된 태그들을 선택</a:t>
+            </a:r>
+            <a:endParaRPr lang="en-US" altLang="ko-KR"/>
+          </a:p>
+          <a:p>
+            <a:endParaRPr lang="en-US" altLang="ko-KR"/>
+          </a:p>
+          <a:p>
+            <a:r>
+              <a:rPr lang="ko-KR" altLang="en-US"/>
+              <a:t>위 세가지는</a:t>
+            </a:r>
+            <a:r>
+              <a:rPr lang="en-US" altLang="ko-KR"/>
+              <a:t>, </a:t>
+            </a:r>
+            <a:r>
+              <a:rPr lang="ko-KR" altLang="en-US"/>
+              <a:t>개발자들에게 불편해서</a:t>
+            </a:r>
+            <a:r>
+              <a:rPr lang="en-US" altLang="ko-KR"/>
+              <a:t>, </a:t>
+            </a:r>
+          </a:p>
+          <a:p>
+            <a:pPr marL="0" indent="0">
+              <a:buNone/>
+            </a:pPr>
+            <a:r>
+              <a:rPr lang="en-US" altLang="ko-KR"/>
+              <a:t>    </a:t>
+            </a:r>
+            <a:r>
+              <a:rPr lang="ko-KR" altLang="en-US"/>
+              <a:t>선배 개발자들은 </a:t>
+            </a:r>
+            <a:r>
+              <a:rPr lang="en-US" altLang="ko-KR"/>
+              <a:t>jQuery </a:t>
+            </a:r>
+            <a:r>
+              <a:rPr lang="ko-KR" altLang="en-US"/>
+              <a:t>라는 기술을 따로 배워서 사용했다</a:t>
+            </a:r>
+            <a:r>
+              <a:rPr lang="en-US" altLang="ko-KR"/>
+              <a:t>.</a:t>
+            </a:r>
+            <a:endParaRPr lang="ko-KR" altLang="en-US"/>
+          </a:p>
+        </p:txBody>
+      </p:sp>
+    </p:spTree>
+    <p:extLst>
+      <p:ext uri="{BB962C8B-B14F-4D97-AF65-F5344CB8AC3E}">
+        <p14:creationId xmlns:p14="http://schemas.microsoft.com/office/powerpoint/2010/main" val="1575111648"/>
+      </p:ext>
+    </p:extLst>
+  </p:cSld>
+  <p:clrMapOvr>
+    <a:masterClrMapping/>
+  </p:clrMapOvr>
+</p:sld>
+</file>
+
+<file path=ppt/slides/slide24.xml><?xml version="1.0" encoding="utf-8"?>
+<p:sld xmlns:a="http://schemas.openxmlformats.org/drawingml/2006/main" xmlns:r="http://schemas.openxmlformats.org/officeDocument/2006/relationships" xmlns:p="http://schemas.openxmlformats.org/presentationml/2006/main">
+  <p:cSld>
+    <p:spTree>
+      <p:nvGrpSpPr>
+        <p:cNvPr id="1" name=""/>
+        <p:cNvGrpSpPr/>
+        <p:nvPr/>
+      </p:nvGrpSpPr>
+      <p:grpSpPr>
+        <a:xfrm>
+          <a:off x="0" y="0"/>
+          <a:ext cx="0" cy="0"/>
+          <a:chOff x="0" y="0"/>
+          <a:chExt cx="0" cy="0"/>
+        </a:xfrm>
+      </p:grpSpPr>
+      <p:sp>
+        <p:nvSpPr>
+          <p:cNvPr id="2" name="제목 1">
+            <a:extLst>
+              <a:ext uri="{FF2B5EF4-FFF2-40B4-BE49-F238E27FC236}">
                 <a16:creationId xmlns:a16="http://schemas.microsoft.com/office/drawing/2014/main" id="{0978315A-55F7-42BE-A21F-D3E97B24184A}"/>
               </a:ext>
             </a:extLst>
@@ -6533,7 +6759,7 @@
 </p:sld>
 </file>
 
-<file path=ppt/slides/slide24.xml><?xml version="1.0" encoding="utf-8"?>
+<file path=ppt/slides/slide25.xml><?xml version="1.0" encoding="utf-8"?>
 <p:sld xmlns:a="http://schemas.openxmlformats.org/drawingml/2006/main" xmlns:r="http://schemas.openxmlformats.org/officeDocument/2006/relationships" xmlns:p="http://schemas.openxmlformats.org/presentationml/2006/main">
   <p:cSld>
     <p:spTree>
@@ -6793,239 +7019,6 @@
     <p:extLst>
       <p:ext uri="{BB962C8B-B14F-4D97-AF65-F5344CB8AC3E}">
         <p14:creationId xmlns:p14="http://schemas.microsoft.com/office/powerpoint/2010/main" val="977529768"/>
-      </p:ext>
-    </p:extLst>
-  </p:cSld>
-  <p:clrMapOvr>
-    <a:masterClrMapping/>
-  </p:clrMapOvr>
-</p:sld>
-</file>
-
-<file path=ppt/slides/slide25.xml><?xml version="1.0" encoding="utf-8"?>
-<p:sld xmlns:a="http://schemas.openxmlformats.org/drawingml/2006/main" xmlns:r="http://schemas.openxmlformats.org/officeDocument/2006/relationships" xmlns:p="http://schemas.openxmlformats.org/presentationml/2006/main">
-  <p:cSld>
-    <p:spTree>
-      <p:nvGrpSpPr>
-        <p:cNvPr id="1" name=""/>
-        <p:cNvGrpSpPr/>
-        <p:nvPr/>
-      </p:nvGrpSpPr>
-      <p:grpSpPr>
-        <a:xfrm>
-          <a:off x="0" y="0"/>
-          <a:ext cx="0" cy="0"/>
-          <a:chOff x="0" y="0"/>
-          <a:chExt cx="0" cy="0"/>
-        </a:xfrm>
-      </p:grpSpPr>
-      <p:pic>
-        <p:nvPicPr>
-          <p:cNvPr id="5" name="그림 4">
-            <a:extLst>
-              <a:ext uri="{FF2B5EF4-FFF2-40B4-BE49-F238E27FC236}">
-                <a16:creationId xmlns:a16="http://schemas.microsoft.com/office/drawing/2014/main" id="{AB153DC5-31B3-43CA-AFA1-45ABD05E7D18}"/>
-              </a:ext>
-            </a:extLst>
-          </p:cNvPr>
-          <p:cNvPicPr>
-            <a:picLocks noChangeAspect="1"/>
-          </p:cNvPicPr>
-          <p:nvPr/>
-        </p:nvPicPr>
-        <p:blipFill>
-          <a:blip r:embed="rId2"/>
-          <a:stretch>
-            <a:fillRect/>
-          </a:stretch>
-        </p:blipFill>
-        <p:spPr>
-          <a:xfrm>
-            <a:off x="869658" y="2886252"/>
-            <a:ext cx="10452683" cy="1085496"/>
-          </a:xfrm>
-          <a:prstGeom prst="rect">
-            <a:avLst/>
-          </a:prstGeom>
-        </p:spPr>
-      </p:pic>
-      <p:cxnSp>
-        <p:nvCxnSpPr>
-          <p:cNvPr id="7" name="직선 연결선 6">
-            <a:extLst>
-              <a:ext uri="{FF2B5EF4-FFF2-40B4-BE49-F238E27FC236}">
-                <a16:creationId xmlns:a16="http://schemas.microsoft.com/office/drawing/2014/main" id="{CA5F4F95-2DF9-457D-99D0-50B439457389}"/>
-              </a:ext>
-            </a:extLst>
-          </p:cNvPr>
-          <p:cNvCxnSpPr/>
-          <p:nvPr/>
-        </p:nvCxnSpPr>
-        <p:spPr>
-          <a:xfrm>
-            <a:off x="5016617" y="3682767"/>
-            <a:ext cx="1400961" cy="0"/>
-          </a:xfrm>
-          <a:prstGeom prst="line">
-            <a:avLst/>
-          </a:prstGeom>
-          <a:ln w="76200"/>
-        </p:spPr>
-        <p:style>
-          <a:lnRef idx="1">
-            <a:schemeClr val="accent1"/>
-          </a:lnRef>
-          <a:fillRef idx="0">
-            <a:schemeClr val="accent1"/>
-          </a:fillRef>
-          <a:effectRef idx="0">
-            <a:schemeClr val="accent1"/>
-          </a:effectRef>
-          <a:fontRef idx="minor">
-            <a:schemeClr val="tx1"/>
-          </a:fontRef>
-        </p:style>
-      </p:cxnSp>
-      <p:sp>
-        <p:nvSpPr>
-          <p:cNvPr id="8" name="TextBox 7">
-            <a:extLst>
-              <a:ext uri="{FF2B5EF4-FFF2-40B4-BE49-F238E27FC236}">
-                <a16:creationId xmlns:a16="http://schemas.microsoft.com/office/drawing/2014/main" id="{034F96C5-8477-4267-8769-4AA567801B65}"/>
-              </a:ext>
-            </a:extLst>
-          </p:cNvPr>
-          <p:cNvSpPr txBox="1"/>
-          <p:nvPr/>
-        </p:nvSpPr>
-        <p:spPr>
-          <a:xfrm>
-            <a:off x="5117284" y="3971748"/>
-            <a:ext cx="5447325" cy="2339102"/>
-          </a:xfrm>
-          <a:prstGeom prst="rect">
-            <a:avLst/>
-          </a:prstGeom>
-          <a:noFill/>
-        </p:spPr>
-        <p:txBody>
-          <a:bodyPr wrap="none" rtlCol="0">
-            <a:spAutoFit/>
-          </a:bodyPr>
-          <a:lstStyle/>
-          <a:p>
-            <a:r>
-              <a:rPr lang="ko-KR" altLang="en-US"/>
-              <a:t>쓰고자 하는 선택자</a:t>
-            </a:r>
-            <a:r>
-              <a:rPr lang="en-US" altLang="ko-KR"/>
-              <a:t>.</a:t>
-            </a:r>
-          </a:p>
-          <a:p>
-            <a:r>
-              <a:rPr lang="ko-KR" altLang="en-US"/>
-              <a:t>여기선</a:t>
-            </a:r>
-            <a:r>
-              <a:rPr lang="en-US" altLang="ko-KR"/>
-              <a:t>, square </a:t>
-            </a:r>
-            <a:r>
-              <a:rPr lang="ko-KR" altLang="en-US"/>
-              <a:t>라는 클래스를 선택하므로</a:t>
-            </a:r>
-            <a:r>
-              <a:rPr lang="en-US" altLang="ko-KR"/>
-              <a:t>,</a:t>
-            </a:r>
-          </a:p>
-          <a:p>
-            <a:r>
-              <a:rPr lang="en-US" altLang="ko-KR" b="1"/>
-              <a:t>“.square” </a:t>
-            </a:r>
-            <a:r>
-              <a:rPr lang="ko-KR" altLang="en-US"/>
-              <a:t>라고 써준 것</a:t>
-            </a:r>
-            <a:r>
-              <a:rPr lang="en-US" altLang="ko-KR"/>
-              <a:t>.</a:t>
-            </a:r>
-          </a:p>
-          <a:p>
-            <a:r>
-              <a:rPr lang="en-US" altLang="ko-KR"/>
-              <a:t>css</a:t>
-            </a:r>
-            <a:r>
-              <a:rPr lang="ko-KR" altLang="en-US"/>
-              <a:t>를 변경하고 싶으면</a:t>
-            </a:r>
-            <a:r>
-              <a:rPr lang="en-US" altLang="ko-KR"/>
-              <a:t>, style </a:t>
-            </a:r>
-            <a:r>
-              <a:rPr lang="ko-KR" altLang="en-US"/>
-              <a:t>로</a:t>
-            </a:r>
-            <a:r>
-              <a:rPr lang="en-US" altLang="ko-KR"/>
-              <a:t> </a:t>
-            </a:r>
-            <a:r>
-              <a:rPr lang="ko-KR" altLang="en-US"/>
-              <a:t>들어가서</a:t>
-            </a:r>
-            <a:r>
-              <a:rPr lang="en-US" altLang="ko-KR"/>
-              <a:t>,</a:t>
-            </a:r>
-          </a:p>
-          <a:p>
-            <a:r>
-              <a:rPr lang="ko-KR" altLang="en-US"/>
-              <a:t>쓰고자 하는 프로퍼티를 낙타체</a:t>
-            </a:r>
-            <a:r>
-              <a:rPr lang="en-US" altLang="ko-KR"/>
-              <a:t>(camelCase)</a:t>
-            </a:r>
-            <a:r>
-              <a:rPr lang="ko-KR" altLang="en-US"/>
-              <a:t>로 쓴다</a:t>
-            </a:r>
-            <a:endParaRPr lang="en-US" altLang="ko-KR"/>
-          </a:p>
-          <a:p>
-            <a:endParaRPr lang="en-US" altLang="ko-KR"/>
-          </a:p>
-          <a:p>
-            <a:r>
-              <a:rPr lang="en-US" altLang="ko-KR"/>
-              <a:t>background-color </a:t>
-            </a:r>
-            <a:r>
-              <a:rPr lang="ko-KR" altLang="en-US"/>
-              <a:t>는 </a:t>
-            </a:r>
-            <a:r>
-              <a:rPr lang="en-US" altLang="ko-KR"/>
-              <a:t>backgroundColor</a:t>
-            </a:r>
-          </a:p>
-          <a:p>
-            <a:endParaRPr lang="ko-KR" altLang="en-US"/>
-          </a:p>
-        </p:txBody>
-      </p:sp>
-    </p:spTree>
-    <p:extLst>
-      <p:ext uri="{BB962C8B-B14F-4D97-AF65-F5344CB8AC3E}">
-        <p14:creationId xmlns:p14="http://schemas.microsoft.com/office/powerpoint/2010/main" val="3197935229"/>
       </p:ext>
     </p:extLst>
   </p:cSld>
@@ -7057,7 +7050,7 @@
           <p:cNvPr id="5" name="그림 4">
             <a:extLst>
               <a:ext uri="{FF2B5EF4-FFF2-40B4-BE49-F238E27FC236}">
-                <a16:creationId xmlns:a16="http://schemas.microsoft.com/office/drawing/2014/main" id="{FA541F3B-EDAF-436F-A424-772D8769EF0C}"/>
+                <a16:creationId xmlns:a16="http://schemas.microsoft.com/office/drawing/2014/main" id="{AB153DC5-31B3-43CA-AFA1-45ABD05E7D18}"/>
               </a:ext>
             </a:extLst>
           </p:cNvPr>
@@ -7074,90 +7067,67 @@
         </p:blipFill>
         <p:spPr>
           <a:xfrm>
-            <a:off x="8233621" y="1343025"/>
-            <a:ext cx="2990850" cy="2085975"/>
+            <a:off x="869658" y="2886252"/>
+            <a:ext cx="10452683" cy="1085496"/>
           </a:xfrm>
           <a:prstGeom prst="rect">
             <a:avLst/>
           </a:prstGeom>
         </p:spPr>
       </p:pic>
-      <p:pic>
-        <p:nvPicPr>
-          <p:cNvPr id="7" name="그림 6">
-            <a:extLst>
-              <a:ext uri="{FF2B5EF4-FFF2-40B4-BE49-F238E27FC236}">
-                <a16:creationId xmlns:a16="http://schemas.microsoft.com/office/drawing/2014/main" id="{80A2501E-7E48-4EE8-9B0B-A8F5A81280C6}"/>
-              </a:ext>
-            </a:extLst>
-          </p:cNvPr>
-          <p:cNvPicPr>
-            <a:picLocks noChangeAspect="1"/>
-          </p:cNvPicPr>
+      <p:cxnSp>
+        <p:nvCxnSpPr>
+          <p:cNvPr id="7" name="직선 연결선 6">
+            <a:extLst>
+              <a:ext uri="{FF2B5EF4-FFF2-40B4-BE49-F238E27FC236}">
+                <a16:creationId xmlns:a16="http://schemas.microsoft.com/office/drawing/2014/main" id="{CA5F4F95-2DF9-457D-99D0-50B439457389}"/>
+              </a:ext>
+            </a:extLst>
+          </p:cNvPr>
+          <p:cNvCxnSpPr/>
           <p:nvPr/>
-        </p:nvPicPr>
-        <p:blipFill>
-          <a:blip r:embed="rId3"/>
-          <a:stretch>
-            <a:fillRect/>
-          </a:stretch>
-        </p:blipFill>
+        </p:nvCxnSpPr>
         <p:spPr>
           <a:xfrm>
-            <a:off x="456322" y="352338"/>
-            <a:ext cx="4509440" cy="3171038"/>
+            <a:off x="5016617" y="3682767"/>
+            <a:ext cx="1400961" cy="0"/>
           </a:xfrm>
-          <a:prstGeom prst="rect">
+          <a:prstGeom prst="line">
             <a:avLst/>
           </a:prstGeom>
+          <a:ln w="76200"/>
         </p:spPr>
-      </p:pic>
-      <p:pic>
-        <p:nvPicPr>
-          <p:cNvPr id="9" name="그림 8">
-            <a:extLst>
-              <a:ext uri="{FF2B5EF4-FFF2-40B4-BE49-F238E27FC236}">
-                <a16:creationId xmlns:a16="http://schemas.microsoft.com/office/drawing/2014/main" id="{426D35B2-C1F8-4BDC-99A6-49A449013F32}"/>
-              </a:ext>
-            </a:extLst>
-          </p:cNvPr>
-          <p:cNvPicPr>
-            <a:picLocks noChangeAspect="1"/>
-          </p:cNvPicPr>
+        <p:style>
+          <a:lnRef idx="1">
+            <a:schemeClr val="accent1"/>
+          </a:lnRef>
+          <a:fillRef idx="0">
+            <a:schemeClr val="accent1"/>
+          </a:fillRef>
+          <a:effectRef idx="0">
+            <a:schemeClr val="accent1"/>
+          </a:effectRef>
+          <a:fontRef idx="minor">
+            <a:schemeClr val="tx1"/>
+          </a:fontRef>
+        </p:style>
+      </p:cxnSp>
+      <p:sp>
+        <p:nvSpPr>
+          <p:cNvPr id="8" name="TextBox 7">
+            <a:extLst>
+              <a:ext uri="{FF2B5EF4-FFF2-40B4-BE49-F238E27FC236}">
+                <a16:creationId xmlns:a16="http://schemas.microsoft.com/office/drawing/2014/main" id="{034F96C5-8477-4267-8769-4AA567801B65}"/>
+              </a:ext>
+            </a:extLst>
+          </p:cNvPr>
+          <p:cNvSpPr txBox="1"/>
           <p:nvPr/>
-        </p:nvPicPr>
-        <p:blipFill>
-          <a:blip r:embed="rId4"/>
-          <a:stretch>
-            <a:fillRect/>
-          </a:stretch>
-        </p:blipFill>
+        </p:nvSpPr>
         <p:spPr>
           <a:xfrm>
-            <a:off x="5318272" y="4380142"/>
-            <a:ext cx="6711367" cy="1761626"/>
-          </a:xfrm>
-          <a:prstGeom prst="rect">
-            <a:avLst/>
-          </a:prstGeom>
-        </p:spPr>
-      </p:pic>
-      <p:sp>
-        <p:nvSpPr>
-          <p:cNvPr id="10" name="TextBox 9">
-            <a:extLst>
-              <a:ext uri="{FF2B5EF4-FFF2-40B4-BE49-F238E27FC236}">
-                <a16:creationId xmlns:a16="http://schemas.microsoft.com/office/drawing/2014/main" id="{39411683-F43D-47D9-9017-1804A11B1E4F}"/>
-              </a:ext>
-            </a:extLst>
-          </p:cNvPr>
-          <p:cNvSpPr txBox="1"/>
-          <p:nvPr/>
-        </p:nvSpPr>
-        <p:spPr>
-          <a:xfrm>
-            <a:off x="162361" y="4387442"/>
-            <a:ext cx="4735592" cy="2031325"/>
+            <a:off x="4706223" y="3845913"/>
+            <a:ext cx="7406195" cy="2862322"/>
           </a:xfrm>
           <a:prstGeom prst="rect">
             <a:avLst/>
@@ -7171,27 +7141,123 @@
           <a:lstStyle/>
           <a:p>
             <a:r>
-              <a:rPr lang="en-US" altLang="ko-KR"/>
-              <a:t>document </a:t>
-            </a:r>
-            <a:r>
-              <a:rPr lang="ko-KR" altLang="en-US"/>
-              <a:t>를 변수로 따로 받아도 조작 가능</a:t>
+              <a:rPr lang="ko-KR" altLang="en-US"/>
+              <a:t>쓰고자 하는 선택자</a:t>
+            </a:r>
+            <a:r>
+              <a:rPr lang="en-US" altLang="ko-KR"/>
+              <a:t>.</a:t>
+            </a:r>
+          </a:p>
+          <a:p>
+            <a:r>
+              <a:rPr lang="ko-KR" altLang="en-US"/>
+              <a:t>여기선</a:t>
+            </a:r>
+            <a:r>
+              <a:rPr lang="en-US" altLang="ko-KR"/>
+              <a:t>, square </a:t>
+            </a:r>
+            <a:r>
+              <a:rPr lang="ko-KR" altLang="en-US"/>
+              <a:t>라는 클래스를 선택하므로</a:t>
+            </a:r>
+            <a:r>
+              <a:rPr lang="en-US" altLang="ko-KR"/>
+              <a:t>,</a:t>
+            </a:r>
+          </a:p>
+          <a:p>
+            <a:r>
+              <a:rPr lang="en-US" altLang="ko-KR" b="1"/>
+              <a:t>“.square” </a:t>
+            </a:r>
+            <a:r>
+              <a:rPr lang="ko-KR" altLang="en-US"/>
+              <a:t>라고 써준 것</a:t>
+            </a:r>
+            <a:r>
+              <a:rPr lang="en-US" altLang="ko-KR"/>
+              <a:t>.</a:t>
+            </a:r>
+          </a:p>
+          <a:p>
+            <a:r>
+              <a:rPr lang="en-US" altLang="ko-KR"/>
+              <a:t>css</a:t>
+            </a:r>
+            <a:r>
+              <a:rPr lang="ko-KR" altLang="en-US"/>
+              <a:t>를 변경하고 싶으면</a:t>
+            </a:r>
+            <a:r>
+              <a:rPr lang="en-US" altLang="ko-KR"/>
+              <a:t>, style </a:t>
+            </a:r>
+            <a:r>
+              <a:rPr lang="ko-KR" altLang="en-US"/>
+              <a:t>로</a:t>
+            </a:r>
+            <a:r>
+              <a:rPr lang="en-US" altLang="ko-KR"/>
+              <a:t> </a:t>
+            </a:r>
+            <a:r>
+              <a:rPr lang="ko-KR" altLang="en-US"/>
+              <a:t>들어가서</a:t>
+            </a:r>
+            <a:r>
+              <a:rPr lang="en-US" altLang="ko-KR"/>
+              <a:t>,</a:t>
+            </a:r>
+          </a:p>
+          <a:p>
+            <a:r>
+              <a:rPr lang="ko-KR" altLang="en-US"/>
+              <a:t>쓰고자 하는 프로퍼티를 낙타체</a:t>
+            </a:r>
+            <a:r>
+              <a:rPr lang="en-US" altLang="ko-KR"/>
+              <a:t>(camelCase)</a:t>
+            </a:r>
+            <a:r>
+              <a:rPr lang="ko-KR" altLang="en-US"/>
+              <a:t>로 쓴다</a:t>
             </a:r>
             <a:endParaRPr lang="en-US" altLang="ko-KR"/>
           </a:p>
           <a:p>
-            <a:r>
-              <a:rPr lang="ko-KR" altLang="en-US"/>
-              <a:t>여기선 </a:t>
-            </a:r>
-            <a:r>
-              <a:rPr lang="en-US" altLang="ko-KR"/>
-              <a:t>tests </a:t>
-            </a:r>
-            <a:r>
-              <a:rPr lang="ko-KR" altLang="en-US"/>
-              <a:t>라는 변수로 받았다</a:t>
+            <a:endParaRPr lang="en-US" altLang="ko-KR"/>
+          </a:p>
+          <a:p>
+            <a:r>
+              <a:rPr lang="en-US" altLang="ko-KR"/>
+              <a:t>background-color </a:t>
+            </a:r>
+            <a:r>
+              <a:rPr lang="ko-KR" altLang="en-US"/>
+              <a:t>는 </a:t>
+            </a:r>
+            <a:r>
+              <a:rPr lang="en-US" altLang="ko-KR"/>
+              <a:t>backgroundColor</a:t>
+            </a:r>
+          </a:p>
+          <a:p>
+            <a:endParaRPr lang="en-US" altLang="ko-KR"/>
+          </a:p>
+          <a:p>
+            <a:r>
+              <a:rPr lang="ko-KR" altLang="en-US"/>
+              <a:t>일일히 외울 필요는 없다</a:t>
+            </a:r>
+            <a:r>
+              <a:rPr lang="en-US" altLang="ko-KR"/>
+              <a:t>. console.dir </a:t>
+            </a:r>
+            <a:r>
+              <a:rPr lang="ko-KR" altLang="en-US"/>
+              <a:t>로 찍어보고 객체 접근해도 된다</a:t>
             </a:r>
             <a:r>
               <a:rPr lang="en-US" altLang="ko-KR"/>
@@ -7199,60 +7265,14 @@
             </a:r>
           </a:p>
           <a:p>
-            <a:endParaRPr lang="en-US" altLang="ko-KR"/>
-          </a:p>
-          <a:p>
-            <a:r>
-              <a:rPr lang="ko-KR" altLang="en-US"/>
-              <a:t>클래스 각각을 받아 배열로 만든다</a:t>
-            </a:r>
-            <a:r>
-              <a:rPr lang="en-US" altLang="ko-KR"/>
-              <a:t>.</a:t>
-            </a:r>
-          </a:p>
-          <a:p>
-            <a:endParaRPr lang="en-US" altLang="ko-KR"/>
-          </a:p>
-          <a:p>
-            <a:r>
-              <a:rPr lang="ko-KR" altLang="en-US"/>
-              <a:t>그러나</a:t>
-            </a:r>
-            <a:r>
-              <a:rPr lang="en-US" altLang="ko-KR"/>
-              <a:t>, </a:t>
-            </a:r>
-            <a:r>
-              <a:rPr lang="ko-KR" altLang="en-US"/>
-              <a:t>일반적인 배열은 아니고 </a:t>
-            </a:r>
-            <a:endParaRPr lang="en-US" altLang="ko-KR"/>
-          </a:p>
-          <a:p>
-            <a:r>
-              <a:rPr lang="en-US" altLang="ko-KR"/>
-              <a:t>NodeList </a:t>
-            </a:r>
-            <a:r>
-              <a:rPr lang="ko-KR" altLang="en-US"/>
-              <a:t>객체라서</a:t>
-            </a:r>
-            <a:r>
-              <a:rPr lang="en-US" altLang="ko-KR"/>
-              <a:t>, map </a:t>
-            </a:r>
-            <a:r>
-              <a:rPr lang="ko-KR" altLang="en-US"/>
-              <a:t>함수 사용 불가</a:t>
-            </a:r>
+            <a:endParaRPr lang="ko-KR" altLang="en-US"/>
           </a:p>
         </p:txBody>
       </p:sp>
     </p:spTree>
     <p:extLst>
       <p:ext uri="{BB962C8B-B14F-4D97-AF65-F5344CB8AC3E}">
-        <p14:creationId xmlns:p14="http://schemas.microsoft.com/office/powerpoint/2010/main" val="2715774522"/>
+        <p14:creationId xmlns:p14="http://schemas.microsoft.com/office/powerpoint/2010/main" val="3197935229"/>
       </p:ext>
     </p:extLst>
   </p:cSld>
@@ -7279,92 +7299,146 @@
           <a:chExt cx="0" cy="0"/>
         </a:xfrm>
       </p:grpSpPr>
-      <p:sp>
-        <p:nvSpPr>
-          <p:cNvPr id="2" name="제목 1">
-            <a:extLst>
-              <a:ext uri="{FF2B5EF4-FFF2-40B4-BE49-F238E27FC236}">
-                <a16:creationId xmlns:a16="http://schemas.microsoft.com/office/drawing/2014/main" id="{5C9BA679-F415-402E-A059-C211A314EBC8}"/>
-              </a:ext>
-            </a:extLst>
-          </p:cNvPr>
-          <p:cNvSpPr>
-            <a:spLocks noGrp="1"/>
-          </p:cNvSpPr>
-          <p:nvPr>
-            <p:ph type="title"/>
-          </p:nvPr>
-        </p:nvSpPr>
-        <p:spPr/>
-        <p:txBody>
-          <a:bodyPr/>
-          <a:lstStyle/>
-          <a:p>
-            <a:r>
-              <a:rPr lang="ko-KR" altLang="en-US"/>
-              <a:t>주의</a:t>
-            </a:r>
-          </a:p>
-        </p:txBody>
-      </p:sp>
-      <p:sp>
-        <p:nvSpPr>
-          <p:cNvPr id="3" name="내용 개체 틀 2">
-            <a:extLst>
-              <a:ext uri="{FF2B5EF4-FFF2-40B4-BE49-F238E27FC236}">
-                <a16:creationId xmlns:a16="http://schemas.microsoft.com/office/drawing/2014/main" id="{4B0458E8-B57D-4C47-858F-8DC9E32C218E}"/>
-              </a:ext>
-            </a:extLst>
-          </p:cNvPr>
-          <p:cNvSpPr>
-            <a:spLocks noGrp="1"/>
-          </p:cNvSpPr>
-          <p:nvPr>
-            <p:ph idx="1"/>
-          </p:nvPr>
-        </p:nvSpPr>
-        <p:spPr/>
-        <p:txBody>
-          <a:bodyPr/>
-          <a:lstStyle/>
-          <a:p>
-            <a:r>
-              <a:rPr lang="ko-KR" altLang="en-US"/>
-              <a:t>첫번째 예제에선</a:t>
-            </a:r>
-            <a:r>
-              <a:rPr lang="en-US" altLang="ko-KR"/>
-              <a:t>,  .style.backgroundColor </a:t>
-            </a:r>
-            <a:r>
-              <a:rPr lang="ko-KR" altLang="en-US"/>
-              <a:t>를</a:t>
-            </a:r>
-            <a:r>
-              <a:rPr lang="en-US" altLang="ko-KR"/>
-              <a:t>,</a:t>
-            </a:r>
-          </a:p>
-          <a:p>
-            <a:r>
-              <a:rPr lang="ko-KR" altLang="en-US"/>
-              <a:t>두번째 예제에선</a:t>
-            </a:r>
-            <a:r>
-              <a:rPr lang="en-US" altLang="ko-KR"/>
-              <a:t>,</a:t>
-            </a:r>
-            <a:r>
-              <a:rPr lang="ko-KR" altLang="en-US"/>
-              <a:t>  </a:t>
-            </a:r>
-            <a:r>
-              <a:rPr lang="en-US" altLang="ko-KR"/>
-              <a:t>.value </a:t>
-            </a:r>
-            <a:r>
-              <a:rPr lang="ko-KR" altLang="en-US"/>
-              <a:t>를 변경했다</a:t>
+      <p:pic>
+        <p:nvPicPr>
+          <p:cNvPr id="5" name="그림 4">
+            <a:extLst>
+              <a:ext uri="{FF2B5EF4-FFF2-40B4-BE49-F238E27FC236}">
+                <a16:creationId xmlns:a16="http://schemas.microsoft.com/office/drawing/2014/main" id="{FA541F3B-EDAF-436F-A424-772D8769EF0C}"/>
+              </a:ext>
+            </a:extLst>
+          </p:cNvPr>
+          <p:cNvPicPr>
+            <a:picLocks noChangeAspect="1"/>
+          </p:cNvPicPr>
+          <p:nvPr/>
+        </p:nvPicPr>
+        <p:blipFill>
+          <a:blip r:embed="rId2"/>
+          <a:stretch>
+            <a:fillRect/>
+          </a:stretch>
+        </p:blipFill>
+        <p:spPr>
+          <a:xfrm>
+            <a:off x="8233621" y="1343025"/>
+            <a:ext cx="2990850" cy="2085975"/>
+          </a:xfrm>
+          <a:prstGeom prst="rect">
+            <a:avLst/>
+          </a:prstGeom>
+        </p:spPr>
+      </p:pic>
+      <p:pic>
+        <p:nvPicPr>
+          <p:cNvPr id="7" name="그림 6">
+            <a:extLst>
+              <a:ext uri="{FF2B5EF4-FFF2-40B4-BE49-F238E27FC236}">
+                <a16:creationId xmlns:a16="http://schemas.microsoft.com/office/drawing/2014/main" id="{80A2501E-7E48-4EE8-9B0B-A8F5A81280C6}"/>
+              </a:ext>
+            </a:extLst>
+          </p:cNvPr>
+          <p:cNvPicPr>
+            <a:picLocks noChangeAspect="1"/>
+          </p:cNvPicPr>
+          <p:nvPr/>
+        </p:nvPicPr>
+        <p:blipFill>
+          <a:blip r:embed="rId3"/>
+          <a:stretch>
+            <a:fillRect/>
+          </a:stretch>
+        </p:blipFill>
+        <p:spPr>
+          <a:xfrm>
+            <a:off x="456322" y="352338"/>
+            <a:ext cx="4509440" cy="3171038"/>
+          </a:xfrm>
+          <a:prstGeom prst="rect">
+            <a:avLst/>
+          </a:prstGeom>
+        </p:spPr>
+      </p:pic>
+      <p:pic>
+        <p:nvPicPr>
+          <p:cNvPr id="9" name="그림 8">
+            <a:extLst>
+              <a:ext uri="{FF2B5EF4-FFF2-40B4-BE49-F238E27FC236}">
+                <a16:creationId xmlns:a16="http://schemas.microsoft.com/office/drawing/2014/main" id="{426D35B2-C1F8-4BDC-99A6-49A449013F32}"/>
+              </a:ext>
+            </a:extLst>
+          </p:cNvPr>
+          <p:cNvPicPr>
+            <a:picLocks noChangeAspect="1"/>
+          </p:cNvPicPr>
+          <p:nvPr/>
+        </p:nvPicPr>
+        <p:blipFill>
+          <a:blip r:embed="rId4"/>
+          <a:stretch>
+            <a:fillRect/>
+          </a:stretch>
+        </p:blipFill>
+        <p:spPr>
+          <a:xfrm>
+            <a:off x="5318272" y="4380142"/>
+            <a:ext cx="6711367" cy="1761626"/>
+          </a:xfrm>
+          <a:prstGeom prst="rect">
+            <a:avLst/>
+          </a:prstGeom>
+        </p:spPr>
+      </p:pic>
+      <p:sp>
+        <p:nvSpPr>
+          <p:cNvPr id="10" name="TextBox 9">
+            <a:extLst>
+              <a:ext uri="{FF2B5EF4-FFF2-40B4-BE49-F238E27FC236}">
+                <a16:creationId xmlns:a16="http://schemas.microsoft.com/office/drawing/2014/main" id="{39411683-F43D-47D9-9017-1804A11B1E4F}"/>
+              </a:ext>
+            </a:extLst>
+          </p:cNvPr>
+          <p:cNvSpPr txBox="1"/>
+          <p:nvPr/>
+        </p:nvSpPr>
+        <p:spPr>
+          <a:xfrm>
+            <a:off x="162361" y="4387442"/>
+            <a:ext cx="4735592" cy="2031325"/>
+          </a:xfrm>
+          <a:prstGeom prst="rect">
+            <a:avLst/>
+          </a:prstGeom>
+          <a:noFill/>
+        </p:spPr>
+        <p:txBody>
+          <a:bodyPr wrap="none" rtlCol="0">
+            <a:spAutoFit/>
+          </a:bodyPr>
+          <a:lstStyle/>
+          <a:p>
+            <a:r>
+              <a:rPr lang="en-US" altLang="ko-KR"/>
+              <a:t>document </a:t>
+            </a:r>
+            <a:r>
+              <a:rPr lang="ko-KR" altLang="en-US"/>
+              <a:t>를 변수로 따로 받아도 조작 가능</a:t>
+            </a:r>
+            <a:endParaRPr lang="en-US" altLang="ko-KR"/>
+          </a:p>
+          <a:p>
+            <a:r>
+              <a:rPr lang="ko-KR" altLang="en-US"/>
+              <a:t>여기선 </a:t>
+            </a:r>
+            <a:r>
+              <a:rPr lang="en-US" altLang="ko-KR"/>
+              <a:t>tests </a:t>
+            </a:r>
+            <a:r>
+              <a:rPr lang="ko-KR" altLang="en-US"/>
+              <a:t>라는 변수로 받았다</a:t>
             </a:r>
             <a:r>
               <a:rPr lang="en-US" altLang="ko-KR"/>
@@ -7372,81 +7446,52 @@
             </a:r>
           </a:p>
           <a:p>
-            <a:r>
-              <a:rPr lang="ko-KR" altLang="en-US"/>
-              <a:t>이런걸 일일히 외워야할까</a:t>
-            </a:r>
-            <a:r>
-              <a:rPr lang="en-US" altLang="ko-KR"/>
-              <a:t>? </a:t>
-            </a:r>
-            <a:r>
-              <a:rPr lang="ko-KR" altLang="en-US"/>
-              <a:t>아니다</a:t>
-            </a:r>
-            <a:r>
-              <a:rPr lang="en-US" altLang="ko-KR"/>
-              <a:t>!</a:t>
-            </a:r>
-          </a:p>
-          <a:p>
-            <a:r>
-              <a:rPr lang="ko-KR" altLang="en-US"/>
-              <a:t>구글 검색을 적극 활용해 자신에게 맞는 </a:t>
-            </a:r>
-            <a:r>
-              <a:rPr lang="en-US" altLang="ko-KR"/>
-              <a:t>DOM </a:t>
-            </a:r>
-            <a:r>
-              <a:rPr lang="ko-KR" altLang="en-US"/>
-              <a:t>조작을 익히자</a:t>
-            </a:r>
             <a:endParaRPr lang="en-US" altLang="ko-KR"/>
           </a:p>
           <a:p>
+            <a:r>
+              <a:rPr lang="ko-KR" altLang="en-US"/>
+              <a:t>클래스 각각을 받아 배열로 만든다</a:t>
+            </a:r>
+            <a:r>
+              <a:rPr lang="en-US" altLang="ko-KR"/>
+              <a:t>.</a:t>
+            </a:r>
+          </a:p>
+          <a:p>
             <a:endParaRPr lang="en-US" altLang="ko-KR"/>
           </a:p>
           <a:p>
             <a:r>
-              <a:rPr lang="en-US" altLang="ko-KR">
-                <a:solidFill>
-                  <a:srgbClr val="FF0000"/>
-                </a:solidFill>
-              </a:rPr>
-              <a:t>React.js , Vue.js </a:t>
-            </a:r>
-            <a:r>
-              <a:rPr lang="ko-KR" altLang="en-US">
-                <a:solidFill>
-                  <a:srgbClr val="FF0000"/>
-                </a:solidFill>
-              </a:rPr>
-              <a:t>사용 시 </a:t>
-            </a:r>
-            <a:r>
-              <a:rPr lang="en-US" altLang="ko-KR">
-                <a:solidFill>
-                  <a:srgbClr val="FF0000"/>
-                </a:solidFill>
-              </a:rPr>
-              <a:t>document </a:t>
-            </a:r>
-            <a:r>
-              <a:rPr lang="ko-KR" altLang="en-US">
-                <a:solidFill>
-                  <a:srgbClr val="FF0000"/>
-                </a:solidFill>
-              </a:rPr>
-              <a:t>객체를 직접 건드리면 안됨</a:t>
-            </a:r>
-            <a:r>
-              <a:rPr lang="en-US" altLang="ko-KR">
-                <a:solidFill>
-                  <a:srgbClr val="FF0000"/>
-                </a:solidFill>
-              </a:rPr>
-              <a:t>!</a:t>
+              <a:rPr lang="ko-KR" altLang="en-US"/>
+              <a:t>그러나</a:t>
+            </a:r>
+            <a:r>
+              <a:rPr lang="en-US" altLang="ko-KR"/>
+              <a:t>, </a:t>
+            </a:r>
+            <a:r>
+              <a:rPr lang="ko-KR" altLang="en-US"/>
+              <a:t>일반적인 배열은 아니고 </a:t>
+            </a:r>
+            <a:endParaRPr lang="en-US" altLang="ko-KR"/>
+          </a:p>
+          <a:p>
+            <a:r>
+              <a:rPr lang="en-US" altLang="ko-KR"/>
+              <a:t>NodeList </a:t>
+            </a:r>
+            <a:r>
+              <a:rPr lang="ko-KR" altLang="en-US"/>
+              <a:t>객체라서</a:t>
+            </a:r>
+            <a:r>
+              <a:rPr lang="en-US" altLang="ko-KR"/>
+              <a:t>, map </a:t>
+            </a:r>
+            <a:r>
+              <a:rPr lang="ko-KR" altLang="en-US"/>
+              <a:t>함수 사용 불가</a:t>
             </a:r>
           </a:p>
         </p:txBody>
@@ -7454,7 +7499,7 @@
     </p:spTree>
     <p:extLst>
       <p:ext uri="{BB962C8B-B14F-4D97-AF65-F5344CB8AC3E}">
-        <p14:creationId xmlns:p14="http://schemas.microsoft.com/office/powerpoint/2010/main" val="4198407884"/>
+        <p14:creationId xmlns:p14="http://schemas.microsoft.com/office/powerpoint/2010/main" val="2715774522"/>
       </p:ext>
     </p:extLst>
   </p:cSld>
@@ -7486,7 +7531,7 @@
           <p:cNvPr id="2" name="제목 1">
             <a:extLst>
               <a:ext uri="{FF2B5EF4-FFF2-40B4-BE49-F238E27FC236}">
-                <a16:creationId xmlns:a16="http://schemas.microsoft.com/office/drawing/2014/main" id="{F41ECD7F-E28C-4293-86AC-CEED794D00C8}"/>
+                <a16:creationId xmlns:a16="http://schemas.microsoft.com/office/drawing/2014/main" id="{5C9BA679-F415-402E-A059-C211A314EBC8}"/>
               </a:ext>
             </a:extLst>
           </p:cNvPr>
@@ -7504,15 +7549,7 @@
           <a:p>
             <a:r>
               <a:rPr lang="ko-KR" altLang="en-US"/>
-              <a:t>여기까지</a:t>
-            </a:r>
-            <a:r>
-              <a:rPr lang="en-US" altLang="ko-KR"/>
-              <a:t>, JavaScript </a:t>
-            </a:r>
-            <a:r>
-              <a:rPr lang="ko-KR" altLang="en-US"/>
-              <a:t>기본</a:t>
+              <a:t>주의</a:t>
             </a:r>
           </a:p>
         </p:txBody>
@@ -7522,7 +7559,7 @@
           <p:cNvPr id="3" name="내용 개체 틀 2">
             <a:extLst>
               <a:ext uri="{FF2B5EF4-FFF2-40B4-BE49-F238E27FC236}">
-                <a16:creationId xmlns:a16="http://schemas.microsoft.com/office/drawing/2014/main" id="{3EC86246-AF19-4BFF-B9E7-FEB57CFE5364}"/>
+                <a16:creationId xmlns:a16="http://schemas.microsoft.com/office/drawing/2014/main" id="{4B0458E8-B57D-4C47-858F-8DC9E32C218E}"/>
               </a:ext>
             </a:extLst>
           </p:cNvPr>
@@ -7535,10 +7572,88 @@
         </p:nvSpPr>
         <p:spPr/>
         <p:txBody>
-          <a:bodyPr>
-            <a:normAutofit/>
-          </a:bodyPr>
-          <a:lstStyle/>
+          <a:bodyPr/>
+          <a:lstStyle/>
+          <a:p>
+            <a:r>
+              <a:rPr lang="ko-KR" altLang="en-US"/>
+              <a:t>첫번째 예제에선</a:t>
+            </a:r>
+            <a:r>
+              <a:rPr lang="en-US" altLang="ko-KR"/>
+              <a:t>,  .style.backgroundColor </a:t>
+            </a:r>
+            <a:r>
+              <a:rPr lang="ko-KR" altLang="en-US"/>
+              <a:t>를</a:t>
+            </a:r>
+            <a:r>
+              <a:rPr lang="en-US" altLang="ko-KR"/>
+              <a:t>,</a:t>
+            </a:r>
+          </a:p>
+          <a:p>
+            <a:r>
+              <a:rPr lang="ko-KR" altLang="en-US"/>
+              <a:t>두번째 예제에선</a:t>
+            </a:r>
+            <a:r>
+              <a:rPr lang="en-US" altLang="ko-KR"/>
+              <a:t>,</a:t>
+            </a:r>
+            <a:r>
+              <a:rPr lang="ko-KR" altLang="en-US"/>
+              <a:t>  </a:t>
+            </a:r>
+            <a:r>
+              <a:rPr lang="en-US" altLang="ko-KR"/>
+              <a:t>.value </a:t>
+            </a:r>
+            <a:r>
+              <a:rPr lang="ko-KR" altLang="en-US"/>
+              <a:t>를 변경했다</a:t>
+            </a:r>
+            <a:r>
+              <a:rPr lang="en-US" altLang="ko-KR"/>
+              <a:t>.</a:t>
+            </a:r>
+          </a:p>
+          <a:p>
+            <a:r>
+              <a:rPr lang="ko-KR" altLang="en-US"/>
+              <a:t>이런걸 일일히 외워야할까</a:t>
+            </a:r>
+            <a:r>
+              <a:rPr lang="en-US" altLang="ko-KR"/>
+              <a:t>? </a:t>
+            </a:r>
+            <a:r>
+              <a:rPr lang="ko-KR" altLang="en-US"/>
+              <a:t>아니다</a:t>
+            </a:r>
+            <a:r>
+              <a:rPr lang="en-US" altLang="ko-KR"/>
+              <a:t>!</a:t>
+            </a:r>
+          </a:p>
+          <a:p>
+            <a:r>
+              <a:rPr lang="ko-KR" altLang="en-US"/>
+              <a:t>구글 검색을 적극 활용해 자신에게 맞는 </a:t>
+            </a:r>
+            <a:r>
+              <a:rPr lang="en-US" altLang="ko-KR"/>
+              <a:t>DOM </a:t>
+            </a:r>
+            <a:r>
+              <a:rPr lang="ko-KR" altLang="en-US"/>
+              <a:t>조작을 익히자</a:t>
+            </a:r>
+            <a:endParaRPr lang="en-US" altLang="ko-KR"/>
+          </a:p>
+          <a:p>
+            <a:endParaRPr lang="en-US" altLang="ko-KR"/>
+          </a:p>
           <a:p>
             <a:r>
               <a:rPr lang="en-US" altLang="ko-KR">
@@ -7546,7 +7661,7 @@
                   <a:srgbClr val="FF0000"/>
                 </a:solidFill>
               </a:rPr>
-              <a:t>PHP </a:t>
+              <a:t>React.js , Vue.js </a:t>
             </a:r>
             <a:r>
               <a:rPr lang="ko-KR" altLang="en-US">
@@ -7554,7 +7669,7 @@
                   <a:srgbClr val="FF0000"/>
                 </a:solidFill>
               </a:rPr>
-              <a:t>듣기 전에 필요한 </a:t>
+              <a:t>사용 시 </a:t>
             </a:r>
             <a:r>
               <a:rPr lang="en-US" altLang="ko-KR">
@@ -7562,19 +7677,162 @@
                   <a:srgbClr val="FF0000"/>
                 </a:solidFill>
               </a:rPr>
-              <a:t>MySQL</a:t>
-            </a:r>
-          </a:p>
-          <a:p>
-            <a:r>
-              <a:rPr lang="en-US" altLang="ko-KR"/>
-              <a:t>bootstrap </a:t>
-            </a:r>
-            <a:r>
-              <a:rPr lang="ko-KR" altLang="en-US"/>
-              <a:t>써보기</a:t>
-            </a:r>
-            <a:endParaRPr lang="en-US" altLang="ko-KR"/>
+              <a:t>document </a:t>
+            </a:r>
+            <a:r>
+              <a:rPr lang="ko-KR" altLang="en-US">
+                <a:solidFill>
+                  <a:srgbClr val="FF0000"/>
+                </a:solidFill>
+              </a:rPr>
+              <a:t>객체를 직접 건드리면 안됨</a:t>
+            </a:r>
+            <a:r>
+              <a:rPr lang="en-US" altLang="ko-KR">
+                <a:solidFill>
+                  <a:srgbClr val="FF0000"/>
+                </a:solidFill>
+              </a:rPr>
+              <a:t>!</a:t>
+            </a:r>
+          </a:p>
+        </p:txBody>
+      </p:sp>
+    </p:spTree>
+    <p:extLst>
+      <p:ext uri="{BB962C8B-B14F-4D97-AF65-F5344CB8AC3E}">
+        <p14:creationId xmlns:p14="http://schemas.microsoft.com/office/powerpoint/2010/main" val="4198407884"/>
+      </p:ext>
+    </p:extLst>
+  </p:cSld>
+  <p:clrMapOvr>
+    <a:masterClrMapping/>
+  </p:clrMapOvr>
+</p:sld>
+</file>
+
+<file path=ppt/slides/slide29.xml><?xml version="1.0" encoding="utf-8"?>
+<p:sld xmlns:a="http://schemas.openxmlformats.org/drawingml/2006/main" xmlns:r="http://schemas.openxmlformats.org/officeDocument/2006/relationships" xmlns:p="http://schemas.openxmlformats.org/presentationml/2006/main">
+  <p:cSld>
+    <p:spTree>
+      <p:nvGrpSpPr>
+        <p:cNvPr id="1" name=""/>
+        <p:cNvGrpSpPr/>
+        <p:nvPr/>
+      </p:nvGrpSpPr>
+      <p:grpSpPr>
+        <a:xfrm>
+          <a:off x="0" y="0"/>
+          <a:ext cx="0" cy="0"/>
+          <a:chOff x="0" y="0"/>
+          <a:chExt cx="0" cy="0"/>
+        </a:xfrm>
+      </p:grpSpPr>
+      <p:sp>
+        <p:nvSpPr>
+          <p:cNvPr id="2" name="제목 1">
+            <a:extLst>
+              <a:ext uri="{FF2B5EF4-FFF2-40B4-BE49-F238E27FC236}">
+                <a16:creationId xmlns:a16="http://schemas.microsoft.com/office/drawing/2014/main" id="{F41ECD7F-E28C-4293-86AC-CEED794D00C8}"/>
+              </a:ext>
+            </a:extLst>
+          </p:cNvPr>
+          <p:cNvSpPr>
+            <a:spLocks noGrp="1"/>
+          </p:cNvSpPr>
+          <p:nvPr>
+            <p:ph type="title"/>
+          </p:nvPr>
+        </p:nvSpPr>
+        <p:spPr/>
+        <p:txBody>
+          <a:bodyPr/>
+          <a:lstStyle/>
+          <a:p>
+            <a:r>
+              <a:rPr lang="ko-KR" altLang="en-US"/>
+              <a:t>여기까지</a:t>
+            </a:r>
+            <a:r>
+              <a:rPr lang="en-US" altLang="ko-KR"/>
+              <a:t>, JavaScript </a:t>
+            </a:r>
+            <a:r>
+              <a:rPr lang="ko-KR" altLang="en-US"/>
+              <a:t>기본</a:t>
+            </a:r>
+          </a:p>
+        </p:txBody>
+      </p:sp>
+      <p:sp>
+        <p:nvSpPr>
+          <p:cNvPr id="3" name="내용 개체 틀 2">
+            <a:extLst>
+              <a:ext uri="{FF2B5EF4-FFF2-40B4-BE49-F238E27FC236}">
+                <a16:creationId xmlns:a16="http://schemas.microsoft.com/office/drawing/2014/main" id="{3EC86246-AF19-4BFF-B9E7-FEB57CFE5364}"/>
+              </a:ext>
+            </a:extLst>
+          </p:cNvPr>
+          <p:cNvSpPr>
+            <a:spLocks noGrp="1"/>
+          </p:cNvSpPr>
+          <p:nvPr>
+            <p:ph idx="1"/>
+          </p:nvPr>
+        </p:nvSpPr>
+        <p:spPr/>
+        <p:txBody>
+          <a:bodyPr>
+            <a:normAutofit/>
+          </a:bodyPr>
+          <a:lstStyle/>
+          <a:p>
+            <a:r>
+              <a:rPr lang="en-US" altLang="ko-KR">
+                <a:solidFill>
+                  <a:srgbClr val="FF0000"/>
+                </a:solidFill>
+              </a:rPr>
+              <a:t>&lt;php </a:t>
+            </a:r>
+            <a:r>
+              <a:rPr lang="ko-KR" altLang="en-US">
+                <a:solidFill>
+                  <a:srgbClr val="FF0000"/>
+                </a:solidFill>
+              </a:rPr>
+              <a:t>수업 듣기 전에 필요한 </a:t>
+            </a:r>
+            <a:r>
+              <a:rPr lang="en-US" altLang="ko-KR">
+                <a:solidFill>
+                  <a:srgbClr val="FF0000"/>
+                </a:solidFill>
+              </a:rPr>
+              <a:t>MySQL&gt;</a:t>
+            </a:r>
+          </a:p>
+          <a:p>
+            <a:r>
+              <a:rPr lang="en-US" altLang="ko-KR"/>
+              <a:t>&lt;</a:t>
+            </a:r>
+            <a:r>
+              <a:rPr lang="ko-KR" altLang="en-US"/>
+              <a:t>보너스</a:t>
+            </a:r>
+            <a:r>
+              <a:rPr lang="en-US" altLang="ko-KR"/>
+              <a:t>. Bootstrap </a:t>
+            </a:r>
+            <a:r>
+              <a:rPr lang="ko-KR" altLang="en-US"/>
+              <a:t>사용</a:t>
+            </a:r>
+            <a:r>
+              <a:rPr lang="en-US" altLang="ko-KR"/>
+              <a:t>&gt;</a:t>
+            </a:r>
           </a:p>
           <a:p>
             <a:endParaRPr lang="en-US" altLang="ko-KR"/>
@@ -7644,6 +7902,198 @@
 </file>
 
 <file path=ppt/slides/slide3.xml><?xml version="1.0" encoding="utf-8"?>
+<p:sld xmlns:a="http://schemas.openxmlformats.org/drawingml/2006/main" xmlns:r="http://schemas.openxmlformats.org/officeDocument/2006/relationships" xmlns:p="http://schemas.openxmlformats.org/presentationml/2006/main">
+  <p:cSld>
+    <p:spTree>
+      <p:nvGrpSpPr>
+        <p:cNvPr id="1" name=""/>
+        <p:cNvGrpSpPr/>
+        <p:nvPr/>
+      </p:nvGrpSpPr>
+      <p:grpSpPr>
+        <a:xfrm>
+          <a:off x="0" y="0"/>
+          <a:ext cx="0" cy="0"/>
+          <a:chOff x="0" y="0"/>
+          <a:chExt cx="0" cy="0"/>
+        </a:xfrm>
+      </p:grpSpPr>
+      <p:pic>
+        <p:nvPicPr>
+          <p:cNvPr id="5" name="그림 4">
+            <a:extLst>
+              <a:ext uri="{FF2B5EF4-FFF2-40B4-BE49-F238E27FC236}">
+                <a16:creationId xmlns:a16="http://schemas.microsoft.com/office/drawing/2014/main" id="{4110F5EA-807B-453C-8354-3D7743E9F51D}"/>
+              </a:ext>
+            </a:extLst>
+          </p:cNvPr>
+          <p:cNvPicPr>
+            <a:picLocks noChangeAspect="1"/>
+          </p:cNvPicPr>
+          <p:nvPr/>
+        </p:nvPicPr>
+        <p:blipFill>
+          <a:blip r:embed="rId2"/>
+          <a:stretch>
+            <a:fillRect/>
+          </a:stretch>
+        </p:blipFill>
+        <p:spPr>
+          <a:xfrm>
+            <a:off x="638175" y="1666875"/>
+            <a:ext cx="10915650" cy="3524250"/>
+          </a:xfrm>
+          <a:prstGeom prst="rect">
+            <a:avLst/>
+          </a:prstGeom>
+        </p:spPr>
+      </p:pic>
+      <p:sp>
+        <p:nvSpPr>
+          <p:cNvPr id="6" name="TextBox 5">
+            <a:extLst>
+              <a:ext uri="{FF2B5EF4-FFF2-40B4-BE49-F238E27FC236}">
+                <a16:creationId xmlns:a16="http://schemas.microsoft.com/office/drawing/2014/main" id="{E63F841A-E320-416A-8CAD-973227832256}"/>
+              </a:ext>
+            </a:extLst>
+          </p:cNvPr>
+          <p:cNvSpPr txBox="1"/>
+          <p:nvPr/>
+        </p:nvSpPr>
+        <p:spPr>
+          <a:xfrm>
+            <a:off x="6543413" y="5117284"/>
+            <a:ext cx="5157181" cy="923330"/>
+          </a:xfrm>
+          <a:prstGeom prst="rect">
+            <a:avLst/>
+          </a:prstGeom>
+          <a:noFill/>
+        </p:spPr>
+        <p:txBody>
+          <a:bodyPr wrap="none" rtlCol="0">
+            <a:spAutoFit/>
+          </a:bodyPr>
+          <a:lstStyle/>
+          <a:p>
+            <a:r>
+              <a:rPr lang="en-US" altLang="ko-KR"/>
+              <a:t>i </a:t>
+            </a:r>
+            <a:r>
+              <a:rPr lang="ko-KR" altLang="en-US"/>
+              <a:t>가 변해야하기때문에 </a:t>
+            </a:r>
+            <a:r>
+              <a:rPr lang="en-US" altLang="ko-KR"/>
+              <a:t>let </a:t>
+            </a:r>
+            <a:r>
+              <a:rPr lang="ko-KR" altLang="en-US"/>
+              <a:t>을 쓴 것</a:t>
+            </a:r>
+            <a:r>
+              <a:rPr lang="en-US" altLang="ko-KR"/>
+              <a:t>.</a:t>
+            </a:r>
+          </a:p>
+          <a:p>
+            <a:endParaRPr lang="en-US" altLang="ko-KR"/>
+          </a:p>
+          <a:p>
+            <a:r>
+              <a:rPr lang="en-US" altLang="ko-KR"/>
+              <a:t>* </a:t>
+            </a:r>
+            <a:r>
+              <a:rPr lang="ko-KR" altLang="en-US"/>
+              <a:t>개발자 권장사항으로</a:t>
+            </a:r>
+            <a:r>
+              <a:rPr lang="en-US" altLang="ko-KR"/>
+              <a:t>, let</a:t>
+            </a:r>
+            <a:r>
+              <a:rPr lang="ko-KR" altLang="en-US"/>
+              <a:t>은 반복문에서만 사용</a:t>
+            </a:r>
+          </a:p>
+        </p:txBody>
+      </p:sp>
+      <p:sp>
+        <p:nvSpPr>
+          <p:cNvPr id="7" name="TextBox 6">
+            <a:extLst>
+              <a:ext uri="{FF2B5EF4-FFF2-40B4-BE49-F238E27FC236}">
+                <a16:creationId xmlns:a16="http://schemas.microsoft.com/office/drawing/2014/main" id="{E715C5B6-97DC-4E5D-A631-9C8A701EE01F}"/>
+              </a:ext>
+            </a:extLst>
+          </p:cNvPr>
+          <p:cNvSpPr txBox="1"/>
+          <p:nvPr/>
+        </p:nvSpPr>
+        <p:spPr>
+          <a:xfrm>
+            <a:off x="7625593" y="2860646"/>
+            <a:ext cx="2925801" cy="923330"/>
+          </a:xfrm>
+          <a:prstGeom prst="rect">
+            <a:avLst/>
+          </a:prstGeom>
+          <a:noFill/>
+        </p:spPr>
+        <p:txBody>
+          <a:bodyPr wrap="none" rtlCol="0">
+            <a:spAutoFit/>
+          </a:bodyPr>
+          <a:lstStyle/>
+          <a:p>
+            <a:r>
+              <a:rPr lang="en-US" altLang="ko-KR"/>
+              <a:t>while</a:t>
+            </a:r>
+            <a:r>
+              <a:rPr lang="ko-KR" altLang="en-US"/>
+              <a:t> </a:t>
+            </a:r>
+            <a:r>
+              <a:rPr lang="en-US" altLang="ko-KR"/>
+              <a:t>(condition)</a:t>
+            </a:r>
+          </a:p>
+          <a:p>
+            <a:endParaRPr lang="en-US" altLang="ko-KR"/>
+          </a:p>
+          <a:p>
+            <a:r>
+              <a:rPr lang="ko-KR" altLang="en-US"/>
+              <a:t>조건이 </a:t>
+            </a:r>
+            <a:r>
+              <a:rPr lang="en-US" altLang="ko-KR"/>
+              <a:t>true </a:t>
+            </a:r>
+            <a:r>
+              <a:rPr lang="ko-KR" altLang="en-US"/>
+              <a:t>일때만 실행됨</a:t>
+            </a:r>
+          </a:p>
+        </p:txBody>
+      </p:sp>
+    </p:spTree>
+    <p:extLst>
+      <p:ext uri="{BB962C8B-B14F-4D97-AF65-F5344CB8AC3E}">
+        <p14:creationId xmlns:p14="http://schemas.microsoft.com/office/powerpoint/2010/main" val="2873736862"/>
+      </p:ext>
+    </p:extLst>
+  </p:cSld>
+  <p:clrMapOvr>
+    <a:masterClrMapping/>
+  </p:clrMapOvr>
+</p:sld>
+</file>
+
+<file path=ppt/slides/slide4.xml><?xml version="1.0" encoding="utf-8"?>
 <p:sld xmlns:a="http://schemas.openxmlformats.org/drawingml/2006/main" xmlns:r="http://schemas.openxmlformats.org/officeDocument/2006/relationships" xmlns:p="http://schemas.openxmlformats.org/presentationml/2006/main">
   <p:cSld>
     <p:spTree>
@@ -7763,7 +8213,7 @@
 </p:sld>
 </file>
 
-<file path=ppt/slides/slide4.xml><?xml version="1.0" encoding="utf-8"?>
+<file path=ppt/slides/slide5.xml><?xml version="1.0" encoding="utf-8"?>
 <p:sld xmlns:a="http://schemas.openxmlformats.org/drawingml/2006/main" xmlns:r="http://schemas.openxmlformats.org/officeDocument/2006/relationships" xmlns:p="http://schemas.openxmlformats.org/presentationml/2006/main">
   <p:cSld>
     <p:spTree>
@@ -8043,7 +8493,7 @@
 </p:sld>
 </file>
 
-<file path=ppt/slides/slide5.xml><?xml version="1.0" encoding="utf-8"?>
+<file path=ppt/slides/slide6.xml><?xml version="1.0" encoding="utf-8"?>
 <p:sld xmlns:a="http://schemas.openxmlformats.org/drawingml/2006/main" xmlns:r="http://schemas.openxmlformats.org/officeDocument/2006/relationships" xmlns:p="http://schemas.openxmlformats.org/presentationml/2006/main">
   <p:cSld>
     <p:spTree>
@@ -8354,7 +8804,7 @@
 </p:sld>
 </file>
 
-<file path=ppt/slides/slide6.xml><?xml version="1.0" encoding="utf-8"?>
+<file path=ppt/slides/slide7.xml><?xml version="1.0" encoding="utf-8"?>
 <p:sld xmlns:a="http://schemas.openxmlformats.org/drawingml/2006/main" xmlns:r="http://schemas.openxmlformats.org/officeDocument/2006/relationships" xmlns:p="http://schemas.openxmlformats.org/presentationml/2006/main">
   <p:cSld>
     <p:spTree>
@@ -8984,7 +9434,7 @@
 </p:sld>
 </file>
 
-<file path=ppt/slides/slide7.xml><?xml version="1.0" encoding="utf-8"?>
+<file path=ppt/slides/slide8.xml><?xml version="1.0" encoding="utf-8"?>
 <p:sld xmlns:a="http://schemas.openxmlformats.org/drawingml/2006/main" xmlns:r="http://schemas.openxmlformats.org/officeDocument/2006/relationships" xmlns:p="http://schemas.openxmlformats.org/presentationml/2006/main">
   <p:cSld>
     <p:spTree>
@@ -9053,6 +9503,21 @@
           <a:p>
             <a:r>
               <a:rPr lang="ko-KR" altLang="en-US"/>
+              <a:t>배열</a:t>
+            </a:r>
+            <a:r>
+              <a:rPr lang="en-US" altLang="ko-KR"/>
+              <a:t>(array)</a:t>
+            </a:r>
+            <a:r>
+              <a:rPr lang="ko-KR" altLang="en-US"/>
+              <a:t>에서만 사용 가능</a:t>
+            </a:r>
+            <a:endParaRPr lang="en-US" altLang="ko-KR"/>
+          </a:p>
+          <a:p>
+            <a:r>
+              <a:rPr lang="ko-KR" altLang="en-US"/>
               <a:t>콜백을 이용해</a:t>
             </a:r>
             <a:r>
@@ -9101,7 +9566,7 @@
 </p:sld>
 </file>
 
-<file path=ppt/slides/slide8.xml><?xml version="1.0" encoding="utf-8"?>
+<file path=ppt/slides/slide9.xml><?xml version="1.0" encoding="utf-8"?>
 <p:sld xmlns:a="http://schemas.openxmlformats.org/drawingml/2006/main" xmlns:r="http://schemas.openxmlformats.org/officeDocument/2006/relationships" xmlns:p="http://schemas.openxmlformats.org/presentationml/2006/main">
   <p:cSld>
     <p:spTree>
@@ -9200,7 +9665,7 @@
         <p:spPr>
           <a:xfrm>
             <a:off x="381699" y="4320330"/>
-            <a:ext cx="5133136" cy="1477328"/>
+            <a:ext cx="5133136" cy="1754326"/>
           </a:xfrm>
           <a:prstGeom prst="rect">
             <a:avLst/>
@@ -9321,6 +9786,26 @@
               <a:rPr lang="ko-KR" altLang="en-US"/>
               <a:t>새로운 배열을 만든다</a:t>
             </a:r>
+            <a:endParaRPr lang="en-US" altLang="ko-KR"/>
+          </a:p>
+          <a:p>
+            <a:r>
+              <a:rPr lang="ko-KR" altLang="en-US"/>
+              <a:t>원래의 </a:t>
+            </a:r>
+            <a:r>
+              <a:rPr lang="en-US" altLang="ko-KR"/>
+              <a:t>menus </a:t>
+            </a:r>
+            <a:r>
+              <a:rPr lang="ko-KR" altLang="en-US"/>
+              <a:t>는 보존한다</a:t>
+            </a:r>
+            <a:r>
+              <a:rPr lang="en-US" altLang="ko-KR"/>
+              <a:t>.</a:t>
+            </a:r>
+            <a:endParaRPr lang="ko-KR" altLang="en-US"/>
           </a:p>
         </p:txBody>
       </p:sp>
@@ -9530,295 +10015,6 @@
     <p:extLst>
       <p:ext uri="{BB962C8B-B14F-4D97-AF65-F5344CB8AC3E}">
         <p14:creationId xmlns:p14="http://schemas.microsoft.com/office/powerpoint/2010/main" val="2138897869"/>
-      </p:ext>
-    </p:extLst>
-  </p:cSld>
-  <p:clrMapOvr>
-    <a:masterClrMapping/>
-  </p:clrMapOvr>
-</p:sld>
-</file>
-
-<file path=ppt/slides/slide9.xml><?xml version="1.0" encoding="utf-8"?>
-<p:sld xmlns:a="http://schemas.openxmlformats.org/drawingml/2006/main" xmlns:r="http://schemas.openxmlformats.org/officeDocument/2006/relationships" xmlns:p="http://schemas.openxmlformats.org/presentationml/2006/main">
-  <p:cSld>
-    <p:spTree>
-      <p:nvGrpSpPr>
-        <p:cNvPr id="1" name=""/>
-        <p:cNvGrpSpPr/>
-        <p:nvPr/>
-      </p:nvGrpSpPr>
-      <p:grpSpPr>
-        <a:xfrm>
-          <a:off x="0" y="0"/>
-          <a:ext cx="0" cy="0"/>
-          <a:chOff x="0" y="0"/>
-          <a:chExt cx="0" cy="0"/>
-        </a:xfrm>
-      </p:grpSpPr>
-      <p:pic>
-        <p:nvPicPr>
-          <p:cNvPr id="4" name="그림 3">
-            <a:extLst>
-              <a:ext uri="{FF2B5EF4-FFF2-40B4-BE49-F238E27FC236}">
-                <a16:creationId xmlns:a16="http://schemas.microsoft.com/office/drawing/2014/main" id="{D41CA5EA-844E-48D8-A63A-9A2725AA5295}"/>
-              </a:ext>
-            </a:extLst>
-          </p:cNvPr>
-          <p:cNvPicPr>
-            <a:picLocks noChangeAspect="1"/>
-          </p:cNvPicPr>
-          <p:nvPr/>
-        </p:nvPicPr>
-        <p:blipFill>
-          <a:blip r:embed="rId2"/>
-          <a:stretch>
-            <a:fillRect/>
-          </a:stretch>
-        </p:blipFill>
-        <p:spPr>
-          <a:xfrm>
-            <a:off x="191625" y="1213330"/>
-            <a:ext cx="8134372" cy="1741563"/>
-          </a:xfrm>
-          <a:prstGeom prst="rect">
-            <a:avLst/>
-          </a:prstGeom>
-        </p:spPr>
-      </p:pic>
-      <p:sp>
-        <p:nvSpPr>
-          <p:cNvPr id="5" name="화살표: 아래쪽 4">
-            <a:extLst>
-              <a:ext uri="{FF2B5EF4-FFF2-40B4-BE49-F238E27FC236}">
-                <a16:creationId xmlns:a16="http://schemas.microsoft.com/office/drawing/2014/main" id="{4316387B-A38C-4480-9628-0A78BE688EB5}"/>
-              </a:ext>
-            </a:extLst>
-          </p:cNvPr>
-          <p:cNvSpPr/>
-          <p:nvPr/>
-        </p:nvSpPr>
-        <p:spPr>
-          <a:xfrm>
-            <a:off x="3769323" y="2954893"/>
-            <a:ext cx="861527" cy="1166327"/>
-          </a:xfrm>
-          <a:prstGeom prst="downArrow">
-            <a:avLst/>
-          </a:prstGeom>
-        </p:spPr>
-        <p:style>
-          <a:lnRef idx="2">
-            <a:schemeClr val="accent1">
-              <a:shade val="50000"/>
-            </a:schemeClr>
-          </a:lnRef>
-          <a:fillRef idx="1">
-            <a:schemeClr val="accent1"/>
-          </a:fillRef>
-          <a:effectRef idx="0">
-            <a:schemeClr val="accent1"/>
-          </a:effectRef>
-          <a:fontRef idx="minor">
-            <a:schemeClr val="lt1"/>
-          </a:fontRef>
-        </p:style>
-        <p:txBody>
-          <a:bodyPr rtlCol="0" anchor="ctr"/>
-          <a:lstStyle/>
-          <a:p>
-            <a:pPr algn="ctr"/>
-            <a:endParaRPr lang="ko-KR" altLang="en-US"/>
-          </a:p>
-        </p:txBody>
-      </p:sp>
-      <p:pic>
-        <p:nvPicPr>
-          <p:cNvPr id="9" name="그림 8">
-            <a:extLst>
-              <a:ext uri="{FF2B5EF4-FFF2-40B4-BE49-F238E27FC236}">
-                <a16:creationId xmlns:a16="http://schemas.microsoft.com/office/drawing/2014/main" id="{FB21E411-5AC1-4739-B488-6196B78807EF}"/>
-              </a:ext>
-            </a:extLst>
-          </p:cNvPr>
-          <p:cNvPicPr>
-            <a:picLocks noChangeAspect="1"/>
-          </p:cNvPicPr>
-          <p:nvPr/>
-        </p:nvPicPr>
-        <p:blipFill>
-          <a:blip r:embed="rId3"/>
-          <a:stretch>
-            <a:fillRect/>
-          </a:stretch>
-        </p:blipFill>
-        <p:spPr>
-          <a:xfrm>
-            <a:off x="191625" y="4567626"/>
-            <a:ext cx="8710569" cy="1516797"/>
-          </a:xfrm>
-          <a:prstGeom prst="rect">
-            <a:avLst/>
-          </a:prstGeom>
-        </p:spPr>
-      </p:pic>
-      <p:sp>
-        <p:nvSpPr>
-          <p:cNvPr id="10" name="TextBox 9">
-            <a:extLst>
-              <a:ext uri="{FF2B5EF4-FFF2-40B4-BE49-F238E27FC236}">
-                <a16:creationId xmlns:a16="http://schemas.microsoft.com/office/drawing/2014/main" id="{41D31D5B-F5F5-4D2C-8F54-B529B9B66A4A}"/>
-              </a:ext>
-            </a:extLst>
-          </p:cNvPr>
-          <p:cNvSpPr txBox="1"/>
-          <p:nvPr/>
-        </p:nvSpPr>
-        <p:spPr>
-          <a:xfrm>
-            <a:off x="290817" y="411061"/>
-            <a:ext cx="7285969" cy="369332"/>
-          </a:xfrm>
-          <a:prstGeom prst="rect">
-            <a:avLst/>
-          </a:prstGeom>
-          <a:noFill/>
-        </p:spPr>
-        <p:txBody>
-          <a:bodyPr wrap="none" rtlCol="0">
-            <a:spAutoFit/>
-          </a:bodyPr>
-          <a:lstStyle/>
-          <a:p>
-            <a:r>
-              <a:rPr lang="en-US" altLang="ko-KR"/>
-              <a:t>map</a:t>
-            </a:r>
-            <a:r>
-              <a:rPr lang="ko-KR" altLang="en-US"/>
-              <a:t> 은 새 배열을 리턴하지만</a:t>
-            </a:r>
-            <a:r>
-              <a:rPr lang="en-US" altLang="ko-KR"/>
-              <a:t>,</a:t>
-            </a:r>
-            <a:r>
-              <a:rPr lang="ko-KR" altLang="en-US"/>
-              <a:t> 상황에 따라 필요하지 않을 수도 있다</a:t>
-            </a:r>
-            <a:r>
-              <a:rPr lang="en-US" altLang="ko-KR"/>
-              <a:t>.</a:t>
-            </a:r>
-            <a:endParaRPr lang="ko-KR" altLang="en-US"/>
-          </a:p>
-        </p:txBody>
-      </p:sp>
-      <p:cxnSp>
-        <p:nvCxnSpPr>
-          <p:cNvPr id="12" name="직선 연결선 11">
-            <a:extLst>
-              <a:ext uri="{FF2B5EF4-FFF2-40B4-BE49-F238E27FC236}">
-                <a16:creationId xmlns:a16="http://schemas.microsoft.com/office/drawing/2014/main" id="{92481F0C-A28A-4279-AD42-09026A611CCF}"/>
-              </a:ext>
-            </a:extLst>
-          </p:cNvPr>
-          <p:cNvCxnSpPr/>
-          <p:nvPr/>
-        </p:nvCxnSpPr>
-        <p:spPr>
-          <a:xfrm>
-            <a:off x="9076888" y="0"/>
-            <a:ext cx="0" cy="6858000"/>
-          </a:xfrm>
-          <a:prstGeom prst="line">
-            <a:avLst/>
-          </a:prstGeom>
-        </p:spPr>
-        <p:style>
-          <a:lnRef idx="1">
-            <a:schemeClr val="accent1"/>
-          </a:lnRef>
-          <a:fillRef idx="0">
-            <a:schemeClr val="accent1"/>
-          </a:fillRef>
-          <a:effectRef idx="0">
-            <a:schemeClr val="accent1"/>
-          </a:effectRef>
-          <a:fontRef idx="minor">
-            <a:schemeClr val="tx1"/>
-          </a:fontRef>
-        </p:style>
-      </p:cxnSp>
-      <p:sp>
-        <p:nvSpPr>
-          <p:cNvPr id="13" name="TextBox 12">
-            <a:extLst>
-              <a:ext uri="{FF2B5EF4-FFF2-40B4-BE49-F238E27FC236}">
-                <a16:creationId xmlns:a16="http://schemas.microsoft.com/office/drawing/2014/main" id="{2AFCF97D-8316-4743-901A-4F642D580DEA}"/>
-              </a:ext>
-            </a:extLst>
-          </p:cNvPr>
-          <p:cNvSpPr txBox="1"/>
-          <p:nvPr/>
-        </p:nvSpPr>
-        <p:spPr>
-          <a:xfrm>
-            <a:off x="9582244" y="2366894"/>
-            <a:ext cx="1933543" cy="1754326"/>
-          </a:xfrm>
-          <a:prstGeom prst="rect">
-            <a:avLst/>
-          </a:prstGeom>
-          <a:noFill/>
-        </p:spPr>
-        <p:txBody>
-          <a:bodyPr wrap="none" rtlCol="0">
-            <a:spAutoFit/>
-          </a:bodyPr>
-          <a:lstStyle/>
-          <a:p>
-            <a:r>
-              <a:rPr lang="ko-KR" altLang="en-US"/>
-              <a:t>결과는 동일하다</a:t>
-            </a:r>
-            <a:r>
-              <a:rPr lang="en-US" altLang="ko-KR"/>
-              <a:t>.</a:t>
-            </a:r>
-          </a:p>
-          <a:p>
-            <a:endParaRPr lang="en-US" altLang="ko-KR"/>
-          </a:p>
-          <a:p>
-            <a:endParaRPr lang="en-US" altLang="ko-KR"/>
-          </a:p>
-          <a:p>
-            <a:r>
-              <a:rPr lang="ko-KR" altLang="en-US"/>
-              <a:t>짜장면</a:t>
-            </a:r>
-            <a:endParaRPr lang="en-US" altLang="ko-KR"/>
-          </a:p>
-          <a:p>
-            <a:r>
-              <a:rPr lang="ko-KR" altLang="en-US"/>
-              <a:t>짬뽕</a:t>
-            </a:r>
-            <a:endParaRPr lang="en-US" altLang="ko-KR"/>
-          </a:p>
-          <a:p>
-            <a:r>
-              <a:rPr lang="ko-KR" altLang="en-US"/>
-              <a:t>탕수육</a:t>
-            </a:r>
-          </a:p>
-        </p:txBody>
-      </p:sp>
-    </p:spTree>
-    <p:extLst>
-      <p:ext uri="{BB962C8B-B14F-4D97-AF65-F5344CB8AC3E}">
-        <p14:creationId xmlns:p14="http://schemas.microsoft.com/office/powerpoint/2010/main" val="788002557"/>
       </p:ext>
     </p:extLst>
   </p:cSld>

--- a/수업/8. JavaScript (4)/PPT/JavaScript(4).pptx
+++ b/수업/8. JavaScript (4)/PPT/JavaScript(4).pptx
@@ -34,6 +34,7 @@
     <p:sldId id="285" r:id="rId28"/>
     <p:sldId id="286" r:id="rId29"/>
     <p:sldId id="287" r:id="rId30"/>
+    <p:sldId id="289" r:id="rId31"/>
   </p:sldIdLst>
   <p:sldSz cx="12192000" cy="6858000"/>
   <p:notesSz cx="6858000" cy="9144000"/>
@@ -287,7 +288,7 @@
           <a:p>
             <a:fld id="{FEE42A0A-E5B9-4C1F-82E3-47D4DF1CA831}" type="datetimeFigureOut">
               <a:rPr lang="ko-KR" altLang="en-US" smtClean="0"/>
-              <a:t>2021-10-21</a:t>
+              <a:t>2021-10-22</a:t>
             </a:fld>
             <a:endParaRPr lang="ko-KR" altLang="en-US"/>
           </a:p>
@@ -485,7 +486,7 @@
           <a:p>
             <a:fld id="{FEE42A0A-E5B9-4C1F-82E3-47D4DF1CA831}" type="datetimeFigureOut">
               <a:rPr lang="ko-KR" altLang="en-US" smtClean="0"/>
-              <a:t>2021-10-21</a:t>
+              <a:t>2021-10-22</a:t>
             </a:fld>
             <a:endParaRPr lang="ko-KR" altLang="en-US"/>
           </a:p>
@@ -693,7 +694,7 @@
           <a:p>
             <a:fld id="{FEE42A0A-E5B9-4C1F-82E3-47D4DF1CA831}" type="datetimeFigureOut">
               <a:rPr lang="ko-KR" altLang="en-US" smtClean="0"/>
-              <a:t>2021-10-21</a:t>
+              <a:t>2021-10-22</a:t>
             </a:fld>
             <a:endParaRPr lang="ko-KR" altLang="en-US"/>
           </a:p>
@@ -891,7 +892,7 @@
           <a:p>
             <a:fld id="{FEE42A0A-E5B9-4C1F-82E3-47D4DF1CA831}" type="datetimeFigureOut">
               <a:rPr lang="ko-KR" altLang="en-US" smtClean="0"/>
-              <a:t>2021-10-21</a:t>
+              <a:t>2021-10-22</a:t>
             </a:fld>
             <a:endParaRPr lang="ko-KR" altLang="en-US"/>
           </a:p>
@@ -1166,7 +1167,7 @@
           <a:p>
             <a:fld id="{FEE42A0A-E5B9-4C1F-82E3-47D4DF1CA831}" type="datetimeFigureOut">
               <a:rPr lang="ko-KR" altLang="en-US" smtClean="0"/>
-              <a:t>2021-10-21</a:t>
+              <a:t>2021-10-22</a:t>
             </a:fld>
             <a:endParaRPr lang="ko-KR" altLang="en-US"/>
           </a:p>
@@ -1431,7 +1432,7 @@
           <a:p>
             <a:fld id="{FEE42A0A-E5B9-4C1F-82E3-47D4DF1CA831}" type="datetimeFigureOut">
               <a:rPr lang="ko-KR" altLang="en-US" smtClean="0"/>
-              <a:t>2021-10-21</a:t>
+              <a:t>2021-10-22</a:t>
             </a:fld>
             <a:endParaRPr lang="ko-KR" altLang="en-US"/>
           </a:p>
@@ -1843,7 +1844,7 @@
           <a:p>
             <a:fld id="{FEE42A0A-E5B9-4C1F-82E3-47D4DF1CA831}" type="datetimeFigureOut">
               <a:rPr lang="ko-KR" altLang="en-US" smtClean="0"/>
-              <a:t>2021-10-21</a:t>
+              <a:t>2021-10-22</a:t>
             </a:fld>
             <a:endParaRPr lang="ko-KR" altLang="en-US"/>
           </a:p>
@@ -1984,7 +1985,7 @@
           <a:p>
             <a:fld id="{FEE42A0A-E5B9-4C1F-82E3-47D4DF1CA831}" type="datetimeFigureOut">
               <a:rPr lang="ko-KR" altLang="en-US" smtClean="0"/>
-              <a:t>2021-10-21</a:t>
+              <a:t>2021-10-22</a:t>
             </a:fld>
             <a:endParaRPr lang="ko-KR" altLang="en-US"/>
           </a:p>
@@ -2097,7 +2098,7 @@
           <a:p>
             <a:fld id="{FEE42A0A-E5B9-4C1F-82E3-47D4DF1CA831}" type="datetimeFigureOut">
               <a:rPr lang="ko-KR" altLang="en-US" smtClean="0"/>
-              <a:t>2021-10-21</a:t>
+              <a:t>2021-10-22</a:t>
             </a:fld>
             <a:endParaRPr lang="ko-KR" altLang="en-US"/>
           </a:p>
@@ -2408,7 +2409,7 @@
           <a:p>
             <a:fld id="{FEE42A0A-E5B9-4C1F-82E3-47D4DF1CA831}" type="datetimeFigureOut">
               <a:rPr lang="ko-KR" altLang="en-US" smtClean="0"/>
-              <a:t>2021-10-21</a:t>
+              <a:t>2021-10-22</a:t>
             </a:fld>
             <a:endParaRPr lang="ko-KR" altLang="en-US"/>
           </a:p>
@@ -2696,7 +2697,7 @@
           <a:p>
             <a:fld id="{FEE42A0A-E5B9-4C1F-82E3-47D4DF1CA831}" type="datetimeFigureOut">
               <a:rPr lang="ko-KR" altLang="en-US" smtClean="0"/>
-              <a:t>2021-10-21</a:t>
+              <a:t>2021-10-22</a:t>
             </a:fld>
             <a:endParaRPr lang="ko-KR" altLang="en-US"/>
           </a:p>
@@ -2937,7 +2938,7 @@
           <a:p>
             <a:fld id="{FEE42A0A-E5B9-4C1F-82E3-47D4DF1CA831}" type="datetimeFigureOut">
               <a:rPr lang="ko-KR" altLang="en-US" smtClean="0"/>
-              <a:t>2021-10-21</a:t>
+              <a:t>2021-10-22</a:t>
             </a:fld>
             <a:endParaRPr lang="ko-KR" altLang="en-US"/>
           </a:p>
@@ -8093,6 +8094,140 @@
 </p:sld>
 </file>
 
+<file path=ppt/slides/slide30.xml><?xml version="1.0" encoding="utf-8"?>
+<p:sld xmlns:a="http://schemas.openxmlformats.org/drawingml/2006/main" xmlns:r="http://schemas.openxmlformats.org/officeDocument/2006/relationships" xmlns:p="http://schemas.openxmlformats.org/presentationml/2006/main">
+  <p:cSld>
+    <p:spTree>
+      <p:nvGrpSpPr>
+        <p:cNvPr id="1" name=""/>
+        <p:cNvGrpSpPr/>
+        <p:nvPr/>
+      </p:nvGrpSpPr>
+      <p:grpSpPr>
+        <a:xfrm>
+          <a:off x="0" y="0"/>
+          <a:ext cx="0" cy="0"/>
+          <a:chOff x="0" y="0"/>
+          <a:chExt cx="0" cy="0"/>
+        </a:xfrm>
+      </p:grpSpPr>
+      <p:sp>
+        <p:nvSpPr>
+          <p:cNvPr id="2" name="제목 1">
+            <a:extLst>
+              <a:ext uri="{FF2B5EF4-FFF2-40B4-BE49-F238E27FC236}">
+                <a16:creationId xmlns:a16="http://schemas.microsoft.com/office/drawing/2014/main" id="{955E3D45-DBE3-4C77-BB19-80B45ACF8631}"/>
+              </a:ext>
+            </a:extLst>
+          </p:cNvPr>
+          <p:cNvSpPr>
+            <a:spLocks noGrp="1"/>
+          </p:cNvSpPr>
+          <p:nvPr>
+            <p:ph type="title"/>
+          </p:nvPr>
+        </p:nvSpPr>
+        <p:spPr/>
+        <p:txBody>
+          <a:bodyPr/>
+          <a:lstStyle/>
+          <a:p>
+            <a:r>
+              <a:rPr lang="ko-KR" altLang="en-US"/>
+              <a:t>직접 해보기</a:t>
+            </a:r>
+          </a:p>
+        </p:txBody>
+      </p:sp>
+      <p:sp>
+        <p:nvSpPr>
+          <p:cNvPr id="3" name="내용 개체 틀 2">
+            <a:extLst>
+              <a:ext uri="{FF2B5EF4-FFF2-40B4-BE49-F238E27FC236}">
+                <a16:creationId xmlns:a16="http://schemas.microsoft.com/office/drawing/2014/main" id="{4C6543AB-8EC0-4503-86BE-E94B28830236}"/>
+              </a:ext>
+            </a:extLst>
+          </p:cNvPr>
+          <p:cNvSpPr>
+            <a:spLocks noGrp="1"/>
+          </p:cNvSpPr>
+          <p:nvPr>
+            <p:ph idx="1"/>
+          </p:nvPr>
+        </p:nvSpPr>
+        <p:spPr/>
+        <p:txBody>
+          <a:bodyPr/>
+          <a:lstStyle/>
+          <a:p>
+            <a:r>
+              <a:rPr lang="en-US" altLang="ko-KR"/>
+              <a:t>[65, 44, 12, 4]</a:t>
+            </a:r>
+          </a:p>
+          <a:p>
+            <a:endParaRPr lang="en-US" altLang="ko-KR"/>
+          </a:p>
+          <a:p>
+            <a:r>
+              <a:rPr lang="ko-KR" altLang="en-US"/>
+              <a:t>문제</a:t>
+            </a:r>
+            <a:r>
+              <a:rPr lang="en-US" altLang="ko-KR"/>
+              <a:t>1. </a:t>
+            </a:r>
+            <a:r>
+              <a:rPr lang="ko-KR" altLang="en-US"/>
+              <a:t>각각을 </a:t>
+            </a:r>
+            <a:r>
+              <a:rPr lang="en-US" altLang="ko-KR"/>
+              <a:t>10</a:t>
+            </a:r>
+            <a:r>
+              <a:rPr lang="ko-KR" altLang="en-US"/>
+              <a:t>씩 곱한 새 배열을 만들라</a:t>
+            </a:r>
+            <a:r>
+              <a:rPr lang="en-US" altLang="ko-KR"/>
+              <a:t>.</a:t>
+            </a:r>
+          </a:p>
+          <a:p>
+            <a:r>
+              <a:rPr lang="ko-KR" altLang="en-US"/>
+              <a:t>문제</a:t>
+            </a:r>
+            <a:r>
+              <a:rPr lang="en-US" altLang="ko-KR"/>
+              <a:t>2. 30 </a:t>
+            </a:r>
+            <a:r>
+              <a:rPr lang="ko-KR" altLang="en-US"/>
+              <a:t>이상만 모아서 새 배열을 만들라</a:t>
+            </a:r>
+            <a:r>
+              <a:rPr lang="en-US" altLang="ko-KR"/>
+              <a:t>.</a:t>
+            </a:r>
+            <a:endParaRPr lang="ko-KR" altLang="en-US"/>
+          </a:p>
+        </p:txBody>
+      </p:sp>
+    </p:spTree>
+    <p:extLst>
+      <p:ext uri="{BB962C8B-B14F-4D97-AF65-F5344CB8AC3E}">
+        <p14:creationId xmlns:p14="http://schemas.microsoft.com/office/powerpoint/2010/main" val="2632386794"/>
+      </p:ext>
+    </p:extLst>
+  </p:cSld>
+  <p:clrMapOvr>
+    <a:masterClrMapping/>
+  </p:clrMapOvr>
+</p:sld>
+</file>
+
 <file path=ppt/slides/slide4.xml><?xml version="1.0" encoding="utf-8"?>
 <p:sld xmlns:a="http://schemas.openxmlformats.org/drawingml/2006/main" xmlns:r="http://schemas.openxmlformats.org/officeDocument/2006/relationships" xmlns:p="http://schemas.openxmlformats.org/presentationml/2006/main">
   <p:cSld>
